--- a/doc/Presentation.pptx
+++ b/doc/Presentation.pptx
@@ -5,7 +5,7 @@
     <p:sldMasterId id="2147483648" r:id="rId1"/>
   </p:sldMasterIdLst>
   <p:notesMasterIdLst>
-    <p:notesMasterId r:id="rId11"/>
+    <p:notesMasterId r:id="rId14"/>
   </p:notesMasterIdLst>
   <p:sldIdLst>
     <p:sldId id="387" r:id="rId2"/>
@@ -16,7 +16,10 @@
     <p:sldId id="406" r:id="rId7"/>
     <p:sldId id="404" r:id="rId8"/>
     <p:sldId id="405" r:id="rId9"/>
-    <p:sldId id="401" r:id="rId10"/>
+    <p:sldId id="407" r:id="rId10"/>
+    <p:sldId id="408" r:id="rId11"/>
+    <p:sldId id="409" r:id="rId12"/>
+    <p:sldId id="401" r:id="rId13"/>
   </p:sldIdLst>
   <p:sldSz cx="12192000" cy="6858000"/>
   <p:notesSz cx="6858000" cy="9144000"/>
@@ -117,7 +120,7 @@
   </p:defaultTextStyle>
   <p:extLst>
     <p:ext uri="{EFAFB233-063F-42B5-8137-9DF3F51BA10A}">
-      <p15:sldGuideLst xmlns:p15="http://schemas.microsoft.com/office/powerpoint/2012/main" xmlns="">
+      <p15:sldGuideLst xmlns="" xmlns:p15="http://schemas.microsoft.com/office/powerpoint/2012/main">
         <p15:guide id="1" orient="horz" pos="2160" userDrawn="1">
           <p15:clr>
             <a:srgbClr val="A4A3A4"/>
@@ -216,7 +219,7 @@
           <a:p>
             <a:fld id="{9287D9B5-79DC-4D13-AD9B-603A64EA5011}" type="datetimeFigureOut">
               <a:rPr lang="en-US" smtClean="0"/>
-              <a:t>3/1/2016</a:t>
+              <a:t>3/16/2016</a:t>
             </a:fld>
             <a:endParaRPr lang="en-US"/>
           </a:p>
@@ -568,6 +571,98 @@
 </p:notes>
 </file>
 
+<file path=ppt/notesSlides/notesSlide2.xml><?xml version="1.0" encoding="utf-8"?>
+<p:notes xmlns:a="http://schemas.openxmlformats.org/drawingml/2006/main" xmlns:r="http://schemas.openxmlformats.org/officeDocument/2006/relationships" xmlns:p="http://schemas.openxmlformats.org/presentationml/2006/main">
+  <p:cSld>
+    <p:spTree>
+      <p:nvGrpSpPr>
+        <p:cNvPr id="1" name=""/>
+        <p:cNvGrpSpPr/>
+        <p:nvPr/>
+      </p:nvGrpSpPr>
+      <p:grpSpPr>
+        <a:xfrm>
+          <a:off x="0" y="0"/>
+          <a:ext cx="0" cy="0"/>
+          <a:chOff x="0" y="0"/>
+          <a:chExt cx="0" cy="0"/>
+        </a:xfrm>
+      </p:grpSpPr>
+      <p:sp>
+        <p:nvSpPr>
+          <p:cNvPr id="2" name="Slide Image Placeholder 1"/>
+          <p:cNvSpPr>
+            <a:spLocks noGrp="1" noRot="1" noChangeAspect="1"/>
+          </p:cNvSpPr>
+          <p:nvPr>
+            <p:ph type="sldImg"/>
+          </p:nvPr>
+        </p:nvSpPr>
+        <p:spPr/>
+      </p:sp>
+      <p:sp>
+        <p:nvSpPr>
+          <p:cNvPr id="3" name="Notes Placeholder 2"/>
+          <p:cNvSpPr>
+            <a:spLocks noGrp="1"/>
+          </p:cNvSpPr>
+          <p:nvPr>
+            <p:ph type="body" idx="1"/>
+          </p:nvPr>
+        </p:nvSpPr>
+        <p:spPr/>
+        <p:txBody>
+          <a:bodyPr/>
+          <a:lstStyle/>
+          <a:p>
+            <a:r>
+              <a:rPr lang="en-US" dirty="0" smtClean="0"/>
+              <a:t>CA</a:t>
+            </a:r>
+            <a:r>
+              <a:rPr lang="en-US" baseline="0" dirty="0" smtClean="0"/>
+              <a:t>S – Common Analysis System</a:t>
+            </a:r>
+            <a:endParaRPr lang="ru-RU" dirty="0"/>
+          </a:p>
+        </p:txBody>
+      </p:sp>
+      <p:sp>
+        <p:nvSpPr>
+          <p:cNvPr id="4" name="Slide Number Placeholder 3"/>
+          <p:cNvSpPr>
+            <a:spLocks noGrp="1"/>
+          </p:cNvSpPr>
+          <p:nvPr>
+            <p:ph type="sldNum" sz="quarter" idx="10"/>
+          </p:nvPr>
+        </p:nvSpPr>
+        <p:spPr/>
+        <p:txBody>
+          <a:bodyPr/>
+          <a:lstStyle/>
+          <a:p>
+            <a:fld id="{43703477-049C-4F9F-8D39-E3817819A441}" type="slidenum">
+              <a:rPr lang="en-US" smtClean="0"/>
+              <a:t>4</a:t>
+            </a:fld>
+            <a:endParaRPr lang="en-US"/>
+          </a:p>
+        </p:txBody>
+      </p:sp>
+    </p:spTree>
+    <p:extLst>
+      <p:ext uri="{BB962C8B-B14F-4D97-AF65-F5344CB8AC3E}">
+        <p14:creationId xmlns:p14="http://schemas.microsoft.com/office/powerpoint/2010/main" val="1815179138"/>
+      </p:ext>
+    </p:extLst>
+  </p:cSld>
+  <p:clrMapOvr>
+    <a:masterClrMapping/>
+  </p:clrMapOvr>
+</p:notes>
+</file>
+
 <file path=ppt/slideLayouts/slideLayout1.xml><?xml version="1.0" encoding="utf-8"?>
 <p:sldLayout xmlns:a="http://schemas.openxmlformats.org/drawingml/2006/main" xmlns:r="http://schemas.openxmlformats.org/officeDocument/2006/relationships" xmlns:p="http://schemas.openxmlformats.org/presentationml/2006/main" type="title" preserve="1">
   <p:cSld name="Титульный слайд">
@@ -699,7 +794,7 @@
           <a:p>
             <a:fld id="{560984F1-1C83-4D6F-937B-F4A0931E74AF}" type="datetime1">
               <a:rPr lang="en-US" smtClean="0"/>
-              <a:t>3/1/2016</a:t>
+              <a:t>3/16/2016</a:t>
             </a:fld>
             <a:endParaRPr lang="en-US"/>
           </a:p>
@@ -873,7 +968,7 @@
           <a:p>
             <a:fld id="{40048B7D-3C9C-433B-88BC-15C9F0EC6FB4}" type="datetime1">
               <a:rPr lang="en-US" smtClean="0"/>
-              <a:t>3/1/2016</a:t>
+              <a:t>3/16/2016</a:t>
             </a:fld>
             <a:endParaRPr lang="en-US"/>
           </a:p>
@@ -1057,7 +1152,7 @@
           <a:p>
             <a:fld id="{37E3DEFA-5DDE-45F6-AAF3-660D4BB67DCD}" type="datetime1">
               <a:rPr lang="en-US" smtClean="0"/>
-              <a:t>3/1/2016</a:t>
+              <a:t>3/16/2016</a:t>
             </a:fld>
             <a:endParaRPr lang="en-US"/>
           </a:p>
@@ -1231,7 +1326,7 @@
           <a:p>
             <a:fld id="{9A2B6F06-9412-4087-9519-F250D40FAA9B}" type="datetime1">
               <a:rPr lang="en-US" smtClean="0"/>
-              <a:t>3/1/2016</a:t>
+              <a:t>3/16/2016</a:t>
             </a:fld>
             <a:endParaRPr lang="en-US"/>
           </a:p>
@@ -1481,7 +1576,7 @@
           <a:p>
             <a:fld id="{77923D88-3BBE-4BF8-B99C-69153F1B6B00}" type="datetime1">
               <a:rPr lang="en-US" smtClean="0"/>
-              <a:t>3/1/2016</a:t>
+              <a:t>3/16/2016</a:t>
             </a:fld>
             <a:endParaRPr lang="en-US"/>
           </a:p>
@@ -1717,7 +1812,7 @@
           <a:p>
             <a:fld id="{FF3431C4-5731-4FE5-8E75-E8C8DA1DE6BC}" type="datetime1">
               <a:rPr lang="en-US" smtClean="0"/>
-              <a:t>3/1/2016</a:t>
+              <a:t>3/16/2016</a:t>
             </a:fld>
             <a:endParaRPr lang="en-US"/>
           </a:p>
@@ -2088,7 +2183,7 @@
           <a:p>
             <a:fld id="{AB26A0F6-EC27-4718-8268-067DCF0570D4}" type="datetime1">
               <a:rPr lang="en-US" smtClean="0"/>
-              <a:t>3/1/2016</a:t>
+              <a:t>3/16/2016</a:t>
             </a:fld>
             <a:endParaRPr lang="en-US"/>
           </a:p>
@@ -2210,7 +2305,7 @@
           <a:p>
             <a:fld id="{FDEFBC4E-F023-4D8A-B06B-ACD25120275F}" type="datetime1">
               <a:rPr lang="en-US" smtClean="0"/>
-              <a:t>3/1/2016</a:t>
+              <a:t>3/16/2016</a:t>
             </a:fld>
             <a:endParaRPr lang="en-US"/>
           </a:p>
@@ -2309,7 +2404,7 @@
           <a:p>
             <a:fld id="{508EC1F3-E5AB-4887-81B1-3ED695DD901B}" type="datetime1">
               <a:rPr lang="en-US" smtClean="0"/>
-              <a:t>3/1/2016</a:t>
+              <a:t>3/16/2016</a:t>
             </a:fld>
             <a:endParaRPr lang="en-US"/>
           </a:p>
@@ -2590,7 +2685,7 @@
           <a:p>
             <a:fld id="{6FCCBD79-94CD-4C46-A343-83CB75AFD5BD}" type="datetime1">
               <a:rPr lang="en-US" smtClean="0"/>
-              <a:t>3/1/2016</a:t>
+              <a:t>3/16/2016</a:t>
             </a:fld>
             <a:endParaRPr lang="en-US"/>
           </a:p>
@@ -2847,7 +2942,7 @@
           <a:p>
             <a:fld id="{CA47C8E6-E082-4645-831D-F582550B1470}" type="datetime1">
               <a:rPr lang="en-US" smtClean="0"/>
-              <a:t>3/1/2016</a:t>
+              <a:t>3/16/2016</a:t>
             </a:fld>
             <a:endParaRPr lang="en-US"/>
           </a:p>
@@ -3064,7 +3159,7 @@
           <a:p>
             <a:fld id="{9A2DE9A4-4438-40EF-8DD7-AE6A8DDFEF8F}" type="datetime1">
               <a:rPr lang="en-US" smtClean="0"/>
-              <a:t>3/1/2016</a:t>
+              <a:t>3/16/2016</a:t>
             </a:fld>
             <a:endParaRPr lang="en-US"/>
           </a:p>
@@ -3523,16 +3618,11 @@
               <a:rPr lang="ru-RU" dirty="0" smtClean="0"/>
               <a:t>«Правила этикета»</a:t>
             </a:r>
-            <a:endParaRPr lang="ru-RU" dirty="0" smtClean="0"/>
           </a:p>
           <a:p>
             <a:r>
               <a:rPr lang="ru-RU" dirty="0" smtClean="0"/>
-              <a:t>2016 </a:t>
-            </a:r>
-            <a:r>
-              <a:rPr lang="ru-RU" dirty="0" smtClean="0"/>
-              <a:t>г.</a:t>
+              <a:t>2016 г.</a:t>
             </a:r>
             <a:endParaRPr lang="ru-RU" dirty="0"/>
           </a:p>
@@ -3592,6 +3682,502 @@
     <p:extLst>
       <p:ext uri="{BB962C8B-B14F-4D97-AF65-F5344CB8AC3E}">
         <p14:creationId xmlns:p14="http://schemas.microsoft.com/office/powerpoint/2010/main" val="1079883610"/>
+      </p:ext>
+    </p:extLst>
+  </p:cSld>
+  <p:clrMapOvr>
+    <a:masterClrMapping/>
+  </p:clrMapOvr>
+</p:sld>
+</file>
+
+<file path=ppt/slides/slide10.xml><?xml version="1.0" encoding="utf-8"?>
+<p:sld xmlns:a="http://schemas.openxmlformats.org/drawingml/2006/main" xmlns:r="http://schemas.openxmlformats.org/officeDocument/2006/relationships" xmlns:p="http://schemas.openxmlformats.org/presentationml/2006/main">
+  <p:cSld>
+    <p:spTree>
+      <p:nvGrpSpPr>
+        <p:cNvPr id="1" name=""/>
+        <p:cNvGrpSpPr/>
+        <p:nvPr/>
+      </p:nvGrpSpPr>
+      <p:grpSpPr>
+        <a:xfrm>
+          <a:off x="0" y="0"/>
+          <a:ext cx="0" cy="0"/>
+          <a:chOff x="0" y="0"/>
+          <a:chExt cx="0" cy="0"/>
+        </a:xfrm>
+      </p:grpSpPr>
+      <p:sp>
+        <p:nvSpPr>
+          <p:cNvPr id="2" name="Заголовок 1"/>
+          <p:cNvSpPr>
+            <a:spLocks noGrp="1"/>
+          </p:cNvSpPr>
+          <p:nvPr>
+            <p:ph type="title"/>
+          </p:nvPr>
+        </p:nvSpPr>
+        <p:spPr/>
+        <p:txBody>
+          <a:bodyPr/>
+          <a:lstStyle/>
+          <a:p>
+            <a:r>
+              <a:rPr lang="ru-RU" dirty="0" smtClean="0"/>
+              <a:t>Полученный опыт</a:t>
+            </a:r>
+            <a:endParaRPr lang="ru-RU" dirty="0"/>
+          </a:p>
+        </p:txBody>
+      </p:sp>
+      <p:sp>
+        <p:nvSpPr>
+          <p:cNvPr id="3" name="Объект 2"/>
+          <p:cNvSpPr>
+            <a:spLocks noGrp="1"/>
+          </p:cNvSpPr>
+          <p:nvPr>
+            <p:ph idx="1"/>
+          </p:nvPr>
+        </p:nvSpPr>
+        <p:spPr/>
+        <p:txBody>
+          <a:bodyPr/>
+          <a:lstStyle/>
+          <a:p>
+            <a:r>
+              <a:rPr lang="ru-RU" dirty="0" smtClean="0"/>
+              <a:t>Инструменты </a:t>
+            </a:r>
+            <a:r>
+              <a:rPr lang="en-US" dirty="0" smtClean="0"/>
+              <a:t>NLP </a:t>
+            </a:r>
+            <a:r>
+              <a:rPr lang="ru-RU" dirty="0" smtClean="0"/>
+              <a:t>для русского языка</a:t>
+            </a:r>
+            <a:r>
+              <a:rPr lang="en-US" dirty="0" smtClean="0"/>
+              <a:t> </a:t>
+            </a:r>
+            <a:r>
+              <a:rPr lang="ru-RU" dirty="0" smtClean="0"/>
+              <a:t>очень «сырые»</a:t>
+            </a:r>
+            <a:endParaRPr lang="en-US" dirty="0" smtClean="0"/>
+          </a:p>
+          <a:p>
+            <a:r>
+              <a:rPr lang="ru-RU" dirty="0" smtClean="0"/>
+              <a:t>Материалы и модели имеют сомнительные лицензии</a:t>
+            </a:r>
+          </a:p>
+          <a:p>
+            <a:r>
+              <a:rPr lang="ru-RU" dirty="0"/>
+              <a:t>Инструменты </a:t>
+            </a:r>
+            <a:r>
+              <a:rPr lang="en-US" dirty="0"/>
+              <a:t>NLP </a:t>
+            </a:r>
+            <a:r>
+              <a:rPr lang="ru-RU" dirty="0"/>
+              <a:t>крайне ресурсоемки (</a:t>
+            </a:r>
+            <a:r>
+              <a:rPr lang="en-US" dirty="0"/>
+              <a:t>32-256 Gb RAM</a:t>
+            </a:r>
+            <a:r>
+              <a:rPr lang="en-US" dirty="0" smtClean="0"/>
+              <a:t>)</a:t>
+            </a:r>
+            <a:endParaRPr lang="ru-RU" dirty="0" smtClean="0"/>
+          </a:p>
+          <a:p>
+            <a:r>
+              <a:rPr lang="en-US" dirty="0" smtClean="0"/>
+              <a:t>Apache UIMA</a:t>
+            </a:r>
+            <a:r>
+              <a:rPr lang="ru-RU" dirty="0" smtClean="0"/>
+              <a:t> не совместима с версией </a:t>
+            </a:r>
+            <a:r>
+              <a:rPr lang="en-US" dirty="0" smtClean="0"/>
+              <a:t>Apache Spark</a:t>
+            </a:r>
+            <a:r>
+              <a:rPr lang="ru-RU" dirty="0" smtClean="0"/>
+              <a:t> на кластере</a:t>
+            </a:r>
+          </a:p>
+          <a:p>
+            <a:endParaRPr lang="ru-RU" dirty="0" smtClean="0"/>
+          </a:p>
+          <a:p>
+            <a:endParaRPr lang="ru-RU" dirty="0" smtClean="0"/>
+          </a:p>
+          <a:p>
+            <a:endParaRPr lang="ru-RU" dirty="0" smtClean="0"/>
+          </a:p>
+          <a:p>
+            <a:pPr lvl="1"/>
+            <a:endParaRPr lang="ru-RU" dirty="0"/>
+          </a:p>
+        </p:txBody>
+      </p:sp>
+      <p:sp>
+        <p:nvSpPr>
+          <p:cNvPr id="4" name="Нижний колонтитул 3"/>
+          <p:cNvSpPr>
+            <a:spLocks noGrp="1"/>
+          </p:cNvSpPr>
+          <p:nvPr>
+            <p:ph type="ftr" sz="quarter" idx="11"/>
+          </p:nvPr>
+        </p:nvSpPr>
+        <p:spPr/>
+        <p:txBody>
+          <a:bodyPr/>
+          <a:lstStyle/>
+          <a:p>
+            <a:r>
+              <a:rPr lang="en-US" dirty="0" err="1"/>
+              <a:t>Artezio</a:t>
+            </a:r>
+            <a:r>
+              <a:rPr lang="en-US" dirty="0"/>
+              <a:t> 2016</a:t>
+            </a:r>
+          </a:p>
+        </p:txBody>
+      </p:sp>
+      <p:sp>
+        <p:nvSpPr>
+          <p:cNvPr id="5" name="Номер слайда 4"/>
+          <p:cNvSpPr>
+            <a:spLocks noGrp="1"/>
+          </p:cNvSpPr>
+          <p:nvPr>
+            <p:ph type="sldNum" sz="quarter" idx="12"/>
+          </p:nvPr>
+        </p:nvSpPr>
+        <p:spPr/>
+        <p:txBody>
+          <a:bodyPr/>
+          <a:lstStyle/>
+          <a:p>
+            <a:fld id="{53FE853A-3A55-4CD3-B026-601242F08E1E}" type="slidenum">
+              <a:rPr lang="en-US" smtClean="0"/>
+              <a:t>10</a:t>
+            </a:fld>
+            <a:endParaRPr lang="en-US"/>
+          </a:p>
+        </p:txBody>
+      </p:sp>
+    </p:spTree>
+    <p:extLst>
+      <p:ext uri="{BB962C8B-B14F-4D97-AF65-F5344CB8AC3E}">
+        <p14:creationId xmlns:p14="http://schemas.microsoft.com/office/powerpoint/2010/main" val="2252048810"/>
+      </p:ext>
+    </p:extLst>
+  </p:cSld>
+  <p:clrMapOvr>
+    <a:masterClrMapping/>
+  </p:clrMapOvr>
+</p:sld>
+</file>
+
+<file path=ppt/slides/slide11.xml><?xml version="1.0" encoding="utf-8"?>
+<p:sld xmlns:a="http://schemas.openxmlformats.org/drawingml/2006/main" xmlns:r="http://schemas.openxmlformats.org/officeDocument/2006/relationships" xmlns:p="http://schemas.openxmlformats.org/presentationml/2006/main">
+  <p:cSld>
+    <p:spTree>
+      <p:nvGrpSpPr>
+        <p:cNvPr id="1" name=""/>
+        <p:cNvGrpSpPr/>
+        <p:nvPr/>
+      </p:nvGrpSpPr>
+      <p:grpSpPr>
+        <a:xfrm>
+          <a:off x="0" y="0"/>
+          <a:ext cx="0" cy="0"/>
+          <a:chOff x="0" y="0"/>
+          <a:chExt cx="0" cy="0"/>
+        </a:xfrm>
+      </p:grpSpPr>
+      <p:sp>
+        <p:nvSpPr>
+          <p:cNvPr id="2" name="Заголовок 1"/>
+          <p:cNvSpPr>
+            <a:spLocks noGrp="1"/>
+          </p:cNvSpPr>
+          <p:nvPr>
+            <p:ph type="title"/>
+          </p:nvPr>
+        </p:nvSpPr>
+        <p:spPr/>
+        <p:txBody>
+          <a:bodyPr/>
+          <a:lstStyle/>
+          <a:p>
+            <a:r>
+              <a:rPr lang="ru-RU" dirty="0" smtClean="0"/>
+              <a:t>Используемые ресурсы</a:t>
+            </a:r>
+            <a:endParaRPr lang="ru-RU" dirty="0"/>
+          </a:p>
+        </p:txBody>
+      </p:sp>
+      <p:sp>
+        <p:nvSpPr>
+          <p:cNvPr id="3" name="Объект 2"/>
+          <p:cNvSpPr>
+            <a:spLocks noGrp="1"/>
+          </p:cNvSpPr>
+          <p:nvPr>
+            <p:ph idx="1"/>
+          </p:nvPr>
+        </p:nvSpPr>
+        <p:spPr/>
+        <p:txBody>
+          <a:bodyPr/>
+          <a:lstStyle/>
+          <a:p>
+            <a:r>
+              <a:rPr lang="en-US" dirty="0" err="1" smtClean="0"/>
+              <a:t>DbPedia</a:t>
+            </a:r>
+            <a:r>
+              <a:rPr lang="ru-RU" dirty="0" smtClean="0"/>
+              <a:t> (</a:t>
+            </a:r>
+            <a:r>
+              <a:rPr lang="en-US" dirty="0" smtClean="0"/>
+              <a:t>several datasets)</a:t>
+            </a:r>
+          </a:p>
+          <a:p>
+            <a:r>
+              <a:rPr lang="en-US" dirty="0" err="1" smtClean="0"/>
+              <a:t>Wordnet</a:t>
+            </a:r>
+            <a:endParaRPr lang="en-US" dirty="0" smtClean="0"/>
+          </a:p>
+          <a:p>
+            <a:r>
+              <a:rPr lang="en-US" dirty="0" smtClean="0"/>
+              <a:t>Freebase</a:t>
+            </a:r>
+          </a:p>
+          <a:p>
+            <a:r>
+              <a:rPr lang="en-US" dirty="0" err="1" smtClean="0"/>
+              <a:t>Yandex</a:t>
+            </a:r>
+            <a:r>
+              <a:rPr lang="en-US" dirty="0" smtClean="0"/>
+              <a:t> </a:t>
+            </a:r>
+            <a:r>
+              <a:rPr lang="en-US" dirty="0" err="1" smtClean="0"/>
+              <a:t>SpeechKit</a:t>
+            </a:r>
+            <a:endParaRPr lang="en-US" dirty="0" smtClean="0"/>
+          </a:p>
+          <a:p>
+            <a:r>
+              <a:rPr lang="en-US" dirty="0" err="1" smtClean="0"/>
+              <a:t>OpenCorpora</a:t>
+            </a:r>
+            <a:endParaRPr lang="en-US" dirty="0" smtClean="0"/>
+          </a:p>
+          <a:p>
+            <a:r>
+              <a:rPr lang="ru-RU" dirty="0" err="1" smtClean="0"/>
+              <a:t>СинТагРус</a:t>
+            </a:r>
+            <a:endParaRPr lang="en-US" dirty="0" smtClean="0"/>
+          </a:p>
+        </p:txBody>
+      </p:sp>
+      <p:sp>
+        <p:nvSpPr>
+          <p:cNvPr id="4" name="Нижний колонтитул 3"/>
+          <p:cNvSpPr>
+            <a:spLocks noGrp="1"/>
+          </p:cNvSpPr>
+          <p:nvPr>
+            <p:ph type="ftr" sz="quarter" idx="11"/>
+          </p:nvPr>
+        </p:nvSpPr>
+        <p:spPr/>
+        <p:txBody>
+          <a:bodyPr/>
+          <a:lstStyle/>
+          <a:p>
+            <a:r>
+              <a:rPr lang="en-US" dirty="0" err="1"/>
+              <a:t>Artezio</a:t>
+            </a:r>
+            <a:r>
+              <a:rPr lang="en-US" dirty="0"/>
+              <a:t> 2016</a:t>
+            </a:r>
+          </a:p>
+        </p:txBody>
+      </p:sp>
+      <p:sp>
+        <p:nvSpPr>
+          <p:cNvPr id="5" name="Номер слайда 4"/>
+          <p:cNvSpPr>
+            <a:spLocks noGrp="1"/>
+          </p:cNvSpPr>
+          <p:nvPr>
+            <p:ph type="sldNum" sz="quarter" idx="12"/>
+          </p:nvPr>
+        </p:nvSpPr>
+        <p:spPr/>
+        <p:txBody>
+          <a:bodyPr/>
+          <a:lstStyle/>
+          <a:p>
+            <a:fld id="{53FE853A-3A55-4CD3-B026-601242F08E1E}" type="slidenum">
+              <a:rPr lang="en-US" smtClean="0"/>
+              <a:t>11</a:t>
+            </a:fld>
+            <a:endParaRPr lang="en-US"/>
+          </a:p>
+        </p:txBody>
+      </p:sp>
+    </p:spTree>
+    <p:extLst>
+      <p:ext uri="{BB962C8B-B14F-4D97-AF65-F5344CB8AC3E}">
+        <p14:creationId xmlns:p14="http://schemas.microsoft.com/office/powerpoint/2010/main" val="2143035052"/>
+      </p:ext>
+    </p:extLst>
+  </p:cSld>
+  <p:clrMapOvr>
+    <a:masterClrMapping/>
+  </p:clrMapOvr>
+</p:sld>
+</file>
+
+<file path=ppt/slides/slide12.xml><?xml version="1.0" encoding="utf-8"?>
+<p:sld xmlns:a="http://schemas.openxmlformats.org/drawingml/2006/main" xmlns:r="http://schemas.openxmlformats.org/officeDocument/2006/relationships" xmlns:p="http://schemas.openxmlformats.org/presentationml/2006/main">
+  <p:cSld>
+    <p:spTree>
+      <p:nvGrpSpPr>
+        <p:cNvPr id="1" name=""/>
+        <p:cNvGrpSpPr/>
+        <p:nvPr/>
+      </p:nvGrpSpPr>
+      <p:grpSpPr>
+        <a:xfrm>
+          <a:off x="0" y="0"/>
+          <a:ext cx="0" cy="0"/>
+          <a:chOff x="0" y="0"/>
+          <a:chExt cx="0" cy="0"/>
+        </a:xfrm>
+      </p:grpSpPr>
+      <p:sp>
+        <p:nvSpPr>
+          <p:cNvPr id="4" name="Заголовок 3"/>
+          <p:cNvSpPr>
+            <a:spLocks noGrp="1"/>
+          </p:cNvSpPr>
+          <p:nvPr>
+            <p:ph type="title"/>
+          </p:nvPr>
+        </p:nvSpPr>
+        <p:spPr/>
+        <p:txBody>
+          <a:bodyPr/>
+          <a:lstStyle/>
+          <a:p>
+            <a:r>
+              <a:rPr lang="en-US" dirty="0" smtClean="0"/>
+              <a:t>Q&amp;A</a:t>
+            </a:r>
+            <a:endParaRPr lang="ru-RU" dirty="0"/>
+          </a:p>
+        </p:txBody>
+      </p:sp>
+      <p:sp>
+        <p:nvSpPr>
+          <p:cNvPr id="5" name="Текст 4"/>
+          <p:cNvSpPr>
+            <a:spLocks noGrp="1"/>
+          </p:cNvSpPr>
+          <p:nvPr>
+            <p:ph type="body" idx="1"/>
+          </p:nvPr>
+        </p:nvSpPr>
+        <p:spPr/>
+        <p:txBody>
+          <a:bodyPr/>
+          <a:lstStyle/>
+          <a:p>
+            <a:endParaRPr lang="ru-RU" dirty="0"/>
+          </a:p>
+        </p:txBody>
+      </p:sp>
+      <p:sp>
+        <p:nvSpPr>
+          <p:cNvPr id="6" name="Нижний колонтитул 5"/>
+          <p:cNvSpPr>
+            <a:spLocks noGrp="1"/>
+          </p:cNvSpPr>
+          <p:nvPr>
+            <p:ph type="ftr" sz="quarter" idx="11"/>
+          </p:nvPr>
+        </p:nvSpPr>
+        <p:spPr/>
+        <p:txBody>
+          <a:bodyPr/>
+          <a:lstStyle/>
+          <a:p>
+            <a:r>
+              <a:rPr lang="en-US" dirty="0" err="1"/>
+              <a:t>Artezio</a:t>
+            </a:r>
+            <a:r>
+              <a:rPr lang="en-US" dirty="0"/>
+              <a:t> 2016</a:t>
+            </a:r>
+          </a:p>
+        </p:txBody>
+      </p:sp>
+      <p:sp>
+        <p:nvSpPr>
+          <p:cNvPr id="7" name="Номер слайда 6"/>
+          <p:cNvSpPr>
+            <a:spLocks noGrp="1"/>
+          </p:cNvSpPr>
+          <p:nvPr>
+            <p:ph type="sldNum" sz="quarter" idx="12"/>
+          </p:nvPr>
+        </p:nvSpPr>
+        <p:spPr/>
+        <p:txBody>
+          <a:bodyPr/>
+          <a:lstStyle/>
+          <a:p>
+            <a:fld id="{53FE853A-3A55-4CD3-B026-601242F08E1E}" type="slidenum">
+              <a:rPr lang="en-US" smtClean="0"/>
+              <a:t>12</a:t>
+            </a:fld>
+            <a:endParaRPr lang="en-US"/>
+          </a:p>
+        </p:txBody>
+      </p:sp>
+    </p:spTree>
+    <p:extLst>
+      <p:ext uri="{BB962C8B-B14F-4D97-AF65-F5344CB8AC3E}">
+        <p14:creationId xmlns:p14="http://schemas.microsoft.com/office/powerpoint/2010/main" val="3750068630"/>
       </p:ext>
     </p:extLst>
   </p:cSld>
@@ -3697,7 +4283,6 @@
               <a:rPr lang="en-US" dirty="0"/>
               <a:t> 2016</a:t>
             </a:r>
-            <a:endParaRPr lang="en-US" dirty="0"/>
           </a:p>
         </p:txBody>
       </p:sp>
@@ -3838,8 +4423,19 @@
           <a:p>
             <a:r>
               <a:rPr lang="ru-RU" dirty="0" smtClean="0"/>
-              <a:t>Система должна предоставить несколько (до 25) ранжированных ответов на выбор</a:t>
-            </a:r>
+              <a:t>Система должна предоставить несколько (до 25) ранжированных ответов на </a:t>
+            </a:r>
+            <a:r>
+              <a:rPr lang="ru-RU" dirty="0" smtClean="0"/>
+              <a:t>выбор</a:t>
+            </a:r>
+          </a:p>
+          <a:p>
+            <a:r>
+              <a:rPr lang="ru-RU" dirty="0" smtClean="0"/>
+              <a:t>Вопросы должны быть в области знаний правил этикета</a:t>
+            </a:r>
+            <a:endParaRPr lang="ru-RU" dirty="0" smtClean="0"/>
           </a:p>
           <a:p>
             <a:endParaRPr lang="ru-RU" dirty="0" smtClean="0"/>
@@ -3873,7 +4469,6 @@
               <a:rPr lang="en-US" dirty="0"/>
               <a:t> 2016</a:t>
             </a:r>
-            <a:endParaRPr lang="en-US" dirty="0"/>
           </a:p>
         </p:txBody>
       </p:sp>
@@ -3976,7 +4571,6 @@
               <a:rPr lang="en-US" dirty="0"/>
               <a:t> 2016</a:t>
             </a:r>
-            <a:endParaRPr lang="en-US" dirty="0"/>
           </a:p>
         </p:txBody>
       </p:sp>
@@ -4026,12 +4620,12 @@
           <a:graphicData uri="http://schemas.openxmlformats.org/presentationml/2006/ole">
             <mc:AlternateContent xmlns:mc="http://schemas.openxmlformats.org/markup-compatibility/2006">
               <mc:Choice xmlns:v="urn:schemas-microsoft-com:vml" Requires="v">
-                <p:oleObj spid="_x0000_s1029" name="Visio" r:id="rId3" imgW="4534992" imgH="1475010" progId="Visio.Drawing.11">
+                <p:oleObj spid="_x0000_s1033" name="Visio" r:id="rId4" imgW="4534992" imgH="1475010" progId="Visio.Drawing.11">
                   <p:embed/>
                 </p:oleObj>
               </mc:Choice>
               <mc:Fallback>
-                <p:oleObj name="Visio" r:id="rId3" imgW="4534992" imgH="1475010" progId="Visio.Drawing.11">
+                <p:oleObj name="Visio" r:id="rId4" imgW="4534992" imgH="1475010" progId="Visio.Drawing.11">
                   <p:embed/>
                   <p:pic>
                     <p:nvPicPr>
@@ -4040,7 +4634,7 @@
                       <p:nvPr/>
                     </p:nvPicPr>
                     <p:blipFill>
-                      <a:blip r:embed="rId4"/>
+                      <a:blip r:embed="rId5"/>
                       <a:stretch>
                         <a:fillRect/>
                       </a:stretch>
@@ -4240,7 +4834,6 @@
               <a:rPr lang="en-US" dirty="0"/>
               <a:t> 2016</a:t>
             </a:r>
-            <a:endParaRPr lang="en-US" dirty="0"/>
           </a:p>
         </p:txBody>
       </p:sp>
@@ -4374,7 +4967,7 @@
           <a:graphicData uri="http://schemas.openxmlformats.org/presentationml/2006/ole">
             <mc:AlternateContent xmlns:mc="http://schemas.openxmlformats.org/markup-compatibility/2006">
               <mc:Choice xmlns:v="urn:schemas-microsoft-com:vml" Requires="v">
-                <p:oleObj spid="_x0000_s2052" name="Visio" r:id="rId3" imgW="4534992" imgH="1475010" progId="Visio.Drawing.11">
+                <p:oleObj spid="_x0000_s2056" name="Visio" r:id="rId3" imgW="4534992" imgH="1475010" progId="Visio.Drawing.11">
                   <p:embed/>
                 </p:oleObj>
               </mc:Choice>
@@ -4485,7 +5078,6 @@
               <a:rPr lang="en-US" dirty="0"/>
               <a:t> 2016</a:t>
             </a:r>
-            <a:endParaRPr lang="en-US" dirty="0"/>
           </a:p>
         </p:txBody>
       </p:sp>
@@ -4585,7 +5177,7 @@
           <a:graphicData uri="http://schemas.openxmlformats.org/presentationml/2006/ole">
             <mc:AlternateContent xmlns:mc="http://schemas.openxmlformats.org/markup-compatibility/2006">
               <mc:Choice xmlns:v="urn:schemas-microsoft-com:vml" Requires="v">
-                <p:oleObj spid="_x0000_s5122" name="Visio" r:id="rId3" imgW="4534992" imgH="1475010" progId="Visio.Drawing.11">
+                <p:oleObj spid="_x0000_s5126" name="Visio" r:id="rId3" imgW="4534992" imgH="1475010" progId="Visio.Drawing.11">
                   <p:embed/>
                 </p:oleObj>
               </mc:Choice>
@@ -4696,7 +5288,6 @@
               <a:rPr lang="en-US" dirty="0"/>
               <a:t> 2016</a:t>
             </a:r>
-            <a:endParaRPr lang="en-US" dirty="0"/>
           </a:p>
         </p:txBody>
       </p:sp>
@@ -4827,7 +5418,7 @@
           <a:graphicData uri="http://schemas.openxmlformats.org/presentationml/2006/ole">
             <mc:AlternateContent xmlns:mc="http://schemas.openxmlformats.org/markup-compatibility/2006">
               <mc:Choice xmlns:v="urn:schemas-microsoft-com:vml" Requires="v">
-                <p:oleObj spid="_x0000_s3075" name="Visio" r:id="rId3" imgW="8440844" imgH="2825010" progId="Visio.Drawing.11">
+                <p:oleObj spid="_x0000_s3079" name="Visio" r:id="rId3" imgW="8440844" imgH="2825010" progId="Visio.Drawing.11">
                   <p:embed/>
                 </p:oleObj>
               </mc:Choice>
@@ -4938,7 +5529,6 @@
               <a:rPr lang="en-US" dirty="0"/>
               <a:t> 2016</a:t>
             </a:r>
-            <a:endParaRPr lang="en-US" dirty="0"/>
           </a:p>
         </p:txBody>
       </p:sp>
@@ -5107,7 +5697,7 @@
           <a:graphicData uri="http://schemas.openxmlformats.org/presentationml/2006/ole">
             <mc:AlternateContent xmlns:mc="http://schemas.openxmlformats.org/markup-compatibility/2006">
               <mc:Choice xmlns:v="urn:schemas-microsoft-com:vml" Requires="v">
-                <p:oleObj spid="_x0000_s4099" name="Visio" r:id="rId3" imgW="6334888" imgH="2555010" progId="Visio.Drawing.11">
+                <p:oleObj spid="_x0000_s4103" name="Visio" r:id="rId3" imgW="6334888" imgH="2555010" progId="Visio.Drawing.11">
                   <p:embed/>
                 </p:oleObj>
               </mc:Choice>
@@ -5174,7 +5764,7 @@
       </p:grpSpPr>
       <p:sp>
         <p:nvSpPr>
-          <p:cNvPr id="4" name="Заголовок 3"/>
+          <p:cNvPr id="2" name="Заголовок 1"/>
           <p:cNvSpPr>
             <a:spLocks noGrp="1"/>
           </p:cNvSpPr>
@@ -5188,8 +5778,8 @@
           <a:lstStyle/>
           <a:p>
             <a:r>
-              <a:rPr lang="en-US" dirty="0" smtClean="0"/>
-              <a:t>Q&amp;A</a:t>
+              <a:rPr lang="ru-RU" dirty="0" smtClean="0"/>
+              <a:t>Полученные результаты</a:t>
             </a:r>
             <a:endParaRPr lang="ru-RU" dirty="0"/>
           </a:p>
@@ -5197,26 +5787,79 @@
       </p:sp>
       <p:sp>
         <p:nvSpPr>
-          <p:cNvPr id="5" name="Текст 4"/>
-          <p:cNvSpPr>
-            <a:spLocks noGrp="1"/>
-          </p:cNvSpPr>
-          <p:nvPr>
-            <p:ph type="body" idx="1"/>
-          </p:nvPr>
-        </p:nvSpPr>
-        <p:spPr/>
-        <p:txBody>
-          <a:bodyPr/>
-          <a:lstStyle/>
-          <a:p>
+          <p:cNvPr id="3" name="Объект 2"/>
+          <p:cNvSpPr>
+            <a:spLocks noGrp="1"/>
+          </p:cNvSpPr>
+          <p:nvPr>
+            <p:ph idx="1"/>
+          </p:nvPr>
+        </p:nvSpPr>
+        <p:spPr/>
+        <p:txBody>
+          <a:bodyPr/>
+          <a:lstStyle/>
+          <a:p>
+            <a:r>
+              <a:rPr lang="ru-RU" dirty="0" smtClean="0"/>
+              <a:t>На выборке в 50 вопросов</a:t>
+            </a:r>
+            <a:endParaRPr lang="ru-RU" dirty="0" smtClean="0"/>
+          </a:p>
+          <a:p>
+            <a:pPr lvl="1"/>
+            <a:r>
+              <a:rPr lang="ru-RU" dirty="0" smtClean="0"/>
+              <a:t>% получения ответа: </a:t>
+            </a:r>
+            <a:r>
+              <a:rPr lang="ru-RU" b="1" dirty="0" smtClean="0"/>
+              <a:t>60%</a:t>
+            </a:r>
+            <a:endParaRPr lang="ru-RU" b="1" dirty="0" smtClean="0"/>
+          </a:p>
+          <a:p>
+            <a:pPr lvl="1"/>
+            <a:r>
+              <a:rPr lang="ru-RU" dirty="0" smtClean="0"/>
+              <a:t>Условная точность ответа: </a:t>
+            </a:r>
+            <a:r>
+              <a:rPr lang="ru-RU" b="1" dirty="0" smtClean="0"/>
+              <a:t>80%</a:t>
+            </a:r>
+            <a:endParaRPr lang="ru-RU" b="1" dirty="0" smtClean="0"/>
+          </a:p>
+          <a:p>
+            <a:r>
+              <a:rPr lang="ru-RU" dirty="0" smtClean="0"/>
+              <a:t>Время </a:t>
+            </a:r>
+            <a:r>
+              <a:rPr lang="ru-RU" dirty="0" smtClean="0"/>
+              <a:t>ответа </a:t>
+            </a:r>
+            <a:r>
+              <a:rPr lang="ru-RU" dirty="0" smtClean="0"/>
+              <a:t>на 1 вопрос 1-3 мин</a:t>
+            </a:r>
+            <a:endParaRPr lang="ru-RU" dirty="0" smtClean="0"/>
+          </a:p>
+          <a:p>
+            <a:endParaRPr lang="ru-RU" dirty="0" smtClean="0"/>
+          </a:p>
+          <a:p>
+            <a:endParaRPr lang="ru-RU" dirty="0" smtClean="0"/>
+          </a:p>
+          <a:p>
+            <a:pPr lvl="1"/>
             <a:endParaRPr lang="ru-RU" dirty="0"/>
           </a:p>
         </p:txBody>
       </p:sp>
       <p:sp>
         <p:nvSpPr>
-          <p:cNvPr id="6" name="Нижний колонтитул 5"/>
+          <p:cNvPr id="4" name="Нижний колонтитул 3"/>
           <p:cNvSpPr>
             <a:spLocks noGrp="1"/>
           </p:cNvSpPr>
@@ -5237,13 +5880,12 @@
               <a:rPr lang="en-US" dirty="0"/>
               <a:t> 2016</a:t>
             </a:r>
-            <a:endParaRPr lang="en-US" dirty="0"/>
-          </a:p>
-        </p:txBody>
-      </p:sp>
-      <p:sp>
-        <p:nvSpPr>
-          <p:cNvPr id="7" name="Номер слайда 6"/>
+          </a:p>
+        </p:txBody>
+      </p:sp>
+      <p:sp>
+        <p:nvSpPr>
+          <p:cNvPr id="5" name="Номер слайда 4"/>
           <p:cNvSpPr>
             <a:spLocks noGrp="1"/>
           </p:cNvSpPr>
@@ -5267,7 +5909,7 @@
     </p:spTree>
     <p:extLst>
       <p:ext uri="{BB962C8B-B14F-4D97-AF65-F5344CB8AC3E}">
-        <p14:creationId xmlns:p14="http://schemas.microsoft.com/office/powerpoint/2010/main" val="3750068630"/>
+        <p14:creationId xmlns:p14="http://schemas.microsoft.com/office/powerpoint/2010/main" val="2907781502"/>
       </p:ext>
     </p:extLst>
   </p:cSld>
@@ -5532,7 +6174,7 @@
   <a:extraClrSchemeLst/>
   <a:extLst>
     <a:ext uri="{05A4C25C-085E-4340-85A3-A5531E510DB2}">
-      <thm15:themeFamily xmlns:thm15="http://schemas.microsoft.com/office/thememl/2012/main" xmlns="" name="Office Theme" id="{62F939B6-93AF-4DB8-9C6B-D6C7DFDC589F}" vid="{4A3C46E8-61CC-4603-A589-7422A47A8E4A}"/>
+      <thm15:themeFamily xmlns="" xmlns:thm15="http://schemas.microsoft.com/office/thememl/2012/main" name="Office Theme" id="{62F939B6-93AF-4DB8-9C6B-D6C7DFDC589F}" vid="{4A3C46E8-61CC-4603-A589-7422A47A8E4A}"/>
     </a:ext>
   </a:extLst>
 </a:theme>
@@ -5793,7 +6435,7 @@
   <a:extraClrSchemeLst/>
   <a:extLst>
     <a:ext uri="{05A4C25C-085E-4340-85A3-A5531E510DB2}">
-      <thm15:themeFamily xmlns:thm15="http://schemas.microsoft.com/office/thememl/2012/main" xmlns="" name="Office Theme" id="{62F939B6-93AF-4DB8-9C6B-D6C7DFDC589F}" vid="{4A3C46E8-61CC-4603-A589-7422A47A8E4A}"/>
+      <thm15:themeFamily xmlns="" xmlns:thm15="http://schemas.microsoft.com/office/thememl/2012/main" name="Office Theme" id="{62F939B6-93AF-4DB8-9C6B-D6C7DFDC589F}" vid="{4A3C46E8-61CC-4603-A589-7422A47A8E4A}"/>
     </a:ext>
   </a:extLst>
 </a:theme>

--- a/doc/Presentation.pptx
+++ b/doc/Presentation.pptx
@@ -5,7 +5,7 @@
     <p:sldMasterId id="2147483648" r:id="rId1"/>
   </p:sldMasterIdLst>
   <p:notesMasterIdLst>
-    <p:notesMasterId r:id="rId14"/>
+    <p:notesMasterId r:id="rId25"/>
   </p:notesMasterIdLst>
   <p:sldIdLst>
     <p:sldId id="387" r:id="rId2"/>
@@ -14,12 +14,23 @@
     <p:sldId id="402" r:id="rId5"/>
     <p:sldId id="403" r:id="rId6"/>
     <p:sldId id="406" r:id="rId7"/>
-    <p:sldId id="404" r:id="rId8"/>
-    <p:sldId id="405" r:id="rId9"/>
-    <p:sldId id="407" r:id="rId10"/>
-    <p:sldId id="408" r:id="rId11"/>
-    <p:sldId id="409" r:id="rId12"/>
-    <p:sldId id="401" r:id="rId13"/>
+    <p:sldId id="410" r:id="rId8"/>
+    <p:sldId id="411" r:id="rId9"/>
+    <p:sldId id="412" r:id="rId10"/>
+    <p:sldId id="413" r:id="rId11"/>
+    <p:sldId id="414" r:id="rId12"/>
+    <p:sldId id="415" r:id="rId13"/>
+    <p:sldId id="416" r:id="rId14"/>
+    <p:sldId id="417" r:id="rId15"/>
+    <p:sldId id="418" r:id="rId16"/>
+    <p:sldId id="419" r:id="rId17"/>
+    <p:sldId id="420" r:id="rId18"/>
+    <p:sldId id="404" r:id="rId19"/>
+    <p:sldId id="405" r:id="rId20"/>
+    <p:sldId id="407" r:id="rId21"/>
+    <p:sldId id="408" r:id="rId22"/>
+    <p:sldId id="409" r:id="rId23"/>
+    <p:sldId id="401" r:id="rId24"/>
   </p:sldIdLst>
   <p:sldSz cx="12192000" cy="6858000"/>
   <p:notesSz cx="6858000" cy="9144000"/>
@@ -120,7 +131,7 @@
   </p:defaultTextStyle>
   <p:extLst>
     <p:ext uri="{EFAFB233-063F-42B5-8137-9DF3F51BA10A}">
-      <p15:sldGuideLst xmlns="" xmlns:p15="http://schemas.microsoft.com/office/powerpoint/2012/main">
+      <p15:sldGuideLst xmlns:p15="http://schemas.microsoft.com/office/powerpoint/2012/main" xmlns="">
         <p15:guide id="1" orient="horz" pos="2160" userDrawn="1">
           <p15:clr>
             <a:srgbClr val="A4A3A4"/>
@@ -219,7 +230,7 @@
           <a:p>
             <a:fld id="{9287D9B5-79DC-4D13-AD9B-603A64EA5011}" type="datetimeFigureOut">
               <a:rPr lang="en-US" smtClean="0"/>
-              <a:t>3/16/2016</a:t>
+              <a:t>3/26/2016</a:t>
             </a:fld>
             <a:endParaRPr lang="en-US"/>
           </a:p>
@@ -794,7 +805,7 @@
           <a:p>
             <a:fld id="{560984F1-1C83-4D6F-937B-F4A0931E74AF}" type="datetime1">
               <a:rPr lang="en-US" smtClean="0"/>
-              <a:t>3/16/2016</a:t>
+              <a:t>3/26/2016</a:t>
             </a:fld>
             <a:endParaRPr lang="en-US"/>
           </a:p>
@@ -968,7 +979,7 @@
           <a:p>
             <a:fld id="{40048B7D-3C9C-433B-88BC-15C9F0EC6FB4}" type="datetime1">
               <a:rPr lang="en-US" smtClean="0"/>
-              <a:t>3/16/2016</a:t>
+              <a:t>3/26/2016</a:t>
             </a:fld>
             <a:endParaRPr lang="en-US"/>
           </a:p>
@@ -1152,7 +1163,7 @@
           <a:p>
             <a:fld id="{37E3DEFA-5DDE-45F6-AAF3-660D4BB67DCD}" type="datetime1">
               <a:rPr lang="en-US" smtClean="0"/>
-              <a:t>3/16/2016</a:t>
+              <a:t>3/26/2016</a:t>
             </a:fld>
             <a:endParaRPr lang="en-US"/>
           </a:p>
@@ -1326,7 +1337,7 @@
           <a:p>
             <a:fld id="{9A2B6F06-9412-4087-9519-F250D40FAA9B}" type="datetime1">
               <a:rPr lang="en-US" smtClean="0"/>
-              <a:t>3/16/2016</a:t>
+              <a:t>3/26/2016</a:t>
             </a:fld>
             <a:endParaRPr lang="en-US"/>
           </a:p>
@@ -1576,7 +1587,7 @@
           <a:p>
             <a:fld id="{77923D88-3BBE-4BF8-B99C-69153F1B6B00}" type="datetime1">
               <a:rPr lang="en-US" smtClean="0"/>
-              <a:t>3/16/2016</a:t>
+              <a:t>3/26/2016</a:t>
             </a:fld>
             <a:endParaRPr lang="en-US"/>
           </a:p>
@@ -1812,7 +1823,7 @@
           <a:p>
             <a:fld id="{FF3431C4-5731-4FE5-8E75-E8C8DA1DE6BC}" type="datetime1">
               <a:rPr lang="en-US" smtClean="0"/>
-              <a:t>3/16/2016</a:t>
+              <a:t>3/26/2016</a:t>
             </a:fld>
             <a:endParaRPr lang="en-US"/>
           </a:p>
@@ -2183,7 +2194,7 @@
           <a:p>
             <a:fld id="{AB26A0F6-EC27-4718-8268-067DCF0570D4}" type="datetime1">
               <a:rPr lang="en-US" smtClean="0"/>
-              <a:t>3/16/2016</a:t>
+              <a:t>3/26/2016</a:t>
             </a:fld>
             <a:endParaRPr lang="en-US"/>
           </a:p>
@@ -2305,7 +2316,7 @@
           <a:p>
             <a:fld id="{FDEFBC4E-F023-4D8A-B06B-ACD25120275F}" type="datetime1">
               <a:rPr lang="en-US" smtClean="0"/>
-              <a:t>3/16/2016</a:t>
+              <a:t>3/26/2016</a:t>
             </a:fld>
             <a:endParaRPr lang="en-US"/>
           </a:p>
@@ -2404,7 +2415,7 @@
           <a:p>
             <a:fld id="{508EC1F3-E5AB-4887-81B1-3ED695DD901B}" type="datetime1">
               <a:rPr lang="en-US" smtClean="0"/>
-              <a:t>3/16/2016</a:t>
+              <a:t>3/26/2016</a:t>
             </a:fld>
             <a:endParaRPr lang="en-US"/>
           </a:p>
@@ -2685,7 +2696,7 @@
           <a:p>
             <a:fld id="{6FCCBD79-94CD-4C46-A343-83CB75AFD5BD}" type="datetime1">
               <a:rPr lang="en-US" smtClean="0"/>
-              <a:t>3/16/2016</a:t>
+              <a:t>3/26/2016</a:t>
             </a:fld>
             <a:endParaRPr lang="en-US"/>
           </a:p>
@@ -2942,7 +2953,7 @@
           <a:p>
             <a:fld id="{CA47C8E6-E082-4645-831D-F582550B1470}" type="datetime1">
               <a:rPr lang="en-US" smtClean="0"/>
-              <a:t>3/16/2016</a:t>
+              <a:t>3/26/2016</a:t>
             </a:fld>
             <a:endParaRPr lang="en-US"/>
           </a:p>
@@ -3159,7 +3170,7 @@
           <a:p>
             <a:fld id="{9A2DE9A4-4438-40EF-8DD7-AE6A8DDFEF8F}" type="datetime1">
               <a:rPr lang="en-US" smtClean="0"/>
-              <a:t>3/16/2016</a:t>
+              <a:t>3/26/2016</a:t>
             </a:fld>
             <a:endParaRPr lang="en-US"/>
           </a:p>
@@ -3724,108 +3735,9 @@
           <a:lstStyle/>
           <a:p>
             <a:r>
-              <a:rPr lang="ru-RU" dirty="0" smtClean="0"/>
-              <a:t>Полученный опыт</a:t>
-            </a:r>
-            <a:endParaRPr lang="ru-RU" dirty="0"/>
-          </a:p>
-        </p:txBody>
-      </p:sp>
-      <p:sp>
-        <p:nvSpPr>
-          <p:cNvPr id="3" name="Объект 2"/>
-          <p:cNvSpPr>
-            <a:spLocks noGrp="1"/>
-          </p:cNvSpPr>
-          <p:nvPr>
-            <p:ph idx="1"/>
-          </p:nvPr>
-        </p:nvSpPr>
-        <p:spPr/>
-        <p:txBody>
-          <a:bodyPr/>
-          <a:lstStyle/>
-          <a:p>
-            <a:r>
-              <a:rPr lang="ru-RU" dirty="0" smtClean="0"/>
-              <a:t>Инструменты </a:t>
-            </a:r>
-            <a:r>
               <a:rPr lang="en-US" dirty="0" smtClean="0"/>
-              <a:t>NLP </a:t>
-            </a:r>
-            <a:r>
-              <a:rPr lang="ru-RU" dirty="0" smtClean="0"/>
-              <a:t>для русского языка</a:t>
-            </a:r>
-            <a:r>
-              <a:rPr lang="en-US" dirty="0" smtClean="0"/>
-              <a:t> </a:t>
-            </a:r>
-            <a:r>
-              <a:rPr lang="ru-RU" dirty="0" smtClean="0"/>
-              <a:t>очень «сырые»</a:t>
-            </a:r>
-            <a:endParaRPr lang="en-US" dirty="0" smtClean="0"/>
-          </a:p>
-          <a:p>
-            <a:r>
-              <a:rPr lang="ru-RU" dirty="0" smtClean="0"/>
-              <a:t>Материалы и модели имеют сомнительные лицензии</a:t>
-            </a:r>
-          </a:p>
-          <a:p>
-            <a:r>
-              <a:rPr lang="ru-RU" dirty="0"/>
-              <a:t>Инструменты </a:t>
-            </a:r>
-            <a:r>
-              <a:rPr lang="en-US" dirty="0"/>
-              <a:t>NLP </a:t>
-            </a:r>
-            <a:r>
-              <a:rPr lang="ru-RU" dirty="0"/>
-              <a:t>крайне ресурсоемки (</a:t>
-            </a:r>
-            <a:r>
-              <a:rPr lang="en-US" dirty="0"/>
-              <a:t>32-256 Gb RAM</a:t>
-            </a:r>
-            <a:r>
-              <a:rPr lang="en-US" dirty="0" smtClean="0"/>
-              <a:t>)</a:t>
-            </a:r>
-            <a:endParaRPr lang="ru-RU" dirty="0" smtClean="0"/>
-          </a:p>
-          <a:p>
-            <a:r>
-              <a:rPr lang="en-US" dirty="0" smtClean="0"/>
-              <a:t>Apache UIMA</a:t>
-            </a:r>
-            <a:r>
-              <a:rPr lang="ru-RU" dirty="0" smtClean="0"/>
-              <a:t> не совместима с версией </a:t>
-            </a:r>
-            <a:r>
-              <a:rPr lang="en-US" dirty="0" smtClean="0"/>
-              <a:t>Apache Spark</a:t>
-            </a:r>
-            <a:r>
-              <a:rPr lang="ru-RU" dirty="0" smtClean="0"/>
-              <a:t> на кластере</a:t>
-            </a:r>
-          </a:p>
-          <a:p>
-            <a:endParaRPr lang="ru-RU" dirty="0" smtClean="0"/>
-          </a:p>
-          <a:p>
-            <a:endParaRPr lang="ru-RU" dirty="0" smtClean="0"/>
-          </a:p>
-          <a:p>
-            <a:endParaRPr lang="ru-RU" dirty="0" smtClean="0"/>
-          </a:p>
-          <a:p>
-            <a:pPr lvl="1"/>
+              <a:t>Question Analysis</a:t>
+            </a:r>
             <a:endParaRPr lang="ru-RU" dirty="0"/>
           </a:p>
         </p:txBody>
@@ -3879,16 +3791,445 @@
           </a:p>
         </p:txBody>
       </p:sp>
+      <p:sp>
+        <p:nvSpPr>
+          <p:cNvPr id="6" name="Прямоугольник 5"/>
+          <p:cNvSpPr/>
+          <p:nvPr/>
+        </p:nvSpPr>
+        <p:spPr>
+          <a:xfrm>
+            <a:off x="911146" y="1441914"/>
+            <a:ext cx="3028458" cy="400110"/>
+          </a:xfrm>
+          <a:prstGeom prst="rect">
+            <a:avLst/>
+          </a:prstGeom>
+        </p:spPr>
+        <p:txBody>
+          <a:bodyPr wrap="none">
+            <a:spAutoFit/>
+          </a:bodyPr>
+          <a:lstStyle/>
+          <a:p>
+            <a:r>
+              <a:rPr lang="ru-RU" sz="2000" dirty="0" smtClean="0"/>
+              <a:t>Морфологический анализ</a:t>
+            </a:r>
+            <a:endParaRPr lang="en-US" sz="2000" dirty="0"/>
+          </a:p>
+        </p:txBody>
+      </p:sp>
+      <p:sp>
+        <p:nvSpPr>
+          <p:cNvPr id="8" name="TextBox 7"/>
+          <p:cNvSpPr txBox="1"/>
+          <p:nvPr/>
+        </p:nvSpPr>
+        <p:spPr>
+          <a:xfrm>
+            <a:off x="911145" y="2409202"/>
+            <a:ext cx="7488783" cy="1015663"/>
+          </a:xfrm>
+          <a:prstGeom prst="rect">
+            <a:avLst/>
+          </a:prstGeom>
+          <a:noFill/>
+        </p:spPr>
+        <p:txBody>
+          <a:bodyPr wrap="square" rtlCol="0">
+            <a:spAutoFit/>
+          </a:bodyPr>
+          <a:lstStyle/>
+          <a:p>
+            <a:r>
+              <a:rPr lang="ru-RU" sz="2400" dirty="0" smtClean="0">
+                <a:solidFill>
+                  <a:schemeClr val="accent4">
+                    <a:lumMod val="75000"/>
+                  </a:schemeClr>
+                </a:solidFill>
+              </a:rPr>
+              <a:t>Вопрос: Как нужно вести деловое общение?</a:t>
+            </a:r>
+          </a:p>
+          <a:p>
+            <a:endParaRPr lang="ru-RU" dirty="0" smtClean="0"/>
+          </a:p>
+          <a:p>
+            <a:r>
+              <a:rPr lang="ru-RU" dirty="0" smtClean="0"/>
+              <a:t>Определение зависимостей</a:t>
+            </a:r>
+          </a:p>
+        </p:txBody>
+      </p:sp>
+      <p:pic>
+        <p:nvPicPr>
+          <p:cNvPr id="9218" name="Picture 2" descr="C:\Users\mSamarin\Desktop\Morpho_3.png"/>
+          <p:cNvPicPr>
+            <a:picLocks noChangeAspect="1" noChangeArrowheads="1"/>
+          </p:cNvPicPr>
+          <p:nvPr/>
+        </p:nvPicPr>
+        <p:blipFill>
+          <a:blip r:embed="rId2">
+            <a:extLst>
+              <a:ext uri="{28A0092B-C50C-407E-A947-70E740481C1C}">
+                <a14:useLocalDpi xmlns:a14="http://schemas.microsoft.com/office/drawing/2010/main" val="0"/>
+              </a:ext>
+            </a:extLst>
+          </a:blip>
+          <a:srcRect/>
+          <a:stretch>
+            <a:fillRect/>
+          </a:stretch>
+        </p:blipFill>
+        <p:spPr bwMode="auto">
+          <a:xfrm>
+            <a:off x="4060800" y="1591200"/>
+            <a:ext cx="7146000" cy="755437"/>
+          </a:xfrm>
+          <a:prstGeom prst="rect">
+            <a:avLst/>
+          </a:prstGeom>
+          <a:noFill/>
+          <a:ln w="12700">
+            <a:solidFill>
+              <a:schemeClr val="bg1">
+                <a:lumMod val="50000"/>
+              </a:schemeClr>
+            </a:solidFill>
+            <a:prstDash val="lgDash"/>
+          </a:ln>
+          <a:extLst>
+            <a:ext uri="{909E8E84-426E-40DD-AFC4-6F175D3DCCD1}">
+              <a14:hiddenFill xmlns:a14="http://schemas.microsoft.com/office/drawing/2010/main">
+                <a:solidFill>
+                  <a:srgbClr val="FFFFFF"/>
+                </a:solidFill>
+              </a14:hiddenFill>
+            </a:ext>
+          </a:extLst>
+        </p:spPr>
+      </p:pic>
+      <p:graphicFrame>
+        <p:nvGraphicFramePr>
+          <p:cNvPr id="3" name="Таблица 2"/>
+          <p:cNvGraphicFramePr>
+            <a:graphicFrameLocks noGrp="1"/>
+          </p:cNvGraphicFramePr>
+          <p:nvPr>
+            <p:extLst>
+              <p:ext uri="{D42A27DB-BD31-4B8C-83A1-F6EECF244321}">
+                <p14:modId xmlns:p14="http://schemas.microsoft.com/office/powerpoint/2010/main" val="945892305"/>
+              </p:ext>
+            </p:extLst>
+          </p:nvPr>
+        </p:nvGraphicFramePr>
+        <p:xfrm>
+          <a:off x="2058377" y="3700259"/>
+          <a:ext cx="8127999" cy="2225040"/>
+        </p:xfrm>
+        <a:graphic>
+          <a:graphicData uri="http://schemas.openxmlformats.org/drawingml/2006/table">
+            <a:tbl>
+              <a:tblPr firstRow="1" bandRow="1">
+                <a:tableStyleId>{D27102A9-8310-4765-A935-A1911B00CA55}</a:tableStyleId>
+              </a:tblPr>
+              <a:tblGrid>
+                <a:gridCol w="2709333"/>
+                <a:gridCol w="2709333"/>
+                <a:gridCol w="2709333"/>
+              </a:tblGrid>
+              <a:tr h="370840">
+                <a:tc>
+                  <a:txBody>
+                    <a:bodyPr/>
+                    <a:lstStyle/>
+                    <a:p>
+                      <a:pPr algn="ctr"/>
+                      <a:r>
+                        <a:rPr lang="ru-RU" sz="1600" b="1" dirty="0" smtClean="0"/>
+                        <a:t>Хозяин</a:t>
+                      </a:r>
+                      <a:endParaRPr lang="ru-RU" sz="1600" b="1" dirty="0"/>
+                    </a:p>
+                  </a:txBody>
+                  <a:tcPr/>
+                </a:tc>
+                <a:tc>
+                  <a:txBody>
+                    <a:bodyPr/>
+                    <a:lstStyle/>
+                    <a:p>
+                      <a:pPr algn="ctr"/>
+                      <a:r>
+                        <a:rPr lang="ru-RU" sz="1600" b="1" dirty="0" smtClean="0"/>
+                        <a:t>Подчиненный</a:t>
+                      </a:r>
+                      <a:endParaRPr lang="ru-RU" sz="1600" b="1" dirty="0"/>
+                    </a:p>
+                  </a:txBody>
+                  <a:tcPr/>
+                </a:tc>
+                <a:tc>
+                  <a:txBody>
+                    <a:bodyPr/>
+                    <a:lstStyle/>
+                    <a:p>
+                      <a:pPr algn="ctr"/>
+                      <a:r>
+                        <a:rPr lang="ru-RU" sz="1600" b="1" dirty="0" smtClean="0"/>
+                        <a:t>Тип зависимости</a:t>
+                      </a:r>
+                      <a:endParaRPr lang="ru-RU" sz="1600" b="1" dirty="0"/>
+                    </a:p>
+                  </a:txBody>
+                  <a:tcPr/>
+                </a:tc>
+              </a:tr>
+              <a:tr h="370840">
+                <a:tc>
+                  <a:txBody>
+                    <a:bodyPr/>
+                    <a:lstStyle/>
+                    <a:p>
+                      <a:r>
+                        <a:rPr lang="ru-RU" dirty="0" smtClean="0"/>
+                        <a:t>нужно</a:t>
+                      </a:r>
+                      <a:endParaRPr lang="ru-RU" dirty="0"/>
+                    </a:p>
+                  </a:txBody>
+                  <a:tcPr marL="360000"/>
+                </a:tc>
+                <a:tc>
+                  <a:txBody>
+                    <a:bodyPr/>
+                    <a:lstStyle/>
+                    <a:p>
+                      <a:r>
+                        <a:rPr lang="ru-RU" dirty="0" smtClean="0"/>
+                        <a:t>Как</a:t>
+                      </a:r>
+                      <a:endParaRPr lang="ru-RU" dirty="0"/>
+                    </a:p>
+                  </a:txBody>
+                  <a:tcPr marL="360000"/>
+                </a:tc>
+                <a:tc>
+                  <a:txBody>
+                    <a:bodyPr/>
+                    <a:lstStyle/>
+                    <a:p>
+                      <a:r>
+                        <a:rPr lang="ru-RU" dirty="0" err="1" smtClean="0"/>
+                        <a:t>огранич</a:t>
+                      </a:r>
+                      <a:endParaRPr lang="ru-RU" dirty="0"/>
+                    </a:p>
+                  </a:txBody>
+                  <a:tcPr marL="360000"/>
+                </a:tc>
+              </a:tr>
+              <a:tr h="370840">
+                <a:tc>
+                  <a:txBody>
+                    <a:bodyPr/>
+                    <a:lstStyle/>
+                    <a:p>
+                      <a:r>
+                        <a:rPr lang="ru-RU" dirty="0" smtClean="0"/>
+                        <a:t>общение</a:t>
+                      </a:r>
+                      <a:endParaRPr lang="ru-RU" dirty="0"/>
+                    </a:p>
+                  </a:txBody>
+                  <a:tcPr marL="360000"/>
+                </a:tc>
+                <a:tc>
+                  <a:txBody>
+                    <a:bodyPr/>
+                    <a:lstStyle/>
+                    <a:p>
+                      <a:r>
+                        <a:rPr lang="ru-RU" dirty="0" smtClean="0"/>
+                        <a:t>нужно</a:t>
+                      </a:r>
+                      <a:endParaRPr lang="ru-RU" dirty="0"/>
+                    </a:p>
+                  </a:txBody>
+                  <a:tcPr marL="360000"/>
+                </a:tc>
+                <a:tc>
+                  <a:txBody>
+                    <a:bodyPr/>
+                    <a:lstStyle/>
+                    <a:p>
+                      <a:r>
+                        <a:rPr lang="ru-RU" dirty="0" err="1" smtClean="0"/>
+                        <a:t>обст</a:t>
+                      </a:r>
+                      <a:endParaRPr lang="ru-RU" dirty="0"/>
+                    </a:p>
+                  </a:txBody>
+                  <a:tcPr marL="360000"/>
+                </a:tc>
+              </a:tr>
+              <a:tr h="370840">
+                <a:tc>
+                  <a:txBody>
+                    <a:bodyPr/>
+                    <a:lstStyle/>
+                    <a:p>
+                      <a:r>
+                        <a:rPr lang="ru-RU" dirty="0" smtClean="0"/>
+                        <a:t>общение</a:t>
+                      </a:r>
+                      <a:endParaRPr lang="ru-RU" dirty="0"/>
+                    </a:p>
+                  </a:txBody>
+                  <a:tcPr marL="360000"/>
+                </a:tc>
+                <a:tc>
+                  <a:txBody>
+                    <a:bodyPr/>
+                    <a:lstStyle/>
+                    <a:p>
+                      <a:r>
+                        <a:rPr lang="ru-RU" dirty="0" smtClean="0"/>
+                        <a:t>вести</a:t>
+                      </a:r>
+                      <a:endParaRPr lang="ru-RU" dirty="0"/>
+                    </a:p>
+                  </a:txBody>
+                  <a:tcPr marL="360000"/>
+                </a:tc>
+                <a:tc>
+                  <a:txBody>
+                    <a:bodyPr/>
+                    <a:lstStyle/>
+                    <a:p>
+                      <a:r>
+                        <a:rPr lang="ru-RU" dirty="0" err="1" smtClean="0"/>
+                        <a:t>предик</a:t>
+                      </a:r>
+                      <a:endParaRPr lang="ru-RU" dirty="0"/>
+                    </a:p>
+                  </a:txBody>
+                  <a:tcPr marL="360000"/>
+                </a:tc>
+              </a:tr>
+              <a:tr h="370840">
+                <a:tc>
+                  <a:txBody>
+                    <a:bodyPr/>
+                    <a:lstStyle/>
+                    <a:p>
+                      <a:r>
+                        <a:rPr lang="ru-RU" dirty="0" smtClean="0"/>
+                        <a:t>общение</a:t>
+                      </a:r>
+                      <a:endParaRPr lang="ru-RU" dirty="0"/>
+                    </a:p>
+                  </a:txBody>
+                  <a:tcPr marL="360000"/>
+                </a:tc>
+                <a:tc>
+                  <a:txBody>
+                    <a:bodyPr/>
+                    <a:lstStyle/>
+                    <a:p>
+                      <a:r>
+                        <a:rPr lang="ru-RU" dirty="0" smtClean="0"/>
+                        <a:t>деловое</a:t>
+                      </a:r>
+                      <a:endParaRPr lang="ru-RU" dirty="0"/>
+                    </a:p>
+                  </a:txBody>
+                  <a:tcPr marL="360000"/>
+                </a:tc>
+                <a:tc>
+                  <a:txBody>
+                    <a:bodyPr/>
+                    <a:lstStyle/>
+                    <a:p>
+                      <a:r>
+                        <a:rPr lang="ru-RU" dirty="0" err="1" smtClean="0"/>
+                        <a:t>огранич</a:t>
+                      </a:r>
+                      <a:endParaRPr lang="ru-RU" dirty="0"/>
+                    </a:p>
+                  </a:txBody>
+                  <a:tcPr marL="360000"/>
+                </a:tc>
+              </a:tr>
+              <a:tr h="370840">
+                <a:tc>
+                  <a:txBody>
+                    <a:bodyPr/>
+                    <a:lstStyle/>
+                    <a:p>
+                      <a:r>
+                        <a:rPr lang="ru-RU" dirty="0" smtClean="0"/>
+                        <a:t>общение</a:t>
+                      </a:r>
+                      <a:endParaRPr lang="ru-RU" dirty="0"/>
+                    </a:p>
+                  </a:txBody>
+                  <a:tcPr marL="360000"/>
+                </a:tc>
+                <a:tc>
+                  <a:txBody>
+                    <a:bodyPr/>
+                    <a:lstStyle/>
+                    <a:p>
+                      <a:r>
+                        <a:rPr lang="ru-RU" dirty="0" smtClean="0"/>
+                        <a:t>?</a:t>
+                      </a:r>
+                      <a:endParaRPr lang="ru-RU" dirty="0"/>
+                    </a:p>
+                  </a:txBody>
+                  <a:tcPr marL="360000"/>
+                </a:tc>
+                <a:tc>
+                  <a:txBody>
+                    <a:bodyPr/>
+                    <a:lstStyle/>
+                    <a:p>
+                      <a:r>
+                        <a:rPr lang="en-US" dirty="0" smtClean="0"/>
+                        <a:t>PUNC</a:t>
+                      </a:r>
+                      <a:endParaRPr lang="ru-RU" dirty="0"/>
+                    </a:p>
+                  </a:txBody>
+                  <a:tcPr marL="360000"/>
+                </a:tc>
+              </a:tr>
+            </a:tbl>
+          </a:graphicData>
+        </a:graphic>
+      </p:graphicFrame>
     </p:spTree>
     <p:extLst>
       <p:ext uri="{BB962C8B-B14F-4D97-AF65-F5344CB8AC3E}">
-        <p14:creationId xmlns:p14="http://schemas.microsoft.com/office/powerpoint/2010/main" val="2252048810"/>
+        <p14:creationId xmlns:p14="http://schemas.microsoft.com/office/powerpoint/2010/main" val="701800115"/>
       </p:ext>
     </p:extLst>
   </p:cSld>
   <p:clrMapOvr>
     <a:masterClrMapping/>
   </p:clrMapOvr>
+  <p:timing>
+    <p:tnLst>
+      <p:par>
+        <p:cTn id="1" dur="indefinite" restart="never" nodeType="tmRoot"/>
+      </p:par>
+    </p:tnLst>
+  </p:timing>
 </p:sld>
 </file>
 
@@ -3925,82 +4266,10 @@
           <a:lstStyle/>
           <a:p>
             <a:r>
-              <a:rPr lang="ru-RU" dirty="0" smtClean="0"/>
-              <a:t>Используемые ресурсы</a:t>
+              <a:rPr lang="en-US" dirty="0" smtClean="0"/>
+              <a:t>Question Analysis</a:t>
             </a:r>
             <a:endParaRPr lang="ru-RU" dirty="0"/>
-          </a:p>
-        </p:txBody>
-      </p:sp>
-      <p:sp>
-        <p:nvSpPr>
-          <p:cNvPr id="3" name="Объект 2"/>
-          <p:cNvSpPr>
-            <a:spLocks noGrp="1"/>
-          </p:cNvSpPr>
-          <p:nvPr>
-            <p:ph idx="1"/>
-          </p:nvPr>
-        </p:nvSpPr>
-        <p:spPr/>
-        <p:txBody>
-          <a:bodyPr/>
-          <a:lstStyle/>
-          <a:p>
-            <a:r>
-              <a:rPr lang="en-US" dirty="0" err="1" smtClean="0"/>
-              <a:t>DbPedia</a:t>
-            </a:r>
-            <a:r>
-              <a:rPr lang="ru-RU" dirty="0" smtClean="0"/>
-              <a:t> (</a:t>
-            </a:r>
-            <a:r>
-              <a:rPr lang="en-US" dirty="0" smtClean="0"/>
-              <a:t>several datasets)</a:t>
-            </a:r>
-          </a:p>
-          <a:p>
-            <a:r>
-              <a:rPr lang="en-US" dirty="0" err="1" smtClean="0"/>
-              <a:t>Wordnet</a:t>
-            </a:r>
-            <a:endParaRPr lang="en-US" dirty="0" smtClean="0"/>
-          </a:p>
-          <a:p>
-            <a:r>
-              <a:rPr lang="en-US" dirty="0" smtClean="0"/>
-              <a:t>Freebase</a:t>
-            </a:r>
-          </a:p>
-          <a:p>
-            <a:r>
-              <a:rPr lang="en-US" dirty="0" err="1" smtClean="0"/>
-              <a:t>Yandex</a:t>
-            </a:r>
-            <a:r>
-              <a:rPr lang="en-US" dirty="0" smtClean="0"/>
-              <a:t> </a:t>
-            </a:r>
-            <a:r>
-              <a:rPr lang="en-US" dirty="0" err="1" smtClean="0"/>
-              <a:t>SpeechKit</a:t>
-            </a:r>
-            <a:endParaRPr lang="en-US" dirty="0" smtClean="0"/>
-          </a:p>
-          <a:p>
-            <a:r>
-              <a:rPr lang="en-US" dirty="0" err="1" smtClean="0"/>
-              <a:t>OpenCorpora</a:t>
-            </a:r>
-            <a:endParaRPr lang="en-US" dirty="0" smtClean="0"/>
-          </a:p>
-          <a:p>
-            <a:r>
-              <a:rPr lang="ru-RU" dirty="0" err="1" smtClean="0"/>
-              <a:t>СинТагРус</a:t>
-            </a:r>
-            <a:endParaRPr lang="en-US" dirty="0" smtClean="0"/>
           </a:p>
         </p:txBody>
       </p:sp>
@@ -4053,16 +4322,221 @@
           </a:p>
         </p:txBody>
       </p:sp>
+      <p:sp>
+        <p:nvSpPr>
+          <p:cNvPr id="6" name="Прямоугольник 5"/>
+          <p:cNvSpPr/>
+          <p:nvPr/>
+        </p:nvSpPr>
+        <p:spPr>
+          <a:xfrm>
+            <a:off x="911146" y="1441914"/>
+            <a:ext cx="3032369" cy="400110"/>
+          </a:xfrm>
+          <a:prstGeom prst="rect">
+            <a:avLst/>
+          </a:prstGeom>
+        </p:spPr>
+        <p:txBody>
+          <a:bodyPr wrap="none">
+            <a:spAutoFit/>
+          </a:bodyPr>
+          <a:lstStyle/>
+          <a:p>
+            <a:r>
+              <a:rPr lang="ru-RU" sz="2000" dirty="0" smtClean="0"/>
+              <a:t>Обработка морфо данных</a:t>
+            </a:r>
+            <a:endParaRPr lang="en-US" sz="2000" dirty="0"/>
+          </a:p>
+        </p:txBody>
+      </p:sp>
+      <p:sp>
+        <p:nvSpPr>
+          <p:cNvPr id="8" name="TextBox 7"/>
+          <p:cNvSpPr txBox="1"/>
+          <p:nvPr/>
+        </p:nvSpPr>
+        <p:spPr>
+          <a:xfrm>
+            <a:off x="911145" y="2409202"/>
+            <a:ext cx="7488783" cy="2954655"/>
+          </a:xfrm>
+          <a:prstGeom prst="rect">
+            <a:avLst/>
+          </a:prstGeom>
+          <a:noFill/>
+        </p:spPr>
+        <p:txBody>
+          <a:bodyPr wrap="square" rtlCol="0">
+            <a:spAutoFit/>
+          </a:bodyPr>
+          <a:lstStyle/>
+          <a:p>
+            <a:r>
+              <a:rPr lang="ru-RU" sz="2400" dirty="0" smtClean="0">
+                <a:solidFill>
+                  <a:schemeClr val="accent4">
+                    <a:lumMod val="75000"/>
+                  </a:schemeClr>
+                </a:solidFill>
+              </a:rPr>
+              <a:t>Вопрос: Как нужно вести деловое общение?</a:t>
+            </a:r>
+          </a:p>
+          <a:p>
+            <a:endParaRPr lang="ru-RU" dirty="0" smtClean="0"/>
+          </a:p>
+          <a:p>
+            <a:pPr marL="285750" indent="-285750">
+              <a:buFont typeface="Wingdings" panose="05000000000000000000" pitchFamily="2" charset="2"/>
+              <a:buChar char="§"/>
+            </a:pPr>
+            <a:r>
+              <a:rPr lang="ru-RU" dirty="0"/>
+              <a:t>Поиск имен </a:t>
+            </a:r>
+            <a:r>
+              <a:rPr lang="ru-RU" dirty="0" smtClean="0"/>
+              <a:t>собственных</a:t>
+            </a:r>
+          </a:p>
+          <a:p>
+            <a:pPr marL="285750" indent="-285750">
+              <a:buFont typeface="Wingdings" panose="05000000000000000000" pitchFamily="2" charset="2"/>
+              <a:buChar char="§"/>
+            </a:pPr>
+            <a:endParaRPr lang="ru-RU" dirty="0" smtClean="0"/>
+          </a:p>
+          <a:p>
+            <a:pPr marL="285750" indent="-285750">
+              <a:buFont typeface="Wingdings" panose="05000000000000000000" pitchFamily="2" charset="2"/>
+              <a:buChar char="§"/>
+            </a:pPr>
+            <a:endParaRPr lang="ru-RU" dirty="0"/>
+          </a:p>
+          <a:p>
+            <a:pPr marL="285750" indent="-285750">
+              <a:buFont typeface="Wingdings" panose="05000000000000000000" pitchFamily="2" charset="2"/>
+              <a:buChar char="§"/>
+            </a:pPr>
+            <a:r>
+              <a:rPr lang="ru-RU" dirty="0"/>
+              <a:t>Поиск фокуса в </a:t>
+            </a:r>
+            <a:r>
+              <a:rPr lang="ru-RU" dirty="0" smtClean="0"/>
+              <a:t>предложении</a:t>
+            </a:r>
+            <a:endParaRPr lang="ru-RU" dirty="0"/>
+          </a:p>
+          <a:p>
+            <a:pPr marL="285750" indent="-285750">
+              <a:buFont typeface="Wingdings" panose="05000000000000000000" pitchFamily="2" charset="2"/>
+              <a:buChar char="§"/>
+            </a:pPr>
+            <a:endParaRPr lang="ru-RU" dirty="0" smtClean="0"/>
+          </a:p>
+          <a:p>
+            <a:pPr marL="285750" indent="-285750">
+              <a:buFont typeface="Wingdings" panose="05000000000000000000" pitchFamily="2" charset="2"/>
+              <a:buChar char="§"/>
+            </a:pPr>
+            <a:endParaRPr lang="ru-RU" dirty="0"/>
+          </a:p>
+          <a:p>
+            <a:pPr marL="285750" indent="-285750">
+              <a:buFont typeface="Wingdings" panose="05000000000000000000" pitchFamily="2" charset="2"/>
+              <a:buChar char="§"/>
+            </a:pPr>
+            <a:r>
+              <a:rPr lang="ru-RU" dirty="0" smtClean="0"/>
+              <a:t>Поиск </a:t>
+            </a:r>
+            <a:r>
+              <a:rPr lang="ru-RU" dirty="0"/>
+              <a:t>основного </a:t>
+            </a:r>
+            <a:r>
+              <a:rPr lang="ru-RU" dirty="0" smtClean="0"/>
+              <a:t>глагола</a:t>
+            </a:r>
+          </a:p>
+          <a:p>
+            <a:pPr marL="285750" indent="-285750">
+              <a:buFont typeface="Wingdings" panose="05000000000000000000" pitchFamily="2" charset="2"/>
+              <a:buChar char="§"/>
+            </a:pPr>
+            <a:endParaRPr lang="ru-RU" dirty="0" smtClean="0"/>
+          </a:p>
+        </p:txBody>
+      </p:sp>
+      <p:pic>
+        <p:nvPicPr>
+          <p:cNvPr id="10245" name="Picture 5" descr="C:\Users\mSamarin\Desktop\Concept_11.png"/>
+          <p:cNvPicPr>
+            <a:picLocks noChangeAspect="1" noChangeArrowheads="1"/>
+          </p:cNvPicPr>
+          <p:nvPr/>
+        </p:nvPicPr>
+        <p:blipFill>
+          <a:blip r:embed="rId2">
+            <a:extLst>
+              <a:ext uri="{28A0092B-C50C-407E-A947-70E740481C1C}">
+                <a14:useLocalDpi xmlns:a14="http://schemas.microsoft.com/office/drawing/2010/main" val="0"/>
+              </a:ext>
+            </a:extLst>
+          </a:blip>
+          <a:srcRect/>
+          <a:stretch>
+            <a:fillRect/>
+          </a:stretch>
+        </p:blipFill>
+        <p:spPr bwMode="auto">
+          <a:xfrm>
+            <a:off x="5400000" y="3060000"/>
+            <a:ext cx="5114925" cy="2257425"/>
+          </a:xfrm>
+          <a:prstGeom prst="rect">
+            <a:avLst/>
+          </a:prstGeom>
+          <a:noFill/>
+          <a:ln w="12700">
+            <a:solidFill>
+              <a:schemeClr val="bg1">
+                <a:lumMod val="50000"/>
+              </a:schemeClr>
+            </a:solidFill>
+            <a:prstDash val="lgDash"/>
+          </a:ln>
+          <a:extLst>
+            <a:ext uri="{909E8E84-426E-40DD-AFC4-6F175D3DCCD1}">
+              <a14:hiddenFill xmlns:a14="http://schemas.microsoft.com/office/drawing/2010/main">
+                <a:solidFill>
+                  <a:srgbClr val="FFFFFF"/>
+                </a:solidFill>
+              </a14:hiddenFill>
+            </a:ext>
+          </a:extLst>
+        </p:spPr>
+      </p:pic>
     </p:spTree>
     <p:extLst>
       <p:ext uri="{BB962C8B-B14F-4D97-AF65-F5344CB8AC3E}">
-        <p14:creationId xmlns:p14="http://schemas.microsoft.com/office/powerpoint/2010/main" val="2143035052"/>
+        <p14:creationId xmlns:p14="http://schemas.microsoft.com/office/powerpoint/2010/main" val="621102830"/>
       </p:ext>
     </p:extLst>
   </p:cSld>
   <p:clrMapOvr>
     <a:masterClrMapping/>
   </p:clrMapOvr>
+  <p:timing>
+    <p:tnLst>
+      <p:par>
+        <p:cTn id="1" dur="indefinite" restart="never" nodeType="tmRoot"/>
+      </p:par>
+    </p:tnLst>
+  </p:timing>
 </p:sld>
 </file>
 
@@ -4085,7 +4559,7 @@
       </p:grpSpPr>
       <p:sp>
         <p:nvSpPr>
-          <p:cNvPr id="4" name="Заголовок 3"/>
+          <p:cNvPr id="2" name="Заголовок 1"/>
           <p:cNvSpPr>
             <a:spLocks noGrp="1"/>
           </p:cNvSpPr>
@@ -4100,7 +4574,7 @@
           <a:p>
             <a:r>
               <a:rPr lang="en-US" dirty="0" smtClean="0"/>
-              <a:t>Q&amp;A</a:t>
+              <a:t>Question Analysis</a:t>
             </a:r>
             <a:endParaRPr lang="ru-RU" dirty="0"/>
           </a:p>
@@ -4108,26 +4582,7 @@
       </p:sp>
       <p:sp>
         <p:nvSpPr>
-          <p:cNvPr id="5" name="Текст 4"/>
-          <p:cNvSpPr>
-            <a:spLocks noGrp="1"/>
-          </p:cNvSpPr>
-          <p:nvPr>
-            <p:ph type="body" idx="1"/>
-          </p:nvPr>
-        </p:nvSpPr>
-        <p:spPr/>
-        <p:txBody>
-          <a:bodyPr/>
-          <a:lstStyle/>
-          <a:p>
-            <a:endParaRPr lang="ru-RU" dirty="0"/>
-          </a:p>
-        </p:txBody>
-      </p:sp>
-      <p:sp>
-        <p:nvSpPr>
-          <p:cNvPr id="6" name="Нижний колонтитул 5"/>
+          <p:cNvPr id="4" name="Нижний колонтитул 3"/>
           <p:cNvSpPr>
             <a:spLocks noGrp="1"/>
           </p:cNvSpPr>
@@ -4153,7 +4608,7 @@
       </p:sp>
       <p:sp>
         <p:nvSpPr>
-          <p:cNvPr id="7" name="Номер слайда 6"/>
+          <p:cNvPr id="5" name="Номер слайда 4"/>
           <p:cNvSpPr>
             <a:spLocks noGrp="1"/>
           </p:cNvSpPr>
@@ -4174,10 +4629,2476 @@
           </a:p>
         </p:txBody>
       </p:sp>
+      <p:sp>
+        <p:nvSpPr>
+          <p:cNvPr id="6" name="Прямоугольник 5"/>
+          <p:cNvSpPr/>
+          <p:nvPr/>
+        </p:nvSpPr>
+        <p:spPr>
+          <a:xfrm>
+            <a:off x="911146" y="1441914"/>
+            <a:ext cx="3032369" cy="400110"/>
+          </a:xfrm>
+          <a:prstGeom prst="rect">
+            <a:avLst/>
+          </a:prstGeom>
+        </p:spPr>
+        <p:txBody>
+          <a:bodyPr wrap="none">
+            <a:spAutoFit/>
+          </a:bodyPr>
+          <a:lstStyle/>
+          <a:p>
+            <a:r>
+              <a:rPr lang="ru-RU" sz="2000" dirty="0" smtClean="0"/>
+              <a:t>Обработка морфо данных</a:t>
+            </a:r>
+            <a:endParaRPr lang="en-US" sz="2000" dirty="0"/>
+          </a:p>
+        </p:txBody>
+      </p:sp>
+      <p:sp>
+        <p:nvSpPr>
+          <p:cNvPr id="8" name="TextBox 7"/>
+          <p:cNvSpPr txBox="1"/>
+          <p:nvPr/>
+        </p:nvSpPr>
+        <p:spPr>
+          <a:xfrm>
+            <a:off x="911145" y="2409202"/>
+            <a:ext cx="7488783" cy="2954655"/>
+          </a:xfrm>
+          <a:prstGeom prst="rect">
+            <a:avLst/>
+          </a:prstGeom>
+          <a:noFill/>
+        </p:spPr>
+        <p:txBody>
+          <a:bodyPr wrap="square" rtlCol="0">
+            <a:spAutoFit/>
+          </a:bodyPr>
+          <a:lstStyle/>
+          <a:p>
+            <a:r>
+              <a:rPr lang="ru-RU" sz="2400" dirty="0" smtClean="0">
+                <a:solidFill>
+                  <a:schemeClr val="accent4">
+                    <a:lumMod val="75000"/>
+                  </a:schemeClr>
+                </a:solidFill>
+              </a:rPr>
+              <a:t>Вопрос: Как нужно вести деловое общение?</a:t>
+            </a:r>
+          </a:p>
+          <a:p>
+            <a:endParaRPr lang="ru-RU" dirty="0" smtClean="0"/>
+          </a:p>
+          <a:p>
+            <a:pPr marL="285750" indent="-285750">
+              <a:buFont typeface="Wingdings" panose="05000000000000000000" pitchFamily="2" charset="2"/>
+              <a:buChar char="§"/>
+            </a:pPr>
+            <a:r>
+              <a:rPr lang="ru-RU" dirty="0"/>
+              <a:t>Поиск имен </a:t>
+            </a:r>
+            <a:r>
+              <a:rPr lang="ru-RU" dirty="0" smtClean="0"/>
+              <a:t>собственных</a:t>
+            </a:r>
+          </a:p>
+          <a:p>
+            <a:pPr marL="742950" lvl="1" indent="-285750">
+              <a:buFont typeface="Courier New" panose="02070309020205020404" pitchFamily="49" charset="0"/>
+              <a:buChar char="o"/>
+            </a:pPr>
+            <a:r>
+              <a:rPr lang="en-US" dirty="0" err="1" smtClean="0"/>
+              <a:t>Отсутствуют</a:t>
+            </a:r>
+            <a:endParaRPr lang="ru-RU" dirty="0" smtClean="0"/>
+          </a:p>
+          <a:p>
+            <a:pPr marL="285750" indent="-285750">
+              <a:buFont typeface="Wingdings" panose="05000000000000000000" pitchFamily="2" charset="2"/>
+              <a:buChar char="§"/>
+            </a:pPr>
+            <a:endParaRPr lang="ru-RU" dirty="0"/>
+          </a:p>
+          <a:p>
+            <a:pPr marL="285750" indent="-285750">
+              <a:buFont typeface="Wingdings" panose="05000000000000000000" pitchFamily="2" charset="2"/>
+              <a:buChar char="§"/>
+            </a:pPr>
+            <a:r>
+              <a:rPr lang="ru-RU" dirty="0"/>
+              <a:t>Поиск фокуса в </a:t>
+            </a:r>
+            <a:r>
+              <a:rPr lang="ru-RU" dirty="0" smtClean="0"/>
+              <a:t>предложении</a:t>
+            </a:r>
+            <a:endParaRPr lang="ru-RU" dirty="0"/>
+          </a:p>
+          <a:p>
+            <a:pPr marL="285750" indent="-285750">
+              <a:buFont typeface="Wingdings" panose="05000000000000000000" pitchFamily="2" charset="2"/>
+              <a:buChar char="§"/>
+            </a:pPr>
+            <a:endParaRPr lang="ru-RU" dirty="0" smtClean="0"/>
+          </a:p>
+          <a:p>
+            <a:pPr marL="285750" indent="-285750">
+              <a:buFont typeface="Wingdings" panose="05000000000000000000" pitchFamily="2" charset="2"/>
+              <a:buChar char="§"/>
+            </a:pPr>
+            <a:endParaRPr lang="ru-RU" dirty="0"/>
+          </a:p>
+          <a:p>
+            <a:pPr marL="285750" indent="-285750">
+              <a:buFont typeface="Wingdings" panose="05000000000000000000" pitchFamily="2" charset="2"/>
+              <a:buChar char="§"/>
+            </a:pPr>
+            <a:r>
+              <a:rPr lang="ru-RU" dirty="0"/>
+              <a:t>- Поиск основного </a:t>
+            </a:r>
+            <a:r>
+              <a:rPr lang="ru-RU" dirty="0" smtClean="0"/>
+              <a:t>глагола</a:t>
+            </a:r>
+          </a:p>
+          <a:p>
+            <a:pPr marL="285750" indent="-285750">
+              <a:buFont typeface="Wingdings" panose="05000000000000000000" pitchFamily="2" charset="2"/>
+              <a:buChar char="§"/>
+            </a:pPr>
+            <a:endParaRPr lang="ru-RU" dirty="0" smtClean="0"/>
+          </a:p>
+        </p:txBody>
+      </p:sp>
+      <p:pic>
+        <p:nvPicPr>
+          <p:cNvPr id="11268" name="Picture 4" descr="C:\Users\mSamarin\Desktop\Concept_21.png"/>
+          <p:cNvPicPr>
+            <a:picLocks noChangeAspect="1" noChangeArrowheads="1"/>
+          </p:cNvPicPr>
+          <p:nvPr/>
+        </p:nvPicPr>
+        <p:blipFill>
+          <a:blip r:embed="rId2">
+            <a:extLst>
+              <a:ext uri="{28A0092B-C50C-407E-A947-70E740481C1C}">
+                <a14:useLocalDpi xmlns:a14="http://schemas.microsoft.com/office/drawing/2010/main" val="0"/>
+              </a:ext>
+            </a:extLst>
+          </a:blip>
+          <a:srcRect/>
+          <a:stretch>
+            <a:fillRect/>
+          </a:stretch>
+        </p:blipFill>
+        <p:spPr bwMode="auto">
+          <a:xfrm>
+            <a:off x="5400000" y="3060000"/>
+            <a:ext cx="5114925" cy="2257425"/>
+          </a:xfrm>
+          <a:prstGeom prst="rect">
+            <a:avLst/>
+          </a:prstGeom>
+          <a:noFill/>
+          <a:ln w="12700">
+            <a:solidFill>
+              <a:schemeClr val="bg1">
+                <a:lumMod val="50000"/>
+              </a:schemeClr>
+            </a:solidFill>
+            <a:prstDash val="lgDash"/>
+          </a:ln>
+          <a:extLst>
+            <a:ext uri="{909E8E84-426E-40DD-AFC4-6F175D3DCCD1}">
+              <a14:hiddenFill xmlns:a14="http://schemas.microsoft.com/office/drawing/2010/main">
+                <a:solidFill>
+                  <a:srgbClr val="FFFFFF"/>
+                </a:solidFill>
+              </a14:hiddenFill>
+            </a:ext>
+          </a:extLst>
+        </p:spPr>
+      </p:pic>
     </p:spTree>
     <p:extLst>
       <p:ext uri="{BB962C8B-B14F-4D97-AF65-F5344CB8AC3E}">
-        <p14:creationId xmlns:p14="http://schemas.microsoft.com/office/powerpoint/2010/main" val="3750068630"/>
+        <p14:creationId xmlns:p14="http://schemas.microsoft.com/office/powerpoint/2010/main" val="3244414102"/>
+      </p:ext>
+    </p:extLst>
+  </p:cSld>
+  <p:clrMapOvr>
+    <a:masterClrMapping/>
+  </p:clrMapOvr>
+  <p:timing>
+    <p:tnLst>
+      <p:par>
+        <p:cTn id="1" dur="indefinite" restart="never" nodeType="tmRoot"/>
+      </p:par>
+    </p:tnLst>
+  </p:timing>
+</p:sld>
+</file>
+
+<file path=ppt/slides/slide13.xml><?xml version="1.0" encoding="utf-8"?>
+<p:sld xmlns:a="http://schemas.openxmlformats.org/drawingml/2006/main" xmlns:r="http://schemas.openxmlformats.org/officeDocument/2006/relationships" xmlns:p="http://schemas.openxmlformats.org/presentationml/2006/main">
+  <p:cSld>
+    <p:spTree>
+      <p:nvGrpSpPr>
+        <p:cNvPr id="1" name=""/>
+        <p:cNvGrpSpPr/>
+        <p:nvPr/>
+      </p:nvGrpSpPr>
+      <p:grpSpPr>
+        <a:xfrm>
+          <a:off x="0" y="0"/>
+          <a:ext cx="0" cy="0"/>
+          <a:chOff x="0" y="0"/>
+          <a:chExt cx="0" cy="0"/>
+        </a:xfrm>
+      </p:grpSpPr>
+      <p:sp>
+        <p:nvSpPr>
+          <p:cNvPr id="2" name="Заголовок 1"/>
+          <p:cNvSpPr>
+            <a:spLocks noGrp="1"/>
+          </p:cNvSpPr>
+          <p:nvPr>
+            <p:ph type="title"/>
+          </p:nvPr>
+        </p:nvSpPr>
+        <p:spPr/>
+        <p:txBody>
+          <a:bodyPr/>
+          <a:lstStyle/>
+          <a:p>
+            <a:r>
+              <a:rPr lang="en-US" dirty="0" smtClean="0"/>
+              <a:t>Question Analysis</a:t>
+            </a:r>
+            <a:endParaRPr lang="ru-RU" dirty="0"/>
+          </a:p>
+        </p:txBody>
+      </p:sp>
+      <p:sp>
+        <p:nvSpPr>
+          <p:cNvPr id="4" name="Нижний колонтитул 3"/>
+          <p:cNvSpPr>
+            <a:spLocks noGrp="1"/>
+          </p:cNvSpPr>
+          <p:nvPr>
+            <p:ph type="ftr" sz="quarter" idx="11"/>
+          </p:nvPr>
+        </p:nvSpPr>
+        <p:spPr/>
+        <p:txBody>
+          <a:bodyPr/>
+          <a:lstStyle/>
+          <a:p>
+            <a:r>
+              <a:rPr lang="en-US" dirty="0" err="1"/>
+              <a:t>Artezio</a:t>
+            </a:r>
+            <a:r>
+              <a:rPr lang="en-US" dirty="0"/>
+              <a:t> 2016</a:t>
+            </a:r>
+          </a:p>
+        </p:txBody>
+      </p:sp>
+      <p:sp>
+        <p:nvSpPr>
+          <p:cNvPr id="5" name="Номер слайда 4"/>
+          <p:cNvSpPr>
+            <a:spLocks noGrp="1"/>
+          </p:cNvSpPr>
+          <p:nvPr>
+            <p:ph type="sldNum" sz="quarter" idx="12"/>
+          </p:nvPr>
+        </p:nvSpPr>
+        <p:spPr/>
+        <p:txBody>
+          <a:bodyPr/>
+          <a:lstStyle/>
+          <a:p>
+            <a:fld id="{53FE853A-3A55-4CD3-B026-601242F08E1E}" type="slidenum">
+              <a:rPr lang="en-US" smtClean="0"/>
+              <a:t>13</a:t>
+            </a:fld>
+            <a:endParaRPr lang="en-US"/>
+          </a:p>
+        </p:txBody>
+      </p:sp>
+      <p:sp>
+        <p:nvSpPr>
+          <p:cNvPr id="6" name="Прямоугольник 5"/>
+          <p:cNvSpPr/>
+          <p:nvPr/>
+        </p:nvSpPr>
+        <p:spPr>
+          <a:xfrm>
+            <a:off x="911146" y="1441914"/>
+            <a:ext cx="3032369" cy="400110"/>
+          </a:xfrm>
+          <a:prstGeom prst="rect">
+            <a:avLst/>
+          </a:prstGeom>
+        </p:spPr>
+        <p:txBody>
+          <a:bodyPr wrap="none">
+            <a:spAutoFit/>
+          </a:bodyPr>
+          <a:lstStyle/>
+          <a:p>
+            <a:r>
+              <a:rPr lang="ru-RU" sz="2000" dirty="0" smtClean="0"/>
+              <a:t>Обработка морфо данных</a:t>
+            </a:r>
+            <a:endParaRPr lang="en-US" sz="2000" dirty="0"/>
+          </a:p>
+        </p:txBody>
+      </p:sp>
+      <p:sp>
+        <p:nvSpPr>
+          <p:cNvPr id="8" name="TextBox 7"/>
+          <p:cNvSpPr txBox="1"/>
+          <p:nvPr/>
+        </p:nvSpPr>
+        <p:spPr>
+          <a:xfrm>
+            <a:off x="911145" y="2409202"/>
+            <a:ext cx="7488783" cy="2954655"/>
+          </a:xfrm>
+          <a:prstGeom prst="rect">
+            <a:avLst/>
+          </a:prstGeom>
+          <a:noFill/>
+        </p:spPr>
+        <p:txBody>
+          <a:bodyPr wrap="square" rtlCol="0">
+            <a:spAutoFit/>
+          </a:bodyPr>
+          <a:lstStyle/>
+          <a:p>
+            <a:r>
+              <a:rPr lang="ru-RU" sz="2400" dirty="0" smtClean="0">
+                <a:solidFill>
+                  <a:schemeClr val="accent4">
+                    <a:lumMod val="75000"/>
+                  </a:schemeClr>
+                </a:solidFill>
+              </a:rPr>
+              <a:t>Вопрос: Как нужно вести деловое общение?</a:t>
+            </a:r>
+          </a:p>
+          <a:p>
+            <a:endParaRPr lang="ru-RU" dirty="0" smtClean="0"/>
+          </a:p>
+          <a:p>
+            <a:pPr marL="285750" indent="-285750">
+              <a:buFont typeface="Wingdings" panose="05000000000000000000" pitchFamily="2" charset="2"/>
+              <a:buChar char="§"/>
+            </a:pPr>
+            <a:r>
+              <a:rPr lang="ru-RU" dirty="0"/>
+              <a:t>Поиск имен </a:t>
+            </a:r>
+            <a:r>
+              <a:rPr lang="ru-RU" dirty="0" smtClean="0"/>
+              <a:t>собственных</a:t>
+            </a:r>
+          </a:p>
+          <a:p>
+            <a:pPr marL="742950" lvl="1" indent="-285750">
+              <a:buFont typeface="Courier New" panose="02070309020205020404" pitchFamily="49" charset="0"/>
+              <a:buChar char="o"/>
+            </a:pPr>
+            <a:r>
+              <a:rPr lang="en-US" dirty="0" err="1" smtClean="0"/>
+              <a:t>Отсутствуют</a:t>
+            </a:r>
+            <a:endParaRPr lang="ru-RU" dirty="0" smtClean="0"/>
+          </a:p>
+          <a:p>
+            <a:pPr marL="285750" indent="-285750">
+              <a:buFont typeface="Wingdings" panose="05000000000000000000" pitchFamily="2" charset="2"/>
+              <a:buChar char="§"/>
+            </a:pPr>
+            <a:endParaRPr lang="ru-RU" dirty="0"/>
+          </a:p>
+          <a:p>
+            <a:pPr marL="285750" indent="-285750">
+              <a:buFont typeface="Wingdings" panose="05000000000000000000" pitchFamily="2" charset="2"/>
+              <a:buChar char="§"/>
+            </a:pPr>
+            <a:r>
+              <a:rPr lang="ru-RU" dirty="0"/>
+              <a:t>Поиск фокуса в </a:t>
+            </a:r>
+            <a:r>
+              <a:rPr lang="ru-RU" dirty="0" smtClean="0"/>
+              <a:t>предложении</a:t>
+            </a:r>
+            <a:endParaRPr lang="ru-RU" dirty="0"/>
+          </a:p>
+          <a:p>
+            <a:pPr marL="742950" lvl="1" indent="-285750">
+              <a:buFont typeface="Courier New" panose="02070309020205020404" pitchFamily="49" charset="0"/>
+              <a:buChar char="o"/>
+            </a:pPr>
+            <a:r>
+              <a:rPr lang="en-US" dirty="0" err="1" smtClean="0">
+                <a:solidFill>
+                  <a:schemeClr val="accent4">
+                    <a:lumMod val="75000"/>
+                  </a:schemeClr>
+                </a:solidFill>
+              </a:rPr>
+              <a:t>Как</a:t>
+            </a:r>
+            <a:endParaRPr lang="ru-RU" dirty="0" smtClean="0">
+              <a:solidFill>
+                <a:schemeClr val="accent4">
+                  <a:lumMod val="75000"/>
+                </a:schemeClr>
+              </a:solidFill>
+            </a:endParaRPr>
+          </a:p>
+          <a:p>
+            <a:pPr marL="285750" indent="-285750">
+              <a:buFont typeface="Wingdings" panose="05000000000000000000" pitchFamily="2" charset="2"/>
+              <a:buChar char="§"/>
+            </a:pPr>
+            <a:endParaRPr lang="ru-RU" dirty="0"/>
+          </a:p>
+          <a:p>
+            <a:pPr marL="285750" indent="-285750">
+              <a:buFont typeface="Wingdings" panose="05000000000000000000" pitchFamily="2" charset="2"/>
+              <a:buChar char="§"/>
+            </a:pPr>
+            <a:r>
+              <a:rPr lang="ru-RU" dirty="0"/>
+              <a:t>- Поиск основного </a:t>
+            </a:r>
+            <a:r>
+              <a:rPr lang="ru-RU" dirty="0" smtClean="0"/>
+              <a:t>глагола</a:t>
+            </a:r>
+          </a:p>
+          <a:p>
+            <a:pPr marL="285750" indent="-285750">
+              <a:buFont typeface="Wingdings" panose="05000000000000000000" pitchFamily="2" charset="2"/>
+              <a:buChar char="§"/>
+            </a:pPr>
+            <a:endParaRPr lang="ru-RU" dirty="0" smtClean="0"/>
+          </a:p>
+        </p:txBody>
+      </p:sp>
+      <p:pic>
+        <p:nvPicPr>
+          <p:cNvPr id="12292" name="Picture 4" descr="C:\Users\mSamarin\Desktop\Concept_31.png"/>
+          <p:cNvPicPr>
+            <a:picLocks noChangeAspect="1" noChangeArrowheads="1"/>
+          </p:cNvPicPr>
+          <p:nvPr/>
+        </p:nvPicPr>
+        <p:blipFill>
+          <a:blip r:embed="rId2">
+            <a:extLst>
+              <a:ext uri="{28A0092B-C50C-407E-A947-70E740481C1C}">
+                <a14:useLocalDpi xmlns:a14="http://schemas.microsoft.com/office/drawing/2010/main" val="0"/>
+              </a:ext>
+            </a:extLst>
+          </a:blip>
+          <a:srcRect/>
+          <a:stretch>
+            <a:fillRect/>
+          </a:stretch>
+        </p:blipFill>
+        <p:spPr bwMode="auto">
+          <a:xfrm>
+            <a:off x="5400000" y="3060000"/>
+            <a:ext cx="5114926" cy="2257425"/>
+          </a:xfrm>
+          <a:prstGeom prst="rect">
+            <a:avLst/>
+          </a:prstGeom>
+          <a:noFill/>
+          <a:ln w="12700">
+            <a:solidFill>
+              <a:schemeClr val="bg1">
+                <a:lumMod val="50000"/>
+              </a:schemeClr>
+            </a:solidFill>
+            <a:prstDash val="lgDash"/>
+          </a:ln>
+          <a:extLst>
+            <a:ext uri="{909E8E84-426E-40DD-AFC4-6F175D3DCCD1}">
+              <a14:hiddenFill xmlns:a14="http://schemas.microsoft.com/office/drawing/2010/main">
+                <a:solidFill>
+                  <a:srgbClr val="FFFFFF"/>
+                </a:solidFill>
+              </a14:hiddenFill>
+            </a:ext>
+          </a:extLst>
+        </p:spPr>
+      </p:pic>
+    </p:spTree>
+    <p:extLst>
+      <p:ext uri="{BB962C8B-B14F-4D97-AF65-F5344CB8AC3E}">
+        <p14:creationId xmlns:p14="http://schemas.microsoft.com/office/powerpoint/2010/main" val="4178248026"/>
+      </p:ext>
+    </p:extLst>
+  </p:cSld>
+  <p:clrMapOvr>
+    <a:masterClrMapping/>
+  </p:clrMapOvr>
+  <p:timing>
+    <p:tnLst>
+      <p:par>
+        <p:cTn id="1" dur="indefinite" restart="never" nodeType="tmRoot"/>
+      </p:par>
+    </p:tnLst>
+  </p:timing>
+</p:sld>
+</file>
+
+<file path=ppt/slides/slide14.xml><?xml version="1.0" encoding="utf-8"?>
+<p:sld xmlns:a="http://schemas.openxmlformats.org/drawingml/2006/main" xmlns:r="http://schemas.openxmlformats.org/officeDocument/2006/relationships" xmlns:p="http://schemas.openxmlformats.org/presentationml/2006/main">
+  <p:cSld>
+    <p:spTree>
+      <p:nvGrpSpPr>
+        <p:cNvPr id="1" name=""/>
+        <p:cNvGrpSpPr/>
+        <p:nvPr/>
+      </p:nvGrpSpPr>
+      <p:grpSpPr>
+        <a:xfrm>
+          <a:off x="0" y="0"/>
+          <a:ext cx="0" cy="0"/>
+          <a:chOff x="0" y="0"/>
+          <a:chExt cx="0" cy="0"/>
+        </a:xfrm>
+      </p:grpSpPr>
+      <p:sp>
+        <p:nvSpPr>
+          <p:cNvPr id="2" name="Заголовок 1"/>
+          <p:cNvSpPr>
+            <a:spLocks noGrp="1"/>
+          </p:cNvSpPr>
+          <p:nvPr>
+            <p:ph type="title"/>
+          </p:nvPr>
+        </p:nvSpPr>
+        <p:spPr/>
+        <p:txBody>
+          <a:bodyPr/>
+          <a:lstStyle/>
+          <a:p>
+            <a:r>
+              <a:rPr lang="en-US" dirty="0" smtClean="0"/>
+              <a:t>Question Analysis</a:t>
+            </a:r>
+            <a:endParaRPr lang="ru-RU" dirty="0"/>
+          </a:p>
+        </p:txBody>
+      </p:sp>
+      <p:sp>
+        <p:nvSpPr>
+          <p:cNvPr id="4" name="Нижний колонтитул 3"/>
+          <p:cNvSpPr>
+            <a:spLocks noGrp="1"/>
+          </p:cNvSpPr>
+          <p:nvPr>
+            <p:ph type="ftr" sz="quarter" idx="11"/>
+          </p:nvPr>
+        </p:nvSpPr>
+        <p:spPr/>
+        <p:txBody>
+          <a:bodyPr/>
+          <a:lstStyle/>
+          <a:p>
+            <a:r>
+              <a:rPr lang="en-US" dirty="0" err="1"/>
+              <a:t>Artezio</a:t>
+            </a:r>
+            <a:r>
+              <a:rPr lang="en-US" dirty="0"/>
+              <a:t> 2016</a:t>
+            </a:r>
+          </a:p>
+        </p:txBody>
+      </p:sp>
+      <p:sp>
+        <p:nvSpPr>
+          <p:cNvPr id="5" name="Номер слайда 4"/>
+          <p:cNvSpPr>
+            <a:spLocks noGrp="1"/>
+          </p:cNvSpPr>
+          <p:nvPr>
+            <p:ph type="sldNum" sz="quarter" idx="12"/>
+          </p:nvPr>
+        </p:nvSpPr>
+        <p:spPr/>
+        <p:txBody>
+          <a:bodyPr/>
+          <a:lstStyle/>
+          <a:p>
+            <a:fld id="{53FE853A-3A55-4CD3-B026-601242F08E1E}" type="slidenum">
+              <a:rPr lang="en-US" smtClean="0"/>
+              <a:t>14</a:t>
+            </a:fld>
+            <a:endParaRPr lang="en-US"/>
+          </a:p>
+        </p:txBody>
+      </p:sp>
+      <p:sp>
+        <p:nvSpPr>
+          <p:cNvPr id="6" name="Прямоугольник 5"/>
+          <p:cNvSpPr/>
+          <p:nvPr/>
+        </p:nvSpPr>
+        <p:spPr>
+          <a:xfrm>
+            <a:off x="911146" y="1441914"/>
+            <a:ext cx="3032369" cy="400110"/>
+          </a:xfrm>
+          <a:prstGeom prst="rect">
+            <a:avLst/>
+          </a:prstGeom>
+        </p:spPr>
+        <p:txBody>
+          <a:bodyPr wrap="none">
+            <a:spAutoFit/>
+          </a:bodyPr>
+          <a:lstStyle/>
+          <a:p>
+            <a:r>
+              <a:rPr lang="ru-RU" sz="2000" dirty="0" smtClean="0"/>
+              <a:t>Обработка морфо данных</a:t>
+            </a:r>
+            <a:endParaRPr lang="en-US" sz="2000" dirty="0"/>
+          </a:p>
+        </p:txBody>
+      </p:sp>
+      <p:sp>
+        <p:nvSpPr>
+          <p:cNvPr id="8" name="TextBox 7"/>
+          <p:cNvSpPr txBox="1"/>
+          <p:nvPr/>
+        </p:nvSpPr>
+        <p:spPr>
+          <a:xfrm>
+            <a:off x="911145" y="2409202"/>
+            <a:ext cx="7488783" cy="3231654"/>
+          </a:xfrm>
+          <a:prstGeom prst="rect">
+            <a:avLst/>
+          </a:prstGeom>
+          <a:noFill/>
+        </p:spPr>
+        <p:txBody>
+          <a:bodyPr wrap="square" rtlCol="0">
+            <a:spAutoFit/>
+          </a:bodyPr>
+          <a:lstStyle/>
+          <a:p>
+            <a:r>
+              <a:rPr lang="ru-RU" sz="2400" dirty="0" smtClean="0">
+                <a:solidFill>
+                  <a:schemeClr val="accent4">
+                    <a:lumMod val="75000"/>
+                  </a:schemeClr>
+                </a:solidFill>
+              </a:rPr>
+              <a:t>Вопрос: Как нужно вести деловое общение?</a:t>
+            </a:r>
+          </a:p>
+          <a:p>
+            <a:endParaRPr lang="ru-RU" dirty="0" smtClean="0"/>
+          </a:p>
+          <a:p>
+            <a:pPr marL="285750" indent="-285750">
+              <a:buFont typeface="Wingdings" panose="05000000000000000000" pitchFamily="2" charset="2"/>
+              <a:buChar char="§"/>
+            </a:pPr>
+            <a:r>
+              <a:rPr lang="ru-RU" dirty="0"/>
+              <a:t>Поиск имен </a:t>
+            </a:r>
+            <a:r>
+              <a:rPr lang="ru-RU" dirty="0" smtClean="0"/>
+              <a:t>собственных</a:t>
+            </a:r>
+          </a:p>
+          <a:p>
+            <a:pPr marL="742950" lvl="1" indent="-285750">
+              <a:buFont typeface="Courier New" panose="02070309020205020404" pitchFamily="49" charset="0"/>
+              <a:buChar char="o"/>
+            </a:pPr>
+            <a:r>
+              <a:rPr lang="en-US" dirty="0" err="1" smtClean="0"/>
+              <a:t>Отсутствуют</a:t>
+            </a:r>
+            <a:endParaRPr lang="ru-RU" dirty="0" smtClean="0"/>
+          </a:p>
+          <a:p>
+            <a:pPr marL="285750" indent="-285750">
+              <a:buFont typeface="Wingdings" panose="05000000000000000000" pitchFamily="2" charset="2"/>
+              <a:buChar char="§"/>
+            </a:pPr>
+            <a:endParaRPr lang="ru-RU" dirty="0"/>
+          </a:p>
+          <a:p>
+            <a:pPr marL="285750" indent="-285750">
+              <a:buFont typeface="Wingdings" panose="05000000000000000000" pitchFamily="2" charset="2"/>
+              <a:buChar char="§"/>
+            </a:pPr>
+            <a:r>
+              <a:rPr lang="ru-RU" dirty="0"/>
+              <a:t>Поиск фокуса в </a:t>
+            </a:r>
+            <a:r>
+              <a:rPr lang="ru-RU" dirty="0" smtClean="0"/>
+              <a:t>предложении</a:t>
+            </a:r>
+            <a:endParaRPr lang="ru-RU" dirty="0"/>
+          </a:p>
+          <a:p>
+            <a:pPr marL="742950" lvl="1" indent="-285750">
+              <a:buFont typeface="Courier New" panose="02070309020205020404" pitchFamily="49" charset="0"/>
+              <a:buChar char="o"/>
+            </a:pPr>
+            <a:r>
+              <a:rPr lang="en-US" dirty="0" err="1" smtClean="0">
+                <a:solidFill>
+                  <a:schemeClr val="accent4">
+                    <a:lumMod val="75000"/>
+                  </a:schemeClr>
+                </a:solidFill>
+              </a:rPr>
+              <a:t>Как</a:t>
+            </a:r>
+            <a:endParaRPr lang="ru-RU" dirty="0" smtClean="0">
+              <a:solidFill>
+                <a:schemeClr val="accent4">
+                  <a:lumMod val="75000"/>
+                </a:schemeClr>
+              </a:solidFill>
+            </a:endParaRPr>
+          </a:p>
+          <a:p>
+            <a:pPr marL="285750" indent="-285750">
+              <a:buFont typeface="Wingdings" panose="05000000000000000000" pitchFamily="2" charset="2"/>
+              <a:buChar char="§"/>
+            </a:pPr>
+            <a:endParaRPr lang="ru-RU" dirty="0"/>
+          </a:p>
+          <a:p>
+            <a:pPr marL="285750" indent="-285750">
+              <a:buFont typeface="Wingdings" panose="05000000000000000000" pitchFamily="2" charset="2"/>
+              <a:buChar char="§"/>
+            </a:pPr>
+            <a:r>
+              <a:rPr lang="ru-RU" dirty="0"/>
+              <a:t>- Поиск основного </a:t>
+            </a:r>
+            <a:r>
+              <a:rPr lang="ru-RU" dirty="0" smtClean="0"/>
+              <a:t>глагола</a:t>
+            </a:r>
+            <a:endParaRPr lang="en-US" dirty="0" smtClean="0"/>
+          </a:p>
+          <a:p>
+            <a:pPr marL="742950" lvl="1" indent="-285750">
+              <a:buFont typeface="Courier New" panose="02070309020205020404" pitchFamily="49" charset="0"/>
+              <a:buChar char="o"/>
+            </a:pPr>
+            <a:r>
+              <a:rPr lang="en-US" dirty="0" err="1" smtClean="0">
+                <a:solidFill>
+                  <a:schemeClr val="accent4">
+                    <a:lumMod val="75000"/>
+                  </a:schemeClr>
+                </a:solidFill>
+              </a:rPr>
+              <a:t>вести</a:t>
+            </a:r>
+            <a:endParaRPr lang="ru-RU" dirty="0" smtClean="0">
+              <a:solidFill>
+                <a:schemeClr val="accent4">
+                  <a:lumMod val="75000"/>
+                </a:schemeClr>
+              </a:solidFill>
+            </a:endParaRPr>
+          </a:p>
+          <a:p>
+            <a:pPr marL="285750" indent="-285750">
+              <a:buFont typeface="Wingdings" panose="05000000000000000000" pitchFamily="2" charset="2"/>
+              <a:buChar char="§"/>
+            </a:pPr>
+            <a:endParaRPr lang="ru-RU" dirty="0" smtClean="0"/>
+          </a:p>
+        </p:txBody>
+      </p:sp>
+      <p:pic>
+        <p:nvPicPr>
+          <p:cNvPr id="13316" name="Picture 4" descr="C:\Users\mSamarin\Desktop\Concept_41.png"/>
+          <p:cNvPicPr>
+            <a:picLocks noChangeAspect="1" noChangeArrowheads="1"/>
+          </p:cNvPicPr>
+          <p:nvPr/>
+        </p:nvPicPr>
+        <p:blipFill>
+          <a:blip r:embed="rId2">
+            <a:extLst>
+              <a:ext uri="{28A0092B-C50C-407E-A947-70E740481C1C}">
+                <a14:useLocalDpi xmlns:a14="http://schemas.microsoft.com/office/drawing/2010/main" val="0"/>
+              </a:ext>
+            </a:extLst>
+          </a:blip>
+          <a:srcRect/>
+          <a:stretch>
+            <a:fillRect/>
+          </a:stretch>
+        </p:blipFill>
+        <p:spPr bwMode="auto">
+          <a:xfrm>
+            <a:off x="5400000" y="3060000"/>
+            <a:ext cx="5114926" cy="2257425"/>
+          </a:xfrm>
+          <a:prstGeom prst="rect">
+            <a:avLst/>
+          </a:prstGeom>
+          <a:noFill/>
+          <a:ln w="12700">
+            <a:solidFill>
+              <a:schemeClr val="bg1">
+                <a:lumMod val="50000"/>
+              </a:schemeClr>
+            </a:solidFill>
+            <a:prstDash val="lgDash"/>
+          </a:ln>
+          <a:extLst>
+            <a:ext uri="{909E8E84-426E-40DD-AFC4-6F175D3DCCD1}">
+              <a14:hiddenFill xmlns:a14="http://schemas.microsoft.com/office/drawing/2010/main">
+                <a:solidFill>
+                  <a:srgbClr val="FFFFFF"/>
+                </a:solidFill>
+              </a14:hiddenFill>
+            </a:ext>
+          </a:extLst>
+        </p:spPr>
+      </p:pic>
+    </p:spTree>
+    <p:extLst>
+      <p:ext uri="{BB962C8B-B14F-4D97-AF65-F5344CB8AC3E}">
+        <p14:creationId xmlns:p14="http://schemas.microsoft.com/office/powerpoint/2010/main" val="2229309994"/>
+      </p:ext>
+    </p:extLst>
+  </p:cSld>
+  <p:clrMapOvr>
+    <a:masterClrMapping/>
+  </p:clrMapOvr>
+  <p:timing>
+    <p:tnLst>
+      <p:par>
+        <p:cTn id="1" dur="indefinite" restart="never" nodeType="tmRoot"/>
+      </p:par>
+    </p:tnLst>
+  </p:timing>
+</p:sld>
+</file>
+
+<file path=ppt/slides/slide15.xml><?xml version="1.0" encoding="utf-8"?>
+<p:sld xmlns:a="http://schemas.openxmlformats.org/drawingml/2006/main" xmlns:r="http://schemas.openxmlformats.org/officeDocument/2006/relationships" xmlns:p="http://schemas.openxmlformats.org/presentationml/2006/main">
+  <p:cSld>
+    <p:spTree>
+      <p:nvGrpSpPr>
+        <p:cNvPr id="1" name=""/>
+        <p:cNvGrpSpPr/>
+        <p:nvPr/>
+      </p:nvGrpSpPr>
+      <p:grpSpPr>
+        <a:xfrm>
+          <a:off x="0" y="0"/>
+          <a:ext cx="0" cy="0"/>
+          <a:chOff x="0" y="0"/>
+          <a:chExt cx="0" cy="0"/>
+        </a:xfrm>
+      </p:grpSpPr>
+      <p:sp>
+        <p:nvSpPr>
+          <p:cNvPr id="2" name="Заголовок 1"/>
+          <p:cNvSpPr>
+            <a:spLocks noGrp="1"/>
+          </p:cNvSpPr>
+          <p:nvPr>
+            <p:ph type="title"/>
+          </p:nvPr>
+        </p:nvSpPr>
+        <p:spPr/>
+        <p:txBody>
+          <a:bodyPr/>
+          <a:lstStyle/>
+          <a:p>
+            <a:r>
+              <a:rPr lang="en-US" dirty="0" smtClean="0"/>
+              <a:t>Question Analysis</a:t>
+            </a:r>
+            <a:endParaRPr lang="ru-RU" dirty="0"/>
+          </a:p>
+        </p:txBody>
+      </p:sp>
+      <p:sp>
+        <p:nvSpPr>
+          <p:cNvPr id="4" name="Нижний колонтитул 3"/>
+          <p:cNvSpPr>
+            <a:spLocks noGrp="1"/>
+          </p:cNvSpPr>
+          <p:nvPr>
+            <p:ph type="ftr" sz="quarter" idx="11"/>
+          </p:nvPr>
+        </p:nvSpPr>
+        <p:spPr/>
+        <p:txBody>
+          <a:bodyPr/>
+          <a:lstStyle/>
+          <a:p>
+            <a:r>
+              <a:rPr lang="en-US" dirty="0" err="1"/>
+              <a:t>Artezio</a:t>
+            </a:r>
+            <a:r>
+              <a:rPr lang="en-US" dirty="0"/>
+              <a:t> 2016</a:t>
+            </a:r>
+          </a:p>
+        </p:txBody>
+      </p:sp>
+      <p:sp>
+        <p:nvSpPr>
+          <p:cNvPr id="5" name="Номер слайда 4"/>
+          <p:cNvSpPr>
+            <a:spLocks noGrp="1"/>
+          </p:cNvSpPr>
+          <p:nvPr>
+            <p:ph type="sldNum" sz="quarter" idx="12"/>
+          </p:nvPr>
+        </p:nvSpPr>
+        <p:spPr/>
+        <p:txBody>
+          <a:bodyPr/>
+          <a:lstStyle/>
+          <a:p>
+            <a:fld id="{53FE853A-3A55-4CD3-B026-601242F08E1E}" type="slidenum">
+              <a:rPr lang="en-US" smtClean="0"/>
+              <a:t>15</a:t>
+            </a:fld>
+            <a:endParaRPr lang="en-US"/>
+          </a:p>
+        </p:txBody>
+      </p:sp>
+      <p:sp>
+        <p:nvSpPr>
+          <p:cNvPr id="6" name="Прямоугольник 5"/>
+          <p:cNvSpPr/>
+          <p:nvPr/>
+        </p:nvSpPr>
+        <p:spPr>
+          <a:xfrm>
+            <a:off x="911146" y="1441914"/>
+            <a:ext cx="4864730" cy="400110"/>
+          </a:xfrm>
+          <a:prstGeom prst="rect">
+            <a:avLst/>
+          </a:prstGeom>
+        </p:spPr>
+        <p:txBody>
+          <a:bodyPr wrap="none">
+            <a:spAutoFit/>
+          </a:bodyPr>
+          <a:lstStyle/>
+          <a:p>
+            <a:r>
+              <a:rPr lang="ru-RU" sz="2000" dirty="0"/>
+              <a:t>Извлечение лексических типов ответа(</a:t>
+            </a:r>
+            <a:r>
+              <a:rPr lang="en-US" sz="2000" dirty="0"/>
+              <a:t>LAT</a:t>
+            </a:r>
+            <a:r>
+              <a:rPr lang="ru-RU" sz="2000" dirty="0"/>
+              <a:t>)</a:t>
+            </a:r>
+            <a:endParaRPr lang="en-US" sz="2000" dirty="0"/>
+          </a:p>
+        </p:txBody>
+      </p:sp>
+      <p:sp>
+        <p:nvSpPr>
+          <p:cNvPr id="8" name="TextBox 7"/>
+          <p:cNvSpPr txBox="1"/>
+          <p:nvPr/>
+        </p:nvSpPr>
+        <p:spPr>
+          <a:xfrm>
+            <a:off x="911145" y="2409202"/>
+            <a:ext cx="7488783" cy="2400657"/>
+          </a:xfrm>
+          <a:prstGeom prst="rect">
+            <a:avLst/>
+          </a:prstGeom>
+          <a:noFill/>
+        </p:spPr>
+        <p:txBody>
+          <a:bodyPr wrap="square" rtlCol="0">
+            <a:spAutoFit/>
+          </a:bodyPr>
+          <a:lstStyle/>
+          <a:p>
+            <a:r>
+              <a:rPr lang="ru-RU" sz="2400" dirty="0" smtClean="0">
+                <a:solidFill>
+                  <a:schemeClr val="accent4">
+                    <a:lumMod val="75000"/>
+                  </a:schemeClr>
+                </a:solidFill>
+              </a:rPr>
+              <a:t>Вопрос: Как нужно вести деловое общение?</a:t>
+            </a:r>
+          </a:p>
+          <a:p>
+            <a:endParaRPr lang="ru-RU" dirty="0" smtClean="0"/>
+          </a:p>
+          <a:p>
+            <a:r>
+              <a:rPr lang="en-US" dirty="0" err="1" smtClean="0"/>
+              <a:t>Wordnet</a:t>
+            </a:r>
+            <a:endParaRPr lang="en-US" dirty="0" smtClean="0"/>
+          </a:p>
+          <a:p>
+            <a:endParaRPr lang="en-US" dirty="0" smtClean="0"/>
+          </a:p>
+          <a:p>
+            <a:r>
+              <a:rPr lang="ru-RU" dirty="0"/>
+              <a:t>общение - общественные связи или отношения</a:t>
+            </a:r>
+          </a:p>
+          <a:p>
+            <a:r>
+              <a:rPr lang="ru-RU" dirty="0"/>
+              <a:t>общение - сообщение</a:t>
+            </a:r>
+          </a:p>
+          <a:p>
+            <a:r>
+              <a:rPr lang="ru-RU" dirty="0"/>
+              <a:t>общение - действие</a:t>
+            </a:r>
+          </a:p>
+          <a:p>
+            <a:r>
+              <a:rPr lang="ru-RU" dirty="0"/>
+              <a:t>общение - событие</a:t>
+            </a:r>
+            <a:endParaRPr lang="ru-RU" dirty="0" smtClean="0"/>
+          </a:p>
+        </p:txBody>
+      </p:sp>
+      <p:pic>
+        <p:nvPicPr>
+          <p:cNvPr id="14339" name="Picture 3" descr="C:\Users\mSamarin\Desktop\LAT.png"/>
+          <p:cNvPicPr>
+            <a:picLocks noChangeAspect="1" noChangeArrowheads="1"/>
+          </p:cNvPicPr>
+          <p:nvPr/>
+        </p:nvPicPr>
+        <p:blipFill>
+          <a:blip r:embed="rId2">
+            <a:extLst>
+              <a:ext uri="{28A0092B-C50C-407E-A947-70E740481C1C}">
+                <a14:useLocalDpi xmlns:a14="http://schemas.microsoft.com/office/drawing/2010/main" val="0"/>
+              </a:ext>
+            </a:extLst>
+          </a:blip>
+          <a:srcRect/>
+          <a:stretch>
+            <a:fillRect/>
+          </a:stretch>
+        </p:blipFill>
+        <p:spPr bwMode="auto">
+          <a:xfrm>
+            <a:off x="6343995" y="2874347"/>
+            <a:ext cx="4533900" cy="3009900"/>
+          </a:xfrm>
+          <a:prstGeom prst="rect">
+            <a:avLst/>
+          </a:prstGeom>
+          <a:noFill/>
+          <a:ln w="12700">
+            <a:solidFill>
+              <a:schemeClr val="bg1">
+                <a:lumMod val="50000"/>
+              </a:schemeClr>
+            </a:solidFill>
+            <a:prstDash val="lgDash"/>
+          </a:ln>
+          <a:extLst>
+            <a:ext uri="{909E8E84-426E-40DD-AFC4-6F175D3DCCD1}">
+              <a14:hiddenFill xmlns:a14="http://schemas.microsoft.com/office/drawing/2010/main">
+                <a:solidFill>
+                  <a:srgbClr val="FFFFFF"/>
+                </a:solidFill>
+              </a14:hiddenFill>
+            </a:ext>
+          </a:extLst>
+        </p:spPr>
+      </p:pic>
+    </p:spTree>
+    <p:extLst>
+      <p:ext uri="{BB962C8B-B14F-4D97-AF65-F5344CB8AC3E}">
+        <p14:creationId xmlns:p14="http://schemas.microsoft.com/office/powerpoint/2010/main" val="3888848238"/>
+      </p:ext>
+    </p:extLst>
+  </p:cSld>
+  <p:clrMapOvr>
+    <a:masterClrMapping/>
+  </p:clrMapOvr>
+  <p:timing>
+    <p:tnLst>
+      <p:par>
+        <p:cTn id="1" dur="indefinite" restart="never" nodeType="tmRoot"/>
+      </p:par>
+    </p:tnLst>
+  </p:timing>
+</p:sld>
+</file>
+
+<file path=ppt/slides/slide16.xml><?xml version="1.0" encoding="utf-8"?>
+<p:sld xmlns:a="http://schemas.openxmlformats.org/drawingml/2006/main" xmlns:r="http://schemas.openxmlformats.org/officeDocument/2006/relationships" xmlns:p="http://schemas.openxmlformats.org/presentationml/2006/main">
+  <p:cSld>
+    <p:spTree>
+      <p:nvGrpSpPr>
+        <p:cNvPr id="1" name=""/>
+        <p:cNvGrpSpPr/>
+        <p:nvPr/>
+      </p:nvGrpSpPr>
+      <p:grpSpPr>
+        <a:xfrm>
+          <a:off x="0" y="0"/>
+          <a:ext cx="0" cy="0"/>
+          <a:chOff x="0" y="0"/>
+          <a:chExt cx="0" cy="0"/>
+        </a:xfrm>
+      </p:grpSpPr>
+      <p:sp>
+        <p:nvSpPr>
+          <p:cNvPr id="2" name="Заголовок 1"/>
+          <p:cNvSpPr>
+            <a:spLocks noGrp="1"/>
+          </p:cNvSpPr>
+          <p:nvPr>
+            <p:ph type="title"/>
+          </p:nvPr>
+        </p:nvSpPr>
+        <p:spPr/>
+        <p:txBody>
+          <a:bodyPr/>
+          <a:lstStyle/>
+          <a:p>
+            <a:r>
+              <a:rPr lang="en-US" dirty="0" smtClean="0"/>
+              <a:t>Question Analysis</a:t>
+            </a:r>
+            <a:endParaRPr lang="ru-RU" dirty="0"/>
+          </a:p>
+        </p:txBody>
+      </p:sp>
+      <p:sp>
+        <p:nvSpPr>
+          <p:cNvPr id="4" name="Нижний колонтитул 3"/>
+          <p:cNvSpPr>
+            <a:spLocks noGrp="1"/>
+          </p:cNvSpPr>
+          <p:nvPr>
+            <p:ph type="ftr" sz="quarter" idx="11"/>
+          </p:nvPr>
+        </p:nvSpPr>
+        <p:spPr/>
+        <p:txBody>
+          <a:bodyPr/>
+          <a:lstStyle/>
+          <a:p>
+            <a:r>
+              <a:rPr lang="en-US" dirty="0" err="1"/>
+              <a:t>Artezio</a:t>
+            </a:r>
+            <a:r>
+              <a:rPr lang="en-US" dirty="0"/>
+              <a:t> 2016</a:t>
+            </a:r>
+          </a:p>
+        </p:txBody>
+      </p:sp>
+      <p:sp>
+        <p:nvSpPr>
+          <p:cNvPr id="5" name="Номер слайда 4"/>
+          <p:cNvSpPr>
+            <a:spLocks noGrp="1"/>
+          </p:cNvSpPr>
+          <p:nvPr>
+            <p:ph type="sldNum" sz="quarter" idx="12"/>
+          </p:nvPr>
+        </p:nvSpPr>
+        <p:spPr/>
+        <p:txBody>
+          <a:bodyPr/>
+          <a:lstStyle/>
+          <a:p>
+            <a:fld id="{53FE853A-3A55-4CD3-B026-601242F08E1E}" type="slidenum">
+              <a:rPr lang="en-US" smtClean="0"/>
+              <a:t>16</a:t>
+            </a:fld>
+            <a:endParaRPr lang="en-US"/>
+          </a:p>
+        </p:txBody>
+      </p:sp>
+      <p:sp>
+        <p:nvSpPr>
+          <p:cNvPr id="6" name="Прямоугольник 5"/>
+          <p:cNvSpPr/>
+          <p:nvPr/>
+        </p:nvSpPr>
+        <p:spPr>
+          <a:xfrm>
+            <a:off x="911146" y="1441914"/>
+            <a:ext cx="3125984" cy="400110"/>
+          </a:xfrm>
+          <a:prstGeom prst="rect">
+            <a:avLst/>
+          </a:prstGeom>
+        </p:spPr>
+        <p:txBody>
+          <a:bodyPr wrap="none">
+            <a:spAutoFit/>
+          </a:bodyPr>
+          <a:lstStyle/>
+          <a:p>
+            <a:r>
+              <a:rPr lang="ru-RU" sz="2000" dirty="0" smtClean="0"/>
+              <a:t>Выделение ключевых слов</a:t>
+            </a:r>
+            <a:endParaRPr lang="en-US" sz="2000" dirty="0"/>
+          </a:p>
+        </p:txBody>
+      </p:sp>
+      <p:sp>
+        <p:nvSpPr>
+          <p:cNvPr id="8" name="TextBox 7"/>
+          <p:cNvSpPr txBox="1"/>
+          <p:nvPr/>
+        </p:nvSpPr>
+        <p:spPr>
+          <a:xfrm>
+            <a:off x="911145" y="2409202"/>
+            <a:ext cx="7488783" cy="2677656"/>
+          </a:xfrm>
+          <a:prstGeom prst="rect">
+            <a:avLst/>
+          </a:prstGeom>
+          <a:noFill/>
+        </p:spPr>
+        <p:txBody>
+          <a:bodyPr wrap="square" rtlCol="0">
+            <a:spAutoFit/>
+          </a:bodyPr>
+          <a:lstStyle/>
+          <a:p>
+            <a:r>
+              <a:rPr lang="ru-RU" sz="2400" dirty="0" smtClean="0">
+                <a:solidFill>
+                  <a:schemeClr val="accent4">
+                    <a:lumMod val="75000"/>
+                  </a:schemeClr>
+                </a:solidFill>
+              </a:rPr>
+              <a:t>Вопрос: Как нужно вести деловое общение?</a:t>
+            </a:r>
+          </a:p>
+          <a:p>
+            <a:endParaRPr lang="ru-RU" dirty="0" smtClean="0"/>
+          </a:p>
+          <a:p>
+            <a:r>
+              <a:rPr lang="en-US" dirty="0" err="1" smtClean="0"/>
+              <a:t>Ключевые</a:t>
+            </a:r>
+            <a:r>
+              <a:rPr lang="en-US" dirty="0" smtClean="0"/>
+              <a:t> </a:t>
+            </a:r>
+            <a:r>
+              <a:rPr lang="ru-RU" dirty="0" smtClean="0"/>
+              <a:t>слова </a:t>
+            </a:r>
+            <a:r>
+              <a:rPr lang="en-US" dirty="0" err="1" smtClean="0"/>
+              <a:t>выделяются</a:t>
+            </a:r>
+            <a:r>
+              <a:rPr lang="en-US" dirty="0" smtClean="0"/>
+              <a:t> </a:t>
+            </a:r>
+            <a:r>
+              <a:rPr lang="en-US" dirty="0" err="1" smtClean="0"/>
+              <a:t>по</a:t>
+            </a:r>
+            <a:r>
+              <a:rPr lang="ru-RU" dirty="0" smtClean="0"/>
+              <a:t>:</a:t>
+            </a:r>
+            <a:endParaRPr lang="en-US" dirty="0" smtClean="0"/>
+          </a:p>
+          <a:p>
+            <a:endParaRPr lang="en-US" dirty="0" smtClean="0"/>
+          </a:p>
+          <a:p>
+            <a:pPr marL="742950" lvl="1" indent="-285750">
+              <a:buFont typeface="Arial" panose="020B0604020202020204" pitchFamily="34" charset="0"/>
+              <a:buChar char="•"/>
+            </a:pPr>
+            <a:r>
+              <a:rPr lang="en-US" dirty="0" err="1" smtClean="0"/>
+              <a:t>вопросительному</a:t>
+            </a:r>
+            <a:r>
+              <a:rPr lang="en-US" dirty="0" smtClean="0"/>
+              <a:t> </a:t>
+            </a:r>
+            <a:r>
+              <a:rPr lang="en-US" dirty="0" err="1" smtClean="0"/>
+              <a:t>слову</a:t>
+            </a:r>
+            <a:endParaRPr lang="en-US" dirty="0" smtClean="0"/>
+          </a:p>
+          <a:p>
+            <a:pPr marL="742950" lvl="1" indent="-285750">
+              <a:buFont typeface="Arial" panose="020B0604020202020204" pitchFamily="34" charset="0"/>
+              <a:buChar char="•"/>
+            </a:pPr>
+            <a:r>
+              <a:rPr lang="en-US" dirty="0" err="1" smtClean="0"/>
+              <a:t>основному</a:t>
+            </a:r>
+            <a:r>
+              <a:rPr lang="en-US" dirty="0" smtClean="0"/>
+              <a:t> </a:t>
+            </a:r>
+            <a:r>
+              <a:rPr lang="en-US" dirty="0" err="1" smtClean="0"/>
+              <a:t>глаголу</a:t>
+            </a:r>
+            <a:endParaRPr lang="en-US" dirty="0" smtClean="0"/>
+          </a:p>
+          <a:p>
+            <a:pPr marL="742950" lvl="1" indent="-285750">
+              <a:buFont typeface="Arial" panose="020B0604020202020204" pitchFamily="34" charset="0"/>
+              <a:buChar char="•"/>
+            </a:pPr>
+            <a:r>
+              <a:rPr lang="en-US" dirty="0" err="1" smtClean="0"/>
+              <a:t>имени</a:t>
+            </a:r>
+            <a:r>
+              <a:rPr lang="en-US" dirty="0" smtClean="0"/>
+              <a:t> </a:t>
+            </a:r>
+            <a:r>
+              <a:rPr lang="en-US" dirty="0" err="1" smtClean="0"/>
+              <a:t>собственному</a:t>
+            </a:r>
+            <a:endParaRPr lang="en-US" dirty="0" smtClean="0"/>
+          </a:p>
+          <a:p>
+            <a:pPr marL="742950" lvl="1" indent="-285750">
+              <a:buFont typeface="Arial" panose="020B0604020202020204" pitchFamily="34" charset="0"/>
+              <a:buChar char="•"/>
+            </a:pPr>
+            <a:r>
+              <a:rPr lang="en-US" dirty="0" err="1" smtClean="0"/>
+              <a:t>лексическим</a:t>
+            </a:r>
+            <a:r>
+              <a:rPr lang="en-US" dirty="0" smtClean="0"/>
+              <a:t> </a:t>
+            </a:r>
+            <a:r>
+              <a:rPr lang="en-US" dirty="0" err="1" smtClean="0"/>
+              <a:t>типам</a:t>
+            </a:r>
+            <a:r>
+              <a:rPr lang="en-US" dirty="0" smtClean="0"/>
+              <a:t> </a:t>
+            </a:r>
+            <a:r>
+              <a:rPr lang="en-US" dirty="0" err="1" smtClean="0"/>
+              <a:t>ответов</a:t>
+            </a:r>
+            <a:endParaRPr lang="en-US" dirty="0" smtClean="0"/>
+          </a:p>
+          <a:p>
+            <a:pPr marL="742950" lvl="1" indent="-285750">
+              <a:buFont typeface="Arial" panose="020B0604020202020204" pitchFamily="34" charset="0"/>
+              <a:buChar char="•"/>
+            </a:pPr>
+            <a:r>
+              <a:rPr lang="en-US" dirty="0" err="1" smtClean="0"/>
+              <a:t>существительным</a:t>
+            </a:r>
+            <a:endParaRPr lang="ru-RU" dirty="0" smtClean="0"/>
+          </a:p>
+        </p:txBody>
+      </p:sp>
+      <p:pic>
+        <p:nvPicPr>
+          <p:cNvPr id="15362" name="Picture 2" descr="C:\Users\mSamarin\Desktop\Clue.png"/>
+          <p:cNvPicPr>
+            <a:picLocks noChangeAspect="1" noChangeArrowheads="1"/>
+          </p:cNvPicPr>
+          <p:nvPr/>
+        </p:nvPicPr>
+        <p:blipFill>
+          <a:blip r:embed="rId2">
+            <a:extLst>
+              <a:ext uri="{28A0092B-C50C-407E-A947-70E740481C1C}">
+                <a14:useLocalDpi xmlns:a14="http://schemas.microsoft.com/office/drawing/2010/main" val="0"/>
+              </a:ext>
+            </a:extLst>
+          </a:blip>
+          <a:srcRect/>
+          <a:stretch>
+            <a:fillRect/>
+          </a:stretch>
+        </p:blipFill>
+        <p:spPr bwMode="auto">
+          <a:xfrm>
+            <a:off x="6330576" y="2892668"/>
+            <a:ext cx="4587457" cy="3219560"/>
+          </a:xfrm>
+          <a:prstGeom prst="rect">
+            <a:avLst/>
+          </a:prstGeom>
+          <a:noFill/>
+          <a:ln w="12700">
+            <a:solidFill>
+              <a:schemeClr val="bg1">
+                <a:lumMod val="50000"/>
+              </a:schemeClr>
+            </a:solidFill>
+            <a:prstDash val="lgDash"/>
+          </a:ln>
+          <a:extLst>
+            <a:ext uri="{909E8E84-426E-40DD-AFC4-6F175D3DCCD1}">
+              <a14:hiddenFill xmlns:a14="http://schemas.microsoft.com/office/drawing/2010/main">
+                <a:solidFill>
+                  <a:srgbClr val="FFFFFF"/>
+                </a:solidFill>
+              </a14:hiddenFill>
+            </a:ext>
+          </a:extLst>
+        </p:spPr>
+      </p:pic>
+    </p:spTree>
+    <p:extLst>
+      <p:ext uri="{BB962C8B-B14F-4D97-AF65-F5344CB8AC3E}">
+        <p14:creationId xmlns:p14="http://schemas.microsoft.com/office/powerpoint/2010/main" val="447444199"/>
+      </p:ext>
+    </p:extLst>
+  </p:cSld>
+  <p:clrMapOvr>
+    <a:masterClrMapping/>
+  </p:clrMapOvr>
+  <p:timing>
+    <p:tnLst>
+      <p:par>
+        <p:cTn id="1" dur="indefinite" restart="never" nodeType="tmRoot"/>
+      </p:par>
+    </p:tnLst>
+  </p:timing>
+</p:sld>
+</file>
+
+<file path=ppt/slides/slide17.xml><?xml version="1.0" encoding="utf-8"?>
+<p:sld xmlns:a="http://schemas.openxmlformats.org/drawingml/2006/main" xmlns:r="http://schemas.openxmlformats.org/officeDocument/2006/relationships" xmlns:p="http://schemas.openxmlformats.org/presentationml/2006/main">
+  <p:cSld>
+    <p:spTree>
+      <p:nvGrpSpPr>
+        <p:cNvPr id="1" name=""/>
+        <p:cNvGrpSpPr/>
+        <p:nvPr/>
+      </p:nvGrpSpPr>
+      <p:grpSpPr>
+        <a:xfrm>
+          <a:off x="0" y="0"/>
+          <a:ext cx="0" cy="0"/>
+          <a:chOff x="0" y="0"/>
+          <a:chExt cx="0" cy="0"/>
+        </a:xfrm>
+      </p:grpSpPr>
+      <p:sp>
+        <p:nvSpPr>
+          <p:cNvPr id="2" name="Заголовок 1"/>
+          <p:cNvSpPr>
+            <a:spLocks noGrp="1"/>
+          </p:cNvSpPr>
+          <p:nvPr>
+            <p:ph type="title"/>
+          </p:nvPr>
+        </p:nvSpPr>
+        <p:spPr/>
+        <p:txBody>
+          <a:bodyPr/>
+          <a:lstStyle/>
+          <a:p>
+            <a:r>
+              <a:rPr lang="en-US" dirty="0" smtClean="0"/>
+              <a:t>Question Analysis</a:t>
+            </a:r>
+            <a:endParaRPr lang="ru-RU" dirty="0"/>
+          </a:p>
+        </p:txBody>
+      </p:sp>
+      <p:sp>
+        <p:nvSpPr>
+          <p:cNvPr id="4" name="Нижний колонтитул 3"/>
+          <p:cNvSpPr>
+            <a:spLocks noGrp="1"/>
+          </p:cNvSpPr>
+          <p:nvPr>
+            <p:ph type="ftr" sz="quarter" idx="11"/>
+          </p:nvPr>
+        </p:nvSpPr>
+        <p:spPr/>
+        <p:txBody>
+          <a:bodyPr/>
+          <a:lstStyle/>
+          <a:p>
+            <a:r>
+              <a:rPr lang="en-US" dirty="0" err="1"/>
+              <a:t>Artezio</a:t>
+            </a:r>
+            <a:r>
+              <a:rPr lang="en-US" dirty="0"/>
+              <a:t> 2016</a:t>
+            </a:r>
+          </a:p>
+        </p:txBody>
+      </p:sp>
+      <p:sp>
+        <p:nvSpPr>
+          <p:cNvPr id="5" name="Номер слайда 4"/>
+          <p:cNvSpPr>
+            <a:spLocks noGrp="1"/>
+          </p:cNvSpPr>
+          <p:nvPr>
+            <p:ph type="sldNum" sz="quarter" idx="12"/>
+          </p:nvPr>
+        </p:nvSpPr>
+        <p:spPr/>
+        <p:txBody>
+          <a:bodyPr/>
+          <a:lstStyle/>
+          <a:p>
+            <a:fld id="{53FE853A-3A55-4CD3-B026-601242F08E1E}" type="slidenum">
+              <a:rPr lang="en-US" smtClean="0"/>
+              <a:t>17</a:t>
+            </a:fld>
+            <a:endParaRPr lang="en-US"/>
+          </a:p>
+        </p:txBody>
+      </p:sp>
+      <p:sp>
+        <p:nvSpPr>
+          <p:cNvPr id="6" name="Прямоугольник 5"/>
+          <p:cNvSpPr/>
+          <p:nvPr/>
+        </p:nvSpPr>
+        <p:spPr>
+          <a:xfrm>
+            <a:off x="911146" y="1441914"/>
+            <a:ext cx="2621743" cy="400110"/>
+          </a:xfrm>
+          <a:prstGeom prst="rect">
+            <a:avLst/>
+          </a:prstGeom>
+        </p:spPr>
+        <p:txBody>
+          <a:bodyPr wrap="none">
+            <a:spAutoFit/>
+          </a:bodyPr>
+          <a:lstStyle/>
+          <a:p>
+            <a:r>
+              <a:rPr lang="ru-RU" sz="2000" dirty="0"/>
+              <a:t>Выделение концептов</a:t>
+            </a:r>
+            <a:endParaRPr lang="en-US" sz="2000" dirty="0"/>
+          </a:p>
+        </p:txBody>
+      </p:sp>
+      <p:sp>
+        <p:nvSpPr>
+          <p:cNvPr id="8" name="TextBox 7"/>
+          <p:cNvSpPr txBox="1"/>
+          <p:nvPr/>
+        </p:nvSpPr>
+        <p:spPr>
+          <a:xfrm>
+            <a:off x="911145" y="2409202"/>
+            <a:ext cx="7488783" cy="3231654"/>
+          </a:xfrm>
+          <a:prstGeom prst="rect">
+            <a:avLst/>
+          </a:prstGeom>
+          <a:noFill/>
+        </p:spPr>
+        <p:txBody>
+          <a:bodyPr wrap="square" rtlCol="0">
+            <a:spAutoFit/>
+          </a:bodyPr>
+          <a:lstStyle/>
+          <a:p>
+            <a:r>
+              <a:rPr lang="ru-RU" sz="2400" dirty="0" smtClean="0">
+                <a:solidFill>
+                  <a:schemeClr val="accent4">
+                    <a:lumMod val="75000"/>
+                  </a:schemeClr>
+                </a:solidFill>
+              </a:rPr>
+              <a:t>Вопрос: Как нужно вести деловое общение?</a:t>
+            </a:r>
+          </a:p>
+          <a:p>
+            <a:endParaRPr lang="ru-RU" dirty="0" smtClean="0"/>
+          </a:p>
+          <a:p>
+            <a:endParaRPr lang="ru-RU" dirty="0" smtClean="0"/>
+          </a:p>
+          <a:p>
+            <a:r>
+              <a:rPr lang="en-US" dirty="0" smtClean="0"/>
+              <a:t>К</a:t>
+            </a:r>
+            <a:r>
+              <a:rPr lang="ru-RU" dirty="0" err="1" smtClean="0"/>
+              <a:t>онцепты</a:t>
+            </a:r>
+            <a:r>
+              <a:rPr lang="ru-RU" dirty="0" smtClean="0"/>
+              <a:t> состоят из:</a:t>
+            </a:r>
+          </a:p>
+          <a:p>
+            <a:r>
+              <a:rPr lang="ru-RU" dirty="0"/>
+              <a:t>	</a:t>
+            </a:r>
+            <a:endParaRPr lang="ru-RU" dirty="0" smtClean="0"/>
+          </a:p>
+          <a:p>
+            <a:pPr marL="742950" lvl="1" indent="-285750">
+              <a:buFont typeface="Wingdings" panose="05000000000000000000" pitchFamily="2" charset="2"/>
+              <a:buChar char="§"/>
+            </a:pPr>
+            <a:r>
+              <a:rPr lang="ru-RU" dirty="0" smtClean="0"/>
+              <a:t>Метки </a:t>
+            </a:r>
+            <a:endParaRPr lang="en-US" dirty="0" smtClean="0"/>
+          </a:p>
+          <a:p>
+            <a:pPr marL="1200150" lvl="2" indent="-285750">
+              <a:buFont typeface="Courier New" panose="02070309020205020404" pitchFamily="49" charset="0"/>
+              <a:buChar char="o"/>
+            </a:pPr>
+            <a:r>
+              <a:rPr lang="en-US" dirty="0" err="1" smtClean="0">
+                <a:solidFill>
+                  <a:schemeClr val="accent4">
+                    <a:lumMod val="75000"/>
+                  </a:schemeClr>
+                </a:solidFill>
+              </a:rPr>
+              <a:t>общение</a:t>
+            </a:r>
+            <a:endParaRPr lang="ru-RU" dirty="0" smtClean="0">
+              <a:solidFill>
+                <a:schemeClr val="accent4">
+                  <a:lumMod val="75000"/>
+                </a:schemeClr>
+              </a:solidFill>
+            </a:endParaRPr>
+          </a:p>
+          <a:p>
+            <a:pPr marL="742950" lvl="1" indent="-285750">
+              <a:buFont typeface="Wingdings" panose="05000000000000000000" pitchFamily="2" charset="2"/>
+              <a:buChar char="§"/>
+            </a:pPr>
+            <a:r>
+              <a:rPr lang="ru-RU" dirty="0" smtClean="0"/>
+              <a:t>Заголовка</a:t>
+            </a:r>
+            <a:r>
+              <a:rPr lang="en-US" dirty="0" smtClean="0"/>
+              <a:t> </a:t>
+            </a:r>
+          </a:p>
+          <a:p>
+            <a:pPr marL="1200150" lvl="2" indent="-285750">
+              <a:buFont typeface="Courier New" panose="02070309020205020404" pitchFamily="49" charset="0"/>
+              <a:buChar char="o"/>
+            </a:pPr>
+            <a:r>
+              <a:rPr lang="en-US" dirty="0" err="1" smtClean="0">
+                <a:solidFill>
+                  <a:schemeClr val="accent4">
+                    <a:lumMod val="75000"/>
+                  </a:schemeClr>
+                </a:solidFill>
+              </a:rPr>
+              <a:t>Общение</a:t>
+            </a:r>
+            <a:endParaRPr lang="en-US" dirty="0">
+              <a:solidFill>
+                <a:schemeClr val="accent4">
+                  <a:lumMod val="75000"/>
+                </a:schemeClr>
+              </a:solidFill>
+            </a:endParaRPr>
+          </a:p>
+          <a:p>
+            <a:pPr marL="742950" lvl="1" indent="-285750">
+              <a:buFont typeface="Wingdings" panose="05000000000000000000" pitchFamily="2" charset="2"/>
+              <a:buChar char="§"/>
+            </a:pPr>
+            <a:r>
+              <a:rPr lang="en-US" dirty="0" err="1" smtClean="0"/>
+              <a:t>Ссылка</a:t>
+            </a:r>
+            <a:r>
+              <a:rPr lang="en-US" dirty="0" smtClean="0"/>
+              <a:t> </a:t>
+            </a:r>
+            <a:r>
+              <a:rPr lang="en-US" dirty="0" err="1" smtClean="0"/>
+              <a:t>на</a:t>
+            </a:r>
+            <a:r>
+              <a:rPr lang="en-US" dirty="0" smtClean="0"/>
+              <a:t> </a:t>
+            </a:r>
+            <a:r>
+              <a:rPr lang="en-US" dirty="0" err="1" smtClean="0"/>
+              <a:t>статью</a:t>
+            </a:r>
+            <a:endParaRPr lang="en-US" dirty="0" smtClean="0"/>
+          </a:p>
+          <a:p>
+            <a:pPr marL="742950" lvl="1" indent="-285750">
+              <a:buFont typeface="Arial" panose="020B0604020202020204" pitchFamily="34" charset="0"/>
+              <a:buChar char="•"/>
+            </a:pPr>
+            <a:endParaRPr lang="ru-RU" dirty="0" smtClean="0"/>
+          </a:p>
+        </p:txBody>
+      </p:sp>
+      <p:pic>
+        <p:nvPicPr>
+          <p:cNvPr id="16386" name="Picture 2" descr="C:\Users\mSamarin\Desktop\Concept.png"/>
+          <p:cNvPicPr>
+            <a:picLocks noChangeAspect="1" noChangeArrowheads="1"/>
+          </p:cNvPicPr>
+          <p:nvPr/>
+        </p:nvPicPr>
+        <p:blipFill>
+          <a:blip r:embed="rId2">
+            <a:extLst>
+              <a:ext uri="{28A0092B-C50C-407E-A947-70E740481C1C}">
+                <a14:useLocalDpi xmlns:a14="http://schemas.microsoft.com/office/drawing/2010/main" val="0"/>
+              </a:ext>
+            </a:extLst>
+          </a:blip>
+          <a:srcRect/>
+          <a:stretch>
+            <a:fillRect/>
+          </a:stretch>
+        </p:blipFill>
+        <p:spPr bwMode="auto">
+          <a:xfrm>
+            <a:off x="5042400" y="1335748"/>
+            <a:ext cx="5374320" cy="993939"/>
+          </a:xfrm>
+          <a:prstGeom prst="rect">
+            <a:avLst/>
+          </a:prstGeom>
+          <a:noFill/>
+          <a:ln w="12700">
+            <a:solidFill>
+              <a:schemeClr val="bg1">
+                <a:lumMod val="50000"/>
+              </a:schemeClr>
+            </a:solidFill>
+            <a:prstDash val="lgDash"/>
+          </a:ln>
+          <a:extLst>
+            <a:ext uri="{909E8E84-426E-40DD-AFC4-6F175D3DCCD1}">
+              <a14:hiddenFill xmlns:a14="http://schemas.microsoft.com/office/drawing/2010/main">
+                <a:solidFill>
+                  <a:srgbClr val="FFFFFF"/>
+                </a:solidFill>
+              </a14:hiddenFill>
+            </a:ext>
+          </a:extLst>
+        </p:spPr>
+      </p:pic>
+      <p:sp>
+        <p:nvSpPr>
+          <p:cNvPr id="3" name="Прямоугольник 2"/>
+          <p:cNvSpPr/>
+          <p:nvPr/>
+        </p:nvSpPr>
+        <p:spPr>
+          <a:xfrm>
+            <a:off x="1833208" y="5308680"/>
+            <a:ext cx="2932224" cy="1200329"/>
+          </a:xfrm>
+          <a:prstGeom prst="rect">
+            <a:avLst/>
+          </a:prstGeom>
+        </p:spPr>
+        <p:txBody>
+          <a:bodyPr wrap="square">
+            <a:spAutoFit/>
+          </a:bodyPr>
+          <a:lstStyle/>
+          <a:p>
+            <a:pPr marL="285750" indent="-285750">
+              <a:buFont typeface="Courier New" panose="02070309020205020404" pitchFamily="49" charset="0"/>
+              <a:buChar char="o"/>
+            </a:pPr>
+            <a:r>
+              <a:rPr lang="en-US" dirty="0">
+                <a:solidFill>
+                  <a:schemeClr val="accent4">
+                    <a:lumMod val="75000"/>
+                  </a:schemeClr>
+                </a:solidFill>
+                <a:hlinkClick r:id="rId3"/>
+              </a:rPr>
+              <a:t>https://ru.wikipedia.org/wiki/%D0%9E%D0%B1%D1%89%D0%B5%D0%BD%D0%B8%D0%B5</a:t>
+            </a:r>
+            <a:endParaRPr lang="ru-RU" dirty="0">
+              <a:solidFill>
+                <a:schemeClr val="accent4">
+                  <a:lumMod val="75000"/>
+                </a:schemeClr>
+              </a:solidFill>
+            </a:endParaRPr>
+          </a:p>
+        </p:txBody>
+      </p:sp>
+      <p:pic>
+        <p:nvPicPr>
+          <p:cNvPr id="16389" name="Picture 5" descr="C:\Users\mSamarin\Desktop\Wiki.png"/>
+          <p:cNvPicPr>
+            <a:picLocks noChangeAspect="1" noChangeArrowheads="1"/>
+          </p:cNvPicPr>
+          <p:nvPr/>
+        </p:nvPicPr>
+        <p:blipFill>
+          <a:blip r:embed="rId4">
+            <a:extLst>
+              <a:ext uri="{28A0092B-C50C-407E-A947-70E740481C1C}">
+                <a14:useLocalDpi xmlns:a14="http://schemas.microsoft.com/office/drawing/2010/main" val="0"/>
+              </a:ext>
+            </a:extLst>
+          </a:blip>
+          <a:srcRect/>
+          <a:stretch>
+            <a:fillRect/>
+          </a:stretch>
+        </p:blipFill>
+        <p:spPr bwMode="auto">
+          <a:xfrm>
+            <a:off x="5042400" y="3079767"/>
+            <a:ext cx="5374320" cy="2886394"/>
+          </a:xfrm>
+          <a:prstGeom prst="rect">
+            <a:avLst/>
+          </a:prstGeom>
+          <a:noFill/>
+          <a:ln w="12700">
+            <a:solidFill>
+              <a:schemeClr val="bg1">
+                <a:lumMod val="50000"/>
+              </a:schemeClr>
+            </a:solidFill>
+            <a:prstDash val="lgDash"/>
+          </a:ln>
+          <a:extLst>
+            <a:ext uri="{909E8E84-426E-40DD-AFC4-6F175D3DCCD1}">
+              <a14:hiddenFill xmlns:a14="http://schemas.microsoft.com/office/drawing/2010/main">
+                <a:solidFill>
+                  <a:srgbClr val="FFFFFF"/>
+                </a:solidFill>
+              </a14:hiddenFill>
+            </a:ext>
+          </a:extLst>
+        </p:spPr>
+      </p:pic>
+    </p:spTree>
+    <p:extLst>
+      <p:ext uri="{BB962C8B-B14F-4D97-AF65-F5344CB8AC3E}">
+        <p14:creationId xmlns:p14="http://schemas.microsoft.com/office/powerpoint/2010/main" val="1098072598"/>
+      </p:ext>
+    </p:extLst>
+  </p:cSld>
+  <p:clrMapOvr>
+    <a:masterClrMapping/>
+  </p:clrMapOvr>
+  <p:timing>
+    <p:tnLst>
+      <p:par>
+        <p:cTn id="1" dur="indefinite" restart="never" nodeType="tmRoot"/>
+      </p:par>
+    </p:tnLst>
+  </p:timing>
+</p:sld>
+</file>
+
+<file path=ppt/slides/slide18.xml><?xml version="1.0" encoding="utf-8"?>
+<p:sld xmlns:a="http://schemas.openxmlformats.org/drawingml/2006/main" xmlns:r="http://schemas.openxmlformats.org/officeDocument/2006/relationships" xmlns:p="http://schemas.openxmlformats.org/presentationml/2006/main">
+  <p:cSld>
+    <p:spTree>
+      <p:nvGrpSpPr>
+        <p:cNvPr id="1" name=""/>
+        <p:cNvGrpSpPr/>
+        <p:nvPr/>
+      </p:nvGrpSpPr>
+      <p:grpSpPr>
+        <a:xfrm>
+          <a:off x="0" y="0"/>
+          <a:ext cx="0" cy="0"/>
+          <a:chOff x="0" y="0"/>
+          <a:chExt cx="0" cy="0"/>
+        </a:xfrm>
+      </p:grpSpPr>
+      <p:sp>
+        <p:nvSpPr>
+          <p:cNvPr id="2" name="Заголовок 1"/>
+          <p:cNvSpPr>
+            <a:spLocks noGrp="1"/>
+          </p:cNvSpPr>
+          <p:nvPr>
+            <p:ph type="title"/>
+          </p:nvPr>
+        </p:nvSpPr>
+        <p:spPr/>
+        <p:txBody>
+          <a:bodyPr/>
+          <a:lstStyle/>
+          <a:p>
+            <a:r>
+              <a:rPr lang="en-US" dirty="0" smtClean="0"/>
+              <a:t>Answer Analysis</a:t>
+            </a:r>
+            <a:endParaRPr lang="ru-RU" dirty="0"/>
+          </a:p>
+        </p:txBody>
+      </p:sp>
+      <p:sp>
+        <p:nvSpPr>
+          <p:cNvPr id="4" name="Нижний колонтитул 3"/>
+          <p:cNvSpPr>
+            <a:spLocks noGrp="1"/>
+          </p:cNvSpPr>
+          <p:nvPr>
+            <p:ph type="ftr" sz="quarter" idx="11"/>
+          </p:nvPr>
+        </p:nvSpPr>
+        <p:spPr/>
+        <p:txBody>
+          <a:bodyPr/>
+          <a:lstStyle/>
+          <a:p>
+            <a:r>
+              <a:rPr lang="en-US" dirty="0" err="1"/>
+              <a:t>Artezio</a:t>
+            </a:r>
+            <a:r>
+              <a:rPr lang="en-US" dirty="0"/>
+              <a:t> 2016</a:t>
+            </a:r>
+          </a:p>
+        </p:txBody>
+      </p:sp>
+      <p:sp>
+        <p:nvSpPr>
+          <p:cNvPr id="5" name="Номер слайда 4"/>
+          <p:cNvSpPr>
+            <a:spLocks noGrp="1"/>
+          </p:cNvSpPr>
+          <p:nvPr>
+            <p:ph type="sldNum" sz="quarter" idx="12"/>
+          </p:nvPr>
+        </p:nvSpPr>
+        <p:spPr/>
+        <p:txBody>
+          <a:bodyPr/>
+          <a:lstStyle/>
+          <a:p>
+            <a:fld id="{53FE853A-3A55-4CD3-B026-601242F08E1E}" type="slidenum">
+              <a:rPr lang="en-US" smtClean="0"/>
+              <a:t>18</a:t>
+            </a:fld>
+            <a:endParaRPr lang="en-US"/>
+          </a:p>
+        </p:txBody>
+      </p:sp>
+      <p:sp>
+        <p:nvSpPr>
+          <p:cNvPr id="11" name="TextBox 10"/>
+          <p:cNvSpPr txBox="1"/>
+          <p:nvPr/>
+        </p:nvSpPr>
+        <p:spPr>
+          <a:xfrm>
+            <a:off x="965197" y="4893734"/>
+            <a:ext cx="10447867" cy="1477328"/>
+          </a:xfrm>
+          <a:prstGeom prst="rect">
+            <a:avLst/>
+          </a:prstGeom>
+          <a:noFill/>
+        </p:spPr>
+        <p:txBody>
+          <a:bodyPr wrap="square" rtlCol="0">
+            <a:spAutoFit/>
+          </a:bodyPr>
+          <a:lstStyle/>
+          <a:p>
+            <a:pPr marL="285750" indent="-285750">
+              <a:buFont typeface="Arial" panose="020B0604020202020204" pitchFamily="34" charset="0"/>
+              <a:buChar char="•"/>
+            </a:pPr>
+            <a:r>
+              <a:rPr lang="ru-RU" dirty="0" smtClean="0"/>
+              <a:t>Базовый морфологический </a:t>
+            </a:r>
+            <a:r>
+              <a:rPr lang="ru-RU" dirty="0" err="1" smtClean="0"/>
+              <a:t>парсинг</a:t>
+            </a:r>
+            <a:endParaRPr lang="ru-RU" dirty="0" smtClean="0"/>
+          </a:p>
+          <a:p>
+            <a:pPr marL="285750" indent="-285750">
+              <a:buFont typeface="Arial" panose="020B0604020202020204" pitchFamily="34" charset="0"/>
+              <a:buChar char="•"/>
+            </a:pPr>
+            <a:r>
+              <a:rPr lang="ru-RU" dirty="0" err="1" smtClean="0"/>
+              <a:t>Препроцессинг</a:t>
+            </a:r>
+            <a:endParaRPr lang="ru-RU" dirty="0" smtClean="0"/>
+          </a:p>
+          <a:p>
+            <a:pPr marL="285750" indent="-285750">
+              <a:buFont typeface="Arial" panose="020B0604020202020204" pitchFamily="34" charset="0"/>
+              <a:buChar char="•"/>
+            </a:pPr>
+            <a:r>
+              <a:rPr lang="ru-RU" dirty="0" smtClean="0"/>
+              <a:t>Извлечение лексических типов ответа (</a:t>
+            </a:r>
+            <a:r>
+              <a:rPr lang="en-US" dirty="0" smtClean="0"/>
+              <a:t>LAT)</a:t>
+            </a:r>
+            <a:endParaRPr lang="ru-RU" dirty="0" smtClean="0"/>
+          </a:p>
+          <a:p>
+            <a:pPr marL="285750" indent="-285750">
+              <a:buFont typeface="Arial" panose="020B0604020202020204" pitchFamily="34" charset="0"/>
+              <a:buChar char="•"/>
+            </a:pPr>
+            <a:r>
+              <a:rPr lang="ru-RU" dirty="0" smtClean="0"/>
+              <a:t>Продолжение следует…</a:t>
+            </a:r>
+          </a:p>
+          <a:p>
+            <a:pPr marL="285750" indent="-285750">
+              <a:buFont typeface="Arial" panose="020B0604020202020204" pitchFamily="34" charset="0"/>
+              <a:buChar char="•"/>
+            </a:pPr>
+            <a:endParaRPr lang="ru-RU" dirty="0"/>
+          </a:p>
+        </p:txBody>
+      </p:sp>
+      <p:graphicFrame>
+        <p:nvGraphicFramePr>
+          <p:cNvPr id="7" name="Content Placeholder 6"/>
+          <p:cNvGraphicFramePr>
+            <a:graphicFrameLocks noGrp="1" noChangeAspect="1"/>
+          </p:cNvGraphicFramePr>
+          <p:nvPr>
+            <p:ph idx="1"/>
+            <p:extLst>
+              <p:ext uri="{D42A27DB-BD31-4B8C-83A1-F6EECF244321}">
+                <p14:modId xmlns:p14="http://schemas.microsoft.com/office/powerpoint/2010/main" val="1093873912"/>
+              </p:ext>
+            </p:extLst>
+          </p:nvPr>
+        </p:nvGraphicFramePr>
+        <p:xfrm>
+          <a:off x="965198" y="1387475"/>
+          <a:ext cx="10016069" cy="3351852"/>
+        </p:xfrm>
+        <a:graphic>
+          <a:graphicData uri="http://schemas.openxmlformats.org/presentationml/2006/ole">
+            <mc:AlternateContent xmlns:mc="http://schemas.openxmlformats.org/markup-compatibility/2006">
+              <mc:Choice xmlns:v="urn:schemas-microsoft-com:vml" Requires="v">
+                <p:oleObj spid="_x0000_s3080" name="Visio" r:id="rId3" imgW="8440844" imgH="2825010" progId="Visio.Drawing.11">
+                  <p:embed/>
+                </p:oleObj>
+              </mc:Choice>
+              <mc:Fallback>
+                <p:oleObj name="Visio" r:id="rId3" imgW="8440844" imgH="2825010" progId="Visio.Drawing.11">
+                  <p:embed/>
+                  <p:pic>
+                    <p:nvPicPr>
+                      <p:cNvPr id="0" name=""/>
+                      <p:cNvPicPr/>
+                      <p:nvPr/>
+                    </p:nvPicPr>
+                    <p:blipFill>
+                      <a:blip r:embed="rId4"/>
+                      <a:stretch>
+                        <a:fillRect/>
+                      </a:stretch>
+                    </p:blipFill>
+                    <p:spPr>
+                      <a:xfrm>
+                        <a:off x="965198" y="1387475"/>
+                        <a:ext cx="10016069" cy="3351852"/>
+                      </a:xfrm>
+                      <a:prstGeom prst="rect">
+                        <a:avLst/>
+                      </a:prstGeom>
+                    </p:spPr>
+                  </p:pic>
+                </p:oleObj>
+              </mc:Fallback>
+            </mc:AlternateContent>
+          </a:graphicData>
+        </a:graphic>
+      </p:graphicFrame>
+    </p:spTree>
+    <p:extLst>
+      <p:ext uri="{BB962C8B-B14F-4D97-AF65-F5344CB8AC3E}">
+        <p14:creationId xmlns:p14="http://schemas.microsoft.com/office/powerpoint/2010/main" val="1920304825"/>
+      </p:ext>
+    </p:extLst>
+  </p:cSld>
+  <p:clrMapOvr>
+    <a:masterClrMapping/>
+  </p:clrMapOvr>
+</p:sld>
+</file>
+
+<file path=ppt/slides/slide19.xml><?xml version="1.0" encoding="utf-8"?>
+<p:sld xmlns:a="http://schemas.openxmlformats.org/drawingml/2006/main" xmlns:r="http://schemas.openxmlformats.org/officeDocument/2006/relationships" xmlns:p="http://schemas.openxmlformats.org/presentationml/2006/main">
+  <p:cSld>
+    <p:spTree>
+      <p:nvGrpSpPr>
+        <p:cNvPr id="1" name=""/>
+        <p:cNvGrpSpPr/>
+        <p:nvPr/>
+      </p:nvGrpSpPr>
+      <p:grpSpPr>
+        <a:xfrm>
+          <a:off x="0" y="0"/>
+          <a:ext cx="0" cy="0"/>
+          <a:chOff x="0" y="0"/>
+          <a:chExt cx="0" cy="0"/>
+        </a:xfrm>
+      </p:grpSpPr>
+      <p:sp>
+        <p:nvSpPr>
+          <p:cNvPr id="2" name="Заголовок 1"/>
+          <p:cNvSpPr>
+            <a:spLocks noGrp="1"/>
+          </p:cNvSpPr>
+          <p:nvPr>
+            <p:ph type="title"/>
+          </p:nvPr>
+        </p:nvSpPr>
+        <p:spPr/>
+        <p:txBody>
+          <a:bodyPr/>
+          <a:lstStyle/>
+          <a:p>
+            <a:r>
+              <a:rPr lang="en-US" dirty="0" smtClean="0"/>
+              <a:t>Answer Analysis</a:t>
+            </a:r>
+            <a:endParaRPr lang="ru-RU" dirty="0"/>
+          </a:p>
+        </p:txBody>
+      </p:sp>
+      <p:sp>
+        <p:nvSpPr>
+          <p:cNvPr id="4" name="Нижний колонтитул 3"/>
+          <p:cNvSpPr>
+            <a:spLocks noGrp="1"/>
+          </p:cNvSpPr>
+          <p:nvPr>
+            <p:ph type="ftr" sz="quarter" idx="11"/>
+          </p:nvPr>
+        </p:nvSpPr>
+        <p:spPr/>
+        <p:txBody>
+          <a:bodyPr/>
+          <a:lstStyle/>
+          <a:p>
+            <a:r>
+              <a:rPr lang="en-US" dirty="0" err="1"/>
+              <a:t>Artezio</a:t>
+            </a:r>
+            <a:r>
+              <a:rPr lang="en-US" dirty="0"/>
+              <a:t> 2016</a:t>
+            </a:r>
+          </a:p>
+        </p:txBody>
+      </p:sp>
+      <p:sp>
+        <p:nvSpPr>
+          <p:cNvPr id="5" name="Номер слайда 4"/>
+          <p:cNvSpPr>
+            <a:spLocks noGrp="1"/>
+          </p:cNvSpPr>
+          <p:nvPr>
+            <p:ph type="sldNum" sz="quarter" idx="12"/>
+          </p:nvPr>
+        </p:nvSpPr>
+        <p:spPr/>
+        <p:txBody>
+          <a:bodyPr/>
+          <a:lstStyle/>
+          <a:p>
+            <a:fld id="{53FE853A-3A55-4CD3-B026-601242F08E1E}" type="slidenum">
+              <a:rPr lang="en-US" smtClean="0"/>
+              <a:t>19</a:t>
+            </a:fld>
+            <a:endParaRPr lang="en-US"/>
+          </a:p>
+        </p:txBody>
+      </p:sp>
+      <p:sp>
+        <p:nvSpPr>
+          <p:cNvPr id="11" name="TextBox 10"/>
+          <p:cNvSpPr txBox="1"/>
+          <p:nvPr/>
+        </p:nvSpPr>
+        <p:spPr>
+          <a:xfrm>
+            <a:off x="965197" y="4893734"/>
+            <a:ext cx="10447867" cy="1477328"/>
+          </a:xfrm>
+          <a:prstGeom prst="rect">
+            <a:avLst/>
+          </a:prstGeom>
+          <a:noFill/>
+        </p:spPr>
+        <p:txBody>
+          <a:bodyPr wrap="square" rtlCol="0">
+            <a:spAutoFit/>
+          </a:bodyPr>
+          <a:lstStyle/>
+          <a:p>
+            <a:pPr marL="285750" indent="-285750">
+              <a:buFont typeface="Arial" panose="020B0604020202020204" pitchFamily="34" charset="0"/>
+              <a:buChar char="•"/>
+            </a:pPr>
+            <a:r>
+              <a:rPr lang="ru-RU" dirty="0" smtClean="0"/>
+              <a:t>Приведение </a:t>
+            </a:r>
+            <a:r>
+              <a:rPr lang="en-US" dirty="0" smtClean="0"/>
+              <a:t>LAT </a:t>
+            </a:r>
+            <a:r>
+              <a:rPr lang="ru-RU" dirty="0" smtClean="0"/>
+              <a:t>к каноническому виду</a:t>
+            </a:r>
+          </a:p>
+          <a:p>
+            <a:pPr marL="285750" indent="-285750">
+              <a:buFont typeface="Arial" panose="020B0604020202020204" pitchFamily="34" charset="0"/>
+              <a:buChar char="•"/>
+            </a:pPr>
+            <a:r>
+              <a:rPr lang="ru-RU" dirty="0" smtClean="0"/>
+              <a:t>Сравнение </a:t>
+            </a:r>
+            <a:r>
+              <a:rPr lang="en-US" dirty="0" smtClean="0"/>
+              <a:t>LAT </a:t>
+            </a:r>
+            <a:r>
+              <a:rPr lang="ru-RU" dirty="0" smtClean="0"/>
+              <a:t>ответа с </a:t>
+            </a:r>
+            <a:r>
+              <a:rPr lang="en-US" dirty="0" smtClean="0"/>
+              <a:t>Clue </a:t>
+            </a:r>
+            <a:r>
+              <a:rPr lang="ru-RU" dirty="0" smtClean="0"/>
+              <a:t>из вопроса по различным критериями</a:t>
+            </a:r>
+          </a:p>
+          <a:p>
+            <a:pPr marL="285750" indent="-285750">
+              <a:buFont typeface="Arial" panose="020B0604020202020204" pitchFamily="34" charset="0"/>
+              <a:buChar char="•"/>
+            </a:pPr>
+            <a:r>
+              <a:rPr lang="ru-RU" dirty="0"/>
+              <a:t>Сравнение </a:t>
+            </a:r>
+            <a:r>
+              <a:rPr lang="en-US" dirty="0"/>
+              <a:t>LAT </a:t>
+            </a:r>
+            <a:r>
+              <a:rPr lang="ru-RU" dirty="0"/>
+              <a:t>ответа с </a:t>
+            </a:r>
+            <a:r>
+              <a:rPr lang="en-US" dirty="0" smtClean="0"/>
+              <a:t>LAT </a:t>
+            </a:r>
+            <a:r>
+              <a:rPr lang="ru-RU" dirty="0" smtClean="0"/>
+              <a:t>из вопроса </a:t>
+            </a:r>
+            <a:r>
+              <a:rPr lang="ru-RU" dirty="0"/>
+              <a:t>по различным критериями</a:t>
+            </a:r>
+            <a:endParaRPr lang="ru-RU" dirty="0" smtClean="0"/>
+          </a:p>
+          <a:p>
+            <a:pPr marL="285750" indent="-285750">
+              <a:buFont typeface="Arial" panose="020B0604020202020204" pitchFamily="34" charset="0"/>
+              <a:buChar char="•"/>
+            </a:pPr>
+            <a:r>
+              <a:rPr lang="ru-RU" dirty="0" smtClean="0"/>
+              <a:t>Формирование массива метрик</a:t>
+            </a:r>
+          </a:p>
+          <a:p>
+            <a:pPr marL="285750" indent="-285750">
+              <a:buFont typeface="Arial" panose="020B0604020202020204" pitchFamily="34" charset="0"/>
+              <a:buChar char="•"/>
+            </a:pPr>
+            <a:r>
+              <a:rPr lang="ru-RU" dirty="0" smtClean="0"/>
+              <a:t>Вычисление финальной метрики</a:t>
+            </a:r>
+            <a:endParaRPr lang="ru-RU" dirty="0"/>
+          </a:p>
+        </p:txBody>
+      </p:sp>
+      <p:graphicFrame>
+        <p:nvGraphicFramePr>
+          <p:cNvPr id="6" name="Content Placeholder 5"/>
+          <p:cNvGraphicFramePr>
+            <a:graphicFrameLocks noGrp="1" noChangeAspect="1"/>
+          </p:cNvGraphicFramePr>
+          <p:nvPr>
+            <p:ph idx="1"/>
+            <p:extLst>
+              <p:ext uri="{D42A27DB-BD31-4B8C-83A1-F6EECF244321}">
+                <p14:modId xmlns:p14="http://schemas.microsoft.com/office/powerpoint/2010/main" val="4199217271"/>
+              </p:ext>
+            </p:extLst>
+          </p:nvPr>
+        </p:nvGraphicFramePr>
+        <p:xfrm>
+          <a:off x="897464" y="1305455"/>
+          <a:ext cx="8940803" cy="3605206"/>
+        </p:xfrm>
+        <a:graphic>
+          <a:graphicData uri="http://schemas.openxmlformats.org/presentationml/2006/ole">
+            <mc:AlternateContent xmlns:mc="http://schemas.openxmlformats.org/markup-compatibility/2006">
+              <mc:Choice xmlns:v="urn:schemas-microsoft-com:vml" Requires="v">
+                <p:oleObj spid="_x0000_s4104" name="Visio" r:id="rId3" imgW="6334888" imgH="2555010" progId="Visio.Drawing.11">
+                  <p:embed/>
+                </p:oleObj>
+              </mc:Choice>
+              <mc:Fallback>
+                <p:oleObj name="Visio" r:id="rId3" imgW="6334888" imgH="2555010" progId="Visio.Drawing.11">
+                  <p:embed/>
+                  <p:pic>
+                    <p:nvPicPr>
+                      <p:cNvPr id="0" name=""/>
+                      <p:cNvPicPr/>
+                      <p:nvPr/>
+                    </p:nvPicPr>
+                    <p:blipFill>
+                      <a:blip r:embed="rId4"/>
+                      <a:stretch>
+                        <a:fillRect/>
+                      </a:stretch>
+                    </p:blipFill>
+                    <p:spPr>
+                      <a:xfrm>
+                        <a:off x="897464" y="1305455"/>
+                        <a:ext cx="8940803" cy="3605206"/>
+                      </a:xfrm>
+                      <a:prstGeom prst="rect">
+                        <a:avLst/>
+                      </a:prstGeom>
+                    </p:spPr>
+                  </p:pic>
+                </p:oleObj>
+              </mc:Fallback>
+            </mc:AlternateContent>
+          </a:graphicData>
+        </a:graphic>
+      </p:graphicFrame>
+    </p:spTree>
+    <p:extLst>
+      <p:ext uri="{BB962C8B-B14F-4D97-AF65-F5344CB8AC3E}">
+        <p14:creationId xmlns:p14="http://schemas.microsoft.com/office/powerpoint/2010/main" val="521732281"/>
       </p:ext>
     </p:extLst>
   </p:cSld>
@@ -4322,6 +7243,664 @@
 </p:sld>
 </file>
 
+<file path=ppt/slides/slide20.xml><?xml version="1.0" encoding="utf-8"?>
+<p:sld xmlns:a="http://schemas.openxmlformats.org/drawingml/2006/main" xmlns:r="http://schemas.openxmlformats.org/officeDocument/2006/relationships" xmlns:p="http://schemas.openxmlformats.org/presentationml/2006/main">
+  <p:cSld>
+    <p:spTree>
+      <p:nvGrpSpPr>
+        <p:cNvPr id="1" name=""/>
+        <p:cNvGrpSpPr/>
+        <p:nvPr/>
+      </p:nvGrpSpPr>
+      <p:grpSpPr>
+        <a:xfrm>
+          <a:off x="0" y="0"/>
+          <a:ext cx="0" cy="0"/>
+          <a:chOff x="0" y="0"/>
+          <a:chExt cx="0" cy="0"/>
+        </a:xfrm>
+      </p:grpSpPr>
+      <p:sp>
+        <p:nvSpPr>
+          <p:cNvPr id="2" name="Заголовок 1"/>
+          <p:cNvSpPr>
+            <a:spLocks noGrp="1"/>
+          </p:cNvSpPr>
+          <p:nvPr>
+            <p:ph type="title"/>
+          </p:nvPr>
+        </p:nvSpPr>
+        <p:spPr/>
+        <p:txBody>
+          <a:bodyPr/>
+          <a:lstStyle/>
+          <a:p>
+            <a:r>
+              <a:rPr lang="ru-RU" dirty="0" smtClean="0"/>
+              <a:t>Полученные результаты</a:t>
+            </a:r>
+            <a:endParaRPr lang="ru-RU" dirty="0"/>
+          </a:p>
+        </p:txBody>
+      </p:sp>
+      <p:sp>
+        <p:nvSpPr>
+          <p:cNvPr id="3" name="Объект 2"/>
+          <p:cNvSpPr>
+            <a:spLocks noGrp="1"/>
+          </p:cNvSpPr>
+          <p:nvPr>
+            <p:ph idx="1"/>
+          </p:nvPr>
+        </p:nvSpPr>
+        <p:spPr/>
+        <p:txBody>
+          <a:bodyPr/>
+          <a:lstStyle/>
+          <a:p>
+            <a:r>
+              <a:rPr lang="ru-RU" dirty="0" smtClean="0"/>
+              <a:t>На выборке в 50 вопросов</a:t>
+            </a:r>
+          </a:p>
+          <a:p>
+            <a:pPr lvl="1"/>
+            <a:r>
+              <a:rPr lang="ru-RU" dirty="0" smtClean="0"/>
+              <a:t>% получения ответа: </a:t>
+            </a:r>
+            <a:r>
+              <a:rPr lang="ru-RU" b="1" dirty="0" smtClean="0"/>
+              <a:t>60%</a:t>
+            </a:r>
+          </a:p>
+          <a:p>
+            <a:pPr lvl="1"/>
+            <a:r>
+              <a:rPr lang="ru-RU" dirty="0" smtClean="0"/>
+              <a:t>Условная точность ответа: </a:t>
+            </a:r>
+            <a:r>
+              <a:rPr lang="ru-RU" b="1" dirty="0" smtClean="0"/>
+              <a:t>80%</a:t>
+            </a:r>
+          </a:p>
+          <a:p>
+            <a:r>
+              <a:rPr lang="ru-RU" dirty="0" smtClean="0"/>
+              <a:t>Время ответа на 1 вопрос 1-3 мин</a:t>
+            </a:r>
+          </a:p>
+          <a:p>
+            <a:endParaRPr lang="ru-RU" dirty="0" smtClean="0"/>
+          </a:p>
+          <a:p>
+            <a:endParaRPr lang="ru-RU" dirty="0" smtClean="0"/>
+          </a:p>
+          <a:p>
+            <a:pPr lvl="1"/>
+            <a:endParaRPr lang="ru-RU" dirty="0"/>
+          </a:p>
+        </p:txBody>
+      </p:sp>
+      <p:sp>
+        <p:nvSpPr>
+          <p:cNvPr id="4" name="Нижний колонтитул 3"/>
+          <p:cNvSpPr>
+            <a:spLocks noGrp="1"/>
+          </p:cNvSpPr>
+          <p:nvPr>
+            <p:ph type="ftr" sz="quarter" idx="11"/>
+          </p:nvPr>
+        </p:nvSpPr>
+        <p:spPr/>
+        <p:txBody>
+          <a:bodyPr/>
+          <a:lstStyle/>
+          <a:p>
+            <a:r>
+              <a:rPr lang="en-US" dirty="0" err="1"/>
+              <a:t>Artezio</a:t>
+            </a:r>
+            <a:r>
+              <a:rPr lang="en-US" dirty="0"/>
+              <a:t> 2016</a:t>
+            </a:r>
+          </a:p>
+        </p:txBody>
+      </p:sp>
+      <p:sp>
+        <p:nvSpPr>
+          <p:cNvPr id="5" name="Номер слайда 4"/>
+          <p:cNvSpPr>
+            <a:spLocks noGrp="1"/>
+          </p:cNvSpPr>
+          <p:nvPr>
+            <p:ph type="sldNum" sz="quarter" idx="12"/>
+          </p:nvPr>
+        </p:nvSpPr>
+        <p:spPr/>
+        <p:txBody>
+          <a:bodyPr/>
+          <a:lstStyle/>
+          <a:p>
+            <a:fld id="{53FE853A-3A55-4CD3-B026-601242F08E1E}" type="slidenum">
+              <a:rPr lang="en-US" smtClean="0"/>
+              <a:t>20</a:t>
+            </a:fld>
+            <a:endParaRPr lang="en-US"/>
+          </a:p>
+        </p:txBody>
+      </p:sp>
+    </p:spTree>
+    <p:extLst>
+      <p:ext uri="{BB962C8B-B14F-4D97-AF65-F5344CB8AC3E}">
+        <p14:creationId xmlns:p14="http://schemas.microsoft.com/office/powerpoint/2010/main" val="2907781502"/>
+      </p:ext>
+    </p:extLst>
+  </p:cSld>
+  <p:clrMapOvr>
+    <a:masterClrMapping/>
+  </p:clrMapOvr>
+</p:sld>
+</file>
+
+<file path=ppt/slides/slide21.xml><?xml version="1.0" encoding="utf-8"?>
+<p:sld xmlns:a="http://schemas.openxmlformats.org/drawingml/2006/main" xmlns:r="http://schemas.openxmlformats.org/officeDocument/2006/relationships" xmlns:p="http://schemas.openxmlformats.org/presentationml/2006/main">
+  <p:cSld>
+    <p:spTree>
+      <p:nvGrpSpPr>
+        <p:cNvPr id="1" name=""/>
+        <p:cNvGrpSpPr/>
+        <p:nvPr/>
+      </p:nvGrpSpPr>
+      <p:grpSpPr>
+        <a:xfrm>
+          <a:off x="0" y="0"/>
+          <a:ext cx="0" cy="0"/>
+          <a:chOff x="0" y="0"/>
+          <a:chExt cx="0" cy="0"/>
+        </a:xfrm>
+      </p:grpSpPr>
+      <p:sp>
+        <p:nvSpPr>
+          <p:cNvPr id="2" name="Заголовок 1"/>
+          <p:cNvSpPr>
+            <a:spLocks noGrp="1"/>
+          </p:cNvSpPr>
+          <p:nvPr>
+            <p:ph type="title"/>
+          </p:nvPr>
+        </p:nvSpPr>
+        <p:spPr/>
+        <p:txBody>
+          <a:bodyPr/>
+          <a:lstStyle/>
+          <a:p>
+            <a:r>
+              <a:rPr lang="ru-RU" dirty="0" smtClean="0"/>
+              <a:t>Полученный опыт</a:t>
+            </a:r>
+            <a:endParaRPr lang="ru-RU" dirty="0"/>
+          </a:p>
+        </p:txBody>
+      </p:sp>
+      <p:sp>
+        <p:nvSpPr>
+          <p:cNvPr id="3" name="Объект 2"/>
+          <p:cNvSpPr>
+            <a:spLocks noGrp="1"/>
+          </p:cNvSpPr>
+          <p:nvPr>
+            <p:ph idx="1"/>
+          </p:nvPr>
+        </p:nvSpPr>
+        <p:spPr/>
+        <p:txBody>
+          <a:bodyPr/>
+          <a:lstStyle/>
+          <a:p>
+            <a:r>
+              <a:rPr lang="ru-RU" dirty="0" smtClean="0"/>
+              <a:t>Инструменты </a:t>
+            </a:r>
+            <a:r>
+              <a:rPr lang="en-US" dirty="0" smtClean="0"/>
+              <a:t>NLP </a:t>
+            </a:r>
+            <a:r>
+              <a:rPr lang="ru-RU" dirty="0" smtClean="0"/>
+              <a:t>для русского языка</a:t>
+            </a:r>
+            <a:r>
+              <a:rPr lang="en-US" dirty="0" smtClean="0"/>
+              <a:t> </a:t>
+            </a:r>
+            <a:r>
+              <a:rPr lang="ru-RU" dirty="0" smtClean="0"/>
+              <a:t>очень «сырые»</a:t>
+            </a:r>
+            <a:endParaRPr lang="en-US" dirty="0" smtClean="0"/>
+          </a:p>
+          <a:p>
+            <a:r>
+              <a:rPr lang="ru-RU" dirty="0" smtClean="0"/>
+              <a:t>Материалы и модели имеют сомнительные лицензии</a:t>
+            </a:r>
+          </a:p>
+          <a:p>
+            <a:r>
+              <a:rPr lang="ru-RU" dirty="0"/>
+              <a:t>Инструменты </a:t>
+            </a:r>
+            <a:r>
+              <a:rPr lang="en-US" dirty="0"/>
+              <a:t>NLP </a:t>
+            </a:r>
+            <a:r>
+              <a:rPr lang="ru-RU" dirty="0"/>
+              <a:t>крайне ресурсоемки (</a:t>
+            </a:r>
+            <a:r>
+              <a:rPr lang="en-US" dirty="0"/>
+              <a:t>32-256 Gb RAM</a:t>
+            </a:r>
+            <a:r>
+              <a:rPr lang="en-US" dirty="0" smtClean="0"/>
+              <a:t>)</a:t>
+            </a:r>
+            <a:endParaRPr lang="ru-RU" dirty="0" smtClean="0"/>
+          </a:p>
+          <a:p>
+            <a:r>
+              <a:rPr lang="en-US" dirty="0" smtClean="0"/>
+              <a:t>Apache UIMA</a:t>
+            </a:r>
+            <a:r>
+              <a:rPr lang="ru-RU" dirty="0" smtClean="0"/>
+              <a:t> не совместима с версией </a:t>
+            </a:r>
+            <a:r>
+              <a:rPr lang="en-US" dirty="0" smtClean="0"/>
+              <a:t>Apache Spark</a:t>
+            </a:r>
+            <a:r>
+              <a:rPr lang="ru-RU" dirty="0" smtClean="0"/>
+              <a:t> на кластере</a:t>
+            </a:r>
+          </a:p>
+          <a:p>
+            <a:endParaRPr lang="ru-RU" dirty="0" smtClean="0"/>
+          </a:p>
+          <a:p>
+            <a:endParaRPr lang="ru-RU" dirty="0" smtClean="0"/>
+          </a:p>
+          <a:p>
+            <a:endParaRPr lang="ru-RU" dirty="0" smtClean="0"/>
+          </a:p>
+          <a:p>
+            <a:pPr lvl="1"/>
+            <a:endParaRPr lang="ru-RU" dirty="0"/>
+          </a:p>
+        </p:txBody>
+      </p:sp>
+      <p:sp>
+        <p:nvSpPr>
+          <p:cNvPr id="4" name="Нижний колонтитул 3"/>
+          <p:cNvSpPr>
+            <a:spLocks noGrp="1"/>
+          </p:cNvSpPr>
+          <p:nvPr>
+            <p:ph type="ftr" sz="quarter" idx="11"/>
+          </p:nvPr>
+        </p:nvSpPr>
+        <p:spPr/>
+        <p:txBody>
+          <a:bodyPr/>
+          <a:lstStyle/>
+          <a:p>
+            <a:r>
+              <a:rPr lang="en-US" dirty="0" err="1"/>
+              <a:t>Artezio</a:t>
+            </a:r>
+            <a:r>
+              <a:rPr lang="en-US" dirty="0"/>
+              <a:t> 2016</a:t>
+            </a:r>
+          </a:p>
+        </p:txBody>
+      </p:sp>
+      <p:sp>
+        <p:nvSpPr>
+          <p:cNvPr id="5" name="Номер слайда 4"/>
+          <p:cNvSpPr>
+            <a:spLocks noGrp="1"/>
+          </p:cNvSpPr>
+          <p:nvPr>
+            <p:ph type="sldNum" sz="quarter" idx="12"/>
+          </p:nvPr>
+        </p:nvSpPr>
+        <p:spPr/>
+        <p:txBody>
+          <a:bodyPr/>
+          <a:lstStyle/>
+          <a:p>
+            <a:fld id="{53FE853A-3A55-4CD3-B026-601242F08E1E}" type="slidenum">
+              <a:rPr lang="en-US" smtClean="0"/>
+              <a:t>21</a:t>
+            </a:fld>
+            <a:endParaRPr lang="en-US"/>
+          </a:p>
+        </p:txBody>
+      </p:sp>
+    </p:spTree>
+    <p:extLst>
+      <p:ext uri="{BB962C8B-B14F-4D97-AF65-F5344CB8AC3E}">
+        <p14:creationId xmlns:p14="http://schemas.microsoft.com/office/powerpoint/2010/main" val="2252048810"/>
+      </p:ext>
+    </p:extLst>
+  </p:cSld>
+  <p:clrMapOvr>
+    <a:masterClrMapping/>
+  </p:clrMapOvr>
+</p:sld>
+</file>
+
+<file path=ppt/slides/slide22.xml><?xml version="1.0" encoding="utf-8"?>
+<p:sld xmlns:a="http://schemas.openxmlformats.org/drawingml/2006/main" xmlns:r="http://schemas.openxmlformats.org/officeDocument/2006/relationships" xmlns:p="http://schemas.openxmlformats.org/presentationml/2006/main">
+  <p:cSld>
+    <p:spTree>
+      <p:nvGrpSpPr>
+        <p:cNvPr id="1" name=""/>
+        <p:cNvGrpSpPr/>
+        <p:nvPr/>
+      </p:nvGrpSpPr>
+      <p:grpSpPr>
+        <a:xfrm>
+          <a:off x="0" y="0"/>
+          <a:ext cx="0" cy="0"/>
+          <a:chOff x="0" y="0"/>
+          <a:chExt cx="0" cy="0"/>
+        </a:xfrm>
+      </p:grpSpPr>
+      <p:sp>
+        <p:nvSpPr>
+          <p:cNvPr id="2" name="Заголовок 1"/>
+          <p:cNvSpPr>
+            <a:spLocks noGrp="1"/>
+          </p:cNvSpPr>
+          <p:nvPr>
+            <p:ph type="title"/>
+          </p:nvPr>
+        </p:nvSpPr>
+        <p:spPr/>
+        <p:txBody>
+          <a:bodyPr/>
+          <a:lstStyle/>
+          <a:p>
+            <a:r>
+              <a:rPr lang="ru-RU" dirty="0" smtClean="0"/>
+              <a:t>Используемые ресурсы</a:t>
+            </a:r>
+            <a:endParaRPr lang="ru-RU" dirty="0"/>
+          </a:p>
+        </p:txBody>
+      </p:sp>
+      <p:sp>
+        <p:nvSpPr>
+          <p:cNvPr id="3" name="Объект 2"/>
+          <p:cNvSpPr>
+            <a:spLocks noGrp="1"/>
+          </p:cNvSpPr>
+          <p:nvPr>
+            <p:ph idx="1"/>
+          </p:nvPr>
+        </p:nvSpPr>
+        <p:spPr/>
+        <p:txBody>
+          <a:bodyPr/>
+          <a:lstStyle/>
+          <a:p>
+            <a:r>
+              <a:rPr lang="en-US" dirty="0" err="1" smtClean="0"/>
+              <a:t>DbPedia</a:t>
+            </a:r>
+            <a:r>
+              <a:rPr lang="ru-RU" dirty="0" smtClean="0"/>
+              <a:t> (</a:t>
+            </a:r>
+            <a:r>
+              <a:rPr lang="en-US" dirty="0" smtClean="0"/>
+              <a:t>several datasets)</a:t>
+            </a:r>
+          </a:p>
+          <a:p>
+            <a:r>
+              <a:rPr lang="en-US" dirty="0" err="1" smtClean="0"/>
+              <a:t>Wordnet</a:t>
+            </a:r>
+            <a:endParaRPr lang="en-US" dirty="0" smtClean="0"/>
+          </a:p>
+          <a:p>
+            <a:r>
+              <a:rPr lang="en-US" dirty="0" smtClean="0"/>
+              <a:t>Freebase</a:t>
+            </a:r>
+          </a:p>
+          <a:p>
+            <a:r>
+              <a:rPr lang="en-US" dirty="0" err="1" smtClean="0"/>
+              <a:t>Yandex</a:t>
+            </a:r>
+            <a:r>
+              <a:rPr lang="en-US" dirty="0" smtClean="0"/>
+              <a:t> </a:t>
+            </a:r>
+            <a:r>
+              <a:rPr lang="en-US" dirty="0" err="1" smtClean="0"/>
+              <a:t>SpeechKit</a:t>
+            </a:r>
+            <a:endParaRPr lang="en-US" dirty="0" smtClean="0"/>
+          </a:p>
+          <a:p>
+            <a:r>
+              <a:rPr lang="en-US" dirty="0" err="1" smtClean="0"/>
+              <a:t>OpenCorpora</a:t>
+            </a:r>
+            <a:endParaRPr lang="en-US" dirty="0" smtClean="0"/>
+          </a:p>
+          <a:p>
+            <a:r>
+              <a:rPr lang="ru-RU" dirty="0" err="1" smtClean="0"/>
+              <a:t>СинТагРус</a:t>
+            </a:r>
+            <a:endParaRPr lang="en-US" dirty="0" smtClean="0"/>
+          </a:p>
+        </p:txBody>
+      </p:sp>
+      <p:sp>
+        <p:nvSpPr>
+          <p:cNvPr id="4" name="Нижний колонтитул 3"/>
+          <p:cNvSpPr>
+            <a:spLocks noGrp="1"/>
+          </p:cNvSpPr>
+          <p:nvPr>
+            <p:ph type="ftr" sz="quarter" idx="11"/>
+          </p:nvPr>
+        </p:nvSpPr>
+        <p:spPr/>
+        <p:txBody>
+          <a:bodyPr/>
+          <a:lstStyle/>
+          <a:p>
+            <a:r>
+              <a:rPr lang="en-US" dirty="0" err="1"/>
+              <a:t>Artezio</a:t>
+            </a:r>
+            <a:r>
+              <a:rPr lang="en-US" dirty="0"/>
+              <a:t> 2016</a:t>
+            </a:r>
+          </a:p>
+        </p:txBody>
+      </p:sp>
+      <p:sp>
+        <p:nvSpPr>
+          <p:cNvPr id="5" name="Номер слайда 4"/>
+          <p:cNvSpPr>
+            <a:spLocks noGrp="1"/>
+          </p:cNvSpPr>
+          <p:nvPr>
+            <p:ph type="sldNum" sz="quarter" idx="12"/>
+          </p:nvPr>
+        </p:nvSpPr>
+        <p:spPr/>
+        <p:txBody>
+          <a:bodyPr/>
+          <a:lstStyle/>
+          <a:p>
+            <a:fld id="{53FE853A-3A55-4CD3-B026-601242F08E1E}" type="slidenum">
+              <a:rPr lang="en-US" smtClean="0"/>
+              <a:t>22</a:t>
+            </a:fld>
+            <a:endParaRPr lang="en-US"/>
+          </a:p>
+        </p:txBody>
+      </p:sp>
+    </p:spTree>
+    <p:extLst>
+      <p:ext uri="{BB962C8B-B14F-4D97-AF65-F5344CB8AC3E}">
+        <p14:creationId xmlns:p14="http://schemas.microsoft.com/office/powerpoint/2010/main" val="2143035052"/>
+      </p:ext>
+    </p:extLst>
+  </p:cSld>
+  <p:clrMapOvr>
+    <a:masterClrMapping/>
+  </p:clrMapOvr>
+</p:sld>
+</file>
+
+<file path=ppt/slides/slide23.xml><?xml version="1.0" encoding="utf-8"?>
+<p:sld xmlns:a="http://schemas.openxmlformats.org/drawingml/2006/main" xmlns:r="http://schemas.openxmlformats.org/officeDocument/2006/relationships" xmlns:p="http://schemas.openxmlformats.org/presentationml/2006/main">
+  <p:cSld>
+    <p:spTree>
+      <p:nvGrpSpPr>
+        <p:cNvPr id="1" name=""/>
+        <p:cNvGrpSpPr/>
+        <p:nvPr/>
+      </p:nvGrpSpPr>
+      <p:grpSpPr>
+        <a:xfrm>
+          <a:off x="0" y="0"/>
+          <a:ext cx="0" cy="0"/>
+          <a:chOff x="0" y="0"/>
+          <a:chExt cx="0" cy="0"/>
+        </a:xfrm>
+      </p:grpSpPr>
+      <p:sp>
+        <p:nvSpPr>
+          <p:cNvPr id="4" name="Заголовок 3"/>
+          <p:cNvSpPr>
+            <a:spLocks noGrp="1"/>
+          </p:cNvSpPr>
+          <p:nvPr>
+            <p:ph type="title"/>
+          </p:nvPr>
+        </p:nvSpPr>
+        <p:spPr/>
+        <p:txBody>
+          <a:bodyPr/>
+          <a:lstStyle/>
+          <a:p>
+            <a:r>
+              <a:rPr lang="en-US" dirty="0" smtClean="0"/>
+              <a:t>Q&amp;A</a:t>
+            </a:r>
+            <a:endParaRPr lang="ru-RU" dirty="0"/>
+          </a:p>
+        </p:txBody>
+      </p:sp>
+      <p:sp>
+        <p:nvSpPr>
+          <p:cNvPr id="5" name="Текст 4"/>
+          <p:cNvSpPr>
+            <a:spLocks noGrp="1"/>
+          </p:cNvSpPr>
+          <p:nvPr>
+            <p:ph type="body" idx="1"/>
+          </p:nvPr>
+        </p:nvSpPr>
+        <p:spPr/>
+        <p:txBody>
+          <a:bodyPr/>
+          <a:lstStyle/>
+          <a:p>
+            <a:endParaRPr lang="ru-RU" dirty="0"/>
+          </a:p>
+        </p:txBody>
+      </p:sp>
+      <p:sp>
+        <p:nvSpPr>
+          <p:cNvPr id="6" name="Нижний колонтитул 5"/>
+          <p:cNvSpPr>
+            <a:spLocks noGrp="1"/>
+          </p:cNvSpPr>
+          <p:nvPr>
+            <p:ph type="ftr" sz="quarter" idx="11"/>
+          </p:nvPr>
+        </p:nvSpPr>
+        <p:spPr/>
+        <p:txBody>
+          <a:bodyPr/>
+          <a:lstStyle/>
+          <a:p>
+            <a:r>
+              <a:rPr lang="en-US" dirty="0" err="1"/>
+              <a:t>Artezio</a:t>
+            </a:r>
+            <a:r>
+              <a:rPr lang="en-US" dirty="0"/>
+              <a:t> 2016</a:t>
+            </a:r>
+          </a:p>
+        </p:txBody>
+      </p:sp>
+      <p:sp>
+        <p:nvSpPr>
+          <p:cNvPr id="7" name="Номер слайда 6"/>
+          <p:cNvSpPr>
+            <a:spLocks noGrp="1"/>
+          </p:cNvSpPr>
+          <p:nvPr>
+            <p:ph type="sldNum" sz="quarter" idx="12"/>
+          </p:nvPr>
+        </p:nvSpPr>
+        <p:spPr/>
+        <p:txBody>
+          <a:bodyPr/>
+          <a:lstStyle/>
+          <a:p>
+            <a:fld id="{53FE853A-3A55-4CD3-B026-601242F08E1E}" type="slidenum">
+              <a:rPr lang="en-US" smtClean="0"/>
+              <a:t>23</a:t>
+            </a:fld>
+            <a:endParaRPr lang="en-US"/>
+          </a:p>
+        </p:txBody>
+      </p:sp>
+    </p:spTree>
+    <p:extLst>
+      <p:ext uri="{BB962C8B-B14F-4D97-AF65-F5344CB8AC3E}">
+        <p14:creationId xmlns:p14="http://schemas.microsoft.com/office/powerpoint/2010/main" val="3750068630"/>
+      </p:ext>
+    </p:extLst>
+  </p:cSld>
+  <p:clrMapOvr>
+    <a:masterClrMapping/>
+  </p:clrMapOvr>
+</p:sld>
+</file>
+
 <file path=ppt/slides/slide3.xml><?xml version="1.0" encoding="utf-8"?>
 <p:sld xmlns:a="http://schemas.openxmlformats.org/drawingml/2006/main" xmlns:r="http://schemas.openxmlformats.org/officeDocument/2006/relationships" xmlns:p="http://schemas.openxmlformats.org/presentationml/2006/main">
   <p:cSld>
@@ -4423,11 +8002,7 @@
           <a:p>
             <a:r>
               <a:rPr lang="ru-RU" dirty="0" smtClean="0"/>
-              <a:t>Система должна предоставить несколько (до 25) ранжированных ответов на </a:t>
-            </a:r>
-            <a:r>
-              <a:rPr lang="ru-RU" dirty="0" smtClean="0"/>
-              <a:t>выбор</a:t>
+              <a:t>Система должна предоставить несколько (до 25) ранжированных ответов на выбор</a:t>
             </a:r>
           </a:p>
           <a:p>
@@ -4435,7 +8010,6 @@
               <a:rPr lang="ru-RU" dirty="0" smtClean="0"/>
               <a:t>Вопросы должны быть в области знаний правил этикета</a:t>
             </a:r>
-            <a:endParaRPr lang="ru-RU" dirty="0" smtClean="0"/>
           </a:p>
           <a:p>
             <a:endParaRPr lang="ru-RU" dirty="0" smtClean="0"/>
@@ -4620,7 +8194,7 @@
           <a:graphicData uri="http://schemas.openxmlformats.org/presentationml/2006/ole">
             <mc:AlternateContent xmlns:mc="http://schemas.openxmlformats.org/markup-compatibility/2006">
               <mc:Choice xmlns:v="urn:schemas-microsoft-com:vml" Requires="v">
-                <p:oleObj spid="_x0000_s1033" name="Visio" r:id="rId4" imgW="4534992" imgH="1475010" progId="Visio.Drawing.11">
+                <p:oleObj spid="_x0000_s1034" name="Visio" r:id="rId4" imgW="4534992" imgH="1475010" progId="Visio.Drawing.11">
                   <p:embed/>
                 </p:oleObj>
               </mc:Choice>
@@ -4967,7 +8541,7 @@
           <a:graphicData uri="http://schemas.openxmlformats.org/presentationml/2006/ole">
             <mc:AlternateContent xmlns:mc="http://schemas.openxmlformats.org/markup-compatibility/2006">
               <mc:Choice xmlns:v="urn:schemas-microsoft-com:vml" Requires="v">
-                <p:oleObj spid="_x0000_s2056" name="Visio" r:id="rId3" imgW="4534992" imgH="1475010" progId="Visio.Drawing.11">
+                <p:oleObj spid="_x0000_s2057" name="Visio" r:id="rId3" imgW="4534992" imgH="1475010" progId="Visio.Drawing.11">
                   <p:embed/>
                 </p:oleObj>
               </mc:Choice>
@@ -5177,7 +8751,7 @@
           <a:graphicData uri="http://schemas.openxmlformats.org/presentationml/2006/ole">
             <mc:AlternateContent xmlns:mc="http://schemas.openxmlformats.org/markup-compatibility/2006">
               <mc:Choice xmlns:v="urn:schemas-microsoft-com:vml" Requires="v">
-                <p:oleObj spid="_x0000_s5126" name="Visio" r:id="rId3" imgW="4534992" imgH="1475010" progId="Visio.Drawing.11">
+                <p:oleObj spid="_x0000_s5127" name="Visio" r:id="rId3" imgW="4534992" imgH="1475010" progId="Visio.Drawing.11">
                   <p:embed/>
                 </p:oleObj>
               </mc:Choice>
@@ -5259,7 +8833,7 @@
           <a:p>
             <a:r>
               <a:rPr lang="en-US" dirty="0" smtClean="0"/>
-              <a:t>Answer Analysis</a:t>
+              <a:t>Question Analysis</a:t>
             </a:r>
             <a:endParaRPr lang="ru-RU" dirty="0"/>
           </a:p>
@@ -5322,8 +8896,8 @@
         </p:nvSpPr>
         <p:spPr>
           <a:xfrm>
-            <a:off x="965197" y="4893734"/>
-            <a:ext cx="10447867" cy="1477328"/>
+            <a:off x="965199" y="4385734"/>
+            <a:ext cx="10447867" cy="1754326"/>
           </a:xfrm>
           <a:prstGeom prst="rect">
             <a:avLst/>
@@ -5342,13 +8916,17 @@
             </a:pPr>
             <a:r>
               <a:rPr lang="ru-RU" dirty="0" smtClean="0"/>
-              <a:t>Базовый морфологический </a:t>
-            </a:r>
-            <a:r>
-              <a:rPr lang="ru-RU" dirty="0" err="1" smtClean="0"/>
-              <a:t>парсинг</a:t>
-            </a:r>
-            <a:endParaRPr lang="ru-RU" dirty="0" smtClean="0"/>
+              <a:t>М</a:t>
+            </a:r>
+            <a:r>
+              <a:rPr lang="ru-RU" dirty="0"/>
+              <a:t>о</a:t>
+            </a:r>
+            <a:r>
+              <a:rPr lang="ru-RU" dirty="0" smtClean="0"/>
+              <a:t>рфологический анализ</a:t>
+            </a:r>
+            <a:endParaRPr lang="en-US" dirty="0" smtClean="0"/>
           </a:p>
           <a:p>
             <a:pPr marL="285750" indent="-285750">
@@ -5356,10 +8934,9 @@
               <a:buChar char="•"/>
             </a:pPr>
             <a:r>
-              <a:rPr lang="ru-RU" dirty="0" err="1" smtClean="0"/>
-              <a:t>Препроцессинг</a:t>
-            </a:r>
-            <a:endParaRPr lang="ru-RU" dirty="0" smtClean="0"/>
+              <a:rPr lang="ru-RU" dirty="0" smtClean="0"/>
+              <a:t>Поиск имен собственных, фокуса и основного глагола</a:t>
+            </a:r>
           </a:p>
           <a:p>
             <a:pPr marL="285750" indent="-285750">
@@ -5368,13 +8945,17 @@
             </a:pPr>
             <a:r>
               <a:rPr lang="ru-RU" dirty="0" smtClean="0"/>
-              <a:t>Извлечение лексических типов ответа (</a:t>
+              <a:t>Извлечение лексических типов ответа(</a:t>
             </a:r>
             <a:r>
               <a:rPr lang="en-US" dirty="0" smtClean="0"/>
-              <a:t>LAT)</a:t>
-            </a:r>
-            <a:endParaRPr lang="ru-RU" dirty="0" smtClean="0"/>
+              <a:t>LAT</a:t>
+            </a:r>
+            <a:r>
+              <a:rPr lang="ru-RU" dirty="0" smtClean="0"/>
+              <a:t>)</a:t>
+            </a:r>
+            <a:endParaRPr lang="en-US" dirty="0" smtClean="0"/>
           </a:p>
           <a:p>
             <a:pPr marL="285750" indent="-285750">
@@ -5383,8 +8964,19 @@
             </a:pPr>
             <a:r>
               <a:rPr lang="ru-RU" dirty="0" smtClean="0"/>
-              <a:t>Продолжение следует…</a:t>
-            </a:r>
+              <a:t>Выделение ключевых слов</a:t>
+            </a:r>
+          </a:p>
+          <a:p>
+            <a:pPr marL="285750" indent="-285750">
+              <a:buFont typeface="Arial" panose="020B0604020202020204" pitchFamily="34" charset="0"/>
+              <a:buChar char="•"/>
+            </a:pPr>
+            <a:r>
+              <a:rPr lang="ru-RU" dirty="0" smtClean="0"/>
+              <a:t>Выделение концептов</a:t>
+            </a:r>
+            <a:endParaRPr lang="en-US" dirty="0" smtClean="0"/>
           </a:p>
           <a:p>
             <a:pPr marL="285750" indent="-285750">
@@ -5395,74 +8987,72 @@
           </a:p>
         </p:txBody>
       </p:sp>
-      <p:graphicFrame>
-        <p:nvGraphicFramePr>
-          <p:cNvPr id="7" name="Content Placeholder 6"/>
-          <p:cNvGraphicFramePr>
-            <a:graphicFrameLocks noGrp="1" noChangeAspect="1"/>
-          </p:cNvGraphicFramePr>
-          <p:nvPr>
-            <p:ph idx="1"/>
-            <p:extLst>
-              <p:ext uri="{D42A27DB-BD31-4B8C-83A1-F6EECF244321}">
-                <p14:modId xmlns:p14="http://schemas.microsoft.com/office/powerpoint/2010/main" val="1093873912"/>
-              </p:ext>
-            </p:extLst>
-          </p:nvPr>
-        </p:nvGraphicFramePr>
-        <p:xfrm>
-          <a:off x="965198" y="1387475"/>
-          <a:ext cx="10016069" cy="3351852"/>
-        </p:xfrm>
-        <a:graphic>
-          <a:graphicData uri="http://schemas.openxmlformats.org/presentationml/2006/ole">
-            <mc:AlternateContent xmlns:mc="http://schemas.openxmlformats.org/markup-compatibility/2006">
-              <mc:Choice xmlns:v="urn:schemas-microsoft-com:vml" Requires="v">
-                <p:oleObj spid="_x0000_s3079" name="Visio" r:id="rId3" imgW="8440844" imgH="2825010" progId="Visio.Drawing.11">
-                  <p:embed/>
-                </p:oleObj>
-              </mc:Choice>
-              <mc:Fallback>
-                <p:oleObj name="Visio" r:id="rId3" imgW="8440844" imgH="2825010" progId="Visio.Drawing.11">
-                  <p:embed/>
-                  <p:pic>
-                    <p:nvPicPr>
-                      <p:cNvPr id="0" name=""/>
-                      <p:cNvPicPr/>
-                      <p:nvPr/>
-                    </p:nvPicPr>
-                    <p:blipFill>
-                      <a:blip r:embed="rId4"/>
-                      <a:stretch>
-                        <a:fillRect/>
-                      </a:stretch>
-                    </p:blipFill>
-                    <p:spPr>
-                      <a:xfrm>
-                        <a:off x="965198" y="1387475"/>
-                        <a:ext cx="10016069" cy="3351852"/>
-                      </a:xfrm>
-                      <a:prstGeom prst="rect">
-                        <a:avLst/>
-                      </a:prstGeom>
-                    </p:spPr>
-                  </p:pic>
-                </p:oleObj>
-              </mc:Fallback>
-            </mc:AlternateContent>
-          </a:graphicData>
-        </a:graphic>
-      </p:graphicFrame>
+      <p:pic>
+        <p:nvPicPr>
+          <p:cNvPr id="6151" name="Picture 7" descr="C:\Users\mSamarin\Desktop\QuestionAnalisys_3.png"/>
+          <p:cNvPicPr>
+            <a:picLocks noChangeAspect="1" noChangeArrowheads="1"/>
+          </p:cNvPicPr>
+          <p:nvPr/>
+        </p:nvPicPr>
+        <p:blipFill>
+          <a:blip r:embed="rId2">
+            <a:extLst>
+              <a:ext uri="{28A0092B-C50C-407E-A947-70E740481C1C}">
+                <a14:useLocalDpi xmlns:a14="http://schemas.microsoft.com/office/drawing/2010/main" val="0"/>
+              </a:ext>
+            </a:extLst>
+          </a:blip>
+          <a:srcRect/>
+          <a:stretch>
+            <a:fillRect/>
+          </a:stretch>
+        </p:blipFill>
+        <p:spPr bwMode="auto">
+          <a:xfrm>
+            <a:off x="1044331" y="1579100"/>
+            <a:ext cx="10732591" cy="2395025"/>
+          </a:xfrm>
+          <a:prstGeom prst="rect">
+            <a:avLst/>
+          </a:prstGeom>
+          <a:noFill/>
+          <a:ln w="12700">
+            <a:solidFill>
+              <a:schemeClr val="bg1">
+                <a:lumMod val="50000"/>
+              </a:schemeClr>
+            </a:solidFill>
+            <a:prstDash val="lgDash"/>
+          </a:ln>
+          <a:extLst>
+            <a:ext uri="{909E8E84-426E-40DD-AFC4-6F175D3DCCD1}">
+              <a14:hiddenFill xmlns:a14="http://schemas.microsoft.com/office/drawing/2010/main">
+                <a:solidFill>
+                  <a:srgbClr val="FFFFFF"/>
+                </a:solidFill>
+              </a14:hiddenFill>
+            </a:ext>
+          </a:extLst>
+        </p:spPr>
+      </p:pic>
     </p:spTree>
     <p:extLst>
       <p:ext uri="{BB962C8B-B14F-4D97-AF65-F5344CB8AC3E}">
-        <p14:creationId xmlns:p14="http://schemas.microsoft.com/office/powerpoint/2010/main" val="1920304825"/>
+        <p14:creationId xmlns:p14="http://schemas.microsoft.com/office/powerpoint/2010/main" val="1548444148"/>
       </p:ext>
     </p:extLst>
   </p:cSld>
   <p:clrMapOvr>
     <a:masterClrMapping/>
   </p:clrMapOvr>
+  <p:timing>
+    <p:tnLst>
+      <p:par>
+        <p:cTn id="1" dur="indefinite" restart="never" nodeType="tmRoot"/>
+      </p:par>
+    </p:tnLst>
+  </p:timing>
 </p:sld>
 </file>
 
@@ -5500,7 +9090,7 @@
           <a:p>
             <a:r>
               <a:rPr lang="en-US" dirty="0" smtClean="0"/>
-              <a:t>Answer Analysis</a:t>
+              <a:t>Question Analysis</a:t>
             </a:r>
             <a:endParaRPr lang="ru-RU" dirty="0"/>
           </a:p>
@@ -5557,14 +9147,43 @@
       </p:sp>
       <p:sp>
         <p:nvSpPr>
-          <p:cNvPr id="11" name="TextBox 10"/>
+          <p:cNvPr id="6" name="Прямоугольник 5"/>
+          <p:cNvSpPr/>
+          <p:nvPr/>
+        </p:nvSpPr>
+        <p:spPr>
+          <a:xfrm>
+            <a:off x="911146" y="1441914"/>
+            <a:ext cx="3028458" cy="400110"/>
+          </a:xfrm>
+          <a:prstGeom prst="rect">
+            <a:avLst/>
+          </a:prstGeom>
+        </p:spPr>
+        <p:txBody>
+          <a:bodyPr wrap="none">
+            <a:spAutoFit/>
+          </a:bodyPr>
+          <a:lstStyle/>
+          <a:p>
+            <a:r>
+              <a:rPr lang="ru-RU" sz="2000" dirty="0" smtClean="0"/>
+              <a:t>Морфологический анализ</a:t>
+            </a:r>
+            <a:endParaRPr lang="en-US" sz="2000" dirty="0"/>
+          </a:p>
+        </p:txBody>
+      </p:sp>
+      <p:sp>
+        <p:nvSpPr>
+          <p:cNvPr id="8" name="TextBox 7"/>
           <p:cNvSpPr txBox="1"/>
           <p:nvPr/>
         </p:nvSpPr>
         <p:spPr>
           <a:xfrm>
-            <a:off x="965197" y="4893734"/>
-            <a:ext cx="10447867" cy="1477328"/>
+            <a:off x="911145" y="2409202"/>
+            <a:ext cx="7488783" cy="1015663"/>
           </a:xfrm>
           <a:prstGeom prst="rect">
             <a:avLst/>
@@ -5577,171 +9196,621 @@
           </a:bodyPr>
           <a:lstStyle/>
           <a:p>
-            <a:pPr marL="285750" indent="-285750">
-              <a:buFont typeface="Arial" panose="020B0604020202020204" pitchFamily="34" charset="0"/>
-              <a:buChar char="•"/>
-            </a:pPr>
-            <a:r>
-              <a:rPr lang="ru-RU" dirty="0" smtClean="0"/>
-              <a:t>Приведение </a:t>
-            </a:r>
-            <a:r>
-              <a:rPr lang="en-US" dirty="0" smtClean="0"/>
-              <a:t>LAT </a:t>
-            </a:r>
-            <a:r>
-              <a:rPr lang="ru-RU" dirty="0" smtClean="0"/>
-              <a:t>к каноническому виду</a:t>
-            </a:r>
-          </a:p>
-          <a:p>
-            <a:pPr marL="285750" indent="-285750">
-              <a:buFont typeface="Arial" panose="020B0604020202020204" pitchFamily="34" charset="0"/>
-              <a:buChar char="•"/>
-            </a:pPr>
-            <a:r>
-              <a:rPr lang="ru-RU" dirty="0" smtClean="0"/>
-              <a:t>Сравнение </a:t>
-            </a:r>
-            <a:r>
-              <a:rPr lang="en-US" dirty="0" smtClean="0"/>
-              <a:t>LAT </a:t>
-            </a:r>
-            <a:r>
-              <a:rPr lang="ru-RU" dirty="0" smtClean="0"/>
-              <a:t>ответа с </a:t>
-            </a:r>
-            <a:r>
-              <a:rPr lang="en-US" dirty="0" smtClean="0"/>
-              <a:t>Clue </a:t>
-            </a:r>
-            <a:r>
-              <a:rPr lang="ru-RU" dirty="0" smtClean="0"/>
-              <a:t>из вопроса по различным критериями</a:t>
-            </a:r>
-          </a:p>
-          <a:p>
-            <a:pPr marL="285750" indent="-285750">
-              <a:buFont typeface="Arial" panose="020B0604020202020204" pitchFamily="34" charset="0"/>
-              <a:buChar char="•"/>
-            </a:pPr>
-            <a:r>
-              <a:rPr lang="ru-RU" dirty="0"/>
-              <a:t>Сравнение </a:t>
-            </a:r>
-            <a:r>
-              <a:rPr lang="en-US" dirty="0"/>
-              <a:t>LAT </a:t>
-            </a:r>
-            <a:r>
-              <a:rPr lang="ru-RU" dirty="0"/>
-              <a:t>ответа с </a:t>
-            </a:r>
-            <a:r>
-              <a:rPr lang="en-US" dirty="0" smtClean="0"/>
-              <a:t>LAT </a:t>
-            </a:r>
-            <a:r>
-              <a:rPr lang="ru-RU" dirty="0" smtClean="0"/>
-              <a:t>из вопроса </a:t>
-            </a:r>
-            <a:r>
-              <a:rPr lang="ru-RU" dirty="0"/>
-              <a:t>по различным критериями</a:t>
-            </a:r>
+            <a:r>
+              <a:rPr lang="ru-RU" sz="2400" dirty="0" smtClean="0">
+                <a:solidFill>
+                  <a:schemeClr val="accent4">
+                    <a:lumMod val="75000"/>
+                  </a:schemeClr>
+                </a:solidFill>
+              </a:rPr>
+              <a:t>Вопрос: Как нужно вести деловое общение?</a:t>
+            </a:r>
+          </a:p>
+          <a:p>
             <a:endParaRPr lang="ru-RU" dirty="0" smtClean="0"/>
           </a:p>
           <a:p>
-            <a:pPr marL="285750" indent="-285750">
-              <a:buFont typeface="Arial" panose="020B0604020202020204" pitchFamily="34" charset="0"/>
-              <a:buChar char="•"/>
-            </a:pPr>
-            <a:r>
-              <a:rPr lang="ru-RU" dirty="0" smtClean="0"/>
-              <a:t>Формирование массива метрик</a:t>
-            </a:r>
-          </a:p>
-          <a:p>
-            <a:pPr marL="285750" indent="-285750">
-              <a:buFont typeface="Arial" panose="020B0604020202020204" pitchFamily="34" charset="0"/>
-              <a:buChar char="•"/>
-            </a:pPr>
-            <a:r>
-              <a:rPr lang="ru-RU" dirty="0" smtClean="0"/>
-              <a:t>Вычисление финальной метрики</a:t>
-            </a:r>
-            <a:endParaRPr lang="ru-RU" dirty="0"/>
+            <a:r>
+              <a:rPr lang="ru-RU" dirty="0" err="1" smtClean="0"/>
+              <a:t>Токенизация</a:t>
+            </a:r>
+            <a:endParaRPr lang="ru-RU" dirty="0" smtClean="0"/>
           </a:p>
         </p:txBody>
       </p:sp>
       <p:graphicFrame>
         <p:nvGraphicFramePr>
-          <p:cNvPr id="6" name="Content Placeholder 5"/>
+          <p:cNvPr id="10" name="Таблица 9"/>
           <p:cNvGraphicFramePr>
-            <a:graphicFrameLocks noGrp="1" noChangeAspect="1"/>
+            <a:graphicFrameLocks noGrp="1"/>
           </p:cNvGraphicFramePr>
           <p:nvPr>
-            <p:ph idx="1"/>
             <p:extLst>
               <p:ext uri="{D42A27DB-BD31-4B8C-83A1-F6EECF244321}">
-                <p14:modId xmlns:p14="http://schemas.microsoft.com/office/powerpoint/2010/main" val="4199217271"/>
+                <p14:modId xmlns:p14="http://schemas.microsoft.com/office/powerpoint/2010/main" val="299227503"/>
               </p:ext>
             </p:extLst>
           </p:nvPr>
         </p:nvGraphicFramePr>
         <p:xfrm>
-          <a:off x="897464" y="1305455"/>
-          <a:ext cx="8940803" cy="3605206"/>
+          <a:off x="1027952" y="3579407"/>
+          <a:ext cx="10151035" cy="2595880"/>
         </p:xfrm>
         <a:graphic>
-          <a:graphicData uri="http://schemas.openxmlformats.org/presentationml/2006/ole">
-            <mc:AlternateContent xmlns:mc="http://schemas.openxmlformats.org/markup-compatibility/2006">
-              <mc:Choice xmlns:v="urn:schemas-microsoft-com:vml" Requires="v">
-                <p:oleObj spid="_x0000_s4103" name="Visio" r:id="rId3" imgW="6334888" imgH="2555010" progId="Visio.Drawing.11">
-                  <p:embed/>
-                </p:oleObj>
-              </mc:Choice>
-              <mc:Fallback>
-                <p:oleObj name="Visio" r:id="rId3" imgW="6334888" imgH="2555010" progId="Visio.Drawing.11">
-                  <p:embed/>
-                  <p:pic>
-                    <p:nvPicPr>
-                      <p:cNvPr id="0" name=""/>
-                      <p:cNvPicPr/>
-                      <p:nvPr/>
-                    </p:nvPicPr>
-                    <p:blipFill>
-                      <a:blip r:embed="rId4"/>
-                      <a:stretch>
-                        <a:fillRect/>
-                      </a:stretch>
-                    </p:blipFill>
-                    <p:spPr>
-                      <a:xfrm>
-                        <a:off x="897464" y="1305455"/>
-                        <a:ext cx="8940803" cy="3605206"/>
-                      </a:xfrm>
-                      <a:prstGeom prst="rect">
-                        <a:avLst/>
-                      </a:prstGeom>
-                    </p:spPr>
-                  </p:pic>
-                </p:oleObj>
-              </mc:Fallback>
-            </mc:AlternateContent>
+          <a:graphicData uri="http://schemas.openxmlformats.org/drawingml/2006/table">
+            <a:tbl>
+              <a:tblPr firstRow="1" bandRow="1">
+                <a:tableStyleId>{D27102A9-8310-4765-A935-A1911B00CA55}</a:tableStyleId>
+              </a:tblPr>
+              <a:tblGrid>
+                <a:gridCol w="2030207"/>
+                <a:gridCol w="2030207"/>
+                <a:gridCol w="2030207"/>
+                <a:gridCol w="2030207"/>
+                <a:gridCol w="2030207"/>
+              </a:tblGrid>
+              <a:tr h="370840">
+                <a:tc>
+                  <a:txBody>
+                    <a:bodyPr/>
+                    <a:lstStyle/>
+                    <a:p>
+                      <a:pPr algn="ctr"/>
+                      <a:r>
+                        <a:rPr lang="ru-RU" sz="1600" dirty="0" smtClean="0"/>
+                        <a:t>Текст</a:t>
+                      </a:r>
+                      <a:endParaRPr lang="ru-RU" sz="1600" b="0" dirty="0"/>
+                    </a:p>
+                  </a:txBody>
+                  <a:tcPr/>
+                </a:tc>
+                <a:tc>
+                  <a:txBody>
+                    <a:bodyPr/>
+                    <a:lstStyle/>
+                    <a:p>
+                      <a:pPr algn="ctr"/>
+                      <a:r>
+                        <a:rPr lang="ru-RU" sz="1600" dirty="0" smtClean="0"/>
+                        <a:t>Начало</a:t>
+                      </a:r>
+                      <a:endParaRPr lang="ru-RU" sz="1600" b="0" dirty="0"/>
+                    </a:p>
+                  </a:txBody>
+                  <a:tcPr/>
+                </a:tc>
+                <a:tc>
+                  <a:txBody>
+                    <a:bodyPr/>
+                    <a:lstStyle/>
+                    <a:p>
+                      <a:pPr algn="ctr"/>
+                      <a:r>
+                        <a:rPr lang="ru-RU" sz="1600" dirty="0" smtClean="0"/>
+                        <a:t>Конец</a:t>
+                      </a:r>
+                      <a:endParaRPr lang="ru-RU" sz="1600" b="0" dirty="0"/>
+                    </a:p>
+                  </a:txBody>
+                  <a:tcPr/>
+                </a:tc>
+                <a:tc>
+                  <a:txBody>
+                    <a:bodyPr/>
+                    <a:lstStyle/>
+                    <a:p>
+                      <a:pPr algn="ctr"/>
+                      <a:r>
+                        <a:rPr lang="ru-RU" sz="1600" dirty="0" smtClean="0"/>
+                        <a:t>Лемма</a:t>
+                      </a:r>
+                      <a:endParaRPr lang="ru-RU" sz="1600" b="0" dirty="0"/>
+                    </a:p>
+                  </a:txBody>
+                  <a:tcPr/>
+                </a:tc>
+                <a:tc>
+                  <a:txBody>
+                    <a:bodyPr/>
+                    <a:lstStyle/>
+                    <a:p>
+                      <a:pPr algn="ctr"/>
+                      <a:r>
+                        <a:rPr lang="ru-RU" sz="1600" dirty="0" smtClean="0"/>
+                        <a:t>Часть речи</a:t>
+                      </a:r>
+                      <a:endParaRPr lang="ru-RU" sz="1600" b="0" dirty="0"/>
+                    </a:p>
+                  </a:txBody>
+                  <a:tcPr/>
+                </a:tc>
+              </a:tr>
+              <a:tr h="370840">
+                <a:tc>
+                  <a:txBody>
+                    <a:bodyPr/>
+                    <a:lstStyle/>
+                    <a:p>
+                      <a:pPr lvl="0" algn="l"/>
+                      <a:r>
+                        <a:rPr lang="ru-RU" dirty="0" smtClean="0"/>
+                        <a:t>Как</a:t>
+                      </a:r>
+                      <a:endParaRPr lang="ru-RU" dirty="0"/>
+                    </a:p>
+                  </a:txBody>
+                  <a:tcPr marL="360000"/>
+                </a:tc>
+                <a:tc>
+                  <a:txBody>
+                    <a:bodyPr/>
+                    <a:lstStyle/>
+                    <a:p>
+                      <a:pPr lvl="0" algn="ctr"/>
+                      <a:r>
+                        <a:rPr lang="ru-RU" dirty="0" smtClean="0"/>
+                        <a:t>0</a:t>
+                      </a:r>
+                      <a:endParaRPr lang="ru-RU" dirty="0"/>
+                    </a:p>
+                  </a:txBody>
+                  <a:tcPr marL="252000"/>
+                </a:tc>
+                <a:tc>
+                  <a:txBody>
+                    <a:bodyPr/>
+                    <a:lstStyle/>
+                    <a:p>
+                      <a:pPr lvl="0" algn="ctr"/>
+                      <a:r>
+                        <a:rPr lang="ru-RU" dirty="0" smtClean="0"/>
+                        <a:t>3</a:t>
+                      </a:r>
+                      <a:endParaRPr lang="ru-RU" dirty="0"/>
+                    </a:p>
+                  </a:txBody>
+                  <a:tcPr marL="252000"/>
+                </a:tc>
+                <a:tc>
+                  <a:txBody>
+                    <a:bodyPr/>
+                    <a:lstStyle/>
+                    <a:p>
+                      <a:pPr lvl="0" algn="ctr"/>
+                      <a:endParaRPr lang="ru-RU" dirty="0"/>
+                    </a:p>
+                  </a:txBody>
+                  <a:tcPr marL="252000"/>
+                </a:tc>
+                <a:tc>
+                  <a:txBody>
+                    <a:bodyPr/>
+                    <a:lstStyle/>
+                    <a:p>
+                      <a:pPr lvl="0" algn="ctr"/>
+                      <a:endParaRPr lang="ru-RU"/>
+                    </a:p>
+                  </a:txBody>
+                  <a:tcPr marL="252000"/>
+                </a:tc>
+              </a:tr>
+              <a:tr h="370840">
+                <a:tc>
+                  <a:txBody>
+                    <a:bodyPr/>
+                    <a:lstStyle/>
+                    <a:p>
+                      <a:pPr lvl="0" algn="l"/>
+                      <a:r>
+                        <a:rPr lang="ru-RU" dirty="0" smtClean="0"/>
+                        <a:t>нужно</a:t>
+                      </a:r>
+                      <a:endParaRPr lang="ru-RU" dirty="0"/>
+                    </a:p>
+                  </a:txBody>
+                  <a:tcPr marL="360000"/>
+                </a:tc>
+                <a:tc>
+                  <a:txBody>
+                    <a:bodyPr/>
+                    <a:lstStyle/>
+                    <a:p>
+                      <a:pPr lvl="0" algn="ctr"/>
+                      <a:r>
+                        <a:rPr lang="ru-RU" dirty="0" smtClean="0"/>
+                        <a:t>4</a:t>
+                      </a:r>
+                      <a:endParaRPr lang="ru-RU" dirty="0"/>
+                    </a:p>
+                  </a:txBody>
+                  <a:tcPr marL="252000"/>
+                </a:tc>
+                <a:tc>
+                  <a:txBody>
+                    <a:bodyPr/>
+                    <a:lstStyle/>
+                    <a:p>
+                      <a:pPr lvl="0" algn="ctr"/>
+                      <a:r>
+                        <a:rPr lang="ru-RU" dirty="0" smtClean="0"/>
+                        <a:t>9</a:t>
+                      </a:r>
+                      <a:endParaRPr lang="ru-RU" dirty="0"/>
+                    </a:p>
+                  </a:txBody>
+                  <a:tcPr marL="252000"/>
+                </a:tc>
+                <a:tc>
+                  <a:txBody>
+                    <a:bodyPr/>
+                    <a:lstStyle/>
+                    <a:p>
+                      <a:pPr lvl="0" algn="ctr"/>
+                      <a:endParaRPr lang="ru-RU"/>
+                    </a:p>
+                  </a:txBody>
+                  <a:tcPr marL="252000"/>
+                </a:tc>
+                <a:tc>
+                  <a:txBody>
+                    <a:bodyPr/>
+                    <a:lstStyle/>
+                    <a:p>
+                      <a:pPr lvl="0" algn="ctr"/>
+                      <a:endParaRPr lang="ru-RU"/>
+                    </a:p>
+                  </a:txBody>
+                  <a:tcPr marL="252000"/>
+                </a:tc>
+              </a:tr>
+              <a:tr h="370840">
+                <a:tc>
+                  <a:txBody>
+                    <a:bodyPr/>
+                    <a:lstStyle/>
+                    <a:p>
+                      <a:pPr lvl="0" algn="l"/>
+                      <a:r>
+                        <a:rPr lang="ru-RU" dirty="0" smtClean="0"/>
+                        <a:t>вести</a:t>
+                      </a:r>
+                      <a:endParaRPr lang="ru-RU" dirty="0"/>
+                    </a:p>
+                  </a:txBody>
+                  <a:tcPr marL="360000"/>
+                </a:tc>
+                <a:tc>
+                  <a:txBody>
+                    <a:bodyPr/>
+                    <a:lstStyle/>
+                    <a:p>
+                      <a:pPr lvl="0" algn="ctr"/>
+                      <a:r>
+                        <a:rPr lang="ru-RU" dirty="0" smtClean="0"/>
+                        <a:t>10</a:t>
+                      </a:r>
+                      <a:endParaRPr lang="ru-RU" dirty="0"/>
+                    </a:p>
+                  </a:txBody>
+                  <a:tcPr marL="252000"/>
+                </a:tc>
+                <a:tc>
+                  <a:txBody>
+                    <a:bodyPr/>
+                    <a:lstStyle/>
+                    <a:p>
+                      <a:pPr lvl="0" algn="ctr"/>
+                      <a:r>
+                        <a:rPr lang="ru-RU" dirty="0" smtClean="0"/>
+                        <a:t>15</a:t>
+                      </a:r>
+                      <a:endParaRPr lang="ru-RU" dirty="0"/>
+                    </a:p>
+                  </a:txBody>
+                  <a:tcPr marL="252000"/>
+                </a:tc>
+                <a:tc>
+                  <a:txBody>
+                    <a:bodyPr/>
+                    <a:lstStyle/>
+                    <a:p>
+                      <a:pPr lvl="0" algn="ctr"/>
+                      <a:endParaRPr lang="ru-RU"/>
+                    </a:p>
+                  </a:txBody>
+                  <a:tcPr marL="252000"/>
+                </a:tc>
+                <a:tc>
+                  <a:txBody>
+                    <a:bodyPr/>
+                    <a:lstStyle/>
+                    <a:p>
+                      <a:pPr lvl="0" algn="ctr"/>
+                      <a:endParaRPr lang="ru-RU"/>
+                    </a:p>
+                  </a:txBody>
+                  <a:tcPr marL="252000"/>
+                </a:tc>
+              </a:tr>
+              <a:tr h="370840">
+                <a:tc>
+                  <a:txBody>
+                    <a:bodyPr/>
+                    <a:lstStyle/>
+                    <a:p>
+                      <a:pPr lvl="0" algn="l"/>
+                      <a:r>
+                        <a:rPr lang="ru-RU" dirty="0" smtClean="0"/>
+                        <a:t>деловое</a:t>
+                      </a:r>
+                      <a:endParaRPr lang="ru-RU" dirty="0"/>
+                    </a:p>
+                  </a:txBody>
+                  <a:tcPr marL="360000"/>
+                </a:tc>
+                <a:tc>
+                  <a:txBody>
+                    <a:bodyPr/>
+                    <a:lstStyle/>
+                    <a:p>
+                      <a:pPr lvl="0" algn="ctr"/>
+                      <a:r>
+                        <a:rPr lang="ru-RU" dirty="0" smtClean="0"/>
+                        <a:t>16</a:t>
+                      </a:r>
+                      <a:endParaRPr lang="ru-RU" dirty="0"/>
+                    </a:p>
+                  </a:txBody>
+                  <a:tcPr marL="252000"/>
+                </a:tc>
+                <a:tc>
+                  <a:txBody>
+                    <a:bodyPr/>
+                    <a:lstStyle/>
+                    <a:p>
+                      <a:pPr lvl="0" algn="ctr"/>
+                      <a:r>
+                        <a:rPr lang="ru-RU" dirty="0" smtClean="0"/>
+                        <a:t>23</a:t>
+                      </a:r>
+                      <a:endParaRPr lang="ru-RU" dirty="0"/>
+                    </a:p>
+                  </a:txBody>
+                  <a:tcPr marL="252000"/>
+                </a:tc>
+                <a:tc>
+                  <a:txBody>
+                    <a:bodyPr/>
+                    <a:lstStyle/>
+                    <a:p>
+                      <a:pPr lvl="0" algn="ctr"/>
+                      <a:endParaRPr lang="ru-RU"/>
+                    </a:p>
+                  </a:txBody>
+                  <a:tcPr marL="252000"/>
+                </a:tc>
+                <a:tc>
+                  <a:txBody>
+                    <a:bodyPr/>
+                    <a:lstStyle/>
+                    <a:p>
+                      <a:pPr lvl="0" algn="ctr"/>
+                      <a:endParaRPr lang="ru-RU"/>
+                    </a:p>
+                  </a:txBody>
+                  <a:tcPr marL="252000"/>
+                </a:tc>
+              </a:tr>
+              <a:tr h="370840">
+                <a:tc>
+                  <a:txBody>
+                    <a:bodyPr/>
+                    <a:lstStyle/>
+                    <a:p>
+                      <a:pPr lvl="0" algn="l"/>
+                      <a:r>
+                        <a:rPr lang="ru-RU" dirty="0" smtClean="0"/>
+                        <a:t>общение</a:t>
+                      </a:r>
+                      <a:endParaRPr lang="ru-RU" dirty="0"/>
+                    </a:p>
+                  </a:txBody>
+                  <a:tcPr marL="360000"/>
+                </a:tc>
+                <a:tc>
+                  <a:txBody>
+                    <a:bodyPr/>
+                    <a:lstStyle/>
+                    <a:p>
+                      <a:pPr lvl="0" algn="ctr"/>
+                      <a:r>
+                        <a:rPr lang="ru-RU" dirty="0" smtClean="0"/>
+                        <a:t>24</a:t>
+                      </a:r>
+                      <a:endParaRPr lang="ru-RU" dirty="0"/>
+                    </a:p>
+                  </a:txBody>
+                  <a:tcPr marL="252000"/>
+                </a:tc>
+                <a:tc>
+                  <a:txBody>
+                    <a:bodyPr/>
+                    <a:lstStyle/>
+                    <a:p>
+                      <a:pPr lvl="0" algn="ctr"/>
+                      <a:r>
+                        <a:rPr lang="ru-RU" dirty="0" smtClean="0"/>
+                        <a:t>31</a:t>
+                      </a:r>
+                      <a:endParaRPr lang="ru-RU" dirty="0"/>
+                    </a:p>
+                  </a:txBody>
+                  <a:tcPr marL="252000"/>
+                </a:tc>
+                <a:tc>
+                  <a:txBody>
+                    <a:bodyPr/>
+                    <a:lstStyle/>
+                    <a:p>
+                      <a:pPr lvl="0" algn="ctr"/>
+                      <a:endParaRPr lang="ru-RU"/>
+                    </a:p>
+                  </a:txBody>
+                  <a:tcPr marL="252000"/>
+                </a:tc>
+                <a:tc>
+                  <a:txBody>
+                    <a:bodyPr/>
+                    <a:lstStyle/>
+                    <a:p>
+                      <a:pPr lvl="0" algn="ctr"/>
+                      <a:endParaRPr lang="ru-RU" dirty="0"/>
+                    </a:p>
+                  </a:txBody>
+                  <a:tcPr marL="252000"/>
+                </a:tc>
+              </a:tr>
+              <a:tr h="370840">
+                <a:tc>
+                  <a:txBody>
+                    <a:bodyPr/>
+                    <a:lstStyle/>
+                    <a:p>
+                      <a:pPr lvl="0" algn="l"/>
+                      <a:r>
+                        <a:rPr lang="ru-RU" dirty="0" smtClean="0"/>
+                        <a:t>?</a:t>
+                      </a:r>
+                      <a:endParaRPr lang="ru-RU" dirty="0"/>
+                    </a:p>
+                  </a:txBody>
+                  <a:tcPr marL="360000"/>
+                </a:tc>
+                <a:tc>
+                  <a:txBody>
+                    <a:bodyPr/>
+                    <a:lstStyle/>
+                    <a:p>
+                      <a:pPr lvl="0" algn="ctr"/>
+                      <a:r>
+                        <a:rPr lang="ru-RU" dirty="0" smtClean="0"/>
+                        <a:t>31</a:t>
+                      </a:r>
+                      <a:endParaRPr lang="ru-RU" dirty="0"/>
+                    </a:p>
+                  </a:txBody>
+                  <a:tcPr marL="252000"/>
+                </a:tc>
+                <a:tc>
+                  <a:txBody>
+                    <a:bodyPr/>
+                    <a:lstStyle/>
+                    <a:p>
+                      <a:pPr lvl="0" algn="ctr"/>
+                      <a:r>
+                        <a:rPr lang="ru-RU" dirty="0" smtClean="0"/>
+                        <a:t>32</a:t>
+                      </a:r>
+                      <a:endParaRPr lang="ru-RU" dirty="0"/>
+                    </a:p>
+                  </a:txBody>
+                  <a:tcPr marL="252000"/>
+                </a:tc>
+                <a:tc>
+                  <a:txBody>
+                    <a:bodyPr/>
+                    <a:lstStyle/>
+                    <a:p>
+                      <a:pPr lvl="0" algn="ctr"/>
+                      <a:endParaRPr lang="ru-RU"/>
+                    </a:p>
+                  </a:txBody>
+                  <a:tcPr marL="252000"/>
+                </a:tc>
+                <a:tc>
+                  <a:txBody>
+                    <a:bodyPr/>
+                    <a:lstStyle/>
+                    <a:p>
+                      <a:pPr lvl="0" algn="ctr"/>
+                      <a:endParaRPr lang="ru-RU" dirty="0"/>
+                    </a:p>
+                  </a:txBody>
+                  <a:tcPr marL="252000"/>
+                </a:tc>
+              </a:tr>
+            </a:tbl>
           </a:graphicData>
         </a:graphic>
       </p:graphicFrame>
+      <p:pic>
+        <p:nvPicPr>
+          <p:cNvPr id="7170" name="Picture 2" descr="C:\Users\mSamarin\Desktop\Morpho_1.png"/>
+          <p:cNvPicPr>
+            <a:picLocks noChangeAspect="1" noChangeArrowheads="1"/>
+          </p:cNvPicPr>
+          <p:nvPr/>
+        </p:nvPicPr>
+        <p:blipFill>
+          <a:blip r:embed="rId2">
+            <a:extLst>
+              <a:ext uri="{28A0092B-C50C-407E-A947-70E740481C1C}">
+                <a14:useLocalDpi xmlns:a14="http://schemas.microsoft.com/office/drawing/2010/main" val="0"/>
+              </a:ext>
+            </a:extLst>
+          </a:blip>
+          <a:srcRect/>
+          <a:stretch>
+            <a:fillRect/>
+          </a:stretch>
+        </p:blipFill>
+        <p:spPr bwMode="auto">
+          <a:xfrm>
+            <a:off x="4060493" y="1591382"/>
+            <a:ext cx="7144248" cy="755252"/>
+          </a:xfrm>
+          <a:prstGeom prst="rect">
+            <a:avLst/>
+          </a:prstGeom>
+          <a:noFill/>
+          <a:ln w="12700">
+            <a:solidFill>
+              <a:schemeClr val="bg1">
+                <a:lumMod val="50000"/>
+              </a:schemeClr>
+            </a:solidFill>
+            <a:prstDash val="lgDash"/>
+          </a:ln>
+          <a:extLst>
+            <a:ext uri="{909E8E84-426E-40DD-AFC4-6F175D3DCCD1}">
+              <a14:hiddenFill xmlns:a14="http://schemas.microsoft.com/office/drawing/2010/main">
+                <a:solidFill>
+                  <a:srgbClr val="FFFFFF"/>
+                </a:solidFill>
+              </a14:hiddenFill>
+            </a:ext>
+          </a:extLst>
+        </p:spPr>
+      </p:pic>
     </p:spTree>
     <p:extLst>
       <p:ext uri="{BB962C8B-B14F-4D97-AF65-F5344CB8AC3E}">
-        <p14:creationId xmlns:p14="http://schemas.microsoft.com/office/powerpoint/2010/main" val="521732281"/>
+        <p14:creationId xmlns:p14="http://schemas.microsoft.com/office/powerpoint/2010/main" val="3533477141"/>
       </p:ext>
     </p:extLst>
   </p:cSld>
   <p:clrMapOvr>
     <a:masterClrMapping/>
   </p:clrMapOvr>
+  <p:timing>
+    <p:tnLst>
+      <p:par>
+        <p:cTn id="1" dur="indefinite" restart="never" nodeType="tmRoot"/>
+      </p:par>
+    </p:tnLst>
+  </p:timing>
 </p:sld>
 </file>
 
@@ -5778,81 +9847,9 @@
           <a:lstStyle/>
           <a:p>
             <a:r>
-              <a:rPr lang="ru-RU" dirty="0" smtClean="0"/>
-              <a:t>Полученные результаты</a:t>
-            </a:r>
-            <a:endParaRPr lang="ru-RU" dirty="0"/>
-          </a:p>
-        </p:txBody>
-      </p:sp>
-      <p:sp>
-        <p:nvSpPr>
-          <p:cNvPr id="3" name="Объект 2"/>
-          <p:cNvSpPr>
-            <a:spLocks noGrp="1"/>
-          </p:cNvSpPr>
-          <p:nvPr>
-            <p:ph idx="1"/>
-          </p:nvPr>
-        </p:nvSpPr>
-        <p:spPr/>
-        <p:txBody>
-          <a:bodyPr/>
-          <a:lstStyle/>
-          <a:p>
-            <a:r>
-              <a:rPr lang="ru-RU" dirty="0" smtClean="0"/>
-              <a:t>На выборке в 50 вопросов</a:t>
-            </a:r>
-            <a:endParaRPr lang="ru-RU" dirty="0" smtClean="0"/>
-          </a:p>
-          <a:p>
-            <a:pPr lvl="1"/>
-            <a:r>
-              <a:rPr lang="ru-RU" dirty="0" smtClean="0"/>
-              <a:t>% получения ответа: </a:t>
-            </a:r>
-            <a:r>
-              <a:rPr lang="ru-RU" b="1" dirty="0" smtClean="0"/>
-              <a:t>60%</a:t>
-            </a:r>
-            <a:endParaRPr lang="ru-RU" b="1" dirty="0" smtClean="0"/>
-          </a:p>
-          <a:p>
-            <a:pPr lvl="1"/>
-            <a:r>
-              <a:rPr lang="ru-RU" dirty="0" smtClean="0"/>
-              <a:t>Условная точность ответа: </a:t>
-            </a:r>
-            <a:r>
-              <a:rPr lang="ru-RU" b="1" dirty="0" smtClean="0"/>
-              <a:t>80%</a:t>
-            </a:r>
-            <a:endParaRPr lang="ru-RU" b="1" dirty="0" smtClean="0"/>
-          </a:p>
-          <a:p>
-            <a:r>
-              <a:rPr lang="ru-RU" dirty="0" smtClean="0"/>
-              <a:t>Время </a:t>
-            </a:r>
-            <a:r>
-              <a:rPr lang="ru-RU" dirty="0" smtClean="0"/>
-              <a:t>ответа </a:t>
-            </a:r>
-            <a:r>
-              <a:rPr lang="ru-RU" dirty="0" smtClean="0"/>
-              <a:t>на 1 вопрос 1-3 мин</a:t>
-            </a:r>
-            <a:endParaRPr lang="ru-RU" dirty="0" smtClean="0"/>
-          </a:p>
-          <a:p>
-            <a:endParaRPr lang="ru-RU" dirty="0" smtClean="0"/>
-          </a:p>
-          <a:p>
-            <a:endParaRPr lang="ru-RU" dirty="0" smtClean="0"/>
-          </a:p>
-          <a:p>
-            <a:pPr lvl="1"/>
+              <a:rPr lang="en-US" dirty="0" smtClean="0"/>
+              <a:t>Question Analysis</a:t>
+            </a:r>
             <a:endParaRPr lang="ru-RU" dirty="0"/>
           </a:p>
         </p:txBody>
@@ -5906,16 +9903,723 @@
           </a:p>
         </p:txBody>
       </p:sp>
+      <p:sp>
+        <p:nvSpPr>
+          <p:cNvPr id="6" name="Прямоугольник 5"/>
+          <p:cNvSpPr/>
+          <p:nvPr/>
+        </p:nvSpPr>
+        <p:spPr>
+          <a:xfrm>
+            <a:off x="911146" y="1441914"/>
+            <a:ext cx="3028458" cy="400110"/>
+          </a:xfrm>
+          <a:prstGeom prst="rect">
+            <a:avLst/>
+          </a:prstGeom>
+        </p:spPr>
+        <p:txBody>
+          <a:bodyPr wrap="none">
+            <a:spAutoFit/>
+          </a:bodyPr>
+          <a:lstStyle/>
+          <a:p>
+            <a:r>
+              <a:rPr lang="ru-RU" sz="2000" dirty="0" smtClean="0"/>
+              <a:t>Морфологический анализ</a:t>
+            </a:r>
+            <a:endParaRPr lang="en-US" sz="2000" dirty="0"/>
+          </a:p>
+        </p:txBody>
+      </p:sp>
+      <p:sp>
+        <p:nvSpPr>
+          <p:cNvPr id="8" name="TextBox 7"/>
+          <p:cNvSpPr txBox="1"/>
+          <p:nvPr/>
+        </p:nvSpPr>
+        <p:spPr>
+          <a:xfrm>
+            <a:off x="911145" y="2409202"/>
+            <a:ext cx="7488783" cy="1015663"/>
+          </a:xfrm>
+          <a:prstGeom prst="rect">
+            <a:avLst/>
+          </a:prstGeom>
+          <a:noFill/>
+        </p:spPr>
+        <p:txBody>
+          <a:bodyPr wrap="square" rtlCol="0">
+            <a:spAutoFit/>
+          </a:bodyPr>
+          <a:lstStyle/>
+          <a:p>
+            <a:r>
+              <a:rPr lang="ru-RU" sz="2400" dirty="0" smtClean="0">
+                <a:solidFill>
+                  <a:schemeClr val="accent4">
+                    <a:lumMod val="75000"/>
+                  </a:schemeClr>
+                </a:solidFill>
+              </a:rPr>
+              <a:t>Вопрос: Как нужно вести деловое общение?</a:t>
+            </a:r>
+          </a:p>
+          <a:p>
+            <a:endParaRPr lang="ru-RU" dirty="0" smtClean="0"/>
+          </a:p>
+          <a:p>
+            <a:r>
+              <a:rPr lang="ru-RU" dirty="0" smtClean="0"/>
+              <a:t>Определение частей речи</a:t>
+            </a:r>
+          </a:p>
+        </p:txBody>
+      </p:sp>
+      <p:graphicFrame>
+        <p:nvGraphicFramePr>
+          <p:cNvPr id="10" name="Таблица 9"/>
+          <p:cNvGraphicFramePr>
+            <a:graphicFrameLocks noGrp="1"/>
+          </p:cNvGraphicFramePr>
+          <p:nvPr>
+            <p:extLst>
+              <p:ext uri="{D42A27DB-BD31-4B8C-83A1-F6EECF244321}">
+                <p14:modId xmlns:p14="http://schemas.microsoft.com/office/powerpoint/2010/main" val="262787143"/>
+              </p:ext>
+            </p:extLst>
+          </p:nvPr>
+        </p:nvGraphicFramePr>
+        <p:xfrm>
+          <a:off x="1027952" y="3579407"/>
+          <a:ext cx="10151035" cy="2595880"/>
+        </p:xfrm>
+        <a:graphic>
+          <a:graphicData uri="http://schemas.openxmlformats.org/drawingml/2006/table">
+            <a:tbl>
+              <a:tblPr firstRow="1" bandRow="1">
+                <a:tableStyleId>{D27102A9-8310-4765-A935-A1911B00CA55}</a:tableStyleId>
+              </a:tblPr>
+              <a:tblGrid>
+                <a:gridCol w="2030207"/>
+                <a:gridCol w="2030207"/>
+                <a:gridCol w="2030207"/>
+                <a:gridCol w="2030207"/>
+                <a:gridCol w="2030207"/>
+              </a:tblGrid>
+              <a:tr h="370840">
+                <a:tc>
+                  <a:txBody>
+                    <a:bodyPr/>
+                    <a:lstStyle/>
+                    <a:p>
+                      <a:pPr algn="ctr"/>
+                      <a:r>
+                        <a:rPr lang="ru-RU" sz="1600" dirty="0" smtClean="0"/>
+                        <a:t>Текст</a:t>
+                      </a:r>
+                      <a:endParaRPr lang="ru-RU" sz="1600" b="0" dirty="0"/>
+                    </a:p>
+                  </a:txBody>
+                  <a:tcPr/>
+                </a:tc>
+                <a:tc>
+                  <a:txBody>
+                    <a:bodyPr/>
+                    <a:lstStyle/>
+                    <a:p>
+                      <a:pPr algn="ctr"/>
+                      <a:r>
+                        <a:rPr lang="ru-RU" sz="1600" dirty="0" smtClean="0"/>
+                        <a:t>Начало</a:t>
+                      </a:r>
+                      <a:endParaRPr lang="ru-RU" sz="1600" b="0" dirty="0"/>
+                    </a:p>
+                  </a:txBody>
+                  <a:tcPr/>
+                </a:tc>
+                <a:tc>
+                  <a:txBody>
+                    <a:bodyPr/>
+                    <a:lstStyle/>
+                    <a:p>
+                      <a:pPr algn="ctr"/>
+                      <a:r>
+                        <a:rPr lang="ru-RU" sz="1600" dirty="0" smtClean="0"/>
+                        <a:t>Конец</a:t>
+                      </a:r>
+                      <a:endParaRPr lang="ru-RU" sz="1600" b="0" dirty="0"/>
+                    </a:p>
+                  </a:txBody>
+                  <a:tcPr/>
+                </a:tc>
+                <a:tc>
+                  <a:txBody>
+                    <a:bodyPr/>
+                    <a:lstStyle/>
+                    <a:p>
+                      <a:pPr algn="ctr"/>
+                      <a:r>
+                        <a:rPr lang="ru-RU" sz="1600" dirty="0" smtClean="0"/>
+                        <a:t>Лемма</a:t>
+                      </a:r>
+                      <a:endParaRPr lang="ru-RU" sz="1600" b="0" dirty="0"/>
+                    </a:p>
+                  </a:txBody>
+                  <a:tcPr/>
+                </a:tc>
+                <a:tc>
+                  <a:txBody>
+                    <a:bodyPr/>
+                    <a:lstStyle/>
+                    <a:p>
+                      <a:pPr algn="ctr"/>
+                      <a:r>
+                        <a:rPr lang="ru-RU" sz="1600" dirty="0" smtClean="0"/>
+                        <a:t>Часть речи</a:t>
+                      </a:r>
+                      <a:endParaRPr lang="ru-RU" sz="1600" b="0" dirty="0"/>
+                    </a:p>
+                  </a:txBody>
+                  <a:tcPr/>
+                </a:tc>
+              </a:tr>
+              <a:tr h="370840">
+                <a:tc>
+                  <a:txBody>
+                    <a:bodyPr/>
+                    <a:lstStyle/>
+                    <a:p>
+                      <a:pPr lvl="0" algn="l"/>
+                      <a:r>
+                        <a:rPr lang="ru-RU" dirty="0" smtClean="0"/>
+                        <a:t>Как</a:t>
+                      </a:r>
+                      <a:endParaRPr lang="ru-RU" dirty="0"/>
+                    </a:p>
+                  </a:txBody>
+                  <a:tcPr marL="360000"/>
+                </a:tc>
+                <a:tc>
+                  <a:txBody>
+                    <a:bodyPr/>
+                    <a:lstStyle/>
+                    <a:p>
+                      <a:pPr lvl="0" algn="ctr"/>
+                      <a:r>
+                        <a:rPr lang="ru-RU" dirty="0" smtClean="0"/>
+                        <a:t>0</a:t>
+                      </a:r>
+                      <a:endParaRPr lang="ru-RU" dirty="0"/>
+                    </a:p>
+                  </a:txBody>
+                  <a:tcPr marL="252000"/>
+                </a:tc>
+                <a:tc>
+                  <a:txBody>
+                    <a:bodyPr/>
+                    <a:lstStyle/>
+                    <a:p>
+                      <a:pPr lvl="0" algn="ctr"/>
+                      <a:r>
+                        <a:rPr lang="ru-RU" dirty="0" smtClean="0"/>
+                        <a:t>3</a:t>
+                      </a:r>
+                      <a:endParaRPr lang="ru-RU" dirty="0"/>
+                    </a:p>
+                  </a:txBody>
+                  <a:tcPr marL="252000"/>
+                </a:tc>
+                <a:tc>
+                  <a:txBody>
+                    <a:bodyPr/>
+                    <a:lstStyle/>
+                    <a:p>
+                      <a:pPr lvl="0" algn="l"/>
+                      <a:r>
+                        <a:rPr lang="ru-RU" dirty="0" smtClean="0"/>
+                        <a:t>как</a:t>
+                      </a:r>
+                      <a:endParaRPr lang="ru-RU" dirty="0"/>
+                    </a:p>
+                  </a:txBody>
+                  <a:tcPr marL="360000"/>
+                </a:tc>
+                <a:tc>
+                  <a:txBody>
+                    <a:bodyPr/>
+                    <a:lstStyle/>
+                    <a:p>
+                      <a:pPr lvl="0" algn="l"/>
+                      <a:r>
+                        <a:rPr lang="en-US" dirty="0" smtClean="0"/>
+                        <a:t>C</a:t>
+                      </a:r>
+                      <a:endParaRPr lang="ru-RU" dirty="0"/>
+                    </a:p>
+                  </a:txBody>
+                  <a:tcPr marL="360000"/>
+                </a:tc>
+              </a:tr>
+              <a:tr h="370840">
+                <a:tc>
+                  <a:txBody>
+                    <a:bodyPr/>
+                    <a:lstStyle/>
+                    <a:p>
+                      <a:pPr lvl="0" algn="l"/>
+                      <a:r>
+                        <a:rPr lang="ru-RU" dirty="0" smtClean="0"/>
+                        <a:t>нужно</a:t>
+                      </a:r>
+                      <a:endParaRPr lang="ru-RU" dirty="0"/>
+                    </a:p>
+                  </a:txBody>
+                  <a:tcPr marL="360000"/>
+                </a:tc>
+                <a:tc>
+                  <a:txBody>
+                    <a:bodyPr/>
+                    <a:lstStyle/>
+                    <a:p>
+                      <a:pPr lvl="0" algn="ctr"/>
+                      <a:r>
+                        <a:rPr lang="ru-RU" dirty="0" smtClean="0"/>
+                        <a:t>4</a:t>
+                      </a:r>
+                      <a:endParaRPr lang="ru-RU" dirty="0"/>
+                    </a:p>
+                  </a:txBody>
+                  <a:tcPr marL="252000"/>
+                </a:tc>
+                <a:tc>
+                  <a:txBody>
+                    <a:bodyPr/>
+                    <a:lstStyle/>
+                    <a:p>
+                      <a:pPr lvl="0" algn="ctr"/>
+                      <a:r>
+                        <a:rPr lang="ru-RU" dirty="0" smtClean="0"/>
+                        <a:t>9</a:t>
+                      </a:r>
+                      <a:endParaRPr lang="ru-RU" dirty="0"/>
+                    </a:p>
+                  </a:txBody>
+                  <a:tcPr marL="252000"/>
+                </a:tc>
+                <a:tc>
+                  <a:txBody>
+                    <a:bodyPr/>
+                    <a:lstStyle/>
+                    <a:p>
+                      <a:pPr lvl="0" algn="l"/>
+                      <a:r>
+                        <a:rPr lang="ru-RU" dirty="0" smtClean="0"/>
+                        <a:t>нужно</a:t>
+                      </a:r>
+                      <a:endParaRPr lang="ru-RU" dirty="0"/>
+                    </a:p>
+                  </a:txBody>
+                  <a:tcPr marL="360000"/>
+                </a:tc>
+                <a:tc>
+                  <a:txBody>
+                    <a:bodyPr/>
+                    <a:lstStyle/>
+                    <a:p>
+                      <a:pPr lvl="0" algn="l"/>
+                      <a:r>
+                        <a:rPr lang="en-US" dirty="0" smtClean="0"/>
+                        <a:t>R</a:t>
+                      </a:r>
+                      <a:endParaRPr lang="ru-RU" dirty="0"/>
+                    </a:p>
+                  </a:txBody>
+                  <a:tcPr marL="360000"/>
+                </a:tc>
+              </a:tr>
+              <a:tr h="370840">
+                <a:tc>
+                  <a:txBody>
+                    <a:bodyPr/>
+                    <a:lstStyle/>
+                    <a:p>
+                      <a:pPr lvl="0" algn="l"/>
+                      <a:r>
+                        <a:rPr lang="ru-RU" dirty="0" smtClean="0"/>
+                        <a:t>вести</a:t>
+                      </a:r>
+                      <a:endParaRPr lang="ru-RU" dirty="0"/>
+                    </a:p>
+                  </a:txBody>
+                  <a:tcPr marL="360000"/>
+                </a:tc>
+                <a:tc>
+                  <a:txBody>
+                    <a:bodyPr/>
+                    <a:lstStyle/>
+                    <a:p>
+                      <a:pPr lvl="0" algn="ctr"/>
+                      <a:r>
+                        <a:rPr lang="ru-RU" dirty="0" smtClean="0"/>
+                        <a:t>10</a:t>
+                      </a:r>
+                      <a:endParaRPr lang="ru-RU" dirty="0"/>
+                    </a:p>
+                  </a:txBody>
+                  <a:tcPr marL="252000"/>
+                </a:tc>
+                <a:tc>
+                  <a:txBody>
+                    <a:bodyPr/>
+                    <a:lstStyle/>
+                    <a:p>
+                      <a:pPr lvl="0" algn="ctr"/>
+                      <a:r>
+                        <a:rPr lang="ru-RU" dirty="0" smtClean="0"/>
+                        <a:t>15</a:t>
+                      </a:r>
+                      <a:endParaRPr lang="ru-RU" dirty="0"/>
+                    </a:p>
+                  </a:txBody>
+                  <a:tcPr marL="252000"/>
+                </a:tc>
+                <a:tc>
+                  <a:txBody>
+                    <a:bodyPr/>
+                    <a:lstStyle/>
+                    <a:p>
+                      <a:pPr lvl="0" algn="l"/>
+                      <a:r>
+                        <a:rPr lang="ru-RU" dirty="0" smtClean="0"/>
+                        <a:t>вести</a:t>
+                      </a:r>
+                      <a:endParaRPr lang="ru-RU" dirty="0"/>
+                    </a:p>
+                  </a:txBody>
+                  <a:tcPr marL="360000"/>
+                </a:tc>
+                <a:tc>
+                  <a:txBody>
+                    <a:bodyPr/>
+                    <a:lstStyle/>
+                    <a:p>
+                      <a:pPr lvl="0" algn="l"/>
+                      <a:r>
+                        <a:rPr lang="en-US" dirty="0" err="1" smtClean="0"/>
+                        <a:t>Vmn</a:t>
+                      </a:r>
+                      <a:r>
+                        <a:rPr lang="en-US" dirty="0" smtClean="0"/>
+                        <a:t>----a-e</a:t>
+                      </a:r>
+                      <a:endParaRPr lang="ru-RU" dirty="0"/>
+                    </a:p>
+                  </a:txBody>
+                  <a:tcPr marL="360000"/>
+                </a:tc>
+              </a:tr>
+              <a:tr h="370840">
+                <a:tc>
+                  <a:txBody>
+                    <a:bodyPr/>
+                    <a:lstStyle/>
+                    <a:p>
+                      <a:pPr lvl="0" algn="l"/>
+                      <a:r>
+                        <a:rPr lang="ru-RU" dirty="0" smtClean="0"/>
+                        <a:t>деловое</a:t>
+                      </a:r>
+                      <a:endParaRPr lang="ru-RU" dirty="0"/>
+                    </a:p>
+                  </a:txBody>
+                  <a:tcPr marL="360000"/>
+                </a:tc>
+                <a:tc>
+                  <a:txBody>
+                    <a:bodyPr/>
+                    <a:lstStyle/>
+                    <a:p>
+                      <a:pPr lvl="0" algn="ctr"/>
+                      <a:r>
+                        <a:rPr lang="ru-RU" dirty="0" smtClean="0"/>
+                        <a:t>16</a:t>
+                      </a:r>
+                      <a:endParaRPr lang="ru-RU" dirty="0"/>
+                    </a:p>
+                  </a:txBody>
+                  <a:tcPr marL="252000"/>
+                </a:tc>
+                <a:tc>
+                  <a:txBody>
+                    <a:bodyPr/>
+                    <a:lstStyle/>
+                    <a:p>
+                      <a:pPr lvl="0" algn="ctr"/>
+                      <a:r>
+                        <a:rPr lang="ru-RU" dirty="0" smtClean="0"/>
+                        <a:t>23</a:t>
+                      </a:r>
+                      <a:endParaRPr lang="ru-RU" dirty="0"/>
+                    </a:p>
+                  </a:txBody>
+                  <a:tcPr marL="252000"/>
+                </a:tc>
+                <a:tc>
+                  <a:txBody>
+                    <a:bodyPr/>
+                    <a:lstStyle/>
+                    <a:p>
+                      <a:pPr lvl="0" algn="l"/>
+                      <a:r>
+                        <a:rPr lang="ru-RU" dirty="0" smtClean="0"/>
+                        <a:t>деловой</a:t>
+                      </a:r>
+                      <a:endParaRPr lang="ru-RU" dirty="0"/>
+                    </a:p>
+                  </a:txBody>
+                  <a:tcPr marL="360000"/>
+                </a:tc>
+                <a:tc>
+                  <a:txBody>
+                    <a:bodyPr/>
+                    <a:lstStyle/>
+                    <a:p>
+                      <a:pPr lvl="0" algn="l"/>
+                      <a:r>
+                        <a:rPr lang="en-US" dirty="0" err="1" smtClean="0"/>
+                        <a:t>Afpnsaf</a:t>
+                      </a:r>
+                      <a:endParaRPr lang="ru-RU" dirty="0"/>
+                    </a:p>
+                  </a:txBody>
+                  <a:tcPr marL="360000"/>
+                </a:tc>
+              </a:tr>
+              <a:tr h="370840">
+                <a:tc>
+                  <a:txBody>
+                    <a:bodyPr/>
+                    <a:lstStyle/>
+                    <a:p>
+                      <a:pPr lvl="0" algn="l"/>
+                      <a:r>
+                        <a:rPr lang="ru-RU" dirty="0" smtClean="0"/>
+                        <a:t>общение</a:t>
+                      </a:r>
+                      <a:endParaRPr lang="ru-RU" dirty="0"/>
+                    </a:p>
+                  </a:txBody>
+                  <a:tcPr marL="360000"/>
+                </a:tc>
+                <a:tc>
+                  <a:txBody>
+                    <a:bodyPr/>
+                    <a:lstStyle/>
+                    <a:p>
+                      <a:pPr lvl="0" algn="ctr"/>
+                      <a:r>
+                        <a:rPr lang="ru-RU" dirty="0" smtClean="0"/>
+                        <a:t>24</a:t>
+                      </a:r>
+                      <a:endParaRPr lang="ru-RU" dirty="0"/>
+                    </a:p>
+                  </a:txBody>
+                  <a:tcPr marL="252000"/>
+                </a:tc>
+                <a:tc>
+                  <a:txBody>
+                    <a:bodyPr/>
+                    <a:lstStyle/>
+                    <a:p>
+                      <a:pPr lvl="0" algn="ctr"/>
+                      <a:r>
+                        <a:rPr lang="ru-RU" dirty="0" smtClean="0"/>
+                        <a:t>31</a:t>
+                      </a:r>
+                      <a:endParaRPr lang="ru-RU" dirty="0"/>
+                    </a:p>
+                  </a:txBody>
+                  <a:tcPr marL="252000"/>
+                </a:tc>
+                <a:tc>
+                  <a:txBody>
+                    <a:bodyPr/>
+                    <a:lstStyle/>
+                    <a:p>
+                      <a:pPr lvl="0" algn="l"/>
+                      <a:r>
+                        <a:rPr lang="ru-RU" dirty="0" smtClean="0"/>
+                        <a:t>общение</a:t>
+                      </a:r>
+                      <a:endParaRPr lang="ru-RU" dirty="0"/>
+                    </a:p>
+                  </a:txBody>
+                  <a:tcPr marL="360000"/>
+                </a:tc>
+                <a:tc>
+                  <a:txBody>
+                    <a:bodyPr/>
+                    <a:lstStyle/>
+                    <a:p>
+                      <a:pPr lvl="0" algn="l"/>
+                      <a:r>
+                        <a:rPr lang="en-US" dirty="0" err="1" smtClean="0"/>
+                        <a:t>Ncnsnn</a:t>
+                      </a:r>
+                      <a:endParaRPr lang="ru-RU" dirty="0"/>
+                    </a:p>
+                  </a:txBody>
+                  <a:tcPr marL="360000"/>
+                </a:tc>
+              </a:tr>
+              <a:tr h="370840">
+                <a:tc>
+                  <a:txBody>
+                    <a:bodyPr/>
+                    <a:lstStyle/>
+                    <a:p>
+                      <a:pPr lvl="0" algn="l"/>
+                      <a:r>
+                        <a:rPr lang="ru-RU" dirty="0" smtClean="0"/>
+                        <a:t>?</a:t>
+                      </a:r>
+                      <a:endParaRPr lang="ru-RU" dirty="0"/>
+                    </a:p>
+                  </a:txBody>
+                  <a:tcPr marL="360000"/>
+                </a:tc>
+                <a:tc>
+                  <a:txBody>
+                    <a:bodyPr/>
+                    <a:lstStyle/>
+                    <a:p>
+                      <a:pPr lvl="0" algn="ctr"/>
+                      <a:r>
+                        <a:rPr lang="ru-RU" dirty="0" smtClean="0"/>
+                        <a:t>31</a:t>
+                      </a:r>
+                      <a:endParaRPr lang="ru-RU" dirty="0"/>
+                    </a:p>
+                  </a:txBody>
+                  <a:tcPr marL="252000"/>
+                </a:tc>
+                <a:tc>
+                  <a:txBody>
+                    <a:bodyPr/>
+                    <a:lstStyle/>
+                    <a:p>
+                      <a:pPr lvl="0" algn="ctr"/>
+                      <a:r>
+                        <a:rPr lang="ru-RU" dirty="0" smtClean="0"/>
+                        <a:t>32</a:t>
+                      </a:r>
+                      <a:endParaRPr lang="ru-RU" dirty="0"/>
+                    </a:p>
+                  </a:txBody>
+                  <a:tcPr marL="252000"/>
+                </a:tc>
+                <a:tc>
+                  <a:txBody>
+                    <a:bodyPr/>
+                    <a:lstStyle/>
+                    <a:p>
+                      <a:pPr lvl="0" algn="l"/>
+                      <a:r>
+                        <a:rPr lang="ru-RU" dirty="0" smtClean="0"/>
+                        <a:t>?</a:t>
+                      </a:r>
+                      <a:endParaRPr lang="ru-RU" dirty="0"/>
+                    </a:p>
+                  </a:txBody>
+                  <a:tcPr marL="360000"/>
+                </a:tc>
+                <a:tc>
+                  <a:txBody>
+                    <a:bodyPr/>
+                    <a:lstStyle/>
+                    <a:p>
+                      <a:pPr lvl="0" algn="l"/>
+                      <a:r>
+                        <a:rPr lang="en-US" dirty="0" smtClean="0"/>
+                        <a:t>SENT</a:t>
+                      </a:r>
+                      <a:endParaRPr lang="ru-RU" dirty="0"/>
+                    </a:p>
+                  </a:txBody>
+                  <a:tcPr marL="360000"/>
+                </a:tc>
+              </a:tr>
+            </a:tbl>
+          </a:graphicData>
+        </a:graphic>
+      </p:graphicFrame>
+      <p:pic>
+        <p:nvPicPr>
+          <p:cNvPr id="8194" name="Picture 2" descr="C:\Users\mSamarin\Desktop\Morpho_2.png"/>
+          <p:cNvPicPr>
+            <a:picLocks noChangeAspect="1" noChangeArrowheads="1"/>
+          </p:cNvPicPr>
+          <p:nvPr/>
+        </p:nvPicPr>
+        <p:blipFill>
+          <a:blip r:embed="rId2">
+            <a:extLst>
+              <a:ext uri="{28A0092B-C50C-407E-A947-70E740481C1C}">
+                <a14:useLocalDpi xmlns:a14="http://schemas.microsoft.com/office/drawing/2010/main" val="0"/>
+              </a:ext>
+            </a:extLst>
+          </a:blip>
+          <a:srcRect/>
+          <a:stretch>
+            <a:fillRect/>
+          </a:stretch>
+        </p:blipFill>
+        <p:spPr bwMode="auto">
+          <a:xfrm>
+            <a:off x="4060800" y="1591200"/>
+            <a:ext cx="7146000" cy="755437"/>
+          </a:xfrm>
+          <a:prstGeom prst="rect">
+            <a:avLst/>
+          </a:prstGeom>
+          <a:noFill/>
+          <a:ln w="12700">
+            <a:solidFill>
+              <a:schemeClr val="bg1">
+                <a:lumMod val="50000"/>
+              </a:schemeClr>
+            </a:solidFill>
+            <a:prstDash val="lgDash"/>
+          </a:ln>
+          <a:extLst>
+            <a:ext uri="{909E8E84-426E-40DD-AFC4-6F175D3DCCD1}">
+              <a14:hiddenFill xmlns:a14="http://schemas.microsoft.com/office/drawing/2010/main">
+                <a:solidFill>
+                  <a:srgbClr val="FFFFFF"/>
+                </a:solidFill>
+              </a14:hiddenFill>
+            </a:ext>
+          </a:extLst>
+        </p:spPr>
+      </p:pic>
     </p:spTree>
     <p:extLst>
       <p:ext uri="{BB962C8B-B14F-4D97-AF65-F5344CB8AC3E}">
-        <p14:creationId xmlns:p14="http://schemas.microsoft.com/office/powerpoint/2010/main" val="2907781502"/>
+        <p14:creationId xmlns:p14="http://schemas.microsoft.com/office/powerpoint/2010/main" val="25317066"/>
       </p:ext>
     </p:extLst>
   </p:cSld>
   <p:clrMapOvr>
     <a:masterClrMapping/>
   </p:clrMapOvr>
+  <p:timing>
+    <p:tnLst>
+      <p:par>
+        <p:cTn id="1" dur="indefinite" restart="never" nodeType="tmRoot"/>
+      </p:par>
+    </p:tnLst>
+  </p:timing>
 </p:sld>
 </file>
 
@@ -5924,7 +10628,7 @@
   <a:themeElements>
     <a:clrScheme name="Стандартная">
       <a:dk1>
-        <a:sysClr val="windowText" lastClr="141414"/>
+        <a:sysClr val="windowText" lastClr="000000"/>
       </a:dk1>
       <a:lt1>
         <a:sysClr val="window" lastClr="FFFFFF"/>
@@ -6174,7 +10878,7 @@
   <a:extraClrSchemeLst/>
   <a:extLst>
     <a:ext uri="{05A4C25C-085E-4340-85A3-A5531E510DB2}">
-      <thm15:themeFamily xmlns="" xmlns:thm15="http://schemas.microsoft.com/office/thememl/2012/main" name="Office Theme" id="{62F939B6-93AF-4DB8-9C6B-D6C7DFDC589F}" vid="{4A3C46E8-61CC-4603-A589-7422A47A8E4A}"/>
+      <thm15:themeFamily xmlns:thm15="http://schemas.microsoft.com/office/thememl/2012/main" xmlns="" name="Office Theme" id="{62F939B6-93AF-4DB8-9C6B-D6C7DFDC589F}" vid="{4A3C46E8-61CC-4603-A589-7422A47A8E4A}"/>
     </a:ext>
   </a:extLst>
 </a:theme>
@@ -6185,7 +10889,7 @@
   <a:themeElements>
     <a:clrScheme name="Стандартная">
       <a:dk1>
-        <a:sysClr val="windowText" lastClr="141414"/>
+        <a:sysClr val="windowText" lastClr="000000"/>
       </a:dk1>
       <a:lt1>
         <a:sysClr val="window" lastClr="FFFFFF"/>
@@ -6435,7 +11139,7 @@
   <a:extraClrSchemeLst/>
   <a:extLst>
     <a:ext uri="{05A4C25C-085E-4340-85A3-A5531E510DB2}">
-      <thm15:themeFamily xmlns="" xmlns:thm15="http://schemas.microsoft.com/office/thememl/2012/main" name="Office Theme" id="{62F939B6-93AF-4DB8-9C6B-D6C7DFDC589F}" vid="{4A3C46E8-61CC-4603-A589-7422A47A8E4A}"/>
+      <thm15:themeFamily xmlns:thm15="http://schemas.microsoft.com/office/thememl/2012/main" xmlns="" name="Office Theme" id="{62F939B6-93AF-4DB8-9C6B-D6C7DFDC589F}" vid="{4A3C46E8-61CC-4603-A589-7422A47A8E4A}"/>
     </a:ext>
   </a:extLst>
 </a:theme>

--- a/doc/Presentation.pptx
+++ b/doc/Presentation.pptx
@@ -5,7 +5,7 @@
     <p:sldMasterId id="2147483648" r:id="rId1"/>
   </p:sldMasterIdLst>
   <p:notesMasterIdLst>
-    <p:notesMasterId r:id="rId25"/>
+    <p:notesMasterId r:id="rId28"/>
   </p:notesMasterIdLst>
   <p:sldIdLst>
     <p:sldId id="387" r:id="rId2"/>
@@ -28,9 +28,12 @@
     <p:sldId id="404" r:id="rId19"/>
     <p:sldId id="405" r:id="rId20"/>
     <p:sldId id="407" r:id="rId21"/>
-    <p:sldId id="408" r:id="rId22"/>
-    <p:sldId id="409" r:id="rId23"/>
-    <p:sldId id="401" r:id="rId24"/>
+    <p:sldId id="421" r:id="rId22"/>
+    <p:sldId id="422" r:id="rId23"/>
+    <p:sldId id="423" r:id="rId24"/>
+    <p:sldId id="408" r:id="rId25"/>
+    <p:sldId id="409" r:id="rId26"/>
+    <p:sldId id="401" r:id="rId27"/>
   </p:sldIdLst>
   <p:sldSz cx="12192000" cy="6858000"/>
   <p:notesSz cx="6858000" cy="9144000"/>
@@ -131,7 +134,7 @@
   </p:defaultTextStyle>
   <p:extLst>
     <p:ext uri="{EFAFB233-063F-42B5-8137-9DF3F51BA10A}">
-      <p15:sldGuideLst xmlns:p15="http://schemas.microsoft.com/office/powerpoint/2012/main" xmlns="">
+      <p15:sldGuideLst xmlns="" xmlns:p15="http://schemas.microsoft.com/office/powerpoint/2012/main">
         <p15:guide id="1" orient="horz" pos="2160" userDrawn="1">
           <p15:clr>
             <a:srgbClr val="A4A3A4"/>
@@ -230,7 +233,8 @@
           <a:p>
             <a:fld id="{9287D9B5-79DC-4D13-AD9B-603A64EA5011}" type="datetimeFigureOut">
               <a:rPr lang="en-US" smtClean="0"/>
-              <a:t>3/26/2016</a:t>
+              <a:pPr/>
+              <a:t>3/28/2016</a:t>
             </a:fld>
             <a:endParaRPr lang="en-US"/>
           </a:p>
@@ -389,6 +393,7 @@
           <a:p>
             <a:fld id="{43703477-049C-4F9F-8D39-E3817819A441}" type="slidenum">
               <a:rPr lang="en-US" smtClean="0"/>
+              <a:pPr/>
               <a:t>‹#›</a:t>
             </a:fld>
             <a:endParaRPr lang="en-US"/>
@@ -398,7 +403,7 @@
     </p:spTree>
     <p:extLst>
       <p:ext uri="{BB962C8B-B14F-4D97-AF65-F5344CB8AC3E}">
-        <p14:creationId xmlns:p14="http://schemas.microsoft.com/office/powerpoint/2010/main" val="1317034010"/>
+        <p14:creationId xmlns:p14="http://schemas.microsoft.com/office/powerpoint/2010/main" xmlns="" val="1317034010"/>
       </p:ext>
     </p:extLst>
   </p:cSld>
@@ -563,6 +568,7 @@
           <a:p>
             <a:fld id="{43703477-049C-4F9F-8D39-E3817819A441}" type="slidenum">
               <a:rPr lang="en-US" smtClean="0"/>
+              <a:pPr/>
               <a:t>1</a:t>
             </a:fld>
             <a:endParaRPr lang="en-US"/>
@@ -572,7 +578,7 @@
     </p:spTree>
     <p:extLst>
       <p:ext uri="{BB962C8B-B14F-4D97-AF65-F5344CB8AC3E}">
-        <p14:creationId xmlns:p14="http://schemas.microsoft.com/office/powerpoint/2010/main" val="3621623957"/>
+        <p14:creationId xmlns:p14="http://schemas.microsoft.com/office/powerpoint/2010/main" xmlns="" val="3621623957"/>
       </p:ext>
     </p:extLst>
   </p:cSld>
@@ -655,6 +661,7 @@
           <a:p>
             <a:fld id="{43703477-049C-4F9F-8D39-E3817819A441}" type="slidenum">
               <a:rPr lang="en-US" smtClean="0"/>
+              <a:pPr/>
               <a:t>4</a:t>
             </a:fld>
             <a:endParaRPr lang="en-US"/>
@@ -664,7 +671,7 @@
     </p:spTree>
     <p:extLst>
       <p:ext uri="{BB962C8B-B14F-4D97-AF65-F5344CB8AC3E}">
-        <p14:creationId xmlns:p14="http://schemas.microsoft.com/office/powerpoint/2010/main" val="1815179138"/>
+        <p14:creationId xmlns:p14="http://schemas.microsoft.com/office/powerpoint/2010/main" xmlns="" val="1815179138"/>
       </p:ext>
     </p:extLst>
   </p:cSld>
@@ -805,7 +812,8 @@
           <a:p>
             <a:fld id="{560984F1-1C83-4D6F-937B-F4A0931E74AF}" type="datetime1">
               <a:rPr lang="en-US" smtClean="0"/>
-              <a:t>3/26/2016</a:t>
+              <a:pPr/>
+              <a:t>3/28/2016</a:t>
             </a:fld>
             <a:endParaRPr lang="en-US"/>
           </a:p>
@@ -851,6 +859,7 @@
           <a:p>
             <a:fld id="{53FE853A-3A55-4CD3-B026-601242F08E1E}" type="slidenum">
               <a:rPr lang="en-US" smtClean="0"/>
+              <a:pPr/>
               <a:t>‹#›</a:t>
             </a:fld>
             <a:endParaRPr lang="en-US"/>
@@ -860,7 +869,7 @@
     </p:spTree>
     <p:extLst>
       <p:ext uri="{BB962C8B-B14F-4D97-AF65-F5344CB8AC3E}">
-        <p14:creationId xmlns:p14="http://schemas.microsoft.com/office/powerpoint/2010/main" val="1612928146"/>
+        <p14:creationId xmlns:p14="http://schemas.microsoft.com/office/powerpoint/2010/main" xmlns="" val="1612928146"/>
       </p:ext>
     </p:extLst>
   </p:cSld>
@@ -979,7 +988,8 @@
           <a:p>
             <a:fld id="{40048B7D-3C9C-433B-88BC-15C9F0EC6FB4}" type="datetime1">
               <a:rPr lang="en-US" smtClean="0"/>
-              <a:t>3/26/2016</a:t>
+              <a:pPr/>
+              <a:t>3/28/2016</a:t>
             </a:fld>
             <a:endParaRPr lang="en-US"/>
           </a:p>
@@ -1025,6 +1035,7 @@
           <a:p>
             <a:fld id="{53FE853A-3A55-4CD3-B026-601242F08E1E}" type="slidenum">
               <a:rPr lang="en-US" smtClean="0"/>
+              <a:pPr/>
               <a:t>‹#›</a:t>
             </a:fld>
             <a:endParaRPr lang="en-US"/>
@@ -1034,7 +1045,7 @@
     </p:spTree>
     <p:extLst>
       <p:ext uri="{BB962C8B-B14F-4D97-AF65-F5344CB8AC3E}">
-        <p14:creationId xmlns:p14="http://schemas.microsoft.com/office/powerpoint/2010/main" val="1227749587"/>
+        <p14:creationId xmlns:p14="http://schemas.microsoft.com/office/powerpoint/2010/main" xmlns="" val="1227749587"/>
       </p:ext>
     </p:extLst>
   </p:cSld>
@@ -1163,7 +1174,8 @@
           <a:p>
             <a:fld id="{37E3DEFA-5DDE-45F6-AAF3-660D4BB67DCD}" type="datetime1">
               <a:rPr lang="en-US" smtClean="0"/>
-              <a:t>3/26/2016</a:t>
+              <a:pPr/>
+              <a:t>3/28/2016</a:t>
             </a:fld>
             <a:endParaRPr lang="en-US"/>
           </a:p>
@@ -1209,6 +1221,7 @@
           <a:p>
             <a:fld id="{53FE853A-3A55-4CD3-B026-601242F08E1E}" type="slidenum">
               <a:rPr lang="en-US" smtClean="0"/>
+              <a:pPr/>
               <a:t>‹#›</a:t>
             </a:fld>
             <a:endParaRPr lang="en-US"/>
@@ -1218,7 +1231,7 @@
     </p:spTree>
     <p:extLst>
       <p:ext uri="{BB962C8B-B14F-4D97-AF65-F5344CB8AC3E}">
-        <p14:creationId xmlns:p14="http://schemas.microsoft.com/office/powerpoint/2010/main" val="3921510761"/>
+        <p14:creationId xmlns:p14="http://schemas.microsoft.com/office/powerpoint/2010/main" xmlns="" val="3921510761"/>
       </p:ext>
     </p:extLst>
   </p:cSld>
@@ -1337,7 +1350,8 @@
           <a:p>
             <a:fld id="{9A2B6F06-9412-4087-9519-F250D40FAA9B}" type="datetime1">
               <a:rPr lang="en-US" smtClean="0"/>
-              <a:t>3/26/2016</a:t>
+              <a:pPr/>
+              <a:t>3/28/2016</a:t>
             </a:fld>
             <a:endParaRPr lang="en-US"/>
           </a:p>
@@ -1383,6 +1397,7 @@
           <a:p>
             <a:fld id="{53FE853A-3A55-4CD3-B026-601242F08E1E}" type="slidenum">
               <a:rPr lang="en-US" smtClean="0"/>
+              <a:pPr/>
               <a:t>‹#›</a:t>
             </a:fld>
             <a:endParaRPr lang="en-US"/>
@@ -1392,7 +1407,7 @@
     </p:spTree>
     <p:extLst>
       <p:ext uri="{BB962C8B-B14F-4D97-AF65-F5344CB8AC3E}">
-        <p14:creationId xmlns:p14="http://schemas.microsoft.com/office/powerpoint/2010/main" val="2660512697"/>
+        <p14:creationId xmlns:p14="http://schemas.microsoft.com/office/powerpoint/2010/main" xmlns="" val="2660512697"/>
       </p:ext>
     </p:extLst>
   </p:cSld>
@@ -1587,7 +1602,8 @@
           <a:p>
             <a:fld id="{77923D88-3BBE-4BF8-B99C-69153F1B6B00}" type="datetime1">
               <a:rPr lang="en-US" smtClean="0"/>
-              <a:t>3/26/2016</a:t>
+              <a:pPr/>
+              <a:t>3/28/2016</a:t>
             </a:fld>
             <a:endParaRPr lang="en-US"/>
           </a:p>
@@ -1633,6 +1649,7 @@
           <a:p>
             <a:fld id="{53FE853A-3A55-4CD3-B026-601242F08E1E}" type="slidenum">
               <a:rPr lang="en-US" smtClean="0"/>
+              <a:pPr/>
               <a:t>‹#›</a:t>
             </a:fld>
             <a:endParaRPr lang="en-US"/>
@@ -1642,7 +1659,7 @@
     </p:spTree>
     <p:extLst>
       <p:ext uri="{BB962C8B-B14F-4D97-AF65-F5344CB8AC3E}">
-        <p14:creationId xmlns:p14="http://schemas.microsoft.com/office/powerpoint/2010/main" val="1721951169"/>
+        <p14:creationId xmlns:p14="http://schemas.microsoft.com/office/powerpoint/2010/main" xmlns="" val="1721951169"/>
       </p:ext>
     </p:extLst>
   </p:cSld>
@@ -1823,7 +1840,8 @@
           <a:p>
             <a:fld id="{FF3431C4-5731-4FE5-8E75-E8C8DA1DE6BC}" type="datetime1">
               <a:rPr lang="en-US" smtClean="0"/>
-              <a:t>3/26/2016</a:t>
+              <a:pPr/>
+              <a:t>3/28/2016</a:t>
             </a:fld>
             <a:endParaRPr lang="en-US"/>
           </a:p>
@@ -1869,6 +1887,7 @@
           <a:p>
             <a:fld id="{53FE853A-3A55-4CD3-B026-601242F08E1E}" type="slidenum">
               <a:rPr lang="en-US" smtClean="0"/>
+              <a:pPr/>
               <a:t>‹#›</a:t>
             </a:fld>
             <a:endParaRPr lang="en-US"/>
@@ -1878,7 +1897,7 @@
     </p:spTree>
     <p:extLst>
       <p:ext uri="{BB962C8B-B14F-4D97-AF65-F5344CB8AC3E}">
-        <p14:creationId xmlns:p14="http://schemas.microsoft.com/office/powerpoint/2010/main" val="3531452610"/>
+        <p14:creationId xmlns:p14="http://schemas.microsoft.com/office/powerpoint/2010/main" xmlns="" val="3531452610"/>
       </p:ext>
     </p:extLst>
   </p:cSld>
@@ -2194,7 +2213,8 @@
           <a:p>
             <a:fld id="{AB26A0F6-EC27-4718-8268-067DCF0570D4}" type="datetime1">
               <a:rPr lang="en-US" smtClean="0"/>
-              <a:t>3/26/2016</a:t>
+              <a:pPr/>
+              <a:t>3/28/2016</a:t>
             </a:fld>
             <a:endParaRPr lang="en-US"/>
           </a:p>
@@ -2240,6 +2260,7 @@
           <a:p>
             <a:fld id="{53FE853A-3A55-4CD3-B026-601242F08E1E}" type="slidenum">
               <a:rPr lang="en-US" smtClean="0"/>
+              <a:pPr/>
               <a:t>‹#›</a:t>
             </a:fld>
             <a:endParaRPr lang="en-US"/>
@@ -2249,7 +2270,7 @@
     </p:spTree>
     <p:extLst>
       <p:ext uri="{BB962C8B-B14F-4D97-AF65-F5344CB8AC3E}">
-        <p14:creationId xmlns:p14="http://schemas.microsoft.com/office/powerpoint/2010/main" val="220154535"/>
+        <p14:creationId xmlns:p14="http://schemas.microsoft.com/office/powerpoint/2010/main" xmlns="" val="220154535"/>
       </p:ext>
     </p:extLst>
   </p:cSld>
@@ -2316,7 +2337,8 @@
           <a:p>
             <a:fld id="{FDEFBC4E-F023-4D8A-B06B-ACD25120275F}" type="datetime1">
               <a:rPr lang="en-US" smtClean="0"/>
-              <a:t>3/26/2016</a:t>
+              <a:pPr/>
+              <a:t>3/28/2016</a:t>
             </a:fld>
             <a:endParaRPr lang="en-US"/>
           </a:p>
@@ -2362,6 +2384,7 @@
           <a:p>
             <a:fld id="{53FE853A-3A55-4CD3-B026-601242F08E1E}" type="slidenum">
               <a:rPr lang="en-US" smtClean="0"/>
+              <a:pPr/>
               <a:t>‹#›</a:t>
             </a:fld>
             <a:endParaRPr lang="en-US"/>
@@ -2371,7 +2394,7 @@
     </p:spTree>
     <p:extLst>
       <p:ext uri="{BB962C8B-B14F-4D97-AF65-F5344CB8AC3E}">
-        <p14:creationId xmlns:p14="http://schemas.microsoft.com/office/powerpoint/2010/main" val="4142823437"/>
+        <p14:creationId xmlns:p14="http://schemas.microsoft.com/office/powerpoint/2010/main" xmlns="" val="4142823437"/>
       </p:ext>
     </p:extLst>
   </p:cSld>
@@ -2415,7 +2438,8 @@
           <a:p>
             <a:fld id="{508EC1F3-E5AB-4887-81B1-3ED695DD901B}" type="datetime1">
               <a:rPr lang="en-US" smtClean="0"/>
-              <a:t>3/26/2016</a:t>
+              <a:pPr/>
+              <a:t>3/28/2016</a:t>
             </a:fld>
             <a:endParaRPr lang="en-US"/>
           </a:p>
@@ -2461,6 +2485,7 @@
           <a:p>
             <a:fld id="{53FE853A-3A55-4CD3-B026-601242F08E1E}" type="slidenum">
               <a:rPr lang="en-US" smtClean="0"/>
+              <a:pPr/>
               <a:t>‹#›</a:t>
             </a:fld>
             <a:endParaRPr lang="en-US"/>
@@ -2470,7 +2495,7 @@
     </p:spTree>
     <p:extLst>
       <p:ext uri="{BB962C8B-B14F-4D97-AF65-F5344CB8AC3E}">
-        <p14:creationId xmlns:p14="http://schemas.microsoft.com/office/powerpoint/2010/main" val="932368194"/>
+        <p14:creationId xmlns:p14="http://schemas.microsoft.com/office/powerpoint/2010/main" xmlns="" val="932368194"/>
       </p:ext>
     </p:extLst>
   </p:cSld>
@@ -2696,7 +2721,8 @@
           <a:p>
             <a:fld id="{6FCCBD79-94CD-4C46-A343-83CB75AFD5BD}" type="datetime1">
               <a:rPr lang="en-US" smtClean="0"/>
-              <a:t>3/26/2016</a:t>
+              <a:pPr/>
+              <a:t>3/28/2016</a:t>
             </a:fld>
             <a:endParaRPr lang="en-US"/>
           </a:p>
@@ -2742,6 +2768,7 @@
           <a:p>
             <a:fld id="{53FE853A-3A55-4CD3-B026-601242F08E1E}" type="slidenum">
               <a:rPr lang="en-US" smtClean="0"/>
+              <a:pPr/>
               <a:t>‹#›</a:t>
             </a:fld>
             <a:endParaRPr lang="en-US"/>
@@ -2751,7 +2778,7 @@
     </p:spTree>
     <p:extLst>
       <p:ext uri="{BB962C8B-B14F-4D97-AF65-F5344CB8AC3E}">
-        <p14:creationId xmlns:p14="http://schemas.microsoft.com/office/powerpoint/2010/main" val="656915409"/>
+        <p14:creationId xmlns:p14="http://schemas.microsoft.com/office/powerpoint/2010/main" xmlns="" val="656915409"/>
       </p:ext>
     </p:extLst>
   </p:cSld>
@@ -2953,7 +2980,8 @@
           <a:p>
             <a:fld id="{CA47C8E6-E082-4645-831D-F582550B1470}" type="datetime1">
               <a:rPr lang="en-US" smtClean="0"/>
-              <a:t>3/26/2016</a:t>
+              <a:pPr/>
+              <a:t>3/28/2016</a:t>
             </a:fld>
             <a:endParaRPr lang="en-US"/>
           </a:p>
@@ -2999,6 +3027,7 @@
           <a:p>
             <a:fld id="{53FE853A-3A55-4CD3-B026-601242F08E1E}" type="slidenum">
               <a:rPr lang="en-US" smtClean="0"/>
+              <a:pPr/>
               <a:t>‹#›</a:t>
             </a:fld>
             <a:endParaRPr lang="en-US"/>
@@ -3008,7 +3037,7 @@
     </p:spTree>
     <p:extLst>
       <p:ext uri="{BB962C8B-B14F-4D97-AF65-F5344CB8AC3E}">
-        <p14:creationId xmlns:p14="http://schemas.microsoft.com/office/powerpoint/2010/main" val="1439308894"/>
+        <p14:creationId xmlns:p14="http://schemas.microsoft.com/office/powerpoint/2010/main" xmlns="" val="1439308894"/>
       </p:ext>
     </p:extLst>
   </p:cSld>
@@ -3170,7 +3199,8 @@
           <a:p>
             <a:fld id="{9A2DE9A4-4438-40EF-8DD7-AE6A8DDFEF8F}" type="datetime1">
               <a:rPr lang="en-US" smtClean="0"/>
-              <a:t>3/26/2016</a:t>
+              <a:pPr/>
+              <a:t>3/28/2016</a:t>
             </a:fld>
             <a:endParaRPr lang="en-US"/>
           </a:p>
@@ -3252,6 +3282,7 @@
           <a:p>
             <a:fld id="{53FE853A-3A55-4CD3-B026-601242F08E1E}" type="slidenum">
               <a:rPr lang="en-US" smtClean="0"/>
+              <a:pPr/>
               <a:t>‹#›</a:t>
             </a:fld>
             <a:endParaRPr lang="en-US"/>
@@ -3261,7 +3292,7 @@
     </p:spTree>
     <p:extLst>
       <p:ext uri="{BB962C8B-B14F-4D97-AF65-F5344CB8AC3E}">
-        <p14:creationId xmlns:p14="http://schemas.microsoft.com/office/powerpoint/2010/main" val="3514112879"/>
+        <p14:creationId xmlns:p14="http://schemas.microsoft.com/office/powerpoint/2010/main" xmlns="" val="3514112879"/>
       </p:ext>
     </p:extLst>
   </p:cSld>
@@ -3683,6 +3714,7 @@
           <a:p>
             <a:fld id="{53FE853A-3A55-4CD3-B026-601242F08E1E}" type="slidenum">
               <a:rPr lang="en-US" smtClean="0"/>
+              <a:pPr/>
               <a:t>1</a:t>
             </a:fld>
             <a:endParaRPr lang="en-US"/>
@@ -3692,7 +3724,7 @@
     </p:spTree>
     <p:extLst>
       <p:ext uri="{BB962C8B-B14F-4D97-AF65-F5344CB8AC3E}">
-        <p14:creationId xmlns:p14="http://schemas.microsoft.com/office/powerpoint/2010/main" val="1079883610"/>
+        <p14:creationId xmlns:p14="http://schemas.microsoft.com/office/powerpoint/2010/main" xmlns="" val="1079883610"/>
       </p:ext>
     </p:extLst>
   </p:cSld>
@@ -3785,6 +3817,7 @@
           <a:p>
             <a:fld id="{53FE853A-3A55-4CD3-B026-601242F08E1E}" type="slidenum">
               <a:rPr lang="en-US" smtClean="0"/>
+              <a:pPr/>
               <a:t>10</a:t>
             </a:fld>
             <a:endParaRPr lang="en-US"/>
@@ -3873,10 +3906,10 @@
           <p:nvPr/>
         </p:nvPicPr>
         <p:blipFill>
-          <a:blip r:embed="rId2">
+          <a:blip r:embed="rId2" cstate="print">
             <a:extLst>
               <a:ext uri="{28A0092B-C50C-407E-A947-70E740481C1C}">
-                <a14:useLocalDpi xmlns:a14="http://schemas.microsoft.com/office/drawing/2010/main" val="0"/>
+                <a14:useLocalDpi xmlns:a14="http://schemas.microsoft.com/office/drawing/2010/main" xmlns="" val="0"/>
               </a:ext>
             </a:extLst>
           </a:blip>
@@ -3904,7 +3937,7 @@
           </a:ln>
           <a:extLst>
             <a:ext uri="{909E8E84-426E-40DD-AFC4-6F175D3DCCD1}">
-              <a14:hiddenFill xmlns:a14="http://schemas.microsoft.com/office/drawing/2010/main">
+              <a14:hiddenFill xmlns:a14="http://schemas.microsoft.com/office/drawing/2010/main" xmlns="">
                 <a:solidFill>
                   <a:srgbClr val="FFFFFF"/>
                 </a:solidFill>
@@ -3922,7 +3955,7 @@
           <p:nvPr>
             <p:extLst>
               <p:ext uri="{D42A27DB-BD31-4B8C-83A1-F6EECF244321}">
-                <p14:modId xmlns:p14="http://schemas.microsoft.com/office/powerpoint/2010/main" val="945892305"/>
+                <p14:modId xmlns:p14="http://schemas.microsoft.com/office/powerpoint/2010/main" xmlns="" val="945892305"/>
               </p:ext>
             </p:extLst>
           </p:nvPr>
@@ -4216,7 +4249,7 @@
     </p:spTree>
     <p:extLst>
       <p:ext uri="{BB962C8B-B14F-4D97-AF65-F5344CB8AC3E}">
-        <p14:creationId xmlns:p14="http://schemas.microsoft.com/office/powerpoint/2010/main" val="701800115"/>
+        <p14:creationId xmlns:p14="http://schemas.microsoft.com/office/powerpoint/2010/main" xmlns="" val="701800115"/>
       </p:ext>
     </p:extLst>
   </p:cSld>
@@ -4316,6 +4349,7 @@
           <a:p>
             <a:fld id="{53FE853A-3A55-4CD3-B026-601242F08E1E}" type="slidenum">
               <a:rPr lang="en-US" smtClean="0"/>
+              <a:pPr/>
               <a:t>11</a:t>
             </a:fld>
             <a:endParaRPr lang="en-US"/>
@@ -4480,10 +4514,10 @@
           <p:nvPr/>
         </p:nvPicPr>
         <p:blipFill>
-          <a:blip r:embed="rId2">
+          <a:blip r:embed="rId2" cstate="print">
             <a:extLst>
               <a:ext uri="{28A0092B-C50C-407E-A947-70E740481C1C}">
-                <a14:useLocalDpi xmlns:a14="http://schemas.microsoft.com/office/drawing/2010/main" val="0"/>
+                <a14:useLocalDpi xmlns:a14="http://schemas.microsoft.com/office/drawing/2010/main" xmlns="" val="0"/>
               </a:ext>
             </a:extLst>
           </a:blip>
@@ -4511,7 +4545,7 @@
           </a:ln>
           <a:extLst>
             <a:ext uri="{909E8E84-426E-40DD-AFC4-6F175D3DCCD1}">
-              <a14:hiddenFill xmlns:a14="http://schemas.microsoft.com/office/drawing/2010/main">
+              <a14:hiddenFill xmlns:a14="http://schemas.microsoft.com/office/drawing/2010/main" xmlns="">
                 <a:solidFill>
                   <a:srgbClr val="FFFFFF"/>
                 </a:solidFill>
@@ -4523,7 +4557,7 @@
     </p:spTree>
     <p:extLst>
       <p:ext uri="{BB962C8B-B14F-4D97-AF65-F5344CB8AC3E}">
-        <p14:creationId xmlns:p14="http://schemas.microsoft.com/office/powerpoint/2010/main" val="621102830"/>
+        <p14:creationId xmlns:p14="http://schemas.microsoft.com/office/powerpoint/2010/main" xmlns="" val="621102830"/>
       </p:ext>
     </p:extLst>
   </p:cSld>
@@ -4623,6 +4657,7 @@
           <a:p>
             <a:fld id="{53FE853A-3A55-4CD3-B026-601242F08E1E}" type="slidenum">
               <a:rPr lang="en-US" smtClean="0"/>
+              <a:pPr/>
               <a:t>12</a:t>
             </a:fld>
             <a:endParaRPr lang="en-US"/>
@@ -4787,10 +4822,10 @@
           <p:nvPr/>
         </p:nvPicPr>
         <p:blipFill>
-          <a:blip r:embed="rId2">
+          <a:blip r:embed="rId2" cstate="print">
             <a:extLst>
               <a:ext uri="{28A0092B-C50C-407E-A947-70E740481C1C}">
-                <a14:useLocalDpi xmlns:a14="http://schemas.microsoft.com/office/drawing/2010/main" val="0"/>
+                <a14:useLocalDpi xmlns:a14="http://schemas.microsoft.com/office/drawing/2010/main" xmlns="" val="0"/>
               </a:ext>
             </a:extLst>
           </a:blip>
@@ -4818,7 +4853,7 @@
           </a:ln>
           <a:extLst>
             <a:ext uri="{909E8E84-426E-40DD-AFC4-6F175D3DCCD1}">
-              <a14:hiddenFill xmlns:a14="http://schemas.microsoft.com/office/drawing/2010/main">
+              <a14:hiddenFill xmlns:a14="http://schemas.microsoft.com/office/drawing/2010/main" xmlns="">
                 <a:solidFill>
                   <a:srgbClr val="FFFFFF"/>
                 </a:solidFill>
@@ -4830,7 +4865,7 @@
     </p:spTree>
     <p:extLst>
       <p:ext uri="{BB962C8B-B14F-4D97-AF65-F5344CB8AC3E}">
-        <p14:creationId xmlns:p14="http://schemas.microsoft.com/office/powerpoint/2010/main" val="3244414102"/>
+        <p14:creationId xmlns:p14="http://schemas.microsoft.com/office/powerpoint/2010/main" xmlns="" val="3244414102"/>
       </p:ext>
     </p:extLst>
   </p:cSld>
@@ -4930,6 +4965,7 @@
           <a:p>
             <a:fld id="{53FE853A-3A55-4CD3-B026-601242F08E1E}" type="slidenum">
               <a:rPr lang="en-US" smtClean="0"/>
+              <a:pPr/>
               <a:t>13</a:t>
             </a:fld>
             <a:endParaRPr lang="en-US"/>
@@ -5110,10 +5146,10 @@
           <p:nvPr/>
         </p:nvPicPr>
         <p:blipFill>
-          <a:blip r:embed="rId2">
+          <a:blip r:embed="rId2" cstate="print">
             <a:extLst>
               <a:ext uri="{28A0092B-C50C-407E-A947-70E740481C1C}">
-                <a14:useLocalDpi xmlns:a14="http://schemas.microsoft.com/office/drawing/2010/main" val="0"/>
+                <a14:useLocalDpi xmlns:a14="http://schemas.microsoft.com/office/drawing/2010/main" xmlns="" val="0"/>
               </a:ext>
             </a:extLst>
           </a:blip>
@@ -5141,7 +5177,7 @@
           </a:ln>
           <a:extLst>
             <a:ext uri="{909E8E84-426E-40DD-AFC4-6F175D3DCCD1}">
-              <a14:hiddenFill xmlns:a14="http://schemas.microsoft.com/office/drawing/2010/main">
+              <a14:hiddenFill xmlns:a14="http://schemas.microsoft.com/office/drawing/2010/main" xmlns="">
                 <a:solidFill>
                   <a:srgbClr val="FFFFFF"/>
                 </a:solidFill>
@@ -5153,7 +5189,7 @@
     </p:spTree>
     <p:extLst>
       <p:ext uri="{BB962C8B-B14F-4D97-AF65-F5344CB8AC3E}">
-        <p14:creationId xmlns:p14="http://schemas.microsoft.com/office/powerpoint/2010/main" val="4178248026"/>
+        <p14:creationId xmlns:p14="http://schemas.microsoft.com/office/powerpoint/2010/main" xmlns="" val="4178248026"/>
       </p:ext>
     </p:extLst>
   </p:cSld>
@@ -5253,6 +5289,7 @@
           <a:p>
             <a:fld id="{53FE853A-3A55-4CD3-B026-601242F08E1E}" type="slidenum">
               <a:rPr lang="en-US" smtClean="0"/>
+              <a:pPr/>
               <a:t>14</a:t>
             </a:fld>
             <a:endParaRPr lang="en-US"/>
@@ -5457,10 +5494,10 @@
           <p:nvPr/>
         </p:nvPicPr>
         <p:blipFill>
-          <a:blip r:embed="rId2">
+          <a:blip r:embed="rId2" cstate="print">
             <a:extLst>
               <a:ext uri="{28A0092B-C50C-407E-A947-70E740481C1C}">
-                <a14:useLocalDpi xmlns:a14="http://schemas.microsoft.com/office/drawing/2010/main" val="0"/>
+                <a14:useLocalDpi xmlns:a14="http://schemas.microsoft.com/office/drawing/2010/main" xmlns="" val="0"/>
               </a:ext>
             </a:extLst>
           </a:blip>
@@ -5488,7 +5525,7 @@
           </a:ln>
           <a:extLst>
             <a:ext uri="{909E8E84-426E-40DD-AFC4-6F175D3DCCD1}">
-              <a14:hiddenFill xmlns:a14="http://schemas.microsoft.com/office/drawing/2010/main">
+              <a14:hiddenFill xmlns:a14="http://schemas.microsoft.com/office/drawing/2010/main" xmlns="">
                 <a:solidFill>
                   <a:srgbClr val="FFFFFF"/>
                 </a:solidFill>
@@ -5500,7 +5537,7 @@
     </p:spTree>
     <p:extLst>
       <p:ext uri="{BB962C8B-B14F-4D97-AF65-F5344CB8AC3E}">
-        <p14:creationId xmlns:p14="http://schemas.microsoft.com/office/powerpoint/2010/main" val="2229309994"/>
+        <p14:creationId xmlns:p14="http://schemas.microsoft.com/office/powerpoint/2010/main" xmlns="" val="2229309994"/>
       </p:ext>
     </p:extLst>
   </p:cSld>
@@ -5600,6 +5637,7 @@
           <a:p>
             <a:fld id="{53FE853A-3A55-4CD3-B026-601242F08E1E}" type="slidenum">
               <a:rPr lang="en-US" smtClean="0"/>
+              <a:pPr/>
               <a:t>15</a:t>
             </a:fld>
             <a:endParaRPr lang="en-US"/>
@@ -5725,10 +5763,10 @@
           <p:nvPr/>
         </p:nvPicPr>
         <p:blipFill>
-          <a:blip r:embed="rId2">
+          <a:blip r:embed="rId2" cstate="print">
             <a:extLst>
               <a:ext uri="{28A0092B-C50C-407E-A947-70E740481C1C}">
-                <a14:useLocalDpi xmlns:a14="http://schemas.microsoft.com/office/drawing/2010/main" val="0"/>
+                <a14:useLocalDpi xmlns:a14="http://schemas.microsoft.com/office/drawing/2010/main" xmlns="" val="0"/>
               </a:ext>
             </a:extLst>
           </a:blip>
@@ -5756,7 +5794,7 @@
           </a:ln>
           <a:extLst>
             <a:ext uri="{909E8E84-426E-40DD-AFC4-6F175D3DCCD1}">
-              <a14:hiddenFill xmlns:a14="http://schemas.microsoft.com/office/drawing/2010/main">
+              <a14:hiddenFill xmlns:a14="http://schemas.microsoft.com/office/drawing/2010/main" xmlns="">
                 <a:solidFill>
                   <a:srgbClr val="FFFFFF"/>
                 </a:solidFill>
@@ -5768,7 +5806,7 @@
     </p:spTree>
     <p:extLst>
       <p:ext uri="{BB962C8B-B14F-4D97-AF65-F5344CB8AC3E}">
-        <p14:creationId xmlns:p14="http://schemas.microsoft.com/office/powerpoint/2010/main" val="3888848238"/>
+        <p14:creationId xmlns:p14="http://schemas.microsoft.com/office/powerpoint/2010/main" xmlns="" val="3888848238"/>
       </p:ext>
     </p:extLst>
   </p:cSld>
@@ -5868,6 +5906,7 @@
           <a:p>
             <a:fld id="{53FE853A-3A55-4CD3-B026-601242F08E1E}" type="slidenum">
               <a:rPr lang="en-US" smtClean="0"/>
+              <a:pPr/>
               <a:t>16</a:t>
             </a:fld>
             <a:endParaRPr lang="en-US"/>
@@ -6079,10 +6118,10 @@
           <p:nvPr/>
         </p:nvPicPr>
         <p:blipFill>
-          <a:blip r:embed="rId2">
+          <a:blip r:embed="rId2" cstate="print">
             <a:extLst>
               <a:ext uri="{28A0092B-C50C-407E-A947-70E740481C1C}">
-                <a14:useLocalDpi xmlns:a14="http://schemas.microsoft.com/office/drawing/2010/main" val="0"/>
+                <a14:useLocalDpi xmlns:a14="http://schemas.microsoft.com/office/drawing/2010/main" xmlns="" val="0"/>
               </a:ext>
             </a:extLst>
           </a:blip>
@@ -6110,7 +6149,7 @@
           </a:ln>
           <a:extLst>
             <a:ext uri="{909E8E84-426E-40DD-AFC4-6F175D3DCCD1}">
-              <a14:hiddenFill xmlns:a14="http://schemas.microsoft.com/office/drawing/2010/main">
+              <a14:hiddenFill xmlns:a14="http://schemas.microsoft.com/office/drawing/2010/main" xmlns="">
                 <a:solidFill>
                   <a:srgbClr val="FFFFFF"/>
                 </a:solidFill>
@@ -6122,7 +6161,7 @@
     </p:spTree>
     <p:extLst>
       <p:ext uri="{BB962C8B-B14F-4D97-AF65-F5344CB8AC3E}">
-        <p14:creationId xmlns:p14="http://schemas.microsoft.com/office/powerpoint/2010/main" val="447444199"/>
+        <p14:creationId xmlns:p14="http://schemas.microsoft.com/office/powerpoint/2010/main" xmlns="" val="447444199"/>
       </p:ext>
     </p:extLst>
   </p:cSld>
@@ -6222,6 +6261,7 @@
           <a:p>
             <a:fld id="{53FE853A-3A55-4CD3-B026-601242F08E1E}" type="slidenum">
               <a:rPr lang="en-US" smtClean="0"/>
+              <a:pPr/>
               <a:t>17</a:t>
             </a:fld>
             <a:endParaRPr lang="en-US"/>
@@ -6433,10 +6473,10 @@
           <p:nvPr/>
         </p:nvPicPr>
         <p:blipFill>
-          <a:blip r:embed="rId2">
+          <a:blip r:embed="rId2" cstate="print">
             <a:extLst>
               <a:ext uri="{28A0092B-C50C-407E-A947-70E740481C1C}">
-                <a14:useLocalDpi xmlns:a14="http://schemas.microsoft.com/office/drawing/2010/main" val="0"/>
+                <a14:useLocalDpi xmlns:a14="http://schemas.microsoft.com/office/drawing/2010/main" xmlns="" val="0"/>
               </a:ext>
             </a:extLst>
           </a:blip>
@@ -6464,7 +6504,7 @@
           </a:ln>
           <a:extLst>
             <a:ext uri="{909E8E84-426E-40DD-AFC4-6F175D3DCCD1}">
-              <a14:hiddenFill xmlns:a14="http://schemas.microsoft.com/office/drawing/2010/main">
+              <a14:hiddenFill xmlns:a14="http://schemas.microsoft.com/office/drawing/2010/main" xmlns="">
                 <a:solidFill>
                   <a:srgbClr val="FFFFFF"/>
                 </a:solidFill>
@@ -6528,10 +6568,10 @@
           <p:nvPr/>
         </p:nvPicPr>
         <p:blipFill>
-          <a:blip r:embed="rId4">
+          <a:blip r:embed="rId4" cstate="print">
             <a:extLst>
               <a:ext uri="{28A0092B-C50C-407E-A947-70E740481C1C}">
-                <a14:useLocalDpi xmlns:a14="http://schemas.microsoft.com/office/drawing/2010/main" val="0"/>
+                <a14:useLocalDpi xmlns:a14="http://schemas.microsoft.com/office/drawing/2010/main" xmlns="" val="0"/>
               </a:ext>
             </a:extLst>
           </a:blip>
@@ -6559,7 +6599,7 @@
           </a:ln>
           <a:extLst>
             <a:ext uri="{909E8E84-426E-40DD-AFC4-6F175D3DCCD1}">
-              <a14:hiddenFill xmlns:a14="http://schemas.microsoft.com/office/drawing/2010/main">
+              <a14:hiddenFill xmlns:a14="http://schemas.microsoft.com/office/drawing/2010/main" xmlns="">
                 <a:solidFill>
                   <a:srgbClr val="FFFFFF"/>
                 </a:solidFill>
@@ -6571,7 +6611,7 @@
     </p:spTree>
     <p:extLst>
       <p:ext uri="{BB962C8B-B14F-4D97-AF65-F5344CB8AC3E}">
-        <p14:creationId xmlns:p14="http://schemas.microsoft.com/office/powerpoint/2010/main" val="1098072598"/>
+        <p14:creationId xmlns:p14="http://schemas.microsoft.com/office/powerpoint/2010/main" xmlns="" val="1098072598"/>
       </p:ext>
     </p:extLst>
   </p:cSld>
@@ -6671,6 +6711,7 @@
           <a:p>
             <a:fld id="{53FE853A-3A55-4CD3-B026-601242F08E1E}" type="slidenum">
               <a:rPr lang="en-US" smtClean="0"/>
+              <a:pPr/>
               <a:t>18</a:t>
             </a:fld>
             <a:endParaRPr lang="en-US"/>
@@ -6768,7 +6809,7 @@
             <p:ph idx="1"/>
             <p:extLst>
               <p:ext uri="{D42A27DB-BD31-4B8C-83A1-F6EECF244321}">
-                <p14:modId xmlns:p14="http://schemas.microsoft.com/office/powerpoint/2010/main" val="1093873912"/>
+                <p14:modId xmlns:p14="http://schemas.microsoft.com/office/powerpoint/2010/main" xmlns="" val="1093873912"/>
               </p:ext>
             </p:extLst>
           </p:nvPr>
@@ -6779,47 +6820,16 @@
         </p:xfrm>
         <a:graphic>
           <a:graphicData uri="http://schemas.openxmlformats.org/presentationml/2006/ole">
-            <mc:AlternateContent xmlns:mc="http://schemas.openxmlformats.org/markup-compatibility/2006">
-              <mc:Choice xmlns:v="urn:schemas-microsoft-com:vml" Requires="v">
-                <p:oleObj spid="_x0000_s3080" name="Visio" r:id="rId3" imgW="8440844" imgH="2825010" progId="Visio.Drawing.11">
-                  <p:embed/>
-                </p:oleObj>
-              </mc:Choice>
-              <mc:Fallback>
-                <p:oleObj name="Visio" r:id="rId3" imgW="8440844" imgH="2825010" progId="Visio.Drawing.11">
-                  <p:embed/>
-                  <p:pic>
-                    <p:nvPicPr>
-                      <p:cNvPr id="0" name=""/>
-                      <p:cNvPicPr/>
-                      <p:nvPr/>
-                    </p:nvPicPr>
-                    <p:blipFill>
-                      <a:blip r:embed="rId4"/>
-                      <a:stretch>
-                        <a:fillRect/>
-                      </a:stretch>
-                    </p:blipFill>
-                    <p:spPr>
-                      <a:xfrm>
-                        <a:off x="965198" y="1387475"/>
-                        <a:ext cx="10016069" cy="3351852"/>
-                      </a:xfrm>
-                      <a:prstGeom prst="rect">
-                        <a:avLst/>
-                      </a:prstGeom>
-                    </p:spPr>
-                  </p:pic>
-                </p:oleObj>
-              </mc:Fallback>
-            </mc:AlternateContent>
+            <p:oleObj spid="_x0000_s3080" name="Visio" r:id="rId3" imgW="8440844" imgH="2825010" progId="Visio.Drawing.11">
+              <p:embed/>
+            </p:oleObj>
           </a:graphicData>
         </a:graphic>
       </p:graphicFrame>
     </p:spTree>
     <p:extLst>
       <p:ext uri="{BB962C8B-B14F-4D97-AF65-F5344CB8AC3E}">
-        <p14:creationId xmlns:p14="http://schemas.microsoft.com/office/powerpoint/2010/main" val="1920304825"/>
+        <p14:creationId xmlns:p14="http://schemas.microsoft.com/office/powerpoint/2010/main" xmlns="" val="1920304825"/>
       </p:ext>
     </p:extLst>
   </p:cSld>
@@ -6912,6 +6922,7 @@
           <a:p>
             <a:fld id="{53FE853A-3A55-4CD3-B026-601242F08E1E}" type="slidenum">
               <a:rPr lang="en-US" smtClean="0"/>
+              <a:pPr/>
               <a:t>19</a:t>
             </a:fld>
             <a:endParaRPr lang="en-US"/>
@@ -7047,7 +7058,7 @@
             <p:ph idx="1"/>
             <p:extLst>
               <p:ext uri="{D42A27DB-BD31-4B8C-83A1-F6EECF244321}">
-                <p14:modId xmlns:p14="http://schemas.microsoft.com/office/powerpoint/2010/main" val="4199217271"/>
+                <p14:modId xmlns:p14="http://schemas.microsoft.com/office/powerpoint/2010/main" xmlns="" val="4199217271"/>
               </p:ext>
             </p:extLst>
           </p:nvPr>
@@ -7058,47 +7069,16 @@
         </p:xfrm>
         <a:graphic>
           <a:graphicData uri="http://schemas.openxmlformats.org/presentationml/2006/ole">
-            <mc:AlternateContent xmlns:mc="http://schemas.openxmlformats.org/markup-compatibility/2006">
-              <mc:Choice xmlns:v="urn:schemas-microsoft-com:vml" Requires="v">
-                <p:oleObj spid="_x0000_s4104" name="Visio" r:id="rId3" imgW="6334888" imgH="2555010" progId="Visio.Drawing.11">
-                  <p:embed/>
-                </p:oleObj>
-              </mc:Choice>
-              <mc:Fallback>
-                <p:oleObj name="Visio" r:id="rId3" imgW="6334888" imgH="2555010" progId="Visio.Drawing.11">
-                  <p:embed/>
-                  <p:pic>
-                    <p:nvPicPr>
-                      <p:cNvPr id="0" name=""/>
-                      <p:cNvPicPr/>
-                      <p:nvPr/>
-                    </p:nvPicPr>
-                    <p:blipFill>
-                      <a:blip r:embed="rId4"/>
-                      <a:stretch>
-                        <a:fillRect/>
-                      </a:stretch>
-                    </p:blipFill>
-                    <p:spPr>
-                      <a:xfrm>
-                        <a:off x="897464" y="1305455"/>
-                        <a:ext cx="8940803" cy="3605206"/>
-                      </a:xfrm>
-                      <a:prstGeom prst="rect">
-                        <a:avLst/>
-                      </a:prstGeom>
-                    </p:spPr>
-                  </p:pic>
-                </p:oleObj>
-              </mc:Fallback>
-            </mc:AlternateContent>
+            <p:oleObj spid="_x0000_s4104" name="Visio" r:id="rId3" imgW="6334888" imgH="2555010" progId="Visio.Drawing.11">
+              <p:embed/>
+            </p:oleObj>
           </a:graphicData>
         </a:graphic>
       </p:graphicFrame>
     </p:spTree>
     <p:extLst>
       <p:ext uri="{BB962C8B-B14F-4D97-AF65-F5344CB8AC3E}">
-        <p14:creationId xmlns:p14="http://schemas.microsoft.com/office/powerpoint/2010/main" val="521732281"/>
+        <p14:creationId xmlns:p14="http://schemas.microsoft.com/office/powerpoint/2010/main" xmlns="" val="521732281"/>
       </p:ext>
     </p:extLst>
   </p:cSld>
@@ -7224,6 +7204,7 @@
           <a:p>
             <a:fld id="{53FE853A-3A55-4CD3-B026-601242F08E1E}" type="slidenum">
               <a:rPr lang="en-US" smtClean="0"/>
+              <a:pPr/>
               <a:t>2</a:t>
             </a:fld>
             <a:endParaRPr lang="en-US"/>
@@ -7233,7 +7214,7 @@
     </p:spTree>
     <p:extLst>
       <p:ext uri="{BB962C8B-B14F-4D97-AF65-F5344CB8AC3E}">
-        <p14:creationId xmlns:p14="http://schemas.microsoft.com/office/powerpoint/2010/main" val="3272690493"/>
+        <p14:creationId xmlns:p14="http://schemas.microsoft.com/office/powerpoint/2010/main" xmlns="" val="3272690493"/>
       </p:ext>
     </p:extLst>
   </p:cSld>
@@ -7386,6 +7367,7 @@
           <a:p>
             <a:fld id="{53FE853A-3A55-4CD3-B026-601242F08E1E}" type="slidenum">
               <a:rPr lang="en-US" smtClean="0"/>
+              <a:pPr/>
               <a:t>20</a:t>
             </a:fld>
             <a:endParaRPr lang="en-US"/>
@@ -7395,7 +7377,7 @@
     </p:spTree>
     <p:extLst>
       <p:ext uri="{BB962C8B-B14F-4D97-AF65-F5344CB8AC3E}">
-        <p14:creationId xmlns:p14="http://schemas.microsoft.com/office/powerpoint/2010/main" val="2907781502"/>
+        <p14:creationId xmlns:p14="http://schemas.microsoft.com/office/powerpoint/2010/main" xmlns="" val="2907781502"/>
       </p:ext>
     </p:extLst>
   </p:cSld>
@@ -7438,108 +7420,58 @@
           <a:lstStyle/>
           <a:p>
             <a:r>
-              <a:rPr lang="ru-RU" dirty="0" smtClean="0"/>
-              <a:t>Полученный опыт</a:t>
-            </a:r>
-            <a:endParaRPr lang="ru-RU" dirty="0"/>
-          </a:p>
-        </p:txBody>
-      </p:sp>
-      <p:sp>
-        <p:nvSpPr>
-          <p:cNvPr id="3" name="Объект 2"/>
-          <p:cNvSpPr>
-            <a:spLocks noGrp="1"/>
-          </p:cNvSpPr>
-          <p:nvPr>
-            <p:ph idx="1"/>
-          </p:nvPr>
-        </p:nvSpPr>
-        <p:spPr/>
-        <p:txBody>
-          <a:bodyPr/>
-          <a:lstStyle/>
-          <a:p>
-            <a:r>
-              <a:rPr lang="ru-RU" dirty="0" smtClean="0"/>
-              <a:t>Инструменты </a:t>
-            </a:r>
-            <a:r>
-              <a:rPr lang="en-US" dirty="0" smtClean="0"/>
-              <a:t>NLP </a:t>
-            </a:r>
-            <a:r>
-              <a:rPr lang="ru-RU" dirty="0" smtClean="0"/>
-              <a:t>для русского языка</a:t>
-            </a:r>
-            <a:r>
-              <a:rPr lang="en-US" dirty="0" smtClean="0"/>
-              <a:t> </a:t>
-            </a:r>
-            <a:r>
-              <a:rPr lang="ru-RU" dirty="0" smtClean="0"/>
-              <a:t>очень «сырые»</a:t>
-            </a:r>
-            <a:endParaRPr lang="en-US" dirty="0" smtClean="0"/>
-          </a:p>
-          <a:p>
-            <a:r>
-              <a:rPr lang="ru-RU" dirty="0" smtClean="0"/>
-              <a:t>Материалы и модели имеют сомнительные лицензии</a:t>
-            </a:r>
-          </a:p>
-          <a:p>
-            <a:r>
-              <a:rPr lang="ru-RU" dirty="0"/>
-              <a:t>Инструменты </a:t>
-            </a:r>
-            <a:r>
-              <a:rPr lang="en-US" dirty="0"/>
-              <a:t>NLP </a:t>
-            </a:r>
-            <a:r>
-              <a:rPr lang="ru-RU" dirty="0"/>
-              <a:t>крайне ресурсоемки (</a:t>
-            </a:r>
-            <a:r>
-              <a:rPr lang="en-US" dirty="0"/>
-              <a:t>32-256 Gb RAM</a:t>
-            </a:r>
-            <a:r>
-              <a:rPr lang="en-US" dirty="0" smtClean="0"/>
-              <a:t>)</a:t>
-            </a:r>
-            <a:endParaRPr lang="ru-RU" dirty="0" smtClean="0"/>
-          </a:p>
-          <a:p>
-            <a:r>
-              <a:rPr lang="en-US" dirty="0" smtClean="0"/>
-              <a:t>Apache UIMA</a:t>
-            </a:r>
-            <a:r>
-              <a:rPr lang="ru-RU" dirty="0" smtClean="0"/>
-              <a:t> не совместима с версией </a:t>
-            </a:r>
-            <a:r>
               <a:rPr lang="en-US" dirty="0" smtClean="0"/>
               <a:t>Apache Spark</a:t>
             </a:r>
+            <a:endParaRPr lang="ru-RU" dirty="0"/>
+          </a:p>
+        </p:txBody>
+      </p:sp>
+      <p:sp>
+        <p:nvSpPr>
+          <p:cNvPr id="3" name="Содержимое 2"/>
+          <p:cNvSpPr>
+            <a:spLocks noGrp="1"/>
+          </p:cNvSpPr>
+          <p:nvPr>
+            <p:ph idx="1"/>
+          </p:nvPr>
+        </p:nvSpPr>
+        <p:spPr>
+          <a:xfrm>
+            <a:off x="838200" y="1825625"/>
+            <a:ext cx="10515600" cy="499564"/>
+          </a:xfrm>
+        </p:spPr>
+        <p:txBody>
+          <a:bodyPr/>
+          <a:lstStyle/>
+          <a:p>
+            <a:pPr algn="ctr">
+              <a:buNone/>
+            </a:pPr>
             <a:r>
               <a:rPr lang="ru-RU" dirty="0" smtClean="0"/>
-              <a:t> на кластере</a:t>
-            </a:r>
-          </a:p>
-          <a:p>
+              <a:t>Подготовка файлов кни</a:t>
+            </a:r>
+            <a:r>
+              <a:rPr lang="ru-RU" dirty="0" smtClean="0"/>
+              <a:t>г</a:t>
+            </a:r>
+            <a:r>
+              <a:rPr lang="ru-RU" dirty="0" smtClean="0"/>
+              <a:t> к индексации </a:t>
+            </a:r>
+            <a:r>
+              <a:rPr lang="en-US" dirty="0" err="1" smtClean="0"/>
+              <a:t>Solr</a:t>
+            </a:r>
             <a:endParaRPr lang="ru-RU" dirty="0" smtClean="0"/>
           </a:p>
           <a:p>
-            <a:endParaRPr lang="ru-RU" dirty="0" smtClean="0"/>
-          </a:p>
-          <a:p>
-            <a:endParaRPr lang="ru-RU" dirty="0" smtClean="0"/>
-          </a:p>
-          <a:p>
-            <a:pPr lvl="1"/>
+            <a:pPr>
+              <a:buNone/>
+            </a:pPr>
             <a:endParaRPr lang="ru-RU" dirty="0"/>
           </a:p>
         </p:txBody>
@@ -7560,13 +7492,10 @@
           <a:lstStyle/>
           <a:p>
             <a:r>
-              <a:rPr lang="en-US" dirty="0" err="1"/>
-              <a:t>Artezio</a:t>
-            </a:r>
-            <a:r>
-              <a:rPr lang="en-US" dirty="0"/>
-              <a:t> 2016</a:t>
-            </a:r>
+              <a:rPr lang="en-US" smtClean="0"/>
+              <a:t>Vladimir Krylov 2015</a:t>
+            </a:r>
+            <a:endParaRPr lang="en-US"/>
           </a:p>
         </p:txBody>
       </p:sp>
@@ -7587,18 +7516,177 @@
           <a:p>
             <a:fld id="{53FE853A-3A55-4CD3-B026-601242F08E1E}" type="slidenum">
               <a:rPr lang="en-US" smtClean="0"/>
+              <a:pPr/>
               <a:t>21</a:t>
             </a:fld>
             <a:endParaRPr lang="en-US"/>
           </a:p>
         </p:txBody>
       </p:sp>
+      <p:pic>
+        <p:nvPicPr>
+          <p:cNvPr id="35843" name="Picture 3"/>
+          <p:cNvPicPr>
+            <a:picLocks noChangeAspect="1" noChangeArrowheads="1"/>
+          </p:cNvPicPr>
+          <p:nvPr/>
+        </p:nvPicPr>
+        <p:blipFill>
+          <a:blip r:embed="rId2" cstate="print"/>
+          <a:srcRect/>
+          <a:stretch>
+            <a:fillRect/>
+          </a:stretch>
+        </p:blipFill>
+        <p:spPr bwMode="auto">
+          <a:xfrm>
+            <a:off x="4253048" y="2536734"/>
+            <a:ext cx="3581400" cy="1244600"/>
+          </a:xfrm>
+          <a:prstGeom prst="rect">
+            <a:avLst/>
+          </a:prstGeom>
+          <a:noFill/>
+          <a:ln w="9525">
+            <a:noFill/>
+            <a:miter lim="800000"/>
+            <a:headEnd/>
+            <a:tailEnd/>
+          </a:ln>
+        </p:spPr>
+      </p:pic>
+      <p:cxnSp>
+        <p:nvCxnSpPr>
+          <p:cNvPr id="11" name="Прямая со стрелкой 10"/>
+          <p:cNvCxnSpPr/>
+          <p:nvPr/>
+        </p:nvCxnSpPr>
+        <p:spPr>
+          <a:xfrm>
+            <a:off x="4728754" y="3596638"/>
+            <a:ext cx="1071155" cy="862151"/>
+          </a:xfrm>
+          <a:prstGeom prst="straightConnector1">
+            <a:avLst/>
+          </a:prstGeom>
+          <a:ln w="19050">
+            <a:tailEnd type="arrow"/>
+          </a:ln>
+        </p:spPr>
+        <p:style>
+          <a:lnRef idx="1">
+            <a:schemeClr val="dk1"/>
+          </a:lnRef>
+          <a:fillRef idx="0">
+            <a:schemeClr val="dk1"/>
+          </a:fillRef>
+          <a:effectRef idx="0">
+            <a:schemeClr val="dk1"/>
+          </a:effectRef>
+          <a:fontRef idx="minor">
+            <a:schemeClr val="tx1"/>
+          </a:fontRef>
+        </p:style>
+      </p:cxnSp>
+      <p:cxnSp>
+        <p:nvCxnSpPr>
+          <p:cNvPr id="16" name="Прямая со стрелкой 15"/>
+          <p:cNvCxnSpPr/>
+          <p:nvPr/>
+        </p:nvCxnSpPr>
+        <p:spPr>
+          <a:xfrm rot="16200000" flipH="1">
+            <a:off x="5534297" y="4019006"/>
+            <a:ext cx="853440" cy="26126"/>
+          </a:xfrm>
+          <a:prstGeom prst="straightConnector1">
+            <a:avLst/>
+          </a:prstGeom>
+          <a:ln w="19050">
+            <a:tailEnd type="arrow"/>
+          </a:ln>
+        </p:spPr>
+        <p:style>
+          <a:lnRef idx="1">
+            <a:schemeClr val="dk1"/>
+          </a:lnRef>
+          <a:fillRef idx="0">
+            <a:schemeClr val="dk1"/>
+          </a:fillRef>
+          <a:effectRef idx="0">
+            <a:schemeClr val="dk1"/>
+          </a:effectRef>
+          <a:fontRef idx="minor">
+            <a:schemeClr val="tx1"/>
+          </a:fontRef>
+        </p:style>
+      </p:cxnSp>
+      <p:cxnSp>
+        <p:nvCxnSpPr>
+          <p:cNvPr id="18" name="Прямая со стрелкой 17"/>
+          <p:cNvCxnSpPr/>
+          <p:nvPr/>
+        </p:nvCxnSpPr>
+        <p:spPr>
+          <a:xfrm rot="10800000" flipV="1">
+            <a:off x="6174378" y="3596641"/>
+            <a:ext cx="1166949" cy="853440"/>
+          </a:xfrm>
+          <a:prstGeom prst="straightConnector1">
+            <a:avLst/>
+          </a:prstGeom>
+          <a:ln w="19050">
+            <a:tailEnd type="arrow"/>
+          </a:ln>
+        </p:spPr>
+        <p:style>
+          <a:lnRef idx="1">
+            <a:schemeClr val="dk1"/>
+          </a:lnRef>
+          <a:fillRef idx="0">
+            <a:schemeClr val="dk1"/>
+          </a:fillRef>
+          <a:effectRef idx="0">
+            <a:schemeClr val="dk1"/>
+          </a:effectRef>
+          <a:fontRef idx="minor">
+            <a:schemeClr val="tx1"/>
+          </a:fontRef>
+        </p:style>
+      </p:cxnSp>
+      <p:pic>
+        <p:nvPicPr>
+          <p:cNvPr id="35844" name="Picture 4"/>
+          <p:cNvPicPr>
+            <a:picLocks noChangeAspect="1" noChangeArrowheads="1"/>
+          </p:cNvPicPr>
+          <p:nvPr/>
+        </p:nvPicPr>
+        <p:blipFill>
+          <a:blip r:embed="rId3" cstate="print"/>
+          <a:srcRect/>
+          <a:stretch>
+            <a:fillRect/>
+          </a:stretch>
+        </p:blipFill>
+        <p:spPr bwMode="auto">
+          <a:xfrm>
+            <a:off x="2211976" y="4464051"/>
+            <a:ext cx="7532053" cy="1409705"/>
+          </a:xfrm>
+          <a:prstGeom prst="rect">
+            <a:avLst/>
+          </a:prstGeom>
+          <a:noFill/>
+          <a:ln w="9525">
+            <a:noFill/>
+            <a:miter lim="800000"/>
+            <a:headEnd/>
+            <a:tailEnd/>
+          </a:ln>
+        </p:spPr>
+      </p:pic>
     </p:spTree>
-    <p:extLst>
-      <p:ext uri="{BB962C8B-B14F-4D97-AF65-F5344CB8AC3E}">
-        <p14:creationId xmlns:p14="http://schemas.microsoft.com/office/powerpoint/2010/main" val="2252048810"/>
-      </p:ext>
-    </p:extLst>
   </p:cSld>
   <p:clrMapOvr>
     <a:masterClrMapping/>
@@ -7639,8 +7727,8 @@
           <a:lstStyle/>
           <a:p>
             <a:r>
-              <a:rPr lang="ru-RU" dirty="0" smtClean="0"/>
-              <a:t>Используемые ресурсы</a:t>
+              <a:rPr lang="en-US" dirty="0" smtClean="0"/>
+              <a:t>Apache Spark</a:t>
             </a:r>
             <a:endParaRPr lang="ru-RU" dirty="0"/>
           </a:p>
@@ -7648,78 +7736,6 @@
       </p:sp>
       <p:sp>
         <p:nvSpPr>
-          <p:cNvPr id="3" name="Объект 2"/>
-          <p:cNvSpPr>
-            <a:spLocks noGrp="1"/>
-          </p:cNvSpPr>
-          <p:nvPr>
-            <p:ph idx="1"/>
-          </p:nvPr>
-        </p:nvSpPr>
-        <p:spPr/>
-        <p:txBody>
-          <a:bodyPr/>
-          <a:lstStyle/>
-          <a:p>
-            <a:r>
-              <a:rPr lang="en-US" dirty="0" err="1" smtClean="0"/>
-              <a:t>DbPedia</a:t>
-            </a:r>
-            <a:r>
-              <a:rPr lang="ru-RU" dirty="0" smtClean="0"/>
-              <a:t> (</a:t>
-            </a:r>
-            <a:r>
-              <a:rPr lang="en-US" dirty="0" smtClean="0"/>
-              <a:t>several datasets)</a:t>
-            </a:r>
-          </a:p>
-          <a:p>
-            <a:r>
-              <a:rPr lang="en-US" dirty="0" err="1" smtClean="0"/>
-              <a:t>Wordnet</a:t>
-            </a:r>
-            <a:endParaRPr lang="en-US" dirty="0" smtClean="0"/>
-          </a:p>
-          <a:p>
-            <a:r>
-              <a:rPr lang="en-US" dirty="0" smtClean="0"/>
-              <a:t>Freebase</a:t>
-            </a:r>
-          </a:p>
-          <a:p>
-            <a:r>
-              <a:rPr lang="en-US" dirty="0" err="1" smtClean="0"/>
-              <a:t>Yandex</a:t>
-            </a:r>
-            <a:r>
-              <a:rPr lang="en-US" dirty="0" smtClean="0"/>
-              <a:t> </a:t>
-            </a:r>
-            <a:r>
-              <a:rPr lang="en-US" dirty="0" err="1" smtClean="0"/>
-              <a:t>SpeechKit</a:t>
-            </a:r>
-            <a:endParaRPr lang="en-US" dirty="0" smtClean="0"/>
-          </a:p>
-          <a:p>
-            <a:r>
-              <a:rPr lang="en-US" dirty="0" err="1" smtClean="0"/>
-              <a:t>OpenCorpora</a:t>
-            </a:r>
-            <a:endParaRPr lang="en-US" dirty="0" smtClean="0"/>
-          </a:p>
-          <a:p>
-            <a:r>
-              <a:rPr lang="ru-RU" dirty="0" err="1" smtClean="0"/>
-              <a:t>СинТагРус</a:t>
-            </a:r>
-            <a:endParaRPr lang="en-US" dirty="0" smtClean="0"/>
-          </a:p>
-        </p:txBody>
-      </p:sp>
-      <p:sp>
-        <p:nvSpPr>
           <p:cNvPr id="4" name="Нижний колонтитул 3"/>
           <p:cNvSpPr>
             <a:spLocks noGrp="1"/>
@@ -7734,13 +7750,10 @@
           <a:lstStyle/>
           <a:p>
             <a:r>
-              <a:rPr lang="en-US" dirty="0" err="1"/>
-              <a:t>Artezio</a:t>
-            </a:r>
-            <a:r>
-              <a:rPr lang="en-US" dirty="0"/>
-              <a:t> 2016</a:t>
-            </a:r>
+              <a:rPr lang="en-US" smtClean="0"/>
+              <a:t>Vladimir Krylov 2015</a:t>
+            </a:r>
+            <a:endParaRPr lang="en-US"/>
           </a:p>
         </p:txBody>
       </p:sp>
@@ -7761,18 +7774,144 @@
           <a:p>
             <a:fld id="{53FE853A-3A55-4CD3-B026-601242F08E1E}" type="slidenum">
               <a:rPr lang="en-US" smtClean="0"/>
+              <a:pPr/>
               <a:t>22</a:t>
             </a:fld>
             <a:endParaRPr lang="en-US"/>
           </a:p>
         </p:txBody>
       </p:sp>
+      <p:sp>
+        <p:nvSpPr>
+          <p:cNvPr id="7" name="Прямоугольник 6"/>
+          <p:cNvSpPr/>
+          <p:nvPr/>
+        </p:nvSpPr>
+        <p:spPr>
+          <a:xfrm>
+            <a:off x="1288869" y="4920342"/>
+            <a:ext cx="9222377" cy="646331"/>
+          </a:xfrm>
+          <a:prstGeom prst="rect">
+            <a:avLst/>
+          </a:prstGeom>
+        </p:spPr>
+        <p:txBody>
+          <a:bodyPr wrap="square">
+            <a:spAutoFit/>
+          </a:bodyPr>
+          <a:lstStyle/>
+          <a:p>
+            <a:pPr marL="285750" indent="-285750">
+              <a:buFont typeface="Arial" panose="020B0604020202020204" pitchFamily="34" charset="0"/>
+              <a:buChar char="•"/>
+            </a:pPr>
+            <a:r>
+              <a:rPr lang="en-US" dirty="0" err="1" smtClean="0"/>
+              <a:t>HTMLHandler</a:t>
+            </a:r>
+            <a:r>
+              <a:rPr lang="en-US" dirty="0" smtClean="0"/>
+              <a:t> </a:t>
+            </a:r>
+            <a:r>
+              <a:rPr lang="ru-RU" dirty="0" err="1" smtClean="0"/>
+              <a:t>парсит</a:t>
+            </a:r>
+            <a:r>
+              <a:rPr lang="ru-RU" dirty="0" smtClean="0"/>
+              <a:t> </a:t>
+            </a:r>
+            <a:r>
+              <a:rPr lang="en-US" dirty="0" smtClean="0"/>
+              <a:t>html-</a:t>
+            </a:r>
+            <a:r>
+              <a:rPr lang="ru-RU" dirty="0" smtClean="0"/>
+              <a:t>документ, заменяя теги на отступы</a:t>
+            </a:r>
+            <a:endParaRPr lang="ru-RU" dirty="0" smtClean="0"/>
+          </a:p>
+          <a:p>
+            <a:pPr marL="285750" indent="-285750">
+              <a:buFont typeface="Arial" panose="020B0604020202020204" pitchFamily="34" charset="0"/>
+              <a:buChar char="•"/>
+            </a:pPr>
+            <a:r>
+              <a:rPr lang="en-US" dirty="0" err="1" smtClean="0"/>
+              <a:t>PDFHandler</a:t>
+            </a:r>
+            <a:r>
+              <a:rPr lang="en-US" dirty="0" smtClean="0"/>
+              <a:t> </a:t>
+            </a:r>
+            <a:r>
+              <a:rPr lang="ru-RU" dirty="0" smtClean="0"/>
+              <a:t>использует </a:t>
+            </a:r>
+            <a:r>
+              <a:rPr lang="ru-RU" dirty="0" smtClean="0"/>
+              <a:t>библиотек</a:t>
+            </a:r>
+            <a:r>
+              <a:rPr lang="ru-RU" dirty="0" smtClean="0"/>
+              <a:t>у</a:t>
+            </a:r>
+            <a:r>
+              <a:rPr lang="ru-RU" dirty="0" smtClean="0"/>
+              <a:t> </a:t>
+            </a:r>
+            <a:r>
+              <a:rPr lang="en-US" dirty="0" err="1" smtClean="0"/>
+              <a:t>PdfBox</a:t>
+            </a:r>
+            <a:r>
+              <a:rPr lang="ru-RU" dirty="0" smtClean="0"/>
+              <a:t> для </a:t>
+            </a:r>
+            <a:r>
+              <a:rPr lang="ru-RU" dirty="0" smtClean="0"/>
+              <a:t>конвертации</a:t>
+            </a:r>
+            <a:endParaRPr lang="ru-RU" dirty="0" smtClean="0"/>
+          </a:p>
+        </p:txBody>
+      </p:sp>
+      <p:pic>
+        <p:nvPicPr>
+          <p:cNvPr id="36867" name="Picture 3"/>
+          <p:cNvPicPr>
+            <a:picLocks noGrp="1" noChangeAspect="1" noChangeArrowheads="1"/>
+          </p:cNvPicPr>
+          <p:nvPr>
+            <p:ph idx="1"/>
+          </p:nvPr>
+        </p:nvPicPr>
+        <p:blipFill>
+          <a:blip r:embed="rId2" cstate="print"/>
+          <a:srcRect/>
+          <a:stretch>
+            <a:fillRect/>
+          </a:stretch>
+        </p:blipFill>
+        <p:spPr bwMode="auto">
+          <a:xfrm>
+            <a:off x="1716678" y="1645080"/>
+            <a:ext cx="8915400" cy="3162300"/>
+          </a:xfrm>
+          <a:prstGeom prst="rect">
+            <a:avLst/>
+          </a:prstGeom>
+          <a:noFill/>
+          <a:ln w="9525">
+            <a:noFill/>
+            <a:miter lim="800000"/>
+            <a:headEnd/>
+            <a:tailEnd/>
+          </a:ln>
+        </p:spPr>
+      </p:pic>
     </p:spTree>
-    <p:extLst>
-      <p:ext uri="{BB962C8B-B14F-4D97-AF65-F5344CB8AC3E}">
-        <p14:creationId xmlns:p14="http://schemas.microsoft.com/office/powerpoint/2010/main" val="2143035052"/>
-      </p:ext>
-    </p:extLst>
   </p:cSld>
   <p:clrMapOvr>
     <a:masterClrMapping/>
@@ -7799,7 +7938,7 @@
       </p:grpSpPr>
       <p:sp>
         <p:nvSpPr>
-          <p:cNvPr id="4" name="Заголовок 3"/>
+          <p:cNvPr id="2" name="Заголовок 1"/>
           <p:cNvSpPr>
             <a:spLocks noGrp="1"/>
           </p:cNvSpPr>
@@ -7814,7 +7953,7 @@
           <a:p>
             <a:r>
               <a:rPr lang="en-US" dirty="0" smtClean="0"/>
-              <a:t>Q&amp;A</a:t>
+              <a:t>Apache Spark</a:t>
             </a:r>
             <a:endParaRPr lang="ru-RU" dirty="0"/>
           </a:p>
@@ -7822,26 +7961,33 @@
       </p:sp>
       <p:sp>
         <p:nvSpPr>
-          <p:cNvPr id="5" name="Текст 4"/>
-          <p:cNvSpPr>
-            <a:spLocks noGrp="1"/>
-          </p:cNvSpPr>
-          <p:nvPr>
-            <p:ph type="body" idx="1"/>
-          </p:nvPr>
-        </p:nvSpPr>
-        <p:spPr/>
-        <p:txBody>
-          <a:bodyPr/>
-          <a:lstStyle/>
-          <a:p>
+          <p:cNvPr id="3" name="Содержимое 2"/>
+          <p:cNvSpPr>
+            <a:spLocks noGrp="1"/>
+          </p:cNvSpPr>
+          <p:nvPr>
+            <p:ph idx="1"/>
+          </p:nvPr>
+        </p:nvSpPr>
+        <p:spPr/>
+        <p:txBody>
+          <a:bodyPr/>
+          <a:lstStyle/>
+          <a:p>
+            <a:pPr algn="ctr">
+              <a:buNone/>
+            </a:pPr>
+            <a:r>
+              <a:rPr lang="ru-RU" dirty="0" smtClean="0"/>
+              <a:t>Формирование списка статей из текста книги</a:t>
+            </a:r>
             <a:endParaRPr lang="ru-RU" dirty="0"/>
           </a:p>
         </p:txBody>
       </p:sp>
       <p:sp>
         <p:nvSpPr>
-          <p:cNvPr id="6" name="Нижний колонтитул 5"/>
+          <p:cNvPr id="4" name="Нижний колонтитул 3"/>
           <p:cNvSpPr>
             <a:spLocks noGrp="1"/>
           </p:cNvSpPr>
@@ -7855,19 +8001,16 @@
           <a:lstStyle/>
           <a:p>
             <a:r>
-              <a:rPr lang="en-US" dirty="0" err="1"/>
-              <a:t>Artezio</a:t>
-            </a:r>
-            <a:r>
-              <a:rPr lang="en-US" dirty="0"/>
-              <a:t> 2016</a:t>
-            </a:r>
-          </a:p>
-        </p:txBody>
-      </p:sp>
-      <p:sp>
-        <p:nvSpPr>
-          <p:cNvPr id="7" name="Номер слайда 6"/>
+              <a:rPr lang="en-US" smtClean="0"/>
+              <a:t>Vladimir Krylov 2015</a:t>
+            </a:r>
+            <a:endParaRPr lang="en-US"/>
+          </a:p>
+        </p:txBody>
+      </p:sp>
+      <p:sp>
+        <p:nvSpPr>
+          <p:cNvPr id="5" name="Номер слайда 4"/>
           <p:cNvSpPr>
             <a:spLocks noGrp="1"/>
           </p:cNvSpPr>
@@ -7882,16 +8025,624 @@
           <a:p>
             <a:fld id="{53FE853A-3A55-4CD3-B026-601242F08E1E}" type="slidenum">
               <a:rPr lang="en-US" smtClean="0"/>
+              <a:pPr/>
               <a:t>23</a:t>
             </a:fld>
             <a:endParaRPr lang="en-US"/>
           </a:p>
         </p:txBody>
       </p:sp>
+      <p:pic>
+        <p:nvPicPr>
+          <p:cNvPr id="37890" name="Picture 2"/>
+          <p:cNvPicPr>
+            <a:picLocks noChangeAspect="1" noChangeArrowheads="1"/>
+          </p:cNvPicPr>
+          <p:nvPr/>
+        </p:nvPicPr>
+        <p:blipFill>
+          <a:blip r:embed="rId2" cstate="print"/>
+          <a:srcRect/>
+          <a:stretch>
+            <a:fillRect/>
+          </a:stretch>
+        </p:blipFill>
+        <p:spPr bwMode="auto">
+          <a:xfrm>
+            <a:off x="7272745" y="2210480"/>
+            <a:ext cx="3429000" cy="3743325"/>
+          </a:xfrm>
+          <a:prstGeom prst="rect">
+            <a:avLst/>
+          </a:prstGeom>
+          <a:noFill/>
+          <a:ln w="9525">
+            <a:noFill/>
+            <a:miter lim="800000"/>
+            <a:headEnd/>
+            <a:tailEnd/>
+          </a:ln>
+        </p:spPr>
+      </p:pic>
+      <p:sp>
+        <p:nvSpPr>
+          <p:cNvPr id="7" name="Прямоугольник 6"/>
+          <p:cNvSpPr/>
+          <p:nvPr/>
+        </p:nvSpPr>
+        <p:spPr>
+          <a:xfrm>
+            <a:off x="923109" y="2881087"/>
+            <a:ext cx="6096000" cy="2031325"/>
+          </a:xfrm>
+          <a:prstGeom prst="rect">
+            <a:avLst/>
+          </a:prstGeom>
+        </p:spPr>
+        <p:txBody>
+          <a:bodyPr>
+            <a:spAutoFit/>
+          </a:bodyPr>
+          <a:lstStyle/>
+          <a:p>
+            <a:pPr marL="285750" indent="-285750"/>
+            <a:r>
+              <a:rPr lang="ru-RU" dirty="0" smtClean="0"/>
+              <a:t>Признаки заголовка статьи:</a:t>
+            </a:r>
+          </a:p>
+          <a:p>
+            <a:pPr marL="285750" indent="-285750">
+              <a:buFont typeface="Arial" panose="020B0604020202020204" pitchFamily="34" charset="0"/>
+              <a:buChar char="•"/>
+            </a:pPr>
+            <a:r>
+              <a:rPr lang="ru-RU" dirty="0" smtClean="0"/>
+              <a:t>Вертикальные отступы перед и после текста</a:t>
+            </a:r>
+            <a:endParaRPr lang="ru-RU" dirty="0" smtClean="0"/>
+          </a:p>
+          <a:p>
+            <a:pPr marL="285750" indent="-285750">
+              <a:buFont typeface="Arial" panose="020B0604020202020204" pitchFamily="34" charset="0"/>
+              <a:buChar char="•"/>
+            </a:pPr>
+            <a:r>
+              <a:rPr lang="ru-RU" dirty="0" smtClean="0"/>
+              <a:t>Короткое предложение (как правило, умещается в одной строке)</a:t>
+            </a:r>
+          </a:p>
+          <a:p>
+            <a:pPr marL="285750" indent="-285750">
+              <a:buFont typeface="Arial" panose="020B0604020202020204" pitchFamily="34" charset="0"/>
+              <a:buChar char="•"/>
+            </a:pPr>
+            <a:r>
+              <a:rPr lang="ru-RU" dirty="0" smtClean="0"/>
+              <a:t>Все буквы заглавные</a:t>
+            </a:r>
+          </a:p>
+          <a:p>
+            <a:pPr marL="285750" indent="-285750">
+              <a:buFont typeface="Arial" panose="020B0604020202020204" pitchFamily="34" charset="0"/>
+              <a:buChar char="•"/>
+            </a:pPr>
+            <a:r>
+              <a:rPr lang="ru-RU" dirty="0" smtClean="0"/>
+              <a:t>Отсутствие точки в конце предложения</a:t>
+            </a:r>
+          </a:p>
+          <a:p>
+            <a:pPr marL="285750" indent="-285750">
+              <a:buFont typeface="Arial" panose="020B0604020202020204" pitchFamily="34" charset="0"/>
+              <a:buChar char="•"/>
+            </a:pPr>
+            <a:r>
+              <a:rPr lang="ru-RU" dirty="0" smtClean="0"/>
+              <a:t>Наличие цифр в начале предложения (номера глав)</a:t>
+            </a:r>
+            <a:endParaRPr lang="ru-RU" dirty="0" smtClean="0"/>
+          </a:p>
+        </p:txBody>
+      </p:sp>
+    </p:spTree>
+  </p:cSld>
+  <p:clrMapOvr>
+    <a:masterClrMapping/>
+  </p:clrMapOvr>
+</p:sld>
+</file>
+
+<file path=ppt/slides/slide24.xml><?xml version="1.0" encoding="utf-8"?>
+<p:sld xmlns:a="http://schemas.openxmlformats.org/drawingml/2006/main" xmlns:r="http://schemas.openxmlformats.org/officeDocument/2006/relationships" xmlns:p="http://schemas.openxmlformats.org/presentationml/2006/main">
+  <p:cSld>
+    <p:spTree>
+      <p:nvGrpSpPr>
+        <p:cNvPr id="1" name=""/>
+        <p:cNvGrpSpPr/>
+        <p:nvPr/>
+      </p:nvGrpSpPr>
+      <p:grpSpPr>
+        <a:xfrm>
+          <a:off x="0" y="0"/>
+          <a:ext cx="0" cy="0"/>
+          <a:chOff x="0" y="0"/>
+          <a:chExt cx="0" cy="0"/>
+        </a:xfrm>
+      </p:grpSpPr>
+      <p:sp>
+        <p:nvSpPr>
+          <p:cNvPr id="2" name="Заголовок 1"/>
+          <p:cNvSpPr>
+            <a:spLocks noGrp="1"/>
+          </p:cNvSpPr>
+          <p:nvPr>
+            <p:ph type="title"/>
+          </p:nvPr>
+        </p:nvSpPr>
+        <p:spPr/>
+        <p:txBody>
+          <a:bodyPr/>
+          <a:lstStyle/>
+          <a:p>
+            <a:r>
+              <a:rPr lang="ru-RU" dirty="0" smtClean="0"/>
+              <a:t>Полученный опыт</a:t>
+            </a:r>
+            <a:endParaRPr lang="ru-RU" dirty="0"/>
+          </a:p>
+        </p:txBody>
+      </p:sp>
+      <p:sp>
+        <p:nvSpPr>
+          <p:cNvPr id="3" name="Объект 2"/>
+          <p:cNvSpPr>
+            <a:spLocks noGrp="1"/>
+          </p:cNvSpPr>
+          <p:nvPr>
+            <p:ph idx="1"/>
+          </p:nvPr>
+        </p:nvSpPr>
+        <p:spPr/>
+        <p:txBody>
+          <a:bodyPr/>
+          <a:lstStyle/>
+          <a:p>
+            <a:r>
+              <a:rPr lang="ru-RU" dirty="0" smtClean="0"/>
+              <a:t>Инструменты </a:t>
+            </a:r>
+            <a:r>
+              <a:rPr lang="en-US" dirty="0" smtClean="0"/>
+              <a:t>NLP </a:t>
+            </a:r>
+            <a:r>
+              <a:rPr lang="ru-RU" dirty="0" smtClean="0"/>
+              <a:t>для русского языка</a:t>
+            </a:r>
+            <a:r>
+              <a:rPr lang="en-US" dirty="0" smtClean="0"/>
+              <a:t> </a:t>
+            </a:r>
+            <a:r>
+              <a:rPr lang="ru-RU" dirty="0" smtClean="0"/>
+              <a:t>очень «сырые»</a:t>
+            </a:r>
+            <a:endParaRPr lang="en-US" dirty="0" smtClean="0"/>
+          </a:p>
+          <a:p>
+            <a:r>
+              <a:rPr lang="ru-RU" dirty="0" smtClean="0"/>
+              <a:t>Материалы и модели имеют сомнительные лицензии</a:t>
+            </a:r>
+          </a:p>
+          <a:p>
+            <a:r>
+              <a:rPr lang="ru-RU" dirty="0"/>
+              <a:t>Инструменты </a:t>
+            </a:r>
+            <a:r>
+              <a:rPr lang="en-US" dirty="0"/>
+              <a:t>NLP </a:t>
+            </a:r>
+            <a:r>
+              <a:rPr lang="ru-RU" dirty="0"/>
+              <a:t>крайне ресурсоемки (</a:t>
+            </a:r>
+            <a:r>
+              <a:rPr lang="en-US" dirty="0"/>
+              <a:t>32-256 Gb RAM</a:t>
+            </a:r>
+            <a:r>
+              <a:rPr lang="en-US" dirty="0" smtClean="0"/>
+              <a:t>)</a:t>
+            </a:r>
+            <a:endParaRPr lang="ru-RU" dirty="0" smtClean="0"/>
+          </a:p>
+          <a:p>
+            <a:r>
+              <a:rPr lang="en-US" dirty="0" smtClean="0"/>
+              <a:t>Apache UIMA</a:t>
+            </a:r>
+            <a:r>
+              <a:rPr lang="ru-RU" dirty="0" smtClean="0"/>
+              <a:t> не совместима с версией </a:t>
+            </a:r>
+            <a:r>
+              <a:rPr lang="en-US" dirty="0" smtClean="0"/>
+              <a:t>Apache Spark</a:t>
+            </a:r>
+            <a:r>
+              <a:rPr lang="ru-RU" dirty="0" smtClean="0"/>
+              <a:t> на кластере</a:t>
+            </a:r>
+          </a:p>
+          <a:p>
+            <a:endParaRPr lang="ru-RU" dirty="0" smtClean="0"/>
+          </a:p>
+          <a:p>
+            <a:endParaRPr lang="ru-RU" dirty="0" smtClean="0"/>
+          </a:p>
+          <a:p>
+            <a:endParaRPr lang="ru-RU" dirty="0" smtClean="0"/>
+          </a:p>
+          <a:p>
+            <a:pPr lvl="1"/>
+            <a:endParaRPr lang="ru-RU" dirty="0"/>
+          </a:p>
+        </p:txBody>
+      </p:sp>
+      <p:sp>
+        <p:nvSpPr>
+          <p:cNvPr id="4" name="Нижний колонтитул 3"/>
+          <p:cNvSpPr>
+            <a:spLocks noGrp="1"/>
+          </p:cNvSpPr>
+          <p:nvPr>
+            <p:ph type="ftr" sz="quarter" idx="11"/>
+          </p:nvPr>
+        </p:nvSpPr>
+        <p:spPr/>
+        <p:txBody>
+          <a:bodyPr/>
+          <a:lstStyle/>
+          <a:p>
+            <a:r>
+              <a:rPr lang="en-US" dirty="0" err="1"/>
+              <a:t>Artezio</a:t>
+            </a:r>
+            <a:r>
+              <a:rPr lang="en-US" dirty="0"/>
+              <a:t> 2016</a:t>
+            </a:r>
+          </a:p>
+        </p:txBody>
+      </p:sp>
+      <p:sp>
+        <p:nvSpPr>
+          <p:cNvPr id="5" name="Номер слайда 4"/>
+          <p:cNvSpPr>
+            <a:spLocks noGrp="1"/>
+          </p:cNvSpPr>
+          <p:nvPr>
+            <p:ph type="sldNum" sz="quarter" idx="12"/>
+          </p:nvPr>
+        </p:nvSpPr>
+        <p:spPr/>
+        <p:txBody>
+          <a:bodyPr/>
+          <a:lstStyle/>
+          <a:p>
+            <a:fld id="{53FE853A-3A55-4CD3-B026-601242F08E1E}" type="slidenum">
+              <a:rPr lang="en-US" smtClean="0"/>
+              <a:pPr/>
+              <a:t>24</a:t>
+            </a:fld>
+            <a:endParaRPr lang="en-US"/>
+          </a:p>
+        </p:txBody>
+      </p:sp>
     </p:spTree>
     <p:extLst>
       <p:ext uri="{BB962C8B-B14F-4D97-AF65-F5344CB8AC3E}">
-        <p14:creationId xmlns:p14="http://schemas.microsoft.com/office/powerpoint/2010/main" val="3750068630"/>
+        <p14:creationId xmlns:p14="http://schemas.microsoft.com/office/powerpoint/2010/main" xmlns="" val="2252048810"/>
+      </p:ext>
+    </p:extLst>
+  </p:cSld>
+  <p:clrMapOvr>
+    <a:masterClrMapping/>
+  </p:clrMapOvr>
+</p:sld>
+</file>
+
+<file path=ppt/slides/slide25.xml><?xml version="1.0" encoding="utf-8"?>
+<p:sld xmlns:a="http://schemas.openxmlformats.org/drawingml/2006/main" xmlns:r="http://schemas.openxmlformats.org/officeDocument/2006/relationships" xmlns:p="http://schemas.openxmlformats.org/presentationml/2006/main">
+  <p:cSld>
+    <p:spTree>
+      <p:nvGrpSpPr>
+        <p:cNvPr id="1" name=""/>
+        <p:cNvGrpSpPr/>
+        <p:nvPr/>
+      </p:nvGrpSpPr>
+      <p:grpSpPr>
+        <a:xfrm>
+          <a:off x="0" y="0"/>
+          <a:ext cx="0" cy="0"/>
+          <a:chOff x="0" y="0"/>
+          <a:chExt cx="0" cy="0"/>
+        </a:xfrm>
+      </p:grpSpPr>
+      <p:sp>
+        <p:nvSpPr>
+          <p:cNvPr id="2" name="Заголовок 1"/>
+          <p:cNvSpPr>
+            <a:spLocks noGrp="1"/>
+          </p:cNvSpPr>
+          <p:nvPr>
+            <p:ph type="title"/>
+          </p:nvPr>
+        </p:nvSpPr>
+        <p:spPr/>
+        <p:txBody>
+          <a:bodyPr/>
+          <a:lstStyle/>
+          <a:p>
+            <a:r>
+              <a:rPr lang="ru-RU" dirty="0" smtClean="0"/>
+              <a:t>Используемые ресурсы</a:t>
+            </a:r>
+            <a:endParaRPr lang="ru-RU" dirty="0"/>
+          </a:p>
+        </p:txBody>
+      </p:sp>
+      <p:sp>
+        <p:nvSpPr>
+          <p:cNvPr id="3" name="Объект 2"/>
+          <p:cNvSpPr>
+            <a:spLocks noGrp="1"/>
+          </p:cNvSpPr>
+          <p:nvPr>
+            <p:ph idx="1"/>
+          </p:nvPr>
+        </p:nvSpPr>
+        <p:spPr/>
+        <p:txBody>
+          <a:bodyPr/>
+          <a:lstStyle/>
+          <a:p>
+            <a:r>
+              <a:rPr lang="en-US" dirty="0" err="1" smtClean="0"/>
+              <a:t>DbPedia</a:t>
+            </a:r>
+            <a:r>
+              <a:rPr lang="ru-RU" dirty="0" smtClean="0"/>
+              <a:t> (</a:t>
+            </a:r>
+            <a:r>
+              <a:rPr lang="en-US" dirty="0" smtClean="0"/>
+              <a:t>several datasets)</a:t>
+            </a:r>
+          </a:p>
+          <a:p>
+            <a:r>
+              <a:rPr lang="en-US" dirty="0" err="1" smtClean="0"/>
+              <a:t>Wordnet</a:t>
+            </a:r>
+            <a:endParaRPr lang="en-US" dirty="0" smtClean="0"/>
+          </a:p>
+          <a:p>
+            <a:r>
+              <a:rPr lang="en-US" dirty="0" smtClean="0"/>
+              <a:t>Freebase</a:t>
+            </a:r>
+          </a:p>
+          <a:p>
+            <a:r>
+              <a:rPr lang="en-US" dirty="0" err="1" smtClean="0"/>
+              <a:t>Yandex</a:t>
+            </a:r>
+            <a:r>
+              <a:rPr lang="en-US" dirty="0" smtClean="0"/>
+              <a:t> </a:t>
+            </a:r>
+            <a:r>
+              <a:rPr lang="en-US" dirty="0" err="1" smtClean="0"/>
+              <a:t>SpeechKit</a:t>
+            </a:r>
+            <a:endParaRPr lang="en-US" dirty="0" smtClean="0"/>
+          </a:p>
+          <a:p>
+            <a:r>
+              <a:rPr lang="en-US" dirty="0" err="1" smtClean="0"/>
+              <a:t>OpenCorpora</a:t>
+            </a:r>
+            <a:endParaRPr lang="en-US" dirty="0" smtClean="0"/>
+          </a:p>
+          <a:p>
+            <a:r>
+              <a:rPr lang="ru-RU" dirty="0" err="1" smtClean="0"/>
+              <a:t>СинТагРус</a:t>
+            </a:r>
+            <a:endParaRPr lang="en-US" dirty="0" smtClean="0"/>
+          </a:p>
+        </p:txBody>
+      </p:sp>
+      <p:sp>
+        <p:nvSpPr>
+          <p:cNvPr id="4" name="Нижний колонтитул 3"/>
+          <p:cNvSpPr>
+            <a:spLocks noGrp="1"/>
+          </p:cNvSpPr>
+          <p:nvPr>
+            <p:ph type="ftr" sz="quarter" idx="11"/>
+          </p:nvPr>
+        </p:nvSpPr>
+        <p:spPr/>
+        <p:txBody>
+          <a:bodyPr/>
+          <a:lstStyle/>
+          <a:p>
+            <a:r>
+              <a:rPr lang="en-US" dirty="0" err="1"/>
+              <a:t>Artezio</a:t>
+            </a:r>
+            <a:r>
+              <a:rPr lang="en-US" dirty="0"/>
+              <a:t> 2016</a:t>
+            </a:r>
+          </a:p>
+        </p:txBody>
+      </p:sp>
+      <p:sp>
+        <p:nvSpPr>
+          <p:cNvPr id="5" name="Номер слайда 4"/>
+          <p:cNvSpPr>
+            <a:spLocks noGrp="1"/>
+          </p:cNvSpPr>
+          <p:nvPr>
+            <p:ph type="sldNum" sz="quarter" idx="12"/>
+          </p:nvPr>
+        </p:nvSpPr>
+        <p:spPr/>
+        <p:txBody>
+          <a:bodyPr/>
+          <a:lstStyle/>
+          <a:p>
+            <a:fld id="{53FE853A-3A55-4CD3-B026-601242F08E1E}" type="slidenum">
+              <a:rPr lang="en-US" smtClean="0"/>
+              <a:pPr/>
+              <a:t>25</a:t>
+            </a:fld>
+            <a:endParaRPr lang="en-US"/>
+          </a:p>
+        </p:txBody>
+      </p:sp>
+    </p:spTree>
+    <p:extLst>
+      <p:ext uri="{BB962C8B-B14F-4D97-AF65-F5344CB8AC3E}">
+        <p14:creationId xmlns:p14="http://schemas.microsoft.com/office/powerpoint/2010/main" xmlns="" val="2143035052"/>
+      </p:ext>
+    </p:extLst>
+  </p:cSld>
+  <p:clrMapOvr>
+    <a:masterClrMapping/>
+  </p:clrMapOvr>
+</p:sld>
+</file>
+
+<file path=ppt/slides/slide26.xml><?xml version="1.0" encoding="utf-8"?>
+<p:sld xmlns:a="http://schemas.openxmlformats.org/drawingml/2006/main" xmlns:r="http://schemas.openxmlformats.org/officeDocument/2006/relationships" xmlns:p="http://schemas.openxmlformats.org/presentationml/2006/main">
+  <p:cSld>
+    <p:spTree>
+      <p:nvGrpSpPr>
+        <p:cNvPr id="1" name=""/>
+        <p:cNvGrpSpPr/>
+        <p:nvPr/>
+      </p:nvGrpSpPr>
+      <p:grpSpPr>
+        <a:xfrm>
+          <a:off x="0" y="0"/>
+          <a:ext cx="0" cy="0"/>
+          <a:chOff x="0" y="0"/>
+          <a:chExt cx="0" cy="0"/>
+        </a:xfrm>
+      </p:grpSpPr>
+      <p:sp>
+        <p:nvSpPr>
+          <p:cNvPr id="4" name="Заголовок 3"/>
+          <p:cNvSpPr>
+            <a:spLocks noGrp="1"/>
+          </p:cNvSpPr>
+          <p:nvPr>
+            <p:ph type="title"/>
+          </p:nvPr>
+        </p:nvSpPr>
+        <p:spPr/>
+        <p:txBody>
+          <a:bodyPr/>
+          <a:lstStyle/>
+          <a:p>
+            <a:r>
+              <a:rPr lang="en-US" dirty="0" smtClean="0"/>
+              <a:t>Q&amp;A</a:t>
+            </a:r>
+            <a:endParaRPr lang="ru-RU" dirty="0"/>
+          </a:p>
+        </p:txBody>
+      </p:sp>
+      <p:sp>
+        <p:nvSpPr>
+          <p:cNvPr id="5" name="Текст 4"/>
+          <p:cNvSpPr>
+            <a:spLocks noGrp="1"/>
+          </p:cNvSpPr>
+          <p:nvPr>
+            <p:ph type="body" idx="1"/>
+          </p:nvPr>
+        </p:nvSpPr>
+        <p:spPr/>
+        <p:txBody>
+          <a:bodyPr/>
+          <a:lstStyle/>
+          <a:p>
+            <a:endParaRPr lang="ru-RU" dirty="0"/>
+          </a:p>
+        </p:txBody>
+      </p:sp>
+      <p:sp>
+        <p:nvSpPr>
+          <p:cNvPr id="6" name="Нижний колонтитул 5"/>
+          <p:cNvSpPr>
+            <a:spLocks noGrp="1"/>
+          </p:cNvSpPr>
+          <p:nvPr>
+            <p:ph type="ftr" sz="quarter" idx="11"/>
+          </p:nvPr>
+        </p:nvSpPr>
+        <p:spPr/>
+        <p:txBody>
+          <a:bodyPr/>
+          <a:lstStyle/>
+          <a:p>
+            <a:r>
+              <a:rPr lang="en-US" dirty="0" err="1"/>
+              <a:t>Artezio</a:t>
+            </a:r>
+            <a:r>
+              <a:rPr lang="en-US" dirty="0"/>
+              <a:t> 2016</a:t>
+            </a:r>
+          </a:p>
+        </p:txBody>
+      </p:sp>
+      <p:sp>
+        <p:nvSpPr>
+          <p:cNvPr id="7" name="Номер слайда 6"/>
+          <p:cNvSpPr>
+            <a:spLocks noGrp="1"/>
+          </p:cNvSpPr>
+          <p:nvPr>
+            <p:ph type="sldNum" sz="quarter" idx="12"/>
+          </p:nvPr>
+        </p:nvSpPr>
+        <p:spPr/>
+        <p:txBody>
+          <a:bodyPr/>
+          <a:lstStyle/>
+          <a:p>
+            <a:fld id="{53FE853A-3A55-4CD3-B026-601242F08E1E}" type="slidenum">
+              <a:rPr lang="en-US" smtClean="0"/>
+              <a:pPr/>
+              <a:t>26</a:t>
+            </a:fld>
+            <a:endParaRPr lang="en-US"/>
+          </a:p>
+        </p:txBody>
+      </p:sp>
+    </p:spTree>
+    <p:extLst>
+      <p:ext uri="{BB962C8B-B14F-4D97-AF65-F5344CB8AC3E}">
+        <p14:creationId xmlns:p14="http://schemas.microsoft.com/office/powerpoint/2010/main" xmlns="" val="3750068630"/>
       </p:ext>
     </p:extLst>
   </p:cSld>
@@ -8063,6 +8814,7 @@
           <a:p>
             <a:fld id="{53FE853A-3A55-4CD3-B026-601242F08E1E}" type="slidenum">
               <a:rPr lang="en-US" smtClean="0"/>
+              <a:pPr/>
               <a:t>3</a:t>
             </a:fld>
             <a:endParaRPr lang="en-US"/>
@@ -8072,7 +8824,7 @@
     </p:spTree>
     <p:extLst>
       <p:ext uri="{BB962C8B-B14F-4D97-AF65-F5344CB8AC3E}">
-        <p14:creationId xmlns:p14="http://schemas.microsoft.com/office/powerpoint/2010/main" val="450469699"/>
+        <p14:creationId xmlns:p14="http://schemas.microsoft.com/office/powerpoint/2010/main" xmlns="" val="450469699"/>
       </p:ext>
     </p:extLst>
   </p:cSld>
@@ -8165,6 +8917,7 @@
           <a:p>
             <a:fld id="{53FE853A-3A55-4CD3-B026-601242F08E1E}" type="slidenum">
               <a:rPr lang="en-US" smtClean="0"/>
+              <a:pPr/>
               <a:t>4</a:t>
             </a:fld>
             <a:endParaRPr lang="en-US"/>
@@ -8181,7 +8934,7 @@
             <p:ph idx="1"/>
             <p:extLst>
               <p:ext uri="{D42A27DB-BD31-4B8C-83A1-F6EECF244321}">
-                <p14:modId xmlns:p14="http://schemas.microsoft.com/office/powerpoint/2010/main" val="2657452544"/>
+                <p14:modId xmlns:p14="http://schemas.microsoft.com/office/powerpoint/2010/main" xmlns="" val="2657452544"/>
               </p:ext>
             </p:extLst>
           </p:nvPr>
@@ -8192,40 +8945,9 @@
         </p:xfrm>
         <a:graphic>
           <a:graphicData uri="http://schemas.openxmlformats.org/presentationml/2006/ole">
-            <mc:AlternateContent xmlns:mc="http://schemas.openxmlformats.org/markup-compatibility/2006">
-              <mc:Choice xmlns:v="urn:schemas-microsoft-com:vml" Requires="v">
-                <p:oleObj spid="_x0000_s1034" name="Visio" r:id="rId4" imgW="4534992" imgH="1475010" progId="Visio.Drawing.11">
-                  <p:embed/>
-                </p:oleObj>
-              </mc:Choice>
-              <mc:Fallback>
-                <p:oleObj name="Visio" r:id="rId4" imgW="4534992" imgH="1475010" progId="Visio.Drawing.11">
-                  <p:embed/>
-                  <p:pic>
-                    <p:nvPicPr>
-                      <p:cNvPr id="0" name=""/>
-                      <p:cNvPicPr/>
-                      <p:nvPr/>
-                    </p:nvPicPr>
-                    <p:blipFill>
-                      <a:blip r:embed="rId5"/>
-                      <a:stretch>
-                        <a:fillRect/>
-                      </a:stretch>
-                    </p:blipFill>
-                    <p:spPr>
-                      <a:xfrm>
-                        <a:off x="1034521" y="1456266"/>
-                        <a:ext cx="9008493" cy="2929467"/>
-                      </a:xfrm>
-                      <a:prstGeom prst="rect">
-                        <a:avLst/>
-                      </a:prstGeom>
-                    </p:spPr>
-                  </p:pic>
-                </p:oleObj>
-              </mc:Fallback>
-            </mc:AlternateContent>
+            <p:oleObj spid="_x0000_s1034" name="Visio" r:id="rId4" imgW="4534992" imgH="1475010" progId="Visio.Drawing.11">
+              <p:embed/>
+            </p:oleObj>
           </a:graphicData>
         </a:graphic>
       </p:graphicFrame>
@@ -8335,7 +9057,7 @@
     </p:spTree>
     <p:extLst>
       <p:ext uri="{BB962C8B-B14F-4D97-AF65-F5344CB8AC3E}">
-        <p14:creationId xmlns:p14="http://schemas.microsoft.com/office/powerpoint/2010/main" val="31109550"/>
+        <p14:creationId xmlns:p14="http://schemas.microsoft.com/office/powerpoint/2010/main" xmlns="" val="31109550"/>
       </p:ext>
     </p:extLst>
   </p:cSld>
@@ -8428,6 +9150,7 @@
           <a:p>
             <a:fld id="{53FE853A-3A55-4CD3-B026-601242F08E1E}" type="slidenum">
               <a:rPr lang="en-US" smtClean="0"/>
+              <a:pPr/>
               <a:t>5</a:t>
             </a:fld>
             <a:endParaRPr lang="en-US"/>
@@ -8528,7 +9251,7 @@
             <p:ph idx="1"/>
             <p:extLst>
               <p:ext uri="{D42A27DB-BD31-4B8C-83A1-F6EECF244321}">
-                <p14:modId xmlns:p14="http://schemas.microsoft.com/office/powerpoint/2010/main" val="1660072047"/>
+                <p14:modId xmlns:p14="http://schemas.microsoft.com/office/powerpoint/2010/main" xmlns="" val="1660072047"/>
               </p:ext>
             </p:extLst>
           </p:nvPr>
@@ -8539,47 +9262,16 @@
         </p:xfrm>
         <a:graphic>
           <a:graphicData uri="http://schemas.openxmlformats.org/presentationml/2006/ole">
-            <mc:AlternateContent xmlns:mc="http://schemas.openxmlformats.org/markup-compatibility/2006">
-              <mc:Choice xmlns:v="urn:schemas-microsoft-com:vml" Requires="v">
-                <p:oleObj spid="_x0000_s2057" name="Visio" r:id="rId3" imgW="4534992" imgH="1475010" progId="Visio.Drawing.11">
-                  <p:embed/>
-                </p:oleObj>
-              </mc:Choice>
-              <mc:Fallback>
-                <p:oleObj name="Visio" r:id="rId3" imgW="4534992" imgH="1475010" progId="Visio.Drawing.11">
-                  <p:embed/>
-                  <p:pic>
-                    <p:nvPicPr>
-                      <p:cNvPr id="0" name=""/>
-                      <p:cNvPicPr/>
-                      <p:nvPr/>
-                    </p:nvPicPr>
-                    <p:blipFill>
-                      <a:blip r:embed="rId4"/>
-                      <a:stretch>
-                        <a:fillRect/>
-                      </a:stretch>
-                    </p:blipFill>
-                    <p:spPr>
-                      <a:xfrm>
-                        <a:off x="973661" y="1452564"/>
-                        <a:ext cx="8746066" cy="2844056"/>
-                      </a:xfrm>
-                      <a:prstGeom prst="rect">
-                        <a:avLst/>
-                      </a:prstGeom>
-                    </p:spPr>
-                  </p:pic>
-                </p:oleObj>
-              </mc:Fallback>
-            </mc:AlternateContent>
+            <p:oleObj spid="_x0000_s2057" name="Visio" r:id="rId3" imgW="4534992" imgH="1475010" progId="Visio.Drawing.11">
+              <p:embed/>
+            </p:oleObj>
           </a:graphicData>
         </a:graphic>
       </p:graphicFrame>
     </p:spTree>
     <p:extLst>
       <p:ext uri="{BB962C8B-B14F-4D97-AF65-F5344CB8AC3E}">
-        <p14:creationId xmlns:p14="http://schemas.microsoft.com/office/powerpoint/2010/main" val="1995854832"/>
+        <p14:creationId xmlns:p14="http://schemas.microsoft.com/office/powerpoint/2010/main" xmlns="" val="1995854832"/>
       </p:ext>
     </p:extLst>
   </p:cSld>
@@ -8672,6 +9364,7 @@
           <a:p>
             <a:fld id="{53FE853A-3A55-4CD3-B026-601242F08E1E}" type="slidenum">
               <a:rPr lang="en-US" smtClean="0"/>
+              <a:pPr/>
               <a:t>6</a:t>
             </a:fld>
             <a:endParaRPr lang="en-US"/>
@@ -8738,7 +9431,7 @@
             <p:ph idx="1"/>
             <p:extLst>
               <p:ext uri="{D42A27DB-BD31-4B8C-83A1-F6EECF244321}">
-                <p14:modId xmlns:p14="http://schemas.microsoft.com/office/powerpoint/2010/main" val="2512273438"/>
+                <p14:modId xmlns:p14="http://schemas.microsoft.com/office/powerpoint/2010/main" xmlns="" val="2512273438"/>
               </p:ext>
             </p:extLst>
           </p:nvPr>
@@ -8749,47 +9442,16 @@
         </p:xfrm>
         <a:graphic>
           <a:graphicData uri="http://schemas.openxmlformats.org/presentationml/2006/ole">
-            <mc:AlternateContent xmlns:mc="http://schemas.openxmlformats.org/markup-compatibility/2006">
-              <mc:Choice xmlns:v="urn:schemas-microsoft-com:vml" Requires="v">
-                <p:oleObj spid="_x0000_s5127" name="Visio" r:id="rId3" imgW="4534992" imgH="1475010" progId="Visio.Drawing.11">
-                  <p:embed/>
-                </p:oleObj>
-              </mc:Choice>
-              <mc:Fallback>
-                <p:oleObj name="Visio" r:id="rId3" imgW="4534992" imgH="1475010" progId="Visio.Drawing.11">
-                  <p:embed/>
-                  <p:pic>
-                    <p:nvPicPr>
-                      <p:cNvPr id="0" name=""/>
-                      <p:cNvPicPr/>
-                      <p:nvPr/>
-                    </p:nvPicPr>
-                    <p:blipFill>
-                      <a:blip r:embed="rId4"/>
-                      <a:stretch>
-                        <a:fillRect/>
-                      </a:stretch>
-                    </p:blipFill>
-                    <p:spPr>
-                      <a:xfrm>
-                        <a:off x="973661" y="1452564"/>
-                        <a:ext cx="8746066" cy="2844056"/>
-                      </a:xfrm>
-                      <a:prstGeom prst="rect">
-                        <a:avLst/>
-                      </a:prstGeom>
-                    </p:spPr>
-                  </p:pic>
-                </p:oleObj>
-              </mc:Fallback>
-            </mc:AlternateContent>
+            <p:oleObj spid="_x0000_s5127" name="Visio" r:id="rId3" imgW="4534992" imgH="1475010" progId="Visio.Drawing.11">
+              <p:embed/>
+            </p:oleObj>
           </a:graphicData>
         </a:graphic>
       </p:graphicFrame>
     </p:spTree>
     <p:extLst>
       <p:ext uri="{BB962C8B-B14F-4D97-AF65-F5344CB8AC3E}">
-        <p14:creationId xmlns:p14="http://schemas.microsoft.com/office/powerpoint/2010/main" val="747328825"/>
+        <p14:creationId xmlns:p14="http://schemas.microsoft.com/office/powerpoint/2010/main" xmlns="" val="747328825"/>
       </p:ext>
     </p:extLst>
   </p:cSld>
@@ -8882,6 +9544,7 @@
           <a:p>
             <a:fld id="{53FE853A-3A55-4CD3-B026-601242F08E1E}" type="slidenum">
               <a:rPr lang="en-US" smtClean="0"/>
+              <a:pPr/>
               <a:t>7</a:t>
             </a:fld>
             <a:endParaRPr lang="en-US"/>
@@ -8996,10 +9659,10 @@
           <p:nvPr/>
         </p:nvPicPr>
         <p:blipFill>
-          <a:blip r:embed="rId2">
+          <a:blip r:embed="rId2" cstate="print">
             <a:extLst>
               <a:ext uri="{28A0092B-C50C-407E-A947-70E740481C1C}">
-                <a14:useLocalDpi xmlns:a14="http://schemas.microsoft.com/office/drawing/2010/main" val="0"/>
+                <a14:useLocalDpi xmlns:a14="http://schemas.microsoft.com/office/drawing/2010/main" xmlns="" val="0"/>
               </a:ext>
             </a:extLst>
           </a:blip>
@@ -9027,7 +9690,7 @@
           </a:ln>
           <a:extLst>
             <a:ext uri="{909E8E84-426E-40DD-AFC4-6F175D3DCCD1}">
-              <a14:hiddenFill xmlns:a14="http://schemas.microsoft.com/office/drawing/2010/main">
+              <a14:hiddenFill xmlns:a14="http://schemas.microsoft.com/office/drawing/2010/main" xmlns="">
                 <a:solidFill>
                   <a:srgbClr val="FFFFFF"/>
                 </a:solidFill>
@@ -9039,7 +9702,7 @@
     </p:spTree>
     <p:extLst>
       <p:ext uri="{BB962C8B-B14F-4D97-AF65-F5344CB8AC3E}">
-        <p14:creationId xmlns:p14="http://schemas.microsoft.com/office/powerpoint/2010/main" val="1548444148"/>
+        <p14:creationId xmlns:p14="http://schemas.microsoft.com/office/powerpoint/2010/main" xmlns="" val="1548444148"/>
       </p:ext>
     </p:extLst>
   </p:cSld>
@@ -9139,6 +9802,7 @@
           <a:p>
             <a:fld id="{53FE853A-3A55-4CD3-B026-601242F08E1E}" type="slidenum">
               <a:rPr lang="en-US" smtClean="0"/>
+              <a:pPr/>
               <a:t>8</a:t>
             </a:fld>
             <a:endParaRPr lang="en-US"/>
@@ -9228,7 +9892,7 @@
           <p:nvPr>
             <p:extLst>
               <p:ext uri="{D42A27DB-BD31-4B8C-83A1-F6EECF244321}">
-                <p14:modId xmlns:p14="http://schemas.microsoft.com/office/powerpoint/2010/main" val="299227503"/>
+                <p14:modId xmlns:p14="http://schemas.microsoft.com/office/powerpoint/2010/main" xmlns="" val="299227503"/>
               </p:ext>
             </p:extLst>
           </p:nvPr>
@@ -9754,10 +10418,10 @@
           <p:nvPr/>
         </p:nvPicPr>
         <p:blipFill>
-          <a:blip r:embed="rId2">
+          <a:blip r:embed="rId2" cstate="print">
             <a:extLst>
               <a:ext uri="{28A0092B-C50C-407E-A947-70E740481C1C}">
-                <a14:useLocalDpi xmlns:a14="http://schemas.microsoft.com/office/drawing/2010/main" val="0"/>
+                <a14:useLocalDpi xmlns:a14="http://schemas.microsoft.com/office/drawing/2010/main" xmlns="" val="0"/>
               </a:ext>
             </a:extLst>
           </a:blip>
@@ -9785,7 +10449,7 @@
           </a:ln>
           <a:extLst>
             <a:ext uri="{909E8E84-426E-40DD-AFC4-6F175D3DCCD1}">
-              <a14:hiddenFill xmlns:a14="http://schemas.microsoft.com/office/drawing/2010/main">
+              <a14:hiddenFill xmlns:a14="http://schemas.microsoft.com/office/drawing/2010/main" xmlns="">
                 <a:solidFill>
                   <a:srgbClr val="FFFFFF"/>
                 </a:solidFill>
@@ -9797,7 +10461,7 @@
     </p:spTree>
     <p:extLst>
       <p:ext uri="{BB962C8B-B14F-4D97-AF65-F5344CB8AC3E}">
-        <p14:creationId xmlns:p14="http://schemas.microsoft.com/office/powerpoint/2010/main" val="3533477141"/>
+        <p14:creationId xmlns:p14="http://schemas.microsoft.com/office/powerpoint/2010/main" xmlns="" val="3533477141"/>
       </p:ext>
     </p:extLst>
   </p:cSld>
@@ -9897,6 +10561,7 @@
           <a:p>
             <a:fld id="{53FE853A-3A55-4CD3-B026-601242F08E1E}" type="slidenum">
               <a:rPr lang="en-US" smtClean="0"/>
+              <a:pPr/>
               <a:t>9</a:t>
             </a:fld>
             <a:endParaRPr lang="en-US"/>
@@ -9985,7 +10650,7 @@
           <p:nvPr>
             <p:extLst>
               <p:ext uri="{D42A27DB-BD31-4B8C-83A1-F6EECF244321}">
-                <p14:modId xmlns:p14="http://schemas.microsoft.com/office/powerpoint/2010/main" val="262787143"/>
+                <p14:modId xmlns:p14="http://schemas.microsoft.com/office/powerpoint/2010/main" xmlns="" val="262787143"/>
               </p:ext>
             </p:extLst>
           </p:nvPr>
@@ -10563,10 +11228,10 @@
           <p:nvPr/>
         </p:nvPicPr>
         <p:blipFill>
-          <a:blip r:embed="rId2">
+          <a:blip r:embed="rId2" cstate="print">
             <a:extLst>
               <a:ext uri="{28A0092B-C50C-407E-A947-70E740481C1C}">
-                <a14:useLocalDpi xmlns:a14="http://schemas.microsoft.com/office/drawing/2010/main" val="0"/>
+                <a14:useLocalDpi xmlns:a14="http://schemas.microsoft.com/office/drawing/2010/main" xmlns="" val="0"/>
               </a:ext>
             </a:extLst>
           </a:blip>
@@ -10594,7 +11259,7 @@
           </a:ln>
           <a:extLst>
             <a:ext uri="{909E8E84-426E-40DD-AFC4-6F175D3DCCD1}">
-              <a14:hiddenFill xmlns:a14="http://schemas.microsoft.com/office/drawing/2010/main">
+              <a14:hiddenFill xmlns:a14="http://schemas.microsoft.com/office/drawing/2010/main" xmlns="">
                 <a:solidFill>
                   <a:srgbClr val="FFFFFF"/>
                 </a:solidFill>
@@ -10606,7 +11271,7 @@
     </p:spTree>
     <p:extLst>
       <p:ext uri="{BB962C8B-B14F-4D97-AF65-F5344CB8AC3E}">
-        <p14:creationId xmlns:p14="http://schemas.microsoft.com/office/powerpoint/2010/main" val="25317066"/>
+        <p14:creationId xmlns:p14="http://schemas.microsoft.com/office/powerpoint/2010/main" xmlns="" val="25317066"/>
       </p:ext>
     </p:extLst>
   </p:cSld>
@@ -10666,7 +11331,7 @@
     </a:clrScheme>
     <a:fontScheme name="Стандартная">
       <a:majorFont>
-        <a:latin typeface="Calibri Light" panose="020F0302020204030204"/>
+        <a:latin typeface="Calibri Light"/>
         <a:ea typeface=""/>
         <a:cs typeface=""/>
         <a:font script="Jpan" typeface="ＭＳ Ｐゴシック"/>
@@ -10701,7 +11366,7 @@
         <a:font script="Geor" typeface="Sylfaen"/>
       </a:majorFont>
       <a:minorFont>
-        <a:latin typeface="Calibri" panose="020F0502020204030204"/>
+        <a:latin typeface="Calibri"/>
         <a:ea typeface=""/>
         <a:cs typeface=""/>
         <a:font script="Jpan" typeface="ＭＳ Ｐゴシック"/>
@@ -10878,7 +11543,7 @@
   <a:extraClrSchemeLst/>
   <a:extLst>
     <a:ext uri="{05A4C25C-085E-4340-85A3-A5531E510DB2}">
-      <thm15:themeFamily xmlns:thm15="http://schemas.microsoft.com/office/thememl/2012/main" xmlns="" name="Office Theme" id="{62F939B6-93AF-4DB8-9C6B-D6C7DFDC589F}" vid="{4A3C46E8-61CC-4603-A589-7422A47A8E4A}"/>
+      <thm15:themeFamily xmlns="" xmlns:thm15="http://schemas.microsoft.com/office/thememl/2012/main" name="Office Theme" id="{62F939B6-93AF-4DB8-9C6B-D6C7DFDC589F}" vid="{4A3C46E8-61CC-4603-A589-7422A47A8E4A}"/>
     </a:ext>
   </a:extLst>
 </a:theme>
@@ -10927,7 +11592,7 @@
     </a:clrScheme>
     <a:fontScheme name="Стандартная">
       <a:majorFont>
-        <a:latin typeface="Calibri Light" panose="020F0302020204030204"/>
+        <a:latin typeface="Calibri Light"/>
         <a:ea typeface=""/>
         <a:cs typeface=""/>
         <a:font script="Jpan" typeface="ＭＳ Ｐゴシック"/>
@@ -10962,7 +11627,7 @@
         <a:font script="Geor" typeface="Sylfaen"/>
       </a:majorFont>
       <a:minorFont>
-        <a:latin typeface="Calibri" panose="020F0502020204030204"/>
+        <a:latin typeface="Calibri"/>
         <a:ea typeface=""/>
         <a:cs typeface=""/>
         <a:font script="Jpan" typeface="ＭＳ Ｐゴシック"/>
@@ -11139,7 +11804,7 @@
   <a:extraClrSchemeLst/>
   <a:extLst>
     <a:ext uri="{05A4C25C-085E-4340-85A3-A5531E510DB2}">
-      <thm15:themeFamily xmlns:thm15="http://schemas.microsoft.com/office/thememl/2012/main" xmlns="" name="Office Theme" id="{62F939B6-93AF-4DB8-9C6B-D6C7DFDC589F}" vid="{4A3C46E8-61CC-4603-A589-7422A47A8E4A}"/>
+      <thm15:themeFamily xmlns="" xmlns:thm15="http://schemas.microsoft.com/office/thememl/2012/main" name="Office Theme" id="{62F939B6-93AF-4DB8-9C6B-D6C7DFDC589F}" vid="{4A3C46E8-61CC-4603-A589-7422A47A8E4A}"/>
     </a:ext>
   </a:extLst>
 </a:theme>

--- a/doc/Presentation.pptx
+++ b/doc/Presentation.pptx
@@ -5,7 +5,7 @@
     <p:sldMasterId id="2147483648" r:id="rId1"/>
   </p:sldMasterIdLst>
   <p:notesMasterIdLst>
-    <p:notesMasterId r:id="rId28"/>
+    <p:notesMasterId r:id="rId31"/>
   </p:notesMasterIdLst>
   <p:sldIdLst>
     <p:sldId id="387" r:id="rId2"/>
@@ -25,15 +25,18 @@
     <p:sldId id="418" r:id="rId16"/>
     <p:sldId id="419" r:id="rId17"/>
     <p:sldId id="420" r:id="rId18"/>
-    <p:sldId id="404" r:id="rId19"/>
-    <p:sldId id="405" r:id="rId20"/>
-    <p:sldId id="407" r:id="rId21"/>
-    <p:sldId id="421" r:id="rId22"/>
-    <p:sldId id="422" r:id="rId23"/>
-    <p:sldId id="423" r:id="rId24"/>
-    <p:sldId id="408" r:id="rId25"/>
-    <p:sldId id="409" r:id="rId26"/>
-    <p:sldId id="401" r:id="rId27"/>
+    <p:sldId id="430" r:id="rId19"/>
+    <p:sldId id="424" r:id="rId20"/>
+    <p:sldId id="425" r:id="rId21"/>
+    <p:sldId id="427" r:id="rId22"/>
+    <p:sldId id="428" r:id="rId23"/>
+    <p:sldId id="429" r:id="rId24"/>
+    <p:sldId id="404" r:id="rId25"/>
+    <p:sldId id="405" r:id="rId26"/>
+    <p:sldId id="407" r:id="rId27"/>
+    <p:sldId id="408" r:id="rId28"/>
+    <p:sldId id="409" r:id="rId29"/>
+    <p:sldId id="401" r:id="rId30"/>
   </p:sldIdLst>
   <p:sldSz cx="12192000" cy="6858000"/>
   <p:notesSz cx="6858000" cy="9144000"/>
@@ -134,7 +137,7 @@
   </p:defaultTextStyle>
   <p:extLst>
     <p:ext uri="{EFAFB233-063F-42B5-8137-9DF3F51BA10A}">
-      <p15:sldGuideLst xmlns="" xmlns:p15="http://schemas.microsoft.com/office/powerpoint/2012/main">
+      <p15:sldGuideLst xmlns:p15="http://schemas.microsoft.com/office/powerpoint/2012/main">
         <p15:guide id="1" orient="horz" pos="2160" userDrawn="1">
           <p15:clr>
             <a:srgbClr val="A4A3A4"/>
@@ -403,7 +406,7 @@
     </p:spTree>
     <p:extLst>
       <p:ext uri="{BB962C8B-B14F-4D97-AF65-F5344CB8AC3E}">
-        <p14:creationId xmlns:p14="http://schemas.microsoft.com/office/powerpoint/2010/main" xmlns="" val="1317034010"/>
+        <p14:creationId xmlns:p14="http://schemas.microsoft.com/office/powerpoint/2010/main" val="1317034010"/>
       </p:ext>
     </p:extLst>
   </p:cSld>
@@ -578,7 +581,7 @@
     </p:spTree>
     <p:extLst>
       <p:ext uri="{BB962C8B-B14F-4D97-AF65-F5344CB8AC3E}">
-        <p14:creationId xmlns:p14="http://schemas.microsoft.com/office/powerpoint/2010/main" xmlns="" val="3621623957"/>
+        <p14:creationId xmlns:p14="http://schemas.microsoft.com/office/powerpoint/2010/main" val="3621623957"/>
       </p:ext>
     </p:extLst>
   </p:cSld>
@@ -671,7 +674,7 @@
     </p:spTree>
     <p:extLst>
       <p:ext uri="{BB962C8B-B14F-4D97-AF65-F5344CB8AC3E}">
-        <p14:creationId xmlns:p14="http://schemas.microsoft.com/office/powerpoint/2010/main" xmlns="" val="1815179138"/>
+        <p14:creationId xmlns:p14="http://schemas.microsoft.com/office/powerpoint/2010/main" val="1815179138"/>
       </p:ext>
     </p:extLst>
   </p:cSld>
@@ -869,7 +872,7 @@
     </p:spTree>
     <p:extLst>
       <p:ext uri="{BB962C8B-B14F-4D97-AF65-F5344CB8AC3E}">
-        <p14:creationId xmlns:p14="http://schemas.microsoft.com/office/powerpoint/2010/main" xmlns="" val="1612928146"/>
+        <p14:creationId xmlns:p14="http://schemas.microsoft.com/office/powerpoint/2010/main" val="1612928146"/>
       </p:ext>
     </p:extLst>
   </p:cSld>
@@ -1045,7 +1048,7 @@
     </p:spTree>
     <p:extLst>
       <p:ext uri="{BB962C8B-B14F-4D97-AF65-F5344CB8AC3E}">
-        <p14:creationId xmlns:p14="http://schemas.microsoft.com/office/powerpoint/2010/main" xmlns="" val="1227749587"/>
+        <p14:creationId xmlns:p14="http://schemas.microsoft.com/office/powerpoint/2010/main" val="1227749587"/>
       </p:ext>
     </p:extLst>
   </p:cSld>
@@ -1231,7 +1234,7 @@
     </p:spTree>
     <p:extLst>
       <p:ext uri="{BB962C8B-B14F-4D97-AF65-F5344CB8AC3E}">
-        <p14:creationId xmlns:p14="http://schemas.microsoft.com/office/powerpoint/2010/main" xmlns="" val="3921510761"/>
+        <p14:creationId xmlns:p14="http://schemas.microsoft.com/office/powerpoint/2010/main" val="3921510761"/>
       </p:ext>
     </p:extLst>
   </p:cSld>
@@ -1407,7 +1410,7 @@
     </p:spTree>
     <p:extLst>
       <p:ext uri="{BB962C8B-B14F-4D97-AF65-F5344CB8AC3E}">
-        <p14:creationId xmlns:p14="http://schemas.microsoft.com/office/powerpoint/2010/main" xmlns="" val="2660512697"/>
+        <p14:creationId xmlns:p14="http://schemas.microsoft.com/office/powerpoint/2010/main" val="2660512697"/>
       </p:ext>
     </p:extLst>
   </p:cSld>
@@ -1659,7 +1662,7 @@
     </p:spTree>
     <p:extLst>
       <p:ext uri="{BB962C8B-B14F-4D97-AF65-F5344CB8AC3E}">
-        <p14:creationId xmlns:p14="http://schemas.microsoft.com/office/powerpoint/2010/main" xmlns="" val="1721951169"/>
+        <p14:creationId xmlns:p14="http://schemas.microsoft.com/office/powerpoint/2010/main" val="1721951169"/>
       </p:ext>
     </p:extLst>
   </p:cSld>
@@ -1897,7 +1900,7 @@
     </p:spTree>
     <p:extLst>
       <p:ext uri="{BB962C8B-B14F-4D97-AF65-F5344CB8AC3E}">
-        <p14:creationId xmlns:p14="http://schemas.microsoft.com/office/powerpoint/2010/main" xmlns="" val="3531452610"/>
+        <p14:creationId xmlns:p14="http://schemas.microsoft.com/office/powerpoint/2010/main" val="3531452610"/>
       </p:ext>
     </p:extLst>
   </p:cSld>
@@ -2270,7 +2273,7 @@
     </p:spTree>
     <p:extLst>
       <p:ext uri="{BB962C8B-B14F-4D97-AF65-F5344CB8AC3E}">
-        <p14:creationId xmlns:p14="http://schemas.microsoft.com/office/powerpoint/2010/main" xmlns="" val="220154535"/>
+        <p14:creationId xmlns:p14="http://schemas.microsoft.com/office/powerpoint/2010/main" val="220154535"/>
       </p:ext>
     </p:extLst>
   </p:cSld>
@@ -2394,7 +2397,7 @@
     </p:spTree>
     <p:extLst>
       <p:ext uri="{BB962C8B-B14F-4D97-AF65-F5344CB8AC3E}">
-        <p14:creationId xmlns:p14="http://schemas.microsoft.com/office/powerpoint/2010/main" xmlns="" val="4142823437"/>
+        <p14:creationId xmlns:p14="http://schemas.microsoft.com/office/powerpoint/2010/main" val="4142823437"/>
       </p:ext>
     </p:extLst>
   </p:cSld>
@@ -2495,7 +2498,7 @@
     </p:spTree>
     <p:extLst>
       <p:ext uri="{BB962C8B-B14F-4D97-AF65-F5344CB8AC3E}">
-        <p14:creationId xmlns:p14="http://schemas.microsoft.com/office/powerpoint/2010/main" xmlns="" val="932368194"/>
+        <p14:creationId xmlns:p14="http://schemas.microsoft.com/office/powerpoint/2010/main" val="932368194"/>
       </p:ext>
     </p:extLst>
   </p:cSld>
@@ -2778,7 +2781,7 @@
     </p:spTree>
     <p:extLst>
       <p:ext uri="{BB962C8B-B14F-4D97-AF65-F5344CB8AC3E}">
-        <p14:creationId xmlns:p14="http://schemas.microsoft.com/office/powerpoint/2010/main" xmlns="" val="656915409"/>
+        <p14:creationId xmlns:p14="http://schemas.microsoft.com/office/powerpoint/2010/main" val="656915409"/>
       </p:ext>
     </p:extLst>
   </p:cSld>
@@ -3037,7 +3040,7 @@
     </p:spTree>
     <p:extLst>
       <p:ext uri="{BB962C8B-B14F-4D97-AF65-F5344CB8AC3E}">
-        <p14:creationId xmlns:p14="http://schemas.microsoft.com/office/powerpoint/2010/main" xmlns="" val="1439308894"/>
+        <p14:creationId xmlns:p14="http://schemas.microsoft.com/office/powerpoint/2010/main" val="1439308894"/>
       </p:ext>
     </p:extLst>
   </p:cSld>
@@ -3292,7 +3295,7 @@
     </p:spTree>
     <p:extLst>
       <p:ext uri="{BB962C8B-B14F-4D97-AF65-F5344CB8AC3E}">
-        <p14:creationId xmlns:p14="http://schemas.microsoft.com/office/powerpoint/2010/main" xmlns="" val="3514112879"/>
+        <p14:creationId xmlns:p14="http://schemas.microsoft.com/office/powerpoint/2010/main" val="3514112879"/>
       </p:ext>
     </p:extLst>
   </p:cSld>
@@ -3724,7 +3727,7 @@
     </p:spTree>
     <p:extLst>
       <p:ext uri="{BB962C8B-B14F-4D97-AF65-F5344CB8AC3E}">
-        <p14:creationId xmlns:p14="http://schemas.microsoft.com/office/powerpoint/2010/main" xmlns="" val="1079883610"/>
+        <p14:creationId xmlns:p14="http://schemas.microsoft.com/office/powerpoint/2010/main" val="1079883610"/>
       </p:ext>
     </p:extLst>
   </p:cSld>
@@ -3909,7 +3912,7 @@
           <a:blip r:embed="rId2" cstate="print">
             <a:extLst>
               <a:ext uri="{28A0092B-C50C-407E-A947-70E740481C1C}">
-                <a14:useLocalDpi xmlns:a14="http://schemas.microsoft.com/office/drawing/2010/main" xmlns="" val="0"/>
+                <a14:useLocalDpi xmlns:a14="http://schemas.microsoft.com/office/drawing/2010/main" val="0"/>
               </a:ext>
             </a:extLst>
           </a:blip>
@@ -3937,7 +3940,7 @@
           </a:ln>
           <a:extLst>
             <a:ext uri="{909E8E84-426E-40DD-AFC4-6F175D3DCCD1}">
-              <a14:hiddenFill xmlns:a14="http://schemas.microsoft.com/office/drawing/2010/main" xmlns="">
+              <a14:hiddenFill xmlns:a14="http://schemas.microsoft.com/office/drawing/2010/main">
                 <a:solidFill>
                   <a:srgbClr val="FFFFFF"/>
                 </a:solidFill>
@@ -3955,7 +3958,7 @@
           <p:nvPr>
             <p:extLst>
               <p:ext uri="{D42A27DB-BD31-4B8C-83A1-F6EECF244321}">
-                <p14:modId xmlns:p14="http://schemas.microsoft.com/office/powerpoint/2010/main" xmlns="" val="945892305"/>
+                <p14:modId xmlns:p14="http://schemas.microsoft.com/office/powerpoint/2010/main" val="945892305"/>
               </p:ext>
             </p:extLst>
           </p:nvPr>
@@ -4249,7 +4252,7 @@
     </p:spTree>
     <p:extLst>
       <p:ext uri="{BB962C8B-B14F-4D97-AF65-F5344CB8AC3E}">
-        <p14:creationId xmlns:p14="http://schemas.microsoft.com/office/powerpoint/2010/main" xmlns="" val="701800115"/>
+        <p14:creationId xmlns:p14="http://schemas.microsoft.com/office/powerpoint/2010/main" val="701800115"/>
       </p:ext>
     </p:extLst>
   </p:cSld>
@@ -4517,7 +4520,7 @@
           <a:blip r:embed="rId2" cstate="print">
             <a:extLst>
               <a:ext uri="{28A0092B-C50C-407E-A947-70E740481C1C}">
-                <a14:useLocalDpi xmlns:a14="http://schemas.microsoft.com/office/drawing/2010/main" xmlns="" val="0"/>
+                <a14:useLocalDpi xmlns:a14="http://schemas.microsoft.com/office/drawing/2010/main" val="0"/>
               </a:ext>
             </a:extLst>
           </a:blip>
@@ -4545,7 +4548,7 @@
           </a:ln>
           <a:extLst>
             <a:ext uri="{909E8E84-426E-40DD-AFC4-6F175D3DCCD1}">
-              <a14:hiddenFill xmlns:a14="http://schemas.microsoft.com/office/drawing/2010/main" xmlns="">
+              <a14:hiddenFill xmlns:a14="http://schemas.microsoft.com/office/drawing/2010/main">
                 <a:solidFill>
                   <a:srgbClr val="FFFFFF"/>
                 </a:solidFill>
@@ -4557,7 +4560,7 @@
     </p:spTree>
     <p:extLst>
       <p:ext uri="{BB962C8B-B14F-4D97-AF65-F5344CB8AC3E}">
-        <p14:creationId xmlns:p14="http://schemas.microsoft.com/office/powerpoint/2010/main" xmlns="" val="621102830"/>
+        <p14:creationId xmlns:p14="http://schemas.microsoft.com/office/powerpoint/2010/main" val="621102830"/>
       </p:ext>
     </p:extLst>
   </p:cSld>
@@ -4825,7 +4828,7 @@
           <a:blip r:embed="rId2" cstate="print">
             <a:extLst>
               <a:ext uri="{28A0092B-C50C-407E-A947-70E740481C1C}">
-                <a14:useLocalDpi xmlns:a14="http://schemas.microsoft.com/office/drawing/2010/main" xmlns="" val="0"/>
+                <a14:useLocalDpi xmlns:a14="http://schemas.microsoft.com/office/drawing/2010/main" val="0"/>
               </a:ext>
             </a:extLst>
           </a:blip>
@@ -4853,7 +4856,7 @@
           </a:ln>
           <a:extLst>
             <a:ext uri="{909E8E84-426E-40DD-AFC4-6F175D3DCCD1}">
-              <a14:hiddenFill xmlns:a14="http://schemas.microsoft.com/office/drawing/2010/main" xmlns="">
+              <a14:hiddenFill xmlns:a14="http://schemas.microsoft.com/office/drawing/2010/main">
                 <a:solidFill>
                   <a:srgbClr val="FFFFFF"/>
                 </a:solidFill>
@@ -4865,7 +4868,7 @@
     </p:spTree>
     <p:extLst>
       <p:ext uri="{BB962C8B-B14F-4D97-AF65-F5344CB8AC3E}">
-        <p14:creationId xmlns:p14="http://schemas.microsoft.com/office/powerpoint/2010/main" xmlns="" val="3244414102"/>
+        <p14:creationId xmlns:p14="http://schemas.microsoft.com/office/powerpoint/2010/main" val="3244414102"/>
       </p:ext>
     </p:extLst>
   </p:cSld>
@@ -5149,7 +5152,7 @@
           <a:blip r:embed="rId2" cstate="print">
             <a:extLst>
               <a:ext uri="{28A0092B-C50C-407E-A947-70E740481C1C}">
-                <a14:useLocalDpi xmlns:a14="http://schemas.microsoft.com/office/drawing/2010/main" xmlns="" val="0"/>
+                <a14:useLocalDpi xmlns:a14="http://schemas.microsoft.com/office/drawing/2010/main" val="0"/>
               </a:ext>
             </a:extLst>
           </a:blip>
@@ -5177,7 +5180,7 @@
           </a:ln>
           <a:extLst>
             <a:ext uri="{909E8E84-426E-40DD-AFC4-6F175D3DCCD1}">
-              <a14:hiddenFill xmlns:a14="http://schemas.microsoft.com/office/drawing/2010/main" xmlns="">
+              <a14:hiddenFill xmlns:a14="http://schemas.microsoft.com/office/drawing/2010/main">
                 <a:solidFill>
                   <a:srgbClr val="FFFFFF"/>
                 </a:solidFill>
@@ -5189,7 +5192,7 @@
     </p:spTree>
     <p:extLst>
       <p:ext uri="{BB962C8B-B14F-4D97-AF65-F5344CB8AC3E}">
-        <p14:creationId xmlns:p14="http://schemas.microsoft.com/office/powerpoint/2010/main" xmlns="" val="4178248026"/>
+        <p14:creationId xmlns:p14="http://schemas.microsoft.com/office/powerpoint/2010/main" val="4178248026"/>
       </p:ext>
     </p:extLst>
   </p:cSld>
@@ -5497,7 +5500,7 @@
           <a:blip r:embed="rId2" cstate="print">
             <a:extLst>
               <a:ext uri="{28A0092B-C50C-407E-A947-70E740481C1C}">
-                <a14:useLocalDpi xmlns:a14="http://schemas.microsoft.com/office/drawing/2010/main" xmlns="" val="0"/>
+                <a14:useLocalDpi xmlns:a14="http://schemas.microsoft.com/office/drawing/2010/main" val="0"/>
               </a:ext>
             </a:extLst>
           </a:blip>
@@ -5525,7 +5528,7 @@
           </a:ln>
           <a:extLst>
             <a:ext uri="{909E8E84-426E-40DD-AFC4-6F175D3DCCD1}">
-              <a14:hiddenFill xmlns:a14="http://schemas.microsoft.com/office/drawing/2010/main" xmlns="">
+              <a14:hiddenFill xmlns:a14="http://schemas.microsoft.com/office/drawing/2010/main">
                 <a:solidFill>
                   <a:srgbClr val="FFFFFF"/>
                 </a:solidFill>
@@ -5537,7 +5540,7 @@
     </p:spTree>
     <p:extLst>
       <p:ext uri="{BB962C8B-B14F-4D97-AF65-F5344CB8AC3E}">
-        <p14:creationId xmlns:p14="http://schemas.microsoft.com/office/powerpoint/2010/main" xmlns="" val="2229309994"/>
+        <p14:creationId xmlns:p14="http://schemas.microsoft.com/office/powerpoint/2010/main" val="2229309994"/>
       </p:ext>
     </p:extLst>
   </p:cSld>
@@ -5766,7 +5769,7 @@
           <a:blip r:embed="rId2" cstate="print">
             <a:extLst>
               <a:ext uri="{28A0092B-C50C-407E-A947-70E740481C1C}">
-                <a14:useLocalDpi xmlns:a14="http://schemas.microsoft.com/office/drawing/2010/main" xmlns="" val="0"/>
+                <a14:useLocalDpi xmlns:a14="http://schemas.microsoft.com/office/drawing/2010/main" val="0"/>
               </a:ext>
             </a:extLst>
           </a:blip>
@@ -5794,7 +5797,7 @@
           </a:ln>
           <a:extLst>
             <a:ext uri="{909E8E84-426E-40DD-AFC4-6F175D3DCCD1}">
-              <a14:hiddenFill xmlns:a14="http://schemas.microsoft.com/office/drawing/2010/main" xmlns="">
+              <a14:hiddenFill xmlns:a14="http://schemas.microsoft.com/office/drawing/2010/main">
                 <a:solidFill>
                   <a:srgbClr val="FFFFFF"/>
                 </a:solidFill>
@@ -5806,7 +5809,7 @@
     </p:spTree>
     <p:extLst>
       <p:ext uri="{BB962C8B-B14F-4D97-AF65-F5344CB8AC3E}">
-        <p14:creationId xmlns:p14="http://schemas.microsoft.com/office/powerpoint/2010/main" xmlns="" val="3888848238"/>
+        <p14:creationId xmlns:p14="http://schemas.microsoft.com/office/powerpoint/2010/main" val="3888848238"/>
       </p:ext>
     </p:extLst>
   </p:cSld>
@@ -5909,7 +5912,7 @@
               <a:pPr/>
               <a:t>16</a:t>
             </a:fld>
-            <a:endParaRPr lang="en-US"/>
+            <a:endParaRPr lang="en-US" dirty="0"/>
           </a:p>
         </p:txBody>
       </p:sp>
@@ -6121,7 +6124,7 @@
           <a:blip r:embed="rId2" cstate="print">
             <a:extLst>
               <a:ext uri="{28A0092B-C50C-407E-A947-70E740481C1C}">
-                <a14:useLocalDpi xmlns:a14="http://schemas.microsoft.com/office/drawing/2010/main" xmlns="" val="0"/>
+                <a14:useLocalDpi xmlns:a14="http://schemas.microsoft.com/office/drawing/2010/main" val="0"/>
               </a:ext>
             </a:extLst>
           </a:blip>
@@ -6149,7 +6152,7 @@
           </a:ln>
           <a:extLst>
             <a:ext uri="{909E8E84-426E-40DD-AFC4-6F175D3DCCD1}">
-              <a14:hiddenFill xmlns:a14="http://schemas.microsoft.com/office/drawing/2010/main" xmlns="">
+              <a14:hiddenFill xmlns:a14="http://schemas.microsoft.com/office/drawing/2010/main">
                 <a:solidFill>
                   <a:srgbClr val="FFFFFF"/>
                 </a:solidFill>
@@ -6161,7 +6164,7 @@
     </p:spTree>
     <p:extLst>
       <p:ext uri="{BB962C8B-B14F-4D97-AF65-F5344CB8AC3E}">
-        <p14:creationId xmlns:p14="http://schemas.microsoft.com/office/powerpoint/2010/main" xmlns="" val="447444199"/>
+        <p14:creationId xmlns:p14="http://schemas.microsoft.com/office/powerpoint/2010/main" val="447444199"/>
       </p:ext>
     </p:extLst>
   </p:cSld>
@@ -6476,7 +6479,7 @@
           <a:blip r:embed="rId2" cstate="print">
             <a:extLst>
               <a:ext uri="{28A0092B-C50C-407E-A947-70E740481C1C}">
-                <a14:useLocalDpi xmlns:a14="http://schemas.microsoft.com/office/drawing/2010/main" xmlns="" val="0"/>
+                <a14:useLocalDpi xmlns:a14="http://schemas.microsoft.com/office/drawing/2010/main" val="0"/>
               </a:ext>
             </a:extLst>
           </a:blip>
@@ -6504,7 +6507,7 @@
           </a:ln>
           <a:extLst>
             <a:ext uri="{909E8E84-426E-40DD-AFC4-6F175D3DCCD1}">
-              <a14:hiddenFill xmlns:a14="http://schemas.microsoft.com/office/drawing/2010/main" xmlns="">
+              <a14:hiddenFill xmlns:a14="http://schemas.microsoft.com/office/drawing/2010/main">
                 <a:solidFill>
                   <a:srgbClr val="FFFFFF"/>
                 </a:solidFill>
@@ -6571,7 +6574,7 @@
           <a:blip r:embed="rId4" cstate="print">
             <a:extLst>
               <a:ext uri="{28A0092B-C50C-407E-A947-70E740481C1C}">
-                <a14:useLocalDpi xmlns:a14="http://schemas.microsoft.com/office/drawing/2010/main" xmlns="" val="0"/>
+                <a14:useLocalDpi xmlns:a14="http://schemas.microsoft.com/office/drawing/2010/main" val="0"/>
               </a:ext>
             </a:extLst>
           </a:blip>
@@ -6599,7 +6602,7 @@
           </a:ln>
           <a:extLst>
             <a:ext uri="{909E8E84-426E-40DD-AFC4-6F175D3DCCD1}">
-              <a14:hiddenFill xmlns:a14="http://schemas.microsoft.com/office/drawing/2010/main" xmlns="">
+              <a14:hiddenFill xmlns:a14="http://schemas.microsoft.com/office/drawing/2010/main">
                 <a:solidFill>
                   <a:srgbClr val="FFFFFF"/>
                 </a:solidFill>
@@ -6611,7 +6614,7 @@
     </p:spTree>
     <p:extLst>
       <p:ext uri="{BB962C8B-B14F-4D97-AF65-F5344CB8AC3E}">
-        <p14:creationId xmlns:p14="http://schemas.microsoft.com/office/powerpoint/2010/main" xmlns="" val="1098072598"/>
+        <p14:creationId xmlns:p14="http://schemas.microsoft.com/office/powerpoint/2010/main" val="1098072598"/>
       </p:ext>
     </p:extLst>
   </p:cSld>
@@ -6647,7 +6650,7 @@
       </p:grpSpPr>
       <p:sp>
         <p:nvSpPr>
-          <p:cNvPr id="2" name="Заголовок 1"/>
+          <p:cNvPr id="10" name="Заголовок 1"/>
           <p:cNvSpPr>
             <a:spLocks noGrp="1"/>
           </p:cNvSpPr>
@@ -6655,14 +6658,19 @@
             <p:ph type="title"/>
           </p:nvPr>
         </p:nvSpPr>
-        <p:spPr/>
-        <p:txBody>
-          <a:bodyPr/>
-          <a:lstStyle/>
-          <a:p>
-            <a:r>
-              <a:rPr lang="en-US" dirty="0" smtClean="0"/>
-              <a:t>Answer Analysis</a:t>
+        <p:spPr>
+          <a:xfrm>
+            <a:off x="838200" y="365125"/>
+            <a:ext cx="10515600" cy="1325563"/>
+          </a:xfrm>
+        </p:spPr>
+        <p:txBody>
+          <a:bodyPr/>
+          <a:lstStyle/>
+          <a:p>
+            <a:r>
+              <a:rPr lang="en-US" dirty="0"/>
+              <a:t>Answer Producer</a:t>
             </a:r>
             <a:endParaRPr lang="ru-RU" dirty="0"/>
           </a:p>
@@ -6670,7 +6678,7 @@
       </p:sp>
       <p:sp>
         <p:nvSpPr>
-          <p:cNvPr id="4" name="Нижний колонтитул 3"/>
+          <p:cNvPr id="11" name="Нижний колонтитул 3"/>
           <p:cNvSpPr>
             <a:spLocks noGrp="1"/>
           </p:cNvSpPr>
@@ -6678,7 +6686,12 @@
             <p:ph type="ftr" sz="quarter" idx="11"/>
           </p:nvPr>
         </p:nvSpPr>
-        <p:spPr/>
+        <p:spPr>
+          <a:xfrm>
+            <a:off x="4038600" y="6356350"/>
+            <a:ext cx="4114800" cy="365125"/>
+          </a:xfrm>
+        </p:spPr>
         <p:txBody>
           <a:bodyPr/>
           <a:lstStyle/>
@@ -6696,140 +6709,123 @@
       </p:sp>
       <p:sp>
         <p:nvSpPr>
-          <p:cNvPr id="5" name="Номер слайда 4"/>
+          <p:cNvPr id="12" name="Номер слайда 4"/>
           <p:cNvSpPr>
             <a:spLocks noGrp="1"/>
           </p:cNvSpPr>
           <p:nvPr>
             <p:ph type="sldNum" sz="quarter" idx="12"/>
           </p:nvPr>
-        </p:nvSpPr>
-        <p:spPr/>
-        <p:txBody>
-          <a:bodyPr/>
-          <a:lstStyle/>
-          <a:p>
-            <a:fld id="{53FE853A-3A55-4CD3-B026-601242F08E1E}" type="slidenum">
-              <a:rPr lang="en-US" smtClean="0"/>
-              <a:pPr/>
-              <a:t>18</a:t>
-            </a:fld>
-            <a:endParaRPr lang="en-US"/>
-          </a:p>
-        </p:txBody>
-      </p:sp>
-      <p:sp>
-        <p:nvSpPr>
-          <p:cNvPr id="11" name="TextBox 10"/>
-          <p:cNvSpPr txBox="1"/>
-          <p:nvPr/>
         </p:nvSpPr>
         <p:spPr>
           <a:xfrm>
-            <a:off x="965197" y="4893734"/>
-            <a:ext cx="10447867" cy="1477328"/>
+            <a:off x="8610600" y="6356350"/>
+            <a:ext cx="2743200" cy="365125"/>
+          </a:xfrm>
+        </p:spPr>
+        <p:txBody>
+          <a:bodyPr/>
+          <a:lstStyle/>
+          <a:p>
+            <a:r>
+              <a:rPr lang="ru-RU" dirty="0" smtClean="0"/>
+              <a:t>18</a:t>
+            </a:r>
+            <a:endParaRPr lang="en-US" dirty="0"/>
+          </a:p>
+        </p:txBody>
+      </p:sp>
+      <p:graphicFrame>
+        <p:nvGraphicFramePr>
+          <p:cNvPr id="13" name="Content Placeholder 5"/>
+          <p:cNvGraphicFramePr>
+            <a:graphicFrameLocks noGrp="1" noChangeAspect="1"/>
+          </p:cNvGraphicFramePr>
+          <p:nvPr>
+            <p:ph idx="1"/>
+            <p:extLst>
+              <p:ext uri="{D42A27DB-BD31-4B8C-83A1-F6EECF244321}">
+                <p14:modId xmlns:p14="http://schemas.microsoft.com/office/powerpoint/2010/main" val="1387808730"/>
+              </p:ext>
+            </p:extLst>
+          </p:nvPr>
+        </p:nvGraphicFramePr>
+        <p:xfrm>
+          <a:off x="838200" y="2322912"/>
+          <a:ext cx="8746066" cy="2844056"/>
+        </p:xfrm>
+        <a:graphic>
+          <a:graphicData uri="http://schemas.openxmlformats.org/presentationml/2006/ole">
+            <mc:AlternateContent xmlns:mc="http://schemas.openxmlformats.org/markup-compatibility/2006">
+              <mc:Choice xmlns:v="urn:schemas-microsoft-com:vml" Requires="v">
+                <p:oleObj spid="_x0000_s9220" name="Visio" r:id="rId3" imgW="4534811" imgH="1475110" progId="Visio.Drawing.11">
+                  <p:embed/>
+                </p:oleObj>
+              </mc:Choice>
+              <mc:Fallback>
+                <p:oleObj name="Visio" r:id="rId3" imgW="4534811" imgH="1475110" progId="Visio.Drawing.11">
+                  <p:embed/>
+                  <p:pic>
+                    <p:nvPicPr>
+                      <p:cNvPr id="0" name=""/>
+                      <p:cNvPicPr/>
+                      <p:nvPr/>
+                    </p:nvPicPr>
+                    <p:blipFill>
+                      <a:blip r:embed="rId4"/>
+                      <a:stretch>
+                        <a:fillRect/>
+                      </a:stretch>
+                    </p:blipFill>
+                    <p:spPr>
+                      <a:xfrm>
+                        <a:off x="838200" y="2322912"/>
+                        <a:ext cx="8746066" cy="2844056"/>
+                      </a:xfrm>
+                      <a:prstGeom prst="rect">
+                        <a:avLst/>
+                      </a:prstGeom>
+                    </p:spPr>
+                  </p:pic>
+                </p:oleObj>
+              </mc:Fallback>
+            </mc:AlternateContent>
+          </a:graphicData>
+        </a:graphic>
+      </p:graphicFrame>
+      <p:sp>
+        <p:nvSpPr>
+          <p:cNvPr id="15" name="Прямоугольник 14"/>
+          <p:cNvSpPr/>
+          <p:nvPr/>
+        </p:nvSpPr>
+        <p:spPr>
+          <a:xfrm>
+            <a:off x="838200" y="1506022"/>
+            <a:ext cx="3876126" cy="369332"/>
           </a:xfrm>
           <a:prstGeom prst="rect">
             <a:avLst/>
           </a:prstGeom>
-          <a:noFill/>
         </p:spPr>
         <p:txBody>
-          <a:bodyPr wrap="square" rtlCol="0">
+          <a:bodyPr wrap="none">
             <a:spAutoFit/>
           </a:bodyPr>
           <a:lstStyle/>
           <a:p>
-            <a:pPr marL="285750" indent="-285750">
-              <a:buFont typeface="Arial" panose="020B0604020202020204" pitchFamily="34" charset="0"/>
-              <a:buChar char="•"/>
-            </a:pPr>
             <a:r>
               <a:rPr lang="ru-RU" dirty="0" smtClean="0"/>
-              <a:t>Базовый морфологический </a:t>
-            </a:r>
-            <a:r>
-              <a:rPr lang="ru-RU" dirty="0" err="1" smtClean="0"/>
-              <a:t>парсинг</a:t>
-            </a:r>
-            <a:endParaRPr lang="ru-RU" dirty="0" smtClean="0"/>
-          </a:p>
-          <a:p>
-            <a:pPr marL="285750" indent="-285750">
-              <a:buFont typeface="Arial" panose="020B0604020202020204" pitchFamily="34" charset="0"/>
-              <a:buChar char="•"/>
-            </a:pPr>
-            <a:r>
-              <a:rPr lang="ru-RU" dirty="0" err="1" smtClean="0"/>
-              <a:t>Препроцессинг</a:t>
-            </a:r>
-            <a:endParaRPr lang="ru-RU" dirty="0" smtClean="0"/>
-          </a:p>
-          <a:p>
-            <a:pPr marL="285750" indent="-285750">
-              <a:buFont typeface="Arial" panose="020B0604020202020204" pitchFamily="34" charset="0"/>
-              <a:buChar char="•"/>
-            </a:pPr>
-            <a:r>
-              <a:rPr lang="ru-RU" dirty="0" smtClean="0"/>
-              <a:t>Извлечение лексических типов ответа (</a:t>
-            </a:r>
-            <a:r>
-              <a:rPr lang="en-US" dirty="0" smtClean="0"/>
-              <a:t>LAT)</a:t>
-            </a:r>
-            <a:endParaRPr lang="ru-RU" dirty="0" smtClean="0"/>
-          </a:p>
-          <a:p>
-            <a:pPr marL="285750" indent="-285750">
-              <a:buFont typeface="Arial" panose="020B0604020202020204" pitchFamily="34" charset="0"/>
-              <a:buChar char="•"/>
-            </a:pPr>
-            <a:r>
-              <a:rPr lang="ru-RU" dirty="0" smtClean="0"/>
-              <a:t>Продолжение следует…</a:t>
-            </a:r>
-          </a:p>
-          <a:p>
-            <a:pPr marL="285750" indent="-285750">
-              <a:buFont typeface="Arial" panose="020B0604020202020204" pitchFamily="34" charset="0"/>
-              <a:buChar char="•"/>
-            </a:pPr>
+              <a:t>Формирование кандидата для ответа</a:t>
+            </a:r>
             <a:endParaRPr lang="ru-RU" dirty="0"/>
           </a:p>
         </p:txBody>
       </p:sp>
-      <p:graphicFrame>
-        <p:nvGraphicFramePr>
-          <p:cNvPr id="7" name="Content Placeholder 6"/>
-          <p:cNvGraphicFramePr>
-            <a:graphicFrameLocks noGrp="1" noChangeAspect="1"/>
-          </p:cNvGraphicFramePr>
-          <p:nvPr>
-            <p:ph idx="1"/>
-            <p:extLst>
-              <p:ext uri="{D42A27DB-BD31-4B8C-83A1-F6EECF244321}">
-                <p14:modId xmlns:p14="http://schemas.microsoft.com/office/powerpoint/2010/main" xmlns="" val="1093873912"/>
-              </p:ext>
-            </p:extLst>
-          </p:nvPr>
-        </p:nvGraphicFramePr>
-        <p:xfrm>
-          <a:off x="965198" y="1387475"/>
-          <a:ext cx="10016069" cy="3351852"/>
-        </p:xfrm>
-        <a:graphic>
-          <a:graphicData uri="http://schemas.openxmlformats.org/presentationml/2006/ole">
-            <p:oleObj spid="_x0000_s3080" name="Visio" r:id="rId3" imgW="8440844" imgH="2825010" progId="Visio.Drawing.11">
-              <p:embed/>
-            </p:oleObj>
-          </a:graphicData>
-        </a:graphic>
-      </p:graphicFrame>
     </p:spTree>
     <p:extLst>
       <p:ext uri="{BB962C8B-B14F-4D97-AF65-F5344CB8AC3E}">
-        <p14:creationId xmlns:p14="http://schemas.microsoft.com/office/powerpoint/2010/main" xmlns="" val="1920304825"/>
+        <p14:creationId xmlns:p14="http://schemas.microsoft.com/office/powerpoint/2010/main" val="1638442515"/>
       </p:ext>
     </p:extLst>
   </p:cSld>
@@ -6858,7 +6854,7 @@
       </p:grpSpPr>
       <p:sp>
         <p:nvSpPr>
-          <p:cNvPr id="2" name="Заголовок 1"/>
+          <p:cNvPr id="12" name="Заголовок 1"/>
           <p:cNvSpPr>
             <a:spLocks noGrp="1"/>
           </p:cNvSpPr>
@@ -6866,14 +6862,19 @@
             <p:ph type="title"/>
           </p:nvPr>
         </p:nvSpPr>
-        <p:spPr/>
+        <p:spPr>
+          <a:xfrm>
+            <a:off x="838200" y="365125"/>
+            <a:ext cx="10515600" cy="1325563"/>
+          </a:xfrm>
+        </p:spPr>
         <p:txBody>
           <a:bodyPr/>
           <a:lstStyle/>
           <a:p>
             <a:r>
               <a:rPr lang="en-US" dirty="0" smtClean="0"/>
-              <a:t>Answer Analysis</a:t>
+              <a:t>Answer Producer</a:t>
             </a:r>
             <a:endParaRPr lang="ru-RU" dirty="0"/>
           </a:p>
@@ -6881,7 +6882,7 @@
       </p:sp>
       <p:sp>
         <p:nvSpPr>
-          <p:cNvPr id="4" name="Нижний колонтитул 3"/>
+          <p:cNvPr id="13" name="Нижний колонтитул 3"/>
           <p:cNvSpPr>
             <a:spLocks noGrp="1"/>
           </p:cNvSpPr>
@@ -6889,7 +6890,12 @@
             <p:ph type="ftr" sz="quarter" idx="11"/>
           </p:nvPr>
         </p:nvSpPr>
-        <p:spPr/>
+        <p:spPr>
+          <a:xfrm>
+            <a:off x="4038600" y="6356350"/>
+            <a:ext cx="4114800" cy="365125"/>
+          </a:xfrm>
+        </p:spPr>
         <p:txBody>
           <a:bodyPr/>
           <a:lstStyle/>
@@ -6907,7 +6913,7 @@
       </p:sp>
       <p:sp>
         <p:nvSpPr>
-          <p:cNvPr id="5" name="Номер слайда 4"/>
+          <p:cNvPr id="14" name="Номер слайда 4"/>
           <p:cNvSpPr>
             <a:spLocks noGrp="1"/>
           </p:cNvSpPr>
@@ -6915,7 +6921,12 @@
             <p:ph type="sldNum" sz="quarter" idx="12"/>
           </p:nvPr>
         </p:nvSpPr>
-        <p:spPr/>
+        <p:spPr>
+          <a:xfrm>
+            <a:off x="8610600" y="6356350"/>
+            <a:ext cx="2743200" cy="365125"/>
+          </a:xfrm>
+        </p:spPr>
         <p:txBody>
           <a:bodyPr/>
           <a:lstStyle/>
@@ -6931,14 +6942,113 @@
       </p:sp>
       <p:sp>
         <p:nvSpPr>
-          <p:cNvPr id="11" name="TextBox 10"/>
+          <p:cNvPr id="15" name="Прямоугольник 14"/>
+          <p:cNvSpPr/>
+          <p:nvPr/>
+        </p:nvSpPr>
+        <p:spPr>
+          <a:xfrm>
+            <a:off x="911146" y="1441914"/>
+            <a:ext cx="5192319" cy="400110"/>
+          </a:xfrm>
+          <a:prstGeom prst="rect">
+            <a:avLst/>
+          </a:prstGeom>
+        </p:spPr>
+        <p:txBody>
+          <a:bodyPr wrap="none">
+            <a:spAutoFit/>
+          </a:bodyPr>
+          <a:lstStyle/>
+          <a:p>
+            <a:r>
+              <a:rPr lang="ru-RU" sz="2000" dirty="0" smtClean="0"/>
+              <a:t>Индекс, формат запроса к </a:t>
+            </a:r>
+            <a:r>
+              <a:rPr lang="en-US" sz="2000" dirty="0" err="1" smtClean="0"/>
+              <a:t>Solr</a:t>
+            </a:r>
+            <a:r>
+              <a:rPr lang="ru-RU" sz="2000" dirty="0" smtClean="0"/>
+              <a:t>, релевантность</a:t>
+            </a:r>
+            <a:endParaRPr lang="en-US" sz="2000" dirty="0"/>
+          </a:p>
+        </p:txBody>
+      </p:sp>
+      <p:graphicFrame>
+        <p:nvGraphicFramePr>
+          <p:cNvPr id="18" name="Content Placeholder 5"/>
+          <p:cNvGraphicFramePr>
+            <a:graphicFrameLocks noGrp="1" noChangeAspect="1"/>
+          </p:cNvGraphicFramePr>
+          <p:nvPr>
+            <p:ph idx="1"/>
+            <p:extLst>
+              <p:ext uri="{D42A27DB-BD31-4B8C-83A1-F6EECF244321}">
+                <p14:modId xmlns:p14="http://schemas.microsoft.com/office/powerpoint/2010/main" val="1525054578"/>
+              </p:ext>
+            </p:extLst>
+          </p:nvPr>
+        </p:nvGraphicFramePr>
+        <p:xfrm>
+          <a:off x="270676" y="1695189"/>
+          <a:ext cx="2498725" cy="2252662"/>
+        </p:xfrm>
+        <a:graphic>
+          <a:graphicData uri="http://schemas.openxmlformats.org/presentationml/2006/ole">
+            <mc:AlternateContent xmlns:mc="http://schemas.openxmlformats.org/markup-compatibility/2006">
+              <mc:Choice xmlns:v="urn:schemas-microsoft-com:vml" Requires="v">
+                <p:oleObj spid="_x0000_s6160" name="Visio" r:id="rId3" imgW="1307765" imgH="1178783" progId="Visio.Drawing.11">
+                  <p:embed/>
+                </p:oleObj>
+              </mc:Choice>
+              <mc:Fallback>
+                <p:oleObj name="Visio" r:id="rId3" imgW="1307765" imgH="1178783" progId="Visio.Drawing.11">
+                  <p:embed/>
+                  <p:pic>
+                    <p:nvPicPr>
+                      <p:cNvPr id="0" name=""/>
+                      <p:cNvPicPr>
+                        <a:picLocks noGrp="1" noChangeAspect="1" noChangeArrowheads="1"/>
+                      </p:cNvPicPr>
+                      <p:nvPr/>
+                    </p:nvPicPr>
+                    <p:blipFill>
+                      <a:blip r:embed="rId4"/>
+                      <a:srcRect/>
+                      <a:stretch>
+                        <a:fillRect/>
+                      </a:stretch>
+                    </p:blipFill>
+                    <p:spPr bwMode="auto">
+                      <a:xfrm>
+                        <a:off x="270676" y="1695189"/>
+                        <a:ext cx="2498725" cy="2252662"/>
+                      </a:xfrm>
+                      <a:prstGeom prst="rect">
+                        <a:avLst/>
+                      </a:prstGeom>
+                      <a:noFill/>
+                    </p:spPr>
+                  </p:pic>
+                </p:oleObj>
+              </mc:Fallback>
+            </mc:AlternateContent>
+          </a:graphicData>
+        </a:graphic>
+      </p:graphicFrame>
+      <p:sp>
+        <p:nvSpPr>
+          <p:cNvPr id="20" name="TextBox 19"/>
           <p:cNvSpPr txBox="1"/>
           <p:nvPr/>
         </p:nvSpPr>
         <p:spPr>
           <a:xfrm>
-            <a:off x="965197" y="4893734"/>
-            <a:ext cx="10447867" cy="1477328"/>
+            <a:off x="2769401" y="2098484"/>
+            <a:ext cx="7488783" cy="3508653"/>
           </a:xfrm>
           <a:prstGeom prst="rect">
             <a:avLst/>
@@ -6951,134 +7061,170 @@
           </a:bodyPr>
           <a:lstStyle/>
           <a:p>
-            <a:pPr marL="285750" indent="-285750">
-              <a:buFont typeface="Arial" panose="020B0604020202020204" pitchFamily="34" charset="0"/>
-              <a:buChar char="•"/>
-            </a:pPr>
+            <a:r>
+              <a:rPr lang="ru-RU" sz="2400" dirty="0" smtClean="0">
+                <a:solidFill>
+                  <a:schemeClr val="accent4">
+                    <a:lumMod val="75000"/>
+                  </a:schemeClr>
+                </a:solidFill>
+              </a:rPr>
+              <a:t>Вопрос: </a:t>
+            </a:r>
+            <a:r>
+              <a:rPr lang="ru-RU" sz="2400" dirty="0" smtClean="0">
+                <a:solidFill>
+                  <a:schemeClr val="accent4">
+                    <a:lumMod val="75000"/>
+                  </a:schemeClr>
+                </a:solidFill>
+              </a:rPr>
+              <a:t>Как правильно держать вилку?</a:t>
+            </a:r>
+          </a:p>
+          <a:p>
+            <a:endParaRPr lang="ru-RU" dirty="0" smtClean="0"/>
+          </a:p>
+          <a:p>
+            <a:r>
+              <a:rPr lang="en-US" dirty="0" err="1" smtClean="0"/>
+              <a:t>SolrDocPrimarySearch</a:t>
+            </a:r>
             <a:r>
               <a:rPr lang="ru-RU" dirty="0" smtClean="0"/>
-              <a:t>Приведение </a:t>
-            </a:r>
-            <a:r>
-              <a:rPr lang="en-US" dirty="0" smtClean="0"/>
-              <a:t>LAT </a:t>
-            </a:r>
-            <a:r>
+              <a:t/>
+            </a:r>
+            <a:br>
               <a:rPr lang="ru-RU" dirty="0" smtClean="0"/>
-              <a:t>к каноническому виду</a:t>
-            </a:r>
-          </a:p>
-          <a:p>
-            <a:pPr marL="285750" indent="-285750">
-              <a:buFont typeface="Arial" panose="020B0604020202020204" pitchFamily="34" charset="0"/>
-              <a:buChar char="•"/>
-            </a:pPr>
+            </a:br>
             <a:r>
               <a:rPr lang="ru-RU" dirty="0" smtClean="0"/>
-              <a:t>Сравнение </a:t>
-            </a:r>
-            <a:r>
-              <a:rPr lang="en-US" dirty="0" smtClean="0"/>
-              <a:t>LAT </a:t>
+              <a:t>+("</a:t>
+            </a:r>
+            <a:r>
+              <a:rPr lang="ru-RU" dirty="0"/>
+              <a:t>держать")^1.0 ("</a:t>
+            </a:r>
+            <a:r>
+              <a:rPr lang="ru-RU" dirty="0" err="1"/>
+              <a:t>Fork</a:t>
+            </a:r>
+            <a:r>
+              <a:rPr lang="ru-RU" dirty="0"/>
+              <a:t>")^1.6 +("вилка")^1.6  ("держать вилка "~4)^2.6 ("держать вилка "~12)^1.3 ("держать вилка "~36)^</a:t>
             </a:r>
             <a:r>
               <a:rPr lang="ru-RU" dirty="0" smtClean="0"/>
-              <a:t>ответа с </a:t>
-            </a:r>
-            <a:r>
-              <a:rPr lang="en-US" dirty="0" smtClean="0"/>
-              <a:t>Clue </a:t>
-            </a:r>
-            <a:r>
-              <a:rPr lang="ru-RU" dirty="0" smtClean="0"/>
-              <a:t>из вопроса по различным критериями</a:t>
-            </a:r>
-          </a:p>
-          <a:p>
-            <a:pPr marL="285750" indent="-285750">
-              <a:buFont typeface="Arial" panose="020B0604020202020204" pitchFamily="34" charset="0"/>
-              <a:buChar char="•"/>
-            </a:pPr>
+              <a:t>0.65</a:t>
+            </a:r>
+          </a:p>
+          <a:p>
+            <a:endParaRPr lang="ru-RU" dirty="0" smtClean="0"/>
+          </a:p>
+          <a:p>
+            <a:r>
+              <a:rPr lang="en-US" dirty="0" err="1"/>
+              <a:t>SolrFullPrimarySearch</a:t>
+            </a:r>
+            <a:endParaRPr lang="ru-RU" dirty="0"/>
+          </a:p>
+          <a:p>
             <a:r>
               <a:rPr lang="ru-RU" dirty="0"/>
-              <a:t>Сравнение </a:t>
+              <a:t>+("держать" </a:t>
             </a:r>
             <a:r>
               <a:rPr lang="en-US" dirty="0"/>
-              <a:t>LAT </a:t>
+              <a:t>OR </a:t>
+            </a:r>
+            <a:r>
+              <a:rPr lang="en-US" dirty="0" err="1"/>
+              <a:t>titleText</a:t>
+            </a:r>
+            <a:r>
+              <a:rPr lang="en-US" dirty="0"/>
+              <a:t>:"</a:t>
             </a:r>
             <a:r>
               <a:rPr lang="ru-RU" dirty="0"/>
-              <a:t>ответа с </a:t>
-            </a:r>
-            <a:r>
-              <a:rPr lang="en-US" dirty="0" smtClean="0"/>
-              <a:t>LAT </a:t>
-            </a:r>
-            <a:r>
-              <a:rPr lang="ru-RU" dirty="0" smtClean="0"/>
-              <a:t>из вопроса </a:t>
+              <a:t>держать")^1.0 ("</a:t>
+            </a:r>
+            <a:r>
+              <a:rPr lang="en-US" dirty="0"/>
+              <a:t>Fork" OR </a:t>
+            </a:r>
+            <a:r>
+              <a:rPr lang="en-US" dirty="0" err="1"/>
+              <a:t>titleText</a:t>
+            </a:r>
+            <a:r>
+              <a:rPr lang="en-US" dirty="0"/>
+              <a:t>:"Fork")^1.6 +("</a:t>
             </a:r>
             <a:r>
               <a:rPr lang="ru-RU" dirty="0"/>
-              <a:t>по различным критериями</a:t>
+              <a:t>вилка" </a:t>
+            </a:r>
+            <a:r>
+              <a:rPr lang="en-US" dirty="0"/>
+              <a:t>OR </a:t>
+            </a:r>
+            <a:r>
+              <a:rPr lang="en-US" dirty="0" err="1"/>
+              <a:t>titleText</a:t>
+            </a:r>
+            <a:r>
+              <a:rPr lang="en-US" dirty="0"/>
+              <a:t>:"</a:t>
+            </a:r>
+            <a:r>
+              <a:rPr lang="ru-RU" dirty="0"/>
+              <a:t>вилка")^1.6  ("держать вилка "~4)^2.6 (</a:t>
+            </a:r>
+            <a:r>
+              <a:rPr lang="en-US" dirty="0" err="1"/>
+              <a:t>titleText</a:t>
+            </a:r>
+            <a:r>
+              <a:rPr lang="en-US" dirty="0"/>
+              <a:t>:"</a:t>
+            </a:r>
+            <a:r>
+              <a:rPr lang="ru-RU" dirty="0"/>
+              <a:t>держать вилка "~4)^2.6 ("держать вилка "~12)^1.3 (</a:t>
+            </a:r>
+            <a:r>
+              <a:rPr lang="en-US" dirty="0" err="1"/>
+              <a:t>titleText</a:t>
+            </a:r>
+            <a:r>
+              <a:rPr lang="en-US" dirty="0"/>
+              <a:t>:"</a:t>
+            </a:r>
+            <a:r>
+              <a:rPr lang="ru-RU" dirty="0"/>
+              <a:t>держать вилка "~12)^1.3 ("держать вилка "~36)^0.65 (</a:t>
+            </a:r>
+            <a:r>
+              <a:rPr lang="en-US" dirty="0" err="1"/>
+              <a:t>titleText</a:t>
+            </a:r>
+            <a:r>
+              <a:rPr lang="en-US" dirty="0"/>
+              <a:t>:"</a:t>
+            </a:r>
+            <a:r>
+              <a:rPr lang="ru-RU" dirty="0"/>
+              <a:t>держать вилка "~36)^0.65</a:t>
             </a:r>
             <a:endParaRPr lang="ru-RU" dirty="0" smtClean="0"/>
           </a:p>
-          <a:p>
-            <a:pPr marL="285750" indent="-285750">
-              <a:buFont typeface="Arial" panose="020B0604020202020204" pitchFamily="34" charset="0"/>
-              <a:buChar char="•"/>
-            </a:pPr>
-            <a:r>
-              <a:rPr lang="ru-RU" dirty="0" smtClean="0"/>
-              <a:t>Формирование массива метрик</a:t>
-            </a:r>
-          </a:p>
-          <a:p>
-            <a:pPr marL="285750" indent="-285750">
-              <a:buFont typeface="Arial" panose="020B0604020202020204" pitchFamily="34" charset="0"/>
-              <a:buChar char="•"/>
-            </a:pPr>
-            <a:r>
-              <a:rPr lang="ru-RU" dirty="0" smtClean="0"/>
-              <a:t>Вычисление финальной метрики</a:t>
-            </a:r>
-            <a:endParaRPr lang="ru-RU" dirty="0"/>
-          </a:p>
-        </p:txBody>
-      </p:sp>
-      <p:graphicFrame>
-        <p:nvGraphicFramePr>
-          <p:cNvPr id="6" name="Content Placeholder 5"/>
-          <p:cNvGraphicFramePr>
-            <a:graphicFrameLocks noGrp="1" noChangeAspect="1"/>
-          </p:cNvGraphicFramePr>
-          <p:nvPr>
-            <p:ph idx="1"/>
-            <p:extLst>
-              <p:ext uri="{D42A27DB-BD31-4B8C-83A1-F6EECF244321}">
-                <p14:modId xmlns:p14="http://schemas.microsoft.com/office/powerpoint/2010/main" xmlns="" val="4199217271"/>
-              </p:ext>
-            </p:extLst>
-          </p:nvPr>
-        </p:nvGraphicFramePr>
-        <p:xfrm>
-          <a:off x="897464" y="1305455"/>
-          <a:ext cx="8940803" cy="3605206"/>
-        </p:xfrm>
-        <a:graphic>
-          <a:graphicData uri="http://schemas.openxmlformats.org/presentationml/2006/ole">
-            <p:oleObj spid="_x0000_s4104" name="Visio" r:id="rId3" imgW="6334888" imgH="2555010" progId="Visio.Drawing.11">
-              <p:embed/>
-            </p:oleObj>
-          </a:graphicData>
-        </a:graphic>
-      </p:graphicFrame>
+        </p:txBody>
+      </p:sp>
     </p:spTree>
     <p:extLst>
       <p:ext uri="{BB962C8B-B14F-4D97-AF65-F5344CB8AC3E}">
-        <p14:creationId xmlns:p14="http://schemas.microsoft.com/office/powerpoint/2010/main" xmlns="" val="521732281"/>
+        <p14:creationId xmlns:p14="http://schemas.microsoft.com/office/powerpoint/2010/main" val="514771902"/>
       </p:ext>
     </p:extLst>
   </p:cSld>
@@ -7214,7 +7360,7 @@
     </p:spTree>
     <p:extLst>
       <p:ext uri="{BB962C8B-B14F-4D97-AF65-F5344CB8AC3E}">
-        <p14:creationId xmlns:p14="http://schemas.microsoft.com/office/powerpoint/2010/main" xmlns="" val="3272690493"/>
+        <p14:creationId xmlns:p14="http://schemas.microsoft.com/office/powerpoint/2010/main" val="3272690493"/>
       </p:ext>
     </p:extLst>
   </p:cSld>
@@ -7243,7 +7389,7 @@
       </p:grpSpPr>
       <p:sp>
         <p:nvSpPr>
-          <p:cNvPr id="2" name="Заголовок 1"/>
+          <p:cNvPr id="6" name="Заголовок 1"/>
           <p:cNvSpPr>
             <a:spLocks noGrp="1"/>
           </p:cNvSpPr>
@@ -7251,14 +7397,19 @@
             <p:ph type="title"/>
           </p:nvPr>
         </p:nvSpPr>
-        <p:spPr/>
-        <p:txBody>
-          <a:bodyPr/>
-          <a:lstStyle/>
-          <a:p>
-            <a:r>
-              <a:rPr lang="ru-RU" dirty="0" smtClean="0"/>
-              <a:t>Полученные результаты</a:t>
+        <p:spPr>
+          <a:xfrm>
+            <a:off x="838200" y="365125"/>
+            <a:ext cx="10515600" cy="1325563"/>
+          </a:xfrm>
+        </p:spPr>
+        <p:txBody>
+          <a:bodyPr/>
+          <a:lstStyle/>
+          <a:p>
+            <a:r>
+              <a:rPr lang="en-US" dirty="0" smtClean="0"/>
+              <a:t>Answer Producer</a:t>
             </a:r>
             <a:endParaRPr lang="ru-RU" dirty="0"/>
           </a:p>
@@ -7266,67 +7417,7 @@
       </p:sp>
       <p:sp>
         <p:nvSpPr>
-          <p:cNvPr id="3" name="Объект 2"/>
-          <p:cNvSpPr>
-            <a:spLocks noGrp="1"/>
-          </p:cNvSpPr>
-          <p:nvPr>
-            <p:ph idx="1"/>
-          </p:nvPr>
-        </p:nvSpPr>
-        <p:spPr/>
-        <p:txBody>
-          <a:bodyPr/>
-          <a:lstStyle/>
-          <a:p>
-            <a:r>
-              <a:rPr lang="ru-RU" dirty="0" smtClean="0"/>
-              <a:t>На выборке в 50 вопросов</a:t>
-            </a:r>
-          </a:p>
-          <a:p>
-            <a:pPr lvl="1"/>
-            <a:r>
-              <a:rPr lang="ru-RU" dirty="0" smtClean="0"/>
-              <a:t>% получения ответа: </a:t>
-            </a:r>
-            <a:r>
-              <a:rPr lang="ru-RU" b="1" dirty="0" smtClean="0"/>
-              <a:t>60%</a:t>
-            </a:r>
-          </a:p>
-          <a:p>
-            <a:pPr lvl="1"/>
-            <a:r>
-              <a:rPr lang="ru-RU" dirty="0" smtClean="0"/>
-              <a:t>Условная точность ответа: </a:t>
-            </a:r>
-            <a:r>
-              <a:rPr lang="ru-RU" b="1" dirty="0" smtClean="0"/>
-              <a:t>80%</a:t>
-            </a:r>
-          </a:p>
-          <a:p>
-            <a:r>
-              <a:rPr lang="ru-RU" dirty="0" smtClean="0"/>
-              <a:t>Время ответа на 1 вопрос 1-3 мин</a:t>
-            </a:r>
-          </a:p>
-          <a:p>
-            <a:endParaRPr lang="ru-RU" dirty="0" smtClean="0"/>
-          </a:p>
-          <a:p>
-            <a:endParaRPr lang="ru-RU" dirty="0" smtClean="0"/>
-          </a:p>
-          <a:p>
-            <a:pPr lvl="1"/>
-            <a:endParaRPr lang="ru-RU" dirty="0"/>
-          </a:p>
-        </p:txBody>
-      </p:sp>
-      <p:sp>
-        <p:nvSpPr>
-          <p:cNvPr id="4" name="Нижний колонтитул 3"/>
+          <p:cNvPr id="7" name="Нижний колонтитул 3"/>
           <p:cNvSpPr>
             <a:spLocks noGrp="1"/>
           </p:cNvSpPr>
@@ -7334,7 +7425,12 @@
             <p:ph type="ftr" sz="quarter" idx="11"/>
           </p:nvPr>
         </p:nvSpPr>
-        <p:spPr/>
+        <p:spPr>
+          <a:xfrm>
+            <a:off x="4038600" y="6356350"/>
+            <a:ext cx="4114800" cy="365125"/>
+          </a:xfrm>
+        </p:spPr>
         <p:txBody>
           <a:bodyPr/>
           <a:lstStyle/>
@@ -7352,7 +7448,7 @@
       </p:sp>
       <p:sp>
         <p:nvSpPr>
-          <p:cNvPr id="5" name="Номер слайда 4"/>
+          <p:cNvPr id="8" name="Номер слайда 4"/>
           <p:cNvSpPr>
             <a:spLocks noGrp="1"/>
           </p:cNvSpPr>
@@ -7360,7 +7456,12 @@
             <p:ph type="sldNum" sz="quarter" idx="12"/>
           </p:nvPr>
         </p:nvSpPr>
-        <p:spPr/>
+        <p:spPr>
+          <a:xfrm>
+            <a:off x="8610600" y="6356350"/>
+            <a:ext cx="2743200" cy="365125"/>
+          </a:xfrm>
+        </p:spPr>
         <p:txBody>
           <a:bodyPr/>
           <a:lstStyle/>
@@ -7374,10 +7475,530 @@
           </a:p>
         </p:txBody>
       </p:sp>
+      <p:sp>
+        <p:nvSpPr>
+          <p:cNvPr id="9" name="Прямоугольник 8"/>
+          <p:cNvSpPr/>
+          <p:nvPr/>
+        </p:nvSpPr>
+        <p:spPr>
+          <a:xfrm>
+            <a:off x="911146" y="1441914"/>
+            <a:ext cx="7359707" cy="400110"/>
+          </a:xfrm>
+          <a:prstGeom prst="rect">
+            <a:avLst/>
+          </a:prstGeom>
+        </p:spPr>
+        <p:txBody>
+          <a:bodyPr wrap="none">
+            <a:spAutoFit/>
+          </a:bodyPr>
+          <a:lstStyle/>
+          <a:p>
+            <a:r>
+              <a:rPr lang="ru-RU" sz="2000" dirty="0" smtClean="0"/>
+              <a:t>Фильтры </a:t>
+            </a:r>
+            <a:r>
+              <a:rPr lang="en-US" sz="2000" dirty="0" err="1" smtClean="0"/>
+              <a:t>Solr</a:t>
+            </a:r>
+            <a:r>
+              <a:rPr lang="ru-RU" sz="2000" dirty="0" smtClean="0"/>
+              <a:t> для поиска, оптимизация поиска по русскому тексту</a:t>
+            </a:r>
+          </a:p>
+        </p:txBody>
+      </p:sp>
+      <p:sp>
+        <p:nvSpPr>
+          <p:cNvPr id="11" name="TextBox 10"/>
+          <p:cNvSpPr txBox="1"/>
+          <p:nvPr/>
+        </p:nvSpPr>
+        <p:spPr>
+          <a:xfrm>
+            <a:off x="838200" y="2489342"/>
+            <a:ext cx="9522041" cy="2031325"/>
+          </a:xfrm>
+          <a:prstGeom prst="rect">
+            <a:avLst/>
+          </a:prstGeom>
+          <a:noFill/>
+        </p:spPr>
+        <p:txBody>
+          <a:bodyPr wrap="square" rtlCol="0">
+            <a:spAutoFit/>
+          </a:bodyPr>
+          <a:lstStyle/>
+          <a:p>
+            <a:r>
+              <a:rPr lang="en-US" dirty="0">
+                <a:solidFill>
+                  <a:schemeClr val="accent1">
+                    <a:lumMod val="50000"/>
+                  </a:schemeClr>
+                </a:solidFill>
+              </a:rPr>
+              <a:t>&lt;</a:t>
+            </a:r>
+            <a:r>
+              <a:rPr lang="en-US" dirty="0" err="1">
+                <a:solidFill>
+                  <a:schemeClr val="accent1">
+                    <a:lumMod val="50000"/>
+                  </a:schemeClr>
+                </a:solidFill>
+              </a:rPr>
+              <a:t>fieldType</a:t>
+            </a:r>
+            <a:r>
+              <a:rPr lang="en-US" dirty="0">
+                <a:solidFill>
+                  <a:schemeClr val="accent1">
+                    <a:lumMod val="50000"/>
+                  </a:schemeClr>
+                </a:solidFill>
+              </a:rPr>
+              <a:t> </a:t>
+            </a:r>
+            <a:r>
+              <a:rPr lang="en-US" dirty="0">
+                <a:solidFill>
+                  <a:schemeClr val="accent2">
+                    <a:lumMod val="50000"/>
+                  </a:schemeClr>
+                </a:solidFill>
+              </a:rPr>
+              <a:t>name</a:t>
+            </a:r>
+            <a:r>
+              <a:rPr lang="en-US" dirty="0">
+                <a:solidFill>
+                  <a:schemeClr val="accent1">
+                    <a:lumMod val="50000"/>
+                  </a:schemeClr>
+                </a:solidFill>
+              </a:rPr>
+              <a:t>="</a:t>
+            </a:r>
+            <a:r>
+              <a:rPr lang="en-US" dirty="0" err="1">
+                <a:solidFill>
+                  <a:schemeClr val="accent6">
+                    <a:lumMod val="50000"/>
+                  </a:schemeClr>
+                </a:solidFill>
+              </a:rPr>
+              <a:t>text_ru</a:t>
+            </a:r>
+            <a:r>
+              <a:rPr lang="en-US" dirty="0">
+                <a:solidFill>
+                  <a:schemeClr val="accent1">
+                    <a:lumMod val="50000"/>
+                  </a:schemeClr>
+                </a:solidFill>
+              </a:rPr>
+              <a:t>" </a:t>
+            </a:r>
+            <a:r>
+              <a:rPr lang="en-US" dirty="0">
+                <a:solidFill>
+                  <a:schemeClr val="accent2">
+                    <a:lumMod val="50000"/>
+                  </a:schemeClr>
+                </a:solidFill>
+              </a:rPr>
+              <a:t>class</a:t>
+            </a:r>
+            <a:r>
+              <a:rPr lang="en-US" dirty="0">
+                <a:solidFill>
+                  <a:schemeClr val="accent1">
+                    <a:lumMod val="50000"/>
+                  </a:schemeClr>
+                </a:solidFill>
+              </a:rPr>
+              <a:t>="</a:t>
+            </a:r>
+            <a:r>
+              <a:rPr lang="en-US" dirty="0" err="1">
+                <a:solidFill>
+                  <a:schemeClr val="accent6">
+                    <a:lumMod val="50000"/>
+                  </a:schemeClr>
+                </a:solidFill>
+              </a:rPr>
+              <a:t>solr.TextField</a:t>
+            </a:r>
+            <a:r>
+              <a:rPr lang="en-US" dirty="0">
+                <a:solidFill>
+                  <a:schemeClr val="accent1">
+                    <a:lumMod val="50000"/>
+                  </a:schemeClr>
+                </a:solidFill>
+              </a:rPr>
+              <a:t>" </a:t>
+            </a:r>
+            <a:r>
+              <a:rPr lang="en-US" dirty="0" err="1">
+                <a:solidFill>
+                  <a:schemeClr val="accent2">
+                    <a:lumMod val="50000"/>
+                  </a:schemeClr>
+                </a:solidFill>
+              </a:rPr>
+              <a:t>positionIncrementGap</a:t>
+            </a:r>
+            <a:r>
+              <a:rPr lang="en-US" dirty="0">
+                <a:solidFill>
+                  <a:schemeClr val="accent1">
+                    <a:lumMod val="50000"/>
+                  </a:schemeClr>
+                </a:solidFill>
+              </a:rPr>
+              <a:t>="</a:t>
+            </a:r>
+            <a:r>
+              <a:rPr lang="en-US" dirty="0">
+                <a:solidFill>
+                  <a:schemeClr val="accent6">
+                    <a:lumMod val="50000"/>
+                  </a:schemeClr>
+                </a:solidFill>
+              </a:rPr>
+              <a:t>100</a:t>
+            </a:r>
+            <a:r>
+              <a:rPr lang="en-US" dirty="0">
+                <a:solidFill>
+                  <a:schemeClr val="accent1">
+                    <a:lumMod val="50000"/>
+                  </a:schemeClr>
+                </a:solidFill>
+              </a:rPr>
+              <a:t>"&gt;</a:t>
+            </a:r>
+          </a:p>
+          <a:p>
+            <a:r>
+              <a:rPr lang="en-US" dirty="0" smtClean="0">
+                <a:solidFill>
+                  <a:schemeClr val="accent1">
+                    <a:lumMod val="50000"/>
+                  </a:schemeClr>
+                </a:solidFill>
+              </a:rPr>
+              <a:t>     &lt;</a:t>
+            </a:r>
+            <a:r>
+              <a:rPr lang="en-US" dirty="0">
+                <a:solidFill>
+                  <a:schemeClr val="accent1">
+                    <a:lumMod val="50000"/>
+                  </a:schemeClr>
+                </a:solidFill>
+              </a:rPr>
+              <a:t>analyzer&gt; </a:t>
+            </a:r>
+          </a:p>
+          <a:p>
+            <a:r>
+              <a:rPr lang="en-US" dirty="0" smtClean="0">
+                <a:solidFill>
+                  <a:schemeClr val="accent1">
+                    <a:lumMod val="50000"/>
+                  </a:schemeClr>
+                </a:solidFill>
+              </a:rPr>
+              <a:t>       </a:t>
+            </a:r>
+            <a:r>
+              <a:rPr lang="en-US" dirty="0">
+                <a:solidFill>
+                  <a:schemeClr val="accent1">
+                    <a:lumMod val="50000"/>
+                  </a:schemeClr>
+                </a:solidFill>
+              </a:rPr>
+              <a:t>&lt;tokenizer </a:t>
+            </a:r>
+            <a:r>
+              <a:rPr lang="en-US" dirty="0">
+                <a:solidFill>
+                  <a:schemeClr val="accent2">
+                    <a:lumMod val="50000"/>
+                  </a:schemeClr>
+                </a:solidFill>
+              </a:rPr>
+              <a:t>class</a:t>
+            </a:r>
+            <a:r>
+              <a:rPr lang="en-US" dirty="0">
+                <a:solidFill>
+                  <a:schemeClr val="accent1">
+                    <a:lumMod val="50000"/>
+                  </a:schemeClr>
+                </a:solidFill>
+              </a:rPr>
+              <a:t>="</a:t>
+            </a:r>
+            <a:r>
+              <a:rPr lang="en-US" dirty="0" err="1">
+                <a:solidFill>
+                  <a:schemeClr val="accent6">
+                    <a:lumMod val="50000"/>
+                  </a:schemeClr>
+                </a:solidFill>
+              </a:rPr>
+              <a:t>solr.StandardTokenizerFactory</a:t>
+            </a:r>
+            <a:r>
+              <a:rPr lang="en-US" dirty="0">
+                <a:solidFill>
+                  <a:schemeClr val="accent1">
+                    <a:lumMod val="50000"/>
+                  </a:schemeClr>
+                </a:solidFill>
+              </a:rPr>
+              <a:t>"/&gt;</a:t>
+            </a:r>
+          </a:p>
+          <a:p>
+            <a:r>
+              <a:rPr lang="en-US" dirty="0" smtClean="0">
+                <a:solidFill>
+                  <a:schemeClr val="accent1">
+                    <a:lumMod val="50000"/>
+                  </a:schemeClr>
+                </a:solidFill>
+              </a:rPr>
+              <a:t>       </a:t>
+            </a:r>
+            <a:r>
+              <a:rPr lang="en-US" dirty="0">
+                <a:solidFill>
+                  <a:schemeClr val="accent1">
+                    <a:lumMod val="50000"/>
+                  </a:schemeClr>
+                </a:solidFill>
+              </a:rPr>
+              <a:t>&lt;filter </a:t>
+            </a:r>
+            <a:r>
+              <a:rPr lang="en-US" dirty="0">
+                <a:solidFill>
+                  <a:schemeClr val="accent2">
+                    <a:lumMod val="50000"/>
+                  </a:schemeClr>
+                </a:solidFill>
+              </a:rPr>
+              <a:t>class</a:t>
+            </a:r>
+            <a:r>
+              <a:rPr lang="en-US" dirty="0">
+                <a:solidFill>
+                  <a:schemeClr val="accent1">
+                    <a:lumMod val="50000"/>
+                  </a:schemeClr>
+                </a:solidFill>
+              </a:rPr>
+              <a:t>="</a:t>
+            </a:r>
+            <a:r>
+              <a:rPr lang="en-US" dirty="0" err="1">
+                <a:solidFill>
+                  <a:schemeClr val="accent6">
+                    <a:lumMod val="50000"/>
+                  </a:schemeClr>
+                </a:solidFill>
+              </a:rPr>
+              <a:t>solr.LowerCaseFilterFactory</a:t>
+            </a:r>
+            <a:r>
+              <a:rPr lang="en-US" dirty="0">
+                <a:solidFill>
+                  <a:schemeClr val="accent1">
+                    <a:lumMod val="50000"/>
+                  </a:schemeClr>
+                </a:solidFill>
+              </a:rPr>
+              <a:t>"/&gt;</a:t>
+            </a:r>
+          </a:p>
+          <a:p>
+            <a:r>
+              <a:rPr lang="en-US" dirty="0" smtClean="0">
+                <a:solidFill>
+                  <a:schemeClr val="accent1">
+                    <a:lumMod val="50000"/>
+                  </a:schemeClr>
+                </a:solidFill>
+              </a:rPr>
+              <a:t>       </a:t>
+            </a:r>
+            <a:r>
+              <a:rPr lang="en-US" dirty="0">
+                <a:solidFill>
+                  <a:schemeClr val="accent1">
+                    <a:lumMod val="50000"/>
+                  </a:schemeClr>
+                </a:solidFill>
+              </a:rPr>
+              <a:t>&lt;filter </a:t>
+            </a:r>
+            <a:r>
+              <a:rPr lang="en-US" dirty="0">
+                <a:solidFill>
+                  <a:schemeClr val="accent2">
+                    <a:lumMod val="50000"/>
+                  </a:schemeClr>
+                </a:solidFill>
+              </a:rPr>
+              <a:t>class</a:t>
+            </a:r>
+            <a:r>
+              <a:rPr lang="en-US" dirty="0">
+                <a:solidFill>
+                  <a:schemeClr val="accent1">
+                    <a:lumMod val="50000"/>
+                  </a:schemeClr>
+                </a:solidFill>
+              </a:rPr>
+              <a:t>="</a:t>
+            </a:r>
+            <a:r>
+              <a:rPr lang="en-US" dirty="0" err="1">
+                <a:solidFill>
+                  <a:schemeClr val="accent6">
+                    <a:lumMod val="50000"/>
+                  </a:schemeClr>
+                </a:solidFill>
+              </a:rPr>
+              <a:t>solr.SnowballPorterFilterFactory</a:t>
+            </a:r>
+            <a:r>
+              <a:rPr lang="en-US" dirty="0">
+                <a:solidFill>
+                  <a:schemeClr val="accent1">
+                    <a:lumMod val="50000"/>
+                  </a:schemeClr>
+                </a:solidFill>
+              </a:rPr>
+              <a:t>" </a:t>
+            </a:r>
+            <a:r>
+              <a:rPr lang="en-US" dirty="0">
+                <a:solidFill>
+                  <a:schemeClr val="accent2">
+                    <a:lumMod val="50000"/>
+                  </a:schemeClr>
+                </a:solidFill>
+              </a:rPr>
+              <a:t>language</a:t>
+            </a:r>
+            <a:r>
+              <a:rPr lang="en-US" dirty="0">
+                <a:solidFill>
+                  <a:schemeClr val="accent1">
+                    <a:lumMod val="50000"/>
+                  </a:schemeClr>
+                </a:solidFill>
+              </a:rPr>
+              <a:t>="</a:t>
+            </a:r>
+            <a:r>
+              <a:rPr lang="en-US" dirty="0">
+                <a:solidFill>
+                  <a:schemeClr val="accent6">
+                    <a:lumMod val="50000"/>
+                  </a:schemeClr>
+                </a:solidFill>
+              </a:rPr>
+              <a:t>Russian</a:t>
+            </a:r>
+            <a:r>
+              <a:rPr lang="en-US" dirty="0">
+                <a:solidFill>
+                  <a:schemeClr val="accent1">
+                    <a:lumMod val="50000"/>
+                  </a:schemeClr>
+                </a:solidFill>
+              </a:rPr>
+              <a:t>"/&gt;</a:t>
+            </a:r>
+          </a:p>
+          <a:p>
+            <a:r>
+              <a:rPr lang="en-US" dirty="0" smtClean="0">
+                <a:solidFill>
+                  <a:schemeClr val="accent1">
+                    <a:lumMod val="50000"/>
+                  </a:schemeClr>
+                </a:solidFill>
+              </a:rPr>
+              <a:t>     </a:t>
+            </a:r>
+            <a:r>
+              <a:rPr lang="en-US" dirty="0">
+                <a:solidFill>
+                  <a:schemeClr val="accent1">
+                    <a:lumMod val="50000"/>
+                  </a:schemeClr>
+                </a:solidFill>
+              </a:rPr>
+              <a:t>&lt;/analyzer&gt;</a:t>
+            </a:r>
+          </a:p>
+          <a:p>
+            <a:r>
+              <a:rPr lang="en-US" dirty="0" smtClean="0">
+                <a:solidFill>
+                  <a:schemeClr val="accent1">
+                    <a:lumMod val="50000"/>
+                  </a:schemeClr>
+                </a:solidFill>
+              </a:rPr>
+              <a:t>&lt;/</a:t>
+            </a:r>
+            <a:r>
+              <a:rPr lang="en-US" dirty="0" err="1">
+                <a:solidFill>
+                  <a:schemeClr val="accent1">
+                    <a:lumMod val="50000"/>
+                  </a:schemeClr>
+                </a:solidFill>
+              </a:rPr>
+              <a:t>fieldType</a:t>
+            </a:r>
+            <a:r>
+              <a:rPr lang="en-US" dirty="0">
+                <a:solidFill>
+                  <a:schemeClr val="accent1">
+                    <a:lumMod val="50000"/>
+                  </a:schemeClr>
+                </a:solidFill>
+              </a:rPr>
+              <a:t>&gt;</a:t>
+            </a:r>
+            <a:endParaRPr lang="ru-RU" dirty="0" smtClean="0">
+              <a:solidFill>
+                <a:schemeClr val="accent1">
+                  <a:lumMod val="50000"/>
+                </a:schemeClr>
+              </a:solidFill>
+            </a:endParaRPr>
+          </a:p>
+        </p:txBody>
+      </p:sp>
     </p:spTree>
     <p:extLst>
       <p:ext uri="{BB962C8B-B14F-4D97-AF65-F5344CB8AC3E}">
-        <p14:creationId xmlns:p14="http://schemas.microsoft.com/office/powerpoint/2010/main" xmlns="" val="2907781502"/>
+        <p14:creationId xmlns:p14="http://schemas.microsoft.com/office/powerpoint/2010/main" val="1512048420"/>
       </p:ext>
     </p:extLst>
   </p:cSld>
@@ -7452,15 +8073,7 @@
             </a:pPr>
             <a:r>
               <a:rPr lang="ru-RU" dirty="0" smtClean="0"/>
-              <a:t>Подготовка файлов кни</a:t>
-            </a:r>
-            <a:r>
-              <a:rPr lang="ru-RU" dirty="0" smtClean="0"/>
-              <a:t>г</a:t>
-            </a:r>
-            <a:r>
-              <a:rPr lang="ru-RU" dirty="0" smtClean="0"/>
-              <a:t> к индексации </a:t>
+              <a:t>Подготовка файлов книг к индексации </a:t>
             </a:r>
             <a:r>
               <a:rPr lang="en-US" dirty="0" err="1" smtClean="0"/>
@@ -7687,6 +8300,11 @@
         </p:spPr>
       </p:pic>
     </p:spTree>
+    <p:extLst>
+      <p:ext uri="{BB962C8B-B14F-4D97-AF65-F5344CB8AC3E}">
+        <p14:creationId xmlns:p14="http://schemas.microsoft.com/office/powerpoint/2010/main" val="3284975469"/>
+      </p:ext>
+    </p:extLst>
   </p:cSld>
   <p:clrMapOvr>
     <a:masterClrMapping/>
@@ -7830,7 +8448,6 @@
               <a:rPr lang="ru-RU" dirty="0" smtClean="0"/>
               <a:t>документ, заменяя теги на отступы</a:t>
             </a:r>
-            <a:endParaRPr lang="ru-RU" dirty="0" smtClean="0"/>
           </a:p>
           <a:p>
             <a:pPr marL="285750" indent="-285750">
@@ -7847,19 +8464,7 @@
             </a:r>
             <a:r>
               <a:rPr lang="ru-RU" dirty="0" smtClean="0"/>
-              <a:t>использует </a:t>
-            </a:r>
-            <a:r>
-              <a:rPr lang="ru-RU" dirty="0" smtClean="0"/>
-              <a:t>библиотек</a:t>
-            </a:r>
-            <a:r>
-              <a:rPr lang="ru-RU" dirty="0" smtClean="0"/>
-              <a:t>у</a:t>
-            </a:r>
-            <a:r>
-              <a:rPr lang="ru-RU" dirty="0" smtClean="0"/>
-              <a:t> </a:t>
+              <a:t>использует библиотеку </a:t>
             </a:r>
             <a:r>
               <a:rPr lang="en-US" dirty="0" err="1" smtClean="0"/>
@@ -7867,13 +8472,8 @@
             </a:r>
             <a:r>
               <a:rPr lang="ru-RU" dirty="0" smtClean="0"/>
-              <a:t> для </a:t>
-            </a:r>
-            <a:r>
-              <a:rPr lang="ru-RU" dirty="0" smtClean="0"/>
-              <a:t>конвертации</a:t>
-            </a:r>
-            <a:endParaRPr lang="ru-RU" dirty="0" smtClean="0"/>
+              <a:t> для конвертации</a:t>
+            </a:r>
           </a:p>
         </p:txBody>
       </p:sp>
@@ -7912,6 +8512,11 @@
         </p:spPr>
       </p:pic>
     </p:spTree>
+    <p:extLst>
+      <p:ext uri="{BB962C8B-B14F-4D97-AF65-F5344CB8AC3E}">
+        <p14:creationId xmlns:p14="http://schemas.microsoft.com/office/powerpoint/2010/main" val="831628379"/>
+      </p:ext>
+    </p:extLst>
   </p:cSld>
   <p:clrMapOvr>
     <a:masterClrMapping/>
@@ -8100,7 +8705,6 @@
               <a:rPr lang="ru-RU" dirty="0" smtClean="0"/>
               <a:t>Вертикальные отступы перед и после текста</a:t>
             </a:r>
-            <a:endParaRPr lang="ru-RU" dirty="0" smtClean="0"/>
           </a:p>
           <a:p>
             <a:pPr marL="285750" indent="-285750">
@@ -8141,11 +8745,15 @@
               <a:rPr lang="ru-RU" dirty="0" smtClean="0"/>
               <a:t>Наличие цифр в начале предложения (номера глав)</a:t>
             </a:r>
-            <a:endParaRPr lang="ru-RU" dirty="0" smtClean="0"/>
           </a:p>
         </p:txBody>
       </p:sp>
     </p:spTree>
+    <p:extLst>
+      <p:ext uri="{BB962C8B-B14F-4D97-AF65-F5344CB8AC3E}">
+        <p14:creationId xmlns:p14="http://schemas.microsoft.com/office/powerpoint/2010/main" val="4019855458"/>
+      </p:ext>
+    </p:extLst>
   </p:cSld>
   <p:clrMapOvr>
     <a:masterClrMapping/>
@@ -8186,108 +8794,9 @@
           <a:lstStyle/>
           <a:p>
             <a:r>
-              <a:rPr lang="ru-RU" dirty="0" smtClean="0"/>
-              <a:t>Полученный опыт</a:t>
-            </a:r>
-            <a:endParaRPr lang="ru-RU" dirty="0"/>
-          </a:p>
-        </p:txBody>
-      </p:sp>
-      <p:sp>
-        <p:nvSpPr>
-          <p:cNvPr id="3" name="Объект 2"/>
-          <p:cNvSpPr>
-            <a:spLocks noGrp="1"/>
-          </p:cNvSpPr>
-          <p:nvPr>
-            <p:ph idx="1"/>
-          </p:nvPr>
-        </p:nvSpPr>
-        <p:spPr/>
-        <p:txBody>
-          <a:bodyPr/>
-          <a:lstStyle/>
-          <a:p>
-            <a:r>
-              <a:rPr lang="ru-RU" dirty="0" smtClean="0"/>
-              <a:t>Инструменты </a:t>
-            </a:r>
-            <a:r>
               <a:rPr lang="en-US" dirty="0" smtClean="0"/>
-              <a:t>NLP </a:t>
-            </a:r>
-            <a:r>
-              <a:rPr lang="ru-RU" dirty="0" smtClean="0"/>
-              <a:t>для русского языка</a:t>
-            </a:r>
-            <a:r>
-              <a:rPr lang="en-US" dirty="0" smtClean="0"/>
-              <a:t> </a:t>
-            </a:r>
-            <a:r>
-              <a:rPr lang="ru-RU" dirty="0" smtClean="0"/>
-              <a:t>очень «сырые»</a:t>
-            </a:r>
-            <a:endParaRPr lang="en-US" dirty="0" smtClean="0"/>
-          </a:p>
-          <a:p>
-            <a:r>
-              <a:rPr lang="ru-RU" dirty="0" smtClean="0"/>
-              <a:t>Материалы и модели имеют сомнительные лицензии</a:t>
-            </a:r>
-          </a:p>
-          <a:p>
-            <a:r>
-              <a:rPr lang="ru-RU" dirty="0"/>
-              <a:t>Инструменты </a:t>
-            </a:r>
-            <a:r>
-              <a:rPr lang="en-US" dirty="0"/>
-              <a:t>NLP </a:t>
-            </a:r>
-            <a:r>
-              <a:rPr lang="ru-RU" dirty="0"/>
-              <a:t>крайне ресурсоемки (</a:t>
-            </a:r>
-            <a:r>
-              <a:rPr lang="en-US" dirty="0"/>
-              <a:t>32-256 Gb RAM</a:t>
-            </a:r>
-            <a:r>
-              <a:rPr lang="en-US" dirty="0" smtClean="0"/>
-              <a:t>)</a:t>
-            </a:r>
-            <a:endParaRPr lang="ru-RU" dirty="0" smtClean="0"/>
-          </a:p>
-          <a:p>
-            <a:r>
-              <a:rPr lang="en-US" dirty="0" smtClean="0"/>
-              <a:t>Apache UIMA</a:t>
-            </a:r>
-            <a:r>
-              <a:rPr lang="ru-RU" dirty="0" smtClean="0"/>
-              <a:t> не совместима с версией </a:t>
-            </a:r>
-            <a:r>
-              <a:rPr lang="en-US" dirty="0" smtClean="0"/>
-              <a:t>Apache Spark</a:t>
-            </a:r>
-            <a:r>
-              <a:rPr lang="ru-RU" dirty="0" smtClean="0"/>
-              <a:t> на кластере</a:t>
-            </a:r>
-          </a:p>
-          <a:p>
-            <a:endParaRPr lang="ru-RU" dirty="0" smtClean="0"/>
-          </a:p>
-          <a:p>
-            <a:endParaRPr lang="ru-RU" dirty="0" smtClean="0"/>
-          </a:p>
-          <a:p>
-            <a:endParaRPr lang="ru-RU" dirty="0" smtClean="0"/>
-          </a:p>
-          <a:p>
-            <a:pPr lvl="1"/>
+              <a:t>Answer Analysis</a:t>
+            </a:r>
             <a:endParaRPr lang="ru-RU" dirty="0"/>
           </a:p>
         </p:txBody>
@@ -8342,10 +8851,168 @@
           </a:p>
         </p:txBody>
       </p:sp>
+      <p:sp>
+        <p:nvSpPr>
+          <p:cNvPr id="11" name="TextBox 10"/>
+          <p:cNvSpPr txBox="1"/>
+          <p:nvPr/>
+        </p:nvSpPr>
+        <p:spPr>
+          <a:xfrm>
+            <a:off x="965197" y="4893734"/>
+            <a:ext cx="10447867" cy="1477328"/>
+          </a:xfrm>
+          <a:prstGeom prst="rect">
+            <a:avLst/>
+          </a:prstGeom>
+          <a:noFill/>
+        </p:spPr>
+        <p:txBody>
+          <a:bodyPr wrap="square" rtlCol="0">
+            <a:spAutoFit/>
+          </a:bodyPr>
+          <a:lstStyle/>
+          <a:p>
+            <a:pPr marL="285750" indent="-285750">
+              <a:buFont typeface="Arial" panose="020B0604020202020204" pitchFamily="34" charset="0"/>
+              <a:buChar char="•"/>
+            </a:pPr>
+            <a:r>
+              <a:rPr lang="ru-RU" dirty="0" smtClean="0"/>
+              <a:t>Базовый морфологический </a:t>
+            </a:r>
+            <a:r>
+              <a:rPr lang="ru-RU" dirty="0" err="1" smtClean="0"/>
+              <a:t>парсинг</a:t>
+            </a:r>
+            <a:endParaRPr lang="ru-RU" dirty="0" smtClean="0"/>
+          </a:p>
+          <a:p>
+            <a:pPr marL="285750" indent="-285750">
+              <a:buFont typeface="Arial" panose="020B0604020202020204" pitchFamily="34" charset="0"/>
+              <a:buChar char="•"/>
+            </a:pPr>
+            <a:r>
+              <a:rPr lang="ru-RU" dirty="0" err="1" smtClean="0"/>
+              <a:t>Препроцессинг</a:t>
+            </a:r>
+            <a:endParaRPr lang="ru-RU" dirty="0" smtClean="0"/>
+          </a:p>
+          <a:p>
+            <a:pPr marL="285750" indent="-285750">
+              <a:buFont typeface="Arial" panose="020B0604020202020204" pitchFamily="34" charset="0"/>
+              <a:buChar char="•"/>
+            </a:pPr>
+            <a:r>
+              <a:rPr lang="ru-RU" dirty="0" smtClean="0"/>
+              <a:t>Извлечение лексических типов ответа (</a:t>
+            </a:r>
+            <a:r>
+              <a:rPr lang="en-US" dirty="0" smtClean="0"/>
+              <a:t>LAT)</a:t>
+            </a:r>
+            <a:endParaRPr lang="ru-RU" dirty="0" smtClean="0"/>
+          </a:p>
+          <a:p>
+            <a:pPr marL="285750" indent="-285750">
+              <a:buFont typeface="Arial" panose="020B0604020202020204" pitchFamily="34" charset="0"/>
+              <a:buChar char="•"/>
+            </a:pPr>
+            <a:r>
+              <a:rPr lang="ru-RU" dirty="0" smtClean="0"/>
+              <a:t>Продолжение следует…</a:t>
+            </a:r>
+          </a:p>
+          <a:p>
+            <a:pPr marL="285750" indent="-285750">
+              <a:buFont typeface="Arial" panose="020B0604020202020204" pitchFamily="34" charset="0"/>
+              <a:buChar char="•"/>
+            </a:pPr>
+            <a:endParaRPr lang="ru-RU" dirty="0"/>
+          </a:p>
+        </p:txBody>
+      </p:sp>
+      <p:graphicFrame>
+        <p:nvGraphicFramePr>
+          <p:cNvPr id="7" name="Content Placeholder 6"/>
+          <p:cNvGraphicFramePr>
+            <a:graphicFrameLocks noGrp="1" noChangeAspect="1"/>
+          </p:cNvGraphicFramePr>
+          <p:nvPr>
+            <p:ph idx="1"/>
+            <p:extLst>
+              <p:ext uri="{D42A27DB-BD31-4B8C-83A1-F6EECF244321}">
+                <p14:modId xmlns:p14="http://schemas.microsoft.com/office/powerpoint/2010/main" val="1093873912"/>
+              </p:ext>
+            </p:extLst>
+          </p:nvPr>
+        </p:nvGraphicFramePr>
+        <p:xfrm>
+          <a:off x="965198" y="1387475"/>
+          <a:ext cx="10016069" cy="3351852"/>
+        </p:xfrm>
+        <a:graphic>
+          <a:graphicData uri="http://schemas.openxmlformats.org/presentationml/2006/ole">
+            <mc:AlternateContent xmlns:mc="http://schemas.openxmlformats.org/markup-compatibility/2006">
+              <mc:Choice xmlns:v="urn:schemas-microsoft-com:vml" Requires="v">
+                <p:oleObj spid="_x0000_s3087" name="Visio" r:id="rId3" imgW="8440844" imgH="2825010" progId="Visio.Drawing.11">
+                  <p:embed/>
+                </p:oleObj>
+              </mc:Choice>
+              <mc:Fallback>
+                <p:oleObj name="Visio" r:id="rId3" imgW="8440844" imgH="2825010" progId="Visio.Drawing.11">
+                  <p:embed/>
+                  <p:pic>
+                    <p:nvPicPr>
+                      <p:cNvPr id="0" name="Picture 8"/>
+                      <p:cNvPicPr>
+                        <a:picLocks noGrp="1" noChangeAspect="1" noChangeArrowheads="1"/>
+                      </p:cNvPicPr>
+                      <p:nvPr/>
+                    </p:nvPicPr>
+                    <p:blipFill>
+                      <a:blip r:embed="rId4">
+                        <a:extLst>
+                          <a:ext uri="{28A0092B-C50C-407E-A947-70E740481C1C}">
+                            <a14:useLocalDpi xmlns:a14="http://schemas.microsoft.com/office/drawing/2010/main" val="0"/>
+                          </a:ext>
+                        </a:extLst>
+                      </a:blip>
+                      <a:srcRect/>
+                      <a:stretch>
+                        <a:fillRect/>
+                      </a:stretch>
+                    </p:blipFill>
+                    <p:spPr bwMode="auto">
+                      <a:xfrm>
+                        <a:off x="965198" y="1387475"/>
+                        <a:ext cx="10016069" cy="3351852"/>
+                      </a:xfrm>
+                      <a:prstGeom prst="rect">
+                        <a:avLst/>
+                      </a:prstGeom>
+                      <a:noFill/>
+                      <a:extLst>
+                        <a:ext uri="{909E8E84-426E-40DD-AFC4-6F175D3DCCD1}">
+                          <a14:hiddenFill xmlns:a14="http://schemas.microsoft.com/office/drawing/2010/main">
+                            <a:solidFill>
+                              <a:srgbClr val="FFFFFF"/>
+                            </a:solidFill>
+                          </a14:hiddenFill>
+                        </a:ext>
+                      </a:extLst>
+                    </p:spPr>
+                  </p:pic>
+                </p:oleObj>
+              </mc:Fallback>
+            </mc:AlternateContent>
+          </a:graphicData>
+        </a:graphic>
+      </p:graphicFrame>
     </p:spTree>
     <p:extLst>
       <p:ext uri="{BB962C8B-B14F-4D97-AF65-F5344CB8AC3E}">
-        <p14:creationId xmlns:p14="http://schemas.microsoft.com/office/powerpoint/2010/main" xmlns="" val="2252048810"/>
+        <p14:creationId xmlns:p14="http://schemas.microsoft.com/office/powerpoint/2010/main" val="1920304825"/>
       </p:ext>
     </p:extLst>
   </p:cSld>
@@ -8388,82 +9055,10 @@
           <a:lstStyle/>
           <a:p>
             <a:r>
-              <a:rPr lang="ru-RU" dirty="0" smtClean="0"/>
-              <a:t>Используемые ресурсы</a:t>
+              <a:rPr lang="en-US" dirty="0" smtClean="0"/>
+              <a:t>Answer Analysis</a:t>
             </a:r>
             <a:endParaRPr lang="ru-RU" dirty="0"/>
-          </a:p>
-        </p:txBody>
-      </p:sp>
-      <p:sp>
-        <p:nvSpPr>
-          <p:cNvPr id="3" name="Объект 2"/>
-          <p:cNvSpPr>
-            <a:spLocks noGrp="1"/>
-          </p:cNvSpPr>
-          <p:nvPr>
-            <p:ph idx="1"/>
-          </p:nvPr>
-        </p:nvSpPr>
-        <p:spPr/>
-        <p:txBody>
-          <a:bodyPr/>
-          <a:lstStyle/>
-          <a:p>
-            <a:r>
-              <a:rPr lang="en-US" dirty="0" err="1" smtClean="0"/>
-              <a:t>DbPedia</a:t>
-            </a:r>
-            <a:r>
-              <a:rPr lang="ru-RU" dirty="0" smtClean="0"/>
-              <a:t> (</a:t>
-            </a:r>
-            <a:r>
-              <a:rPr lang="en-US" dirty="0" smtClean="0"/>
-              <a:t>several datasets)</a:t>
-            </a:r>
-          </a:p>
-          <a:p>
-            <a:r>
-              <a:rPr lang="en-US" dirty="0" err="1" smtClean="0"/>
-              <a:t>Wordnet</a:t>
-            </a:r>
-            <a:endParaRPr lang="en-US" dirty="0" smtClean="0"/>
-          </a:p>
-          <a:p>
-            <a:r>
-              <a:rPr lang="en-US" dirty="0" smtClean="0"/>
-              <a:t>Freebase</a:t>
-            </a:r>
-          </a:p>
-          <a:p>
-            <a:r>
-              <a:rPr lang="en-US" dirty="0" err="1" smtClean="0"/>
-              <a:t>Yandex</a:t>
-            </a:r>
-            <a:r>
-              <a:rPr lang="en-US" dirty="0" smtClean="0"/>
-              <a:t> </a:t>
-            </a:r>
-            <a:r>
-              <a:rPr lang="en-US" dirty="0" err="1" smtClean="0"/>
-              <a:t>SpeechKit</a:t>
-            </a:r>
-            <a:endParaRPr lang="en-US" dirty="0" smtClean="0"/>
-          </a:p>
-          <a:p>
-            <a:r>
-              <a:rPr lang="en-US" dirty="0" err="1" smtClean="0"/>
-              <a:t>OpenCorpora</a:t>
-            </a:r>
-            <a:endParaRPr lang="en-US" dirty="0" smtClean="0"/>
-          </a:p>
-          <a:p>
-            <a:r>
-              <a:rPr lang="ru-RU" dirty="0" err="1" smtClean="0"/>
-              <a:t>СинТагРус</a:t>
-            </a:r>
-            <a:endParaRPr lang="en-US" dirty="0" smtClean="0"/>
           </a:p>
         </p:txBody>
       </p:sp>
@@ -8517,10 +9112,206 @@
           </a:p>
         </p:txBody>
       </p:sp>
+      <p:sp>
+        <p:nvSpPr>
+          <p:cNvPr id="11" name="TextBox 10"/>
+          <p:cNvSpPr txBox="1"/>
+          <p:nvPr/>
+        </p:nvSpPr>
+        <p:spPr>
+          <a:xfrm>
+            <a:off x="965197" y="4893734"/>
+            <a:ext cx="10447867" cy="1477328"/>
+          </a:xfrm>
+          <a:prstGeom prst="rect">
+            <a:avLst/>
+          </a:prstGeom>
+          <a:noFill/>
+        </p:spPr>
+        <p:txBody>
+          <a:bodyPr wrap="square" rtlCol="0">
+            <a:spAutoFit/>
+          </a:bodyPr>
+          <a:lstStyle/>
+          <a:p>
+            <a:pPr marL="285750" indent="-285750">
+              <a:buFont typeface="Arial" panose="020B0604020202020204" pitchFamily="34" charset="0"/>
+              <a:buChar char="•"/>
+            </a:pPr>
+            <a:r>
+              <a:rPr lang="ru-RU" dirty="0" smtClean="0"/>
+              <a:t>Приведение </a:t>
+            </a:r>
+            <a:r>
+              <a:rPr lang="en-US" dirty="0" smtClean="0"/>
+              <a:t>LAT </a:t>
+            </a:r>
+            <a:r>
+              <a:rPr lang="ru-RU" dirty="0" smtClean="0"/>
+              <a:t>к каноническому виду</a:t>
+            </a:r>
+          </a:p>
+          <a:p>
+            <a:pPr marL="285750" indent="-285750">
+              <a:buFont typeface="Arial" panose="020B0604020202020204" pitchFamily="34" charset="0"/>
+              <a:buChar char="•"/>
+            </a:pPr>
+            <a:r>
+              <a:rPr lang="ru-RU" dirty="0" smtClean="0"/>
+              <a:t>Сравнение </a:t>
+            </a:r>
+            <a:r>
+              <a:rPr lang="en-US" dirty="0" smtClean="0"/>
+              <a:t>LAT </a:t>
+            </a:r>
+            <a:r>
+              <a:rPr lang="ru-RU" dirty="0" smtClean="0"/>
+              <a:t>ответа с </a:t>
+            </a:r>
+            <a:r>
+              <a:rPr lang="en-US" dirty="0" smtClean="0"/>
+              <a:t>Clue </a:t>
+            </a:r>
+            <a:r>
+              <a:rPr lang="ru-RU" dirty="0" smtClean="0"/>
+              <a:t>из вопроса по различным критериями</a:t>
+            </a:r>
+          </a:p>
+          <a:p>
+            <a:pPr marL="285750" indent="-285750">
+              <a:buFont typeface="Arial" panose="020B0604020202020204" pitchFamily="34" charset="0"/>
+              <a:buChar char="•"/>
+            </a:pPr>
+            <a:r>
+              <a:rPr lang="ru-RU" dirty="0"/>
+              <a:t>Сравнение </a:t>
+            </a:r>
+            <a:r>
+              <a:rPr lang="en-US" dirty="0"/>
+              <a:t>LAT </a:t>
+            </a:r>
+            <a:r>
+              <a:rPr lang="ru-RU" dirty="0"/>
+              <a:t>ответа с </a:t>
+            </a:r>
+            <a:r>
+              <a:rPr lang="en-US" dirty="0" smtClean="0"/>
+              <a:t>LAT </a:t>
+            </a:r>
+            <a:r>
+              <a:rPr lang="ru-RU" dirty="0" smtClean="0"/>
+              <a:t>из вопроса </a:t>
+            </a:r>
+            <a:r>
+              <a:rPr lang="ru-RU" dirty="0"/>
+              <a:t>по различным критериями</a:t>
+            </a:r>
+            <a:endParaRPr lang="ru-RU" dirty="0" smtClean="0"/>
+          </a:p>
+          <a:p>
+            <a:pPr marL="285750" indent="-285750">
+              <a:buFont typeface="Arial" panose="020B0604020202020204" pitchFamily="34" charset="0"/>
+              <a:buChar char="•"/>
+            </a:pPr>
+            <a:r>
+              <a:rPr lang="ru-RU" dirty="0" smtClean="0"/>
+              <a:t>Формирование массива метрик</a:t>
+            </a:r>
+          </a:p>
+          <a:p>
+            <a:pPr marL="285750" indent="-285750">
+              <a:buFont typeface="Arial" panose="020B0604020202020204" pitchFamily="34" charset="0"/>
+              <a:buChar char="•"/>
+            </a:pPr>
+            <a:r>
+              <a:rPr lang="ru-RU" dirty="0" smtClean="0"/>
+              <a:t>Вычисление финальной метрики</a:t>
+            </a:r>
+            <a:endParaRPr lang="ru-RU" dirty="0"/>
+          </a:p>
+        </p:txBody>
+      </p:sp>
+      <p:graphicFrame>
+        <p:nvGraphicFramePr>
+          <p:cNvPr id="6" name="Content Placeholder 5"/>
+          <p:cNvGraphicFramePr>
+            <a:graphicFrameLocks noGrp="1" noChangeAspect="1"/>
+          </p:cNvGraphicFramePr>
+          <p:nvPr>
+            <p:ph idx="1"/>
+            <p:extLst>
+              <p:ext uri="{D42A27DB-BD31-4B8C-83A1-F6EECF244321}">
+                <p14:modId xmlns:p14="http://schemas.microsoft.com/office/powerpoint/2010/main" val="4199217271"/>
+              </p:ext>
+            </p:extLst>
+          </p:nvPr>
+        </p:nvGraphicFramePr>
+        <p:xfrm>
+          <a:off x="897464" y="1305455"/>
+          <a:ext cx="8940803" cy="3605206"/>
+        </p:xfrm>
+        <a:graphic>
+          <a:graphicData uri="http://schemas.openxmlformats.org/presentationml/2006/ole">
+            <mc:AlternateContent xmlns:mc="http://schemas.openxmlformats.org/markup-compatibility/2006">
+              <mc:Choice xmlns:v="urn:schemas-microsoft-com:vml" Requires="v">
+                <p:oleObj spid="_x0000_s4111" name="Visio" r:id="rId3" imgW="6334888" imgH="2555010" progId="Visio.Drawing.11">
+                  <p:embed/>
+                </p:oleObj>
+              </mc:Choice>
+              <mc:Fallback>
+                <p:oleObj name="Visio" r:id="rId3" imgW="6334888" imgH="2555010" progId="Visio.Drawing.11">
+                  <p:embed/>
+                  <p:pic>
+                    <p:nvPicPr>
+                      <p:cNvPr id="0" name="Picture 8"/>
+                      <p:cNvPicPr>
+                        <a:picLocks noGrp="1" noChangeAspect="1" noChangeArrowheads="1"/>
+                      </p:cNvPicPr>
+                      <p:nvPr/>
+                    </p:nvPicPr>
+                    <p:blipFill>
+                      <a:blip r:embed="rId4">
+                        <a:extLst>
+                          <a:ext uri="{28A0092B-C50C-407E-A947-70E740481C1C}">
+                            <a14:useLocalDpi xmlns:a14="http://schemas.microsoft.com/office/drawing/2010/main" val="0"/>
+                          </a:ext>
+                        </a:extLst>
+                      </a:blip>
+                      <a:srcRect/>
+                      <a:stretch>
+                        <a:fillRect/>
+                      </a:stretch>
+                    </p:blipFill>
+                    <p:spPr bwMode="auto">
+                      <a:xfrm>
+                        <a:off x="897464" y="1305455"/>
+                        <a:ext cx="8940803" cy="3605206"/>
+                      </a:xfrm>
+                      <a:prstGeom prst="rect">
+                        <a:avLst/>
+                      </a:prstGeom>
+                      <a:noFill/>
+                      <a:extLst>
+                        <a:ext uri="{909E8E84-426E-40DD-AFC4-6F175D3DCCD1}">
+                          <a14:hiddenFill xmlns:a14="http://schemas.microsoft.com/office/drawing/2010/main">
+                            <a:solidFill>
+                              <a:srgbClr val="FFFFFF"/>
+                            </a:solidFill>
+                          </a14:hiddenFill>
+                        </a:ext>
+                      </a:extLst>
+                    </p:spPr>
+                  </p:pic>
+                </p:oleObj>
+              </mc:Fallback>
+            </mc:AlternateContent>
+          </a:graphicData>
+        </a:graphic>
+      </p:graphicFrame>
     </p:spTree>
     <p:extLst>
       <p:ext uri="{BB962C8B-B14F-4D97-AF65-F5344CB8AC3E}">
-        <p14:creationId xmlns:p14="http://schemas.microsoft.com/office/powerpoint/2010/main" xmlns="" val="2143035052"/>
+        <p14:creationId xmlns:p14="http://schemas.microsoft.com/office/powerpoint/2010/main" val="521732281"/>
       </p:ext>
     </p:extLst>
   </p:cSld>
@@ -8549,7 +9340,7 @@
       </p:grpSpPr>
       <p:sp>
         <p:nvSpPr>
-          <p:cNvPr id="4" name="Заголовок 3"/>
+          <p:cNvPr id="2" name="Заголовок 1"/>
           <p:cNvSpPr>
             <a:spLocks noGrp="1"/>
           </p:cNvSpPr>
@@ -8563,8 +9354,8 @@
           <a:lstStyle/>
           <a:p>
             <a:r>
-              <a:rPr lang="en-US" dirty="0" smtClean="0"/>
-              <a:t>Q&amp;A</a:t>
+              <a:rPr lang="ru-RU" dirty="0" smtClean="0"/>
+              <a:t>Полученные результаты</a:t>
             </a:r>
             <a:endParaRPr lang="ru-RU" dirty="0"/>
           </a:p>
@@ -8572,12 +9363,12 @@
       </p:sp>
       <p:sp>
         <p:nvSpPr>
-          <p:cNvPr id="5" name="Текст 4"/>
-          <p:cNvSpPr>
-            <a:spLocks noGrp="1"/>
-          </p:cNvSpPr>
-          <p:nvPr>
-            <p:ph type="body" idx="1"/>
+          <p:cNvPr id="3" name="Объект 2"/>
+          <p:cNvSpPr>
+            <a:spLocks noGrp="1"/>
+          </p:cNvSpPr>
+          <p:nvPr>
+            <p:ph idx="1"/>
           </p:nvPr>
         </p:nvSpPr>
         <p:spPr/>
@@ -8585,13 +9376,54 @@
           <a:bodyPr/>
           <a:lstStyle/>
           <a:p>
+            <a:r>
+              <a:rPr lang="ru-RU" dirty="0" smtClean="0"/>
+              <a:t>На выборке в 50 вопросов</a:t>
+            </a:r>
+          </a:p>
+          <a:p>
+            <a:pPr lvl="1"/>
+            <a:r>
+              <a:rPr lang="ru-RU" dirty="0" smtClean="0"/>
+              <a:t>% получения ответа: </a:t>
+            </a:r>
+            <a:r>
+              <a:rPr lang="ru-RU" b="1" dirty="0" smtClean="0"/>
+              <a:t>60%</a:t>
+            </a:r>
+          </a:p>
+          <a:p>
+            <a:pPr lvl="1"/>
+            <a:r>
+              <a:rPr lang="ru-RU" dirty="0" smtClean="0"/>
+              <a:t>Условная точность ответа: </a:t>
+            </a:r>
+            <a:r>
+              <a:rPr lang="ru-RU" b="1" dirty="0" smtClean="0"/>
+              <a:t>80%</a:t>
+            </a:r>
+          </a:p>
+          <a:p>
+            <a:r>
+              <a:rPr lang="ru-RU" dirty="0" smtClean="0"/>
+              <a:t>Время ответа на 1 вопрос 1-3 мин</a:t>
+            </a:r>
+          </a:p>
+          <a:p>
+            <a:endParaRPr lang="ru-RU" dirty="0" smtClean="0"/>
+          </a:p>
+          <a:p>
+            <a:endParaRPr lang="ru-RU" dirty="0" smtClean="0"/>
+          </a:p>
+          <a:p>
+            <a:pPr lvl="1"/>
             <a:endParaRPr lang="ru-RU" dirty="0"/>
           </a:p>
         </p:txBody>
       </p:sp>
       <p:sp>
         <p:nvSpPr>
-          <p:cNvPr id="6" name="Нижний колонтитул 5"/>
+          <p:cNvPr id="4" name="Нижний колонтитул 3"/>
           <p:cNvSpPr>
             <a:spLocks noGrp="1"/>
           </p:cNvSpPr>
@@ -8617,7 +9449,7 @@
       </p:sp>
       <p:sp>
         <p:nvSpPr>
-          <p:cNvPr id="7" name="Номер слайда 6"/>
+          <p:cNvPr id="5" name="Номер слайда 4"/>
           <p:cNvSpPr>
             <a:spLocks noGrp="1"/>
           </p:cNvSpPr>
@@ -8642,7 +9474,506 @@
     </p:spTree>
     <p:extLst>
       <p:ext uri="{BB962C8B-B14F-4D97-AF65-F5344CB8AC3E}">
-        <p14:creationId xmlns:p14="http://schemas.microsoft.com/office/powerpoint/2010/main" xmlns="" val="3750068630"/>
+        <p14:creationId xmlns:p14="http://schemas.microsoft.com/office/powerpoint/2010/main" val="2907781502"/>
+      </p:ext>
+    </p:extLst>
+  </p:cSld>
+  <p:clrMapOvr>
+    <a:masterClrMapping/>
+  </p:clrMapOvr>
+</p:sld>
+</file>
+
+<file path=ppt/slides/slide27.xml><?xml version="1.0" encoding="utf-8"?>
+<p:sld xmlns:a="http://schemas.openxmlformats.org/drawingml/2006/main" xmlns:r="http://schemas.openxmlformats.org/officeDocument/2006/relationships" xmlns:p="http://schemas.openxmlformats.org/presentationml/2006/main">
+  <p:cSld>
+    <p:spTree>
+      <p:nvGrpSpPr>
+        <p:cNvPr id="1" name=""/>
+        <p:cNvGrpSpPr/>
+        <p:nvPr/>
+      </p:nvGrpSpPr>
+      <p:grpSpPr>
+        <a:xfrm>
+          <a:off x="0" y="0"/>
+          <a:ext cx="0" cy="0"/>
+          <a:chOff x="0" y="0"/>
+          <a:chExt cx="0" cy="0"/>
+        </a:xfrm>
+      </p:grpSpPr>
+      <p:sp>
+        <p:nvSpPr>
+          <p:cNvPr id="2" name="Заголовок 1"/>
+          <p:cNvSpPr>
+            <a:spLocks noGrp="1"/>
+          </p:cNvSpPr>
+          <p:nvPr>
+            <p:ph type="title"/>
+          </p:nvPr>
+        </p:nvSpPr>
+        <p:spPr/>
+        <p:txBody>
+          <a:bodyPr/>
+          <a:lstStyle/>
+          <a:p>
+            <a:r>
+              <a:rPr lang="ru-RU" dirty="0" smtClean="0"/>
+              <a:t>Полученный опыт</a:t>
+            </a:r>
+            <a:endParaRPr lang="ru-RU" dirty="0"/>
+          </a:p>
+        </p:txBody>
+      </p:sp>
+      <p:sp>
+        <p:nvSpPr>
+          <p:cNvPr id="3" name="Объект 2"/>
+          <p:cNvSpPr>
+            <a:spLocks noGrp="1"/>
+          </p:cNvSpPr>
+          <p:nvPr>
+            <p:ph idx="1"/>
+          </p:nvPr>
+        </p:nvSpPr>
+        <p:spPr/>
+        <p:txBody>
+          <a:bodyPr/>
+          <a:lstStyle/>
+          <a:p>
+            <a:r>
+              <a:rPr lang="ru-RU" dirty="0" smtClean="0"/>
+              <a:t>Инструменты </a:t>
+            </a:r>
+            <a:r>
+              <a:rPr lang="en-US" dirty="0" smtClean="0"/>
+              <a:t>NLP </a:t>
+            </a:r>
+            <a:r>
+              <a:rPr lang="ru-RU" dirty="0" smtClean="0"/>
+              <a:t>для русского языка</a:t>
+            </a:r>
+            <a:r>
+              <a:rPr lang="en-US" dirty="0" smtClean="0"/>
+              <a:t> </a:t>
+            </a:r>
+            <a:r>
+              <a:rPr lang="ru-RU" dirty="0" smtClean="0"/>
+              <a:t>очень «сырые»</a:t>
+            </a:r>
+            <a:endParaRPr lang="en-US" dirty="0" smtClean="0"/>
+          </a:p>
+          <a:p>
+            <a:r>
+              <a:rPr lang="ru-RU" dirty="0" smtClean="0"/>
+              <a:t>Материалы и модели имеют сомнительные лицензии</a:t>
+            </a:r>
+          </a:p>
+          <a:p>
+            <a:r>
+              <a:rPr lang="ru-RU" dirty="0"/>
+              <a:t>Инструменты </a:t>
+            </a:r>
+            <a:r>
+              <a:rPr lang="en-US" dirty="0"/>
+              <a:t>NLP </a:t>
+            </a:r>
+            <a:r>
+              <a:rPr lang="ru-RU" dirty="0"/>
+              <a:t>крайне ресурсоемки (</a:t>
+            </a:r>
+            <a:r>
+              <a:rPr lang="en-US" dirty="0"/>
+              <a:t>32-256 Gb RAM</a:t>
+            </a:r>
+            <a:r>
+              <a:rPr lang="en-US" dirty="0" smtClean="0"/>
+              <a:t>)</a:t>
+            </a:r>
+            <a:endParaRPr lang="ru-RU" dirty="0" smtClean="0"/>
+          </a:p>
+          <a:p>
+            <a:r>
+              <a:rPr lang="en-US" dirty="0" smtClean="0"/>
+              <a:t>Apache UIMA</a:t>
+            </a:r>
+            <a:r>
+              <a:rPr lang="ru-RU" dirty="0" smtClean="0"/>
+              <a:t> не совместима с версией </a:t>
+            </a:r>
+            <a:r>
+              <a:rPr lang="en-US" dirty="0" smtClean="0"/>
+              <a:t>Apache Spark</a:t>
+            </a:r>
+            <a:r>
+              <a:rPr lang="ru-RU" dirty="0" smtClean="0"/>
+              <a:t> на кластере</a:t>
+            </a:r>
+          </a:p>
+          <a:p>
+            <a:endParaRPr lang="ru-RU" dirty="0" smtClean="0"/>
+          </a:p>
+          <a:p>
+            <a:endParaRPr lang="ru-RU" dirty="0" smtClean="0"/>
+          </a:p>
+          <a:p>
+            <a:endParaRPr lang="ru-RU" dirty="0" smtClean="0"/>
+          </a:p>
+          <a:p>
+            <a:pPr lvl="1"/>
+            <a:endParaRPr lang="ru-RU" dirty="0"/>
+          </a:p>
+        </p:txBody>
+      </p:sp>
+      <p:sp>
+        <p:nvSpPr>
+          <p:cNvPr id="4" name="Нижний колонтитул 3"/>
+          <p:cNvSpPr>
+            <a:spLocks noGrp="1"/>
+          </p:cNvSpPr>
+          <p:nvPr>
+            <p:ph type="ftr" sz="quarter" idx="11"/>
+          </p:nvPr>
+        </p:nvSpPr>
+        <p:spPr/>
+        <p:txBody>
+          <a:bodyPr/>
+          <a:lstStyle/>
+          <a:p>
+            <a:r>
+              <a:rPr lang="en-US" dirty="0" err="1"/>
+              <a:t>Artezio</a:t>
+            </a:r>
+            <a:r>
+              <a:rPr lang="en-US" dirty="0"/>
+              <a:t> 2016</a:t>
+            </a:r>
+          </a:p>
+        </p:txBody>
+      </p:sp>
+      <p:sp>
+        <p:nvSpPr>
+          <p:cNvPr id="5" name="Номер слайда 4"/>
+          <p:cNvSpPr>
+            <a:spLocks noGrp="1"/>
+          </p:cNvSpPr>
+          <p:nvPr>
+            <p:ph type="sldNum" sz="quarter" idx="12"/>
+          </p:nvPr>
+        </p:nvSpPr>
+        <p:spPr/>
+        <p:txBody>
+          <a:bodyPr/>
+          <a:lstStyle/>
+          <a:p>
+            <a:fld id="{53FE853A-3A55-4CD3-B026-601242F08E1E}" type="slidenum">
+              <a:rPr lang="en-US" smtClean="0"/>
+              <a:pPr/>
+              <a:t>27</a:t>
+            </a:fld>
+            <a:endParaRPr lang="en-US"/>
+          </a:p>
+        </p:txBody>
+      </p:sp>
+    </p:spTree>
+    <p:extLst>
+      <p:ext uri="{BB962C8B-B14F-4D97-AF65-F5344CB8AC3E}">
+        <p14:creationId xmlns:p14="http://schemas.microsoft.com/office/powerpoint/2010/main" val="2252048810"/>
+      </p:ext>
+    </p:extLst>
+  </p:cSld>
+  <p:clrMapOvr>
+    <a:masterClrMapping/>
+  </p:clrMapOvr>
+</p:sld>
+</file>
+
+<file path=ppt/slides/slide28.xml><?xml version="1.0" encoding="utf-8"?>
+<p:sld xmlns:a="http://schemas.openxmlformats.org/drawingml/2006/main" xmlns:r="http://schemas.openxmlformats.org/officeDocument/2006/relationships" xmlns:p="http://schemas.openxmlformats.org/presentationml/2006/main">
+  <p:cSld>
+    <p:spTree>
+      <p:nvGrpSpPr>
+        <p:cNvPr id="1" name=""/>
+        <p:cNvGrpSpPr/>
+        <p:nvPr/>
+      </p:nvGrpSpPr>
+      <p:grpSpPr>
+        <a:xfrm>
+          <a:off x="0" y="0"/>
+          <a:ext cx="0" cy="0"/>
+          <a:chOff x="0" y="0"/>
+          <a:chExt cx="0" cy="0"/>
+        </a:xfrm>
+      </p:grpSpPr>
+      <p:sp>
+        <p:nvSpPr>
+          <p:cNvPr id="2" name="Заголовок 1"/>
+          <p:cNvSpPr>
+            <a:spLocks noGrp="1"/>
+          </p:cNvSpPr>
+          <p:nvPr>
+            <p:ph type="title"/>
+          </p:nvPr>
+        </p:nvSpPr>
+        <p:spPr/>
+        <p:txBody>
+          <a:bodyPr/>
+          <a:lstStyle/>
+          <a:p>
+            <a:r>
+              <a:rPr lang="ru-RU" dirty="0" smtClean="0"/>
+              <a:t>Используемые ресурсы</a:t>
+            </a:r>
+            <a:endParaRPr lang="ru-RU" dirty="0"/>
+          </a:p>
+        </p:txBody>
+      </p:sp>
+      <p:sp>
+        <p:nvSpPr>
+          <p:cNvPr id="3" name="Объект 2"/>
+          <p:cNvSpPr>
+            <a:spLocks noGrp="1"/>
+          </p:cNvSpPr>
+          <p:nvPr>
+            <p:ph idx="1"/>
+          </p:nvPr>
+        </p:nvSpPr>
+        <p:spPr/>
+        <p:txBody>
+          <a:bodyPr/>
+          <a:lstStyle/>
+          <a:p>
+            <a:r>
+              <a:rPr lang="en-US" dirty="0" err="1" smtClean="0"/>
+              <a:t>DbPedia</a:t>
+            </a:r>
+            <a:r>
+              <a:rPr lang="ru-RU" dirty="0" smtClean="0"/>
+              <a:t> (</a:t>
+            </a:r>
+            <a:r>
+              <a:rPr lang="en-US" dirty="0" smtClean="0"/>
+              <a:t>several datasets)</a:t>
+            </a:r>
+          </a:p>
+          <a:p>
+            <a:r>
+              <a:rPr lang="en-US" dirty="0" err="1" smtClean="0"/>
+              <a:t>Wordnet</a:t>
+            </a:r>
+            <a:endParaRPr lang="en-US" dirty="0" smtClean="0"/>
+          </a:p>
+          <a:p>
+            <a:r>
+              <a:rPr lang="en-US" dirty="0" smtClean="0"/>
+              <a:t>Freebase</a:t>
+            </a:r>
+          </a:p>
+          <a:p>
+            <a:r>
+              <a:rPr lang="en-US" dirty="0" err="1" smtClean="0"/>
+              <a:t>Yandex</a:t>
+            </a:r>
+            <a:r>
+              <a:rPr lang="en-US" dirty="0" smtClean="0"/>
+              <a:t> </a:t>
+            </a:r>
+            <a:r>
+              <a:rPr lang="en-US" dirty="0" err="1" smtClean="0"/>
+              <a:t>SpeechKit</a:t>
+            </a:r>
+            <a:endParaRPr lang="en-US" dirty="0" smtClean="0"/>
+          </a:p>
+          <a:p>
+            <a:r>
+              <a:rPr lang="en-US" dirty="0" err="1" smtClean="0"/>
+              <a:t>OpenCorpora</a:t>
+            </a:r>
+            <a:endParaRPr lang="en-US" dirty="0" smtClean="0"/>
+          </a:p>
+          <a:p>
+            <a:r>
+              <a:rPr lang="ru-RU" dirty="0" err="1" smtClean="0"/>
+              <a:t>СинТагРус</a:t>
+            </a:r>
+            <a:endParaRPr lang="en-US" dirty="0" smtClean="0"/>
+          </a:p>
+        </p:txBody>
+      </p:sp>
+      <p:sp>
+        <p:nvSpPr>
+          <p:cNvPr id="4" name="Нижний колонтитул 3"/>
+          <p:cNvSpPr>
+            <a:spLocks noGrp="1"/>
+          </p:cNvSpPr>
+          <p:nvPr>
+            <p:ph type="ftr" sz="quarter" idx="11"/>
+          </p:nvPr>
+        </p:nvSpPr>
+        <p:spPr/>
+        <p:txBody>
+          <a:bodyPr/>
+          <a:lstStyle/>
+          <a:p>
+            <a:r>
+              <a:rPr lang="en-US" dirty="0" err="1"/>
+              <a:t>Artezio</a:t>
+            </a:r>
+            <a:r>
+              <a:rPr lang="en-US" dirty="0"/>
+              <a:t> 2016</a:t>
+            </a:r>
+          </a:p>
+        </p:txBody>
+      </p:sp>
+      <p:sp>
+        <p:nvSpPr>
+          <p:cNvPr id="5" name="Номер слайда 4"/>
+          <p:cNvSpPr>
+            <a:spLocks noGrp="1"/>
+          </p:cNvSpPr>
+          <p:nvPr>
+            <p:ph type="sldNum" sz="quarter" idx="12"/>
+          </p:nvPr>
+        </p:nvSpPr>
+        <p:spPr/>
+        <p:txBody>
+          <a:bodyPr/>
+          <a:lstStyle/>
+          <a:p>
+            <a:fld id="{53FE853A-3A55-4CD3-B026-601242F08E1E}" type="slidenum">
+              <a:rPr lang="en-US" smtClean="0"/>
+              <a:pPr/>
+              <a:t>28</a:t>
+            </a:fld>
+            <a:endParaRPr lang="en-US"/>
+          </a:p>
+        </p:txBody>
+      </p:sp>
+    </p:spTree>
+    <p:extLst>
+      <p:ext uri="{BB962C8B-B14F-4D97-AF65-F5344CB8AC3E}">
+        <p14:creationId xmlns:p14="http://schemas.microsoft.com/office/powerpoint/2010/main" val="2143035052"/>
+      </p:ext>
+    </p:extLst>
+  </p:cSld>
+  <p:clrMapOvr>
+    <a:masterClrMapping/>
+  </p:clrMapOvr>
+</p:sld>
+</file>
+
+<file path=ppt/slides/slide29.xml><?xml version="1.0" encoding="utf-8"?>
+<p:sld xmlns:a="http://schemas.openxmlformats.org/drawingml/2006/main" xmlns:r="http://schemas.openxmlformats.org/officeDocument/2006/relationships" xmlns:p="http://schemas.openxmlformats.org/presentationml/2006/main">
+  <p:cSld>
+    <p:spTree>
+      <p:nvGrpSpPr>
+        <p:cNvPr id="1" name=""/>
+        <p:cNvGrpSpPr/>
+        <p:nvPr/>
+      </p:nvGrpSpPr>
+      <p:grpSpPr>
+        <a:xfrm>
+          <a:off x="0" y="0"/>
+          <a:ext cx="0" cy="0"/>
+          <a:chOff x="0" y="0"/>
+          <a:chExt cx="0" cy="0"/>
+        </a:xfrm>
+      </p:grpSpPr>
+      <p:sp>
+        <p:nvSpPr>
+          <p:cNvPr id="4" name="Заголовок 3"/>
+          <p:cNvSpPr>
+            <a:spLocks noGrp="1"/>
+          </p:cNvSpPr>
+          <p:nvPr>
+            <p:ph type="title"/>
+          </p:nvPr>
+        </p:nvSpPr>
+        <p:spPr/>
+        <p:txBody>
+          <a:bodyPr/>
+          <a:lstStyle/>
+          <a:p>
+            <a:r>
+              <a:rPr lang="en-US" dirty="0" smtClean="0"/>
+              <a:t>Q&amp;A</a:t>
+            </a:r>
+            <a:endParaRPr lang="ru-RU" dirty="0"/>
+          </a:p>
+        </p:txBody>
+      </p:sp>
+      <p:sp>
+        <p:nvSpPr>
+          <p:cNvPr id="5" name="Текст 4"/>
+          <p:cNvSpPr>
+            <a:spLocks noGrp="1"/>
+          </p:cNvSpPr>
+          <p:nvPr>
+            <p:ph type="body" idx="1"/>
+          </p:nvPr>
+        </p:nvSpPr>
+        <p:spPr/>
+        <p:txBody>
+          <a:bodyPr/>
+          <a:lstStyle/>
+          <a:p>
+            <a:endParaRPr lang="ru-RU" dirty="0"/>
+          </a:p>
+        </p:txBody>
+      </p:sp>
+      <p:sp>
+        <p:nvSpPr>
+          <p:cNvPr id="6" name="Нижний колонтитул 5"/>
+          <p:cNvSpPr>
+            <a:spLocks noGrp="1"/>
+          </p:cNvSpPr>
+          <p:nvPr>
+            <p:ph type="ftr" sz="quarter" idx="11"/>
+          </p:nvPr>
+        </p:nvSpPr>
+        <p:spPr/>
+        <p:txBody>
+          <a:bodyPr/>
+          <a:lstStyle/>
+          <a:p>
+            <a:r>
+              <a:rPr lang="en-US" dirty="0" err="1"/>
+              <a:t>Artezio</a:t>
+            </a:r>
+            <a:r>
+              <a:rPr lang="en-US" dirty="0"/>
+              <a:t> 2016</a:t>
+            </a:r>
+          </a:p>
+        </p:txBody>
+      </p:sp>
+      <p:sp>
+        <p:nvSpPr>
+          <p:cNvPr id="7" name="Номер слайда 6"/>
+          <p:cNvSpPr>
+            <a:spLocks noGrp="1"/>
+          </p:cNvSpPr>
+          <p:nvPr>
+            <p:ph type="sldNum" sz="quarter" idx="12"/>
+          </p:nvPr>
+        </p:nvSpPr>
+        <p:spPr/>
+        <p:txBody>
+          <a:bodyPr/>
+          <a:lstStyle/>
+          <a:p>
+            <a:fld id="{53FE853A-3A55-4CD3-B026-601242F08E1E}" type="slidenum">
+              <a:rPr lang="en-US" smtClean="0"/>
+              <a:pPr/>
+              <a:t>29</a:t>
+            </a:fld>
+            <a:endParaRPr lang="en-US"/>
+          </a:p>
+        </p:txBody>
+      </p:sp>
+    </p:spTree>
+    <p:extLst>
+      <p:ext uri="{BB962C8B-B14F-4D97-AF65-F5344CB8AC3E}">
+        <p14:creationId xmlns:p14="http://schemas.microsoft.com/office/powerpoint/2010/main" val="3750068630"/>
       </p:ext>
     </p:extLst>
   </p:cSld>
@@ -8824,7 +10155,7 @@
     </p:spTree>
     <p:extLst>
       <p:ext uri="{BB962C8B-B14F-4D97-AF65-F5344CB8AC3E}">
-        <p14:creationId xmlns:p14="http://schemas.microsoft.com/office/powerpoint/2010/main" xmlns="" val="450469699"/>
+        <p14:creationId xmlns:p14="http://schemas.microsoft.com/office/powerpoint/2010/main" val="450469699"/>
       </p:ext>
     </p:extLst>
   </p:cSld>
@@ -8934,7 +10265,7 @@
             <p:ph idx="1"/>
             <p:extLst>
               <p:ext uri="{D42A27DB-BD31-4B8C-83A1-F6EECF244321}">
-                <p14:modId xmlns:p14="http://schemas.microsoft.com/office/powerpoint/2010/main" xmlns="" val="2657452544"/>
+                <p14:modId xmlns:p14="http://schemas.microsoft.com/office/powerpoint/2010/main" val="2657452544"/>
               </p:ext>
             </p:extLst>
           </p:nvPr>
@@ -8945,9 +10276,59 @@
         </p:xfrm>
         <a:graphic>
           <a:graphicData uri="http://schemas.openxmlformats.org/presentationml/2006/ole">
-            <p:oleObj spid="_x0000_s1034" name="Visio" r:id="rId4" imgW="4534992" imgH="1475010" progId="Visio.Drawing.11">
-              <p:embed/>
-            </p:oleObj>
+            <mc:AlternateContent xmlns:mc="http://schemas.openxmlformats.org/markup-compatibility/2006">
+              <mc:Choice xmlns:v="urn:schemas-microsoft-com:vml" Requires="v">
+                <p:oleObj spid="_x0000_s1041" name="Visio" r:id="rId4" imgW="4534992" imgH="1475010" progId="Visio.Drawing.11">
+                  <p:embed/>
+                </p:oleObj>
+              </mc:Choice>
+              <mc:Fallback>
+                <p:oleObj name="Visio" r:id="rId4" imgW="4534992" imgH="1475010" progId="Visio.Drawing.11">
+                  <p:embed/>
+                  <p:pic>
+                    <p:nvPicPr>
+                      <p:cNvPr id="0" name="Picture 10"/>
+                      <p:cNvPicPr>
+                        <a:picLocks noGrp="1" noChangeAspect="1" noChangeArrowheads="1"/>
+                      </p:cNvPicPr>
+                      <p:nvPr/>
+                    </p:nvPicPr>
+                    <p:blipFill>
+                      <a:blip r:embed="rId5">
+                        <a:extLst>
+                          <a:ext uri="{28A0092B-C50C-407E-A947-70E740481C1C}">
+                            <a14:useLocalDpi xmlns:a14="http://schemas.microsoft.com/office/drawing/2010/main" val="0"/>
+                          </a:ext>
+                        </a:extLst>
+                      </a:blip>
+                      <a:srcRect/>
+                      <a:stretch>
+                        <a:fillRect/>
+                      </a:stretch>
+                    </p:blipFill>
+                    <p:spPr bwMode="auto">
+                      <a:xfrm>
+                        <a:off x="1034521" y="1456266"/>
+                        <a:ext cx="9008493" cy="2929467"/>
+                      </a:xfrm>
+                      <a:prstGeom prst="rect">
+                        <a:avLst/>
+                      </a:prstGeom>
+                      <a:noFill/>
+                      <a:extLst>
+                        <a:ext uri="{909E8E84-426E-40DD-AFC4-6F175D3DCCD1}">
+                          <a14:hiddenFill xmlns:a14="http://schemas.microsoft.com/office/drawing/2010/main">
+                            <a:solidFill>
+                              <a:srgbClr val="FFFFFF"/>
+                            </a:solidFill>
+                          </a14:hiddenFill>
+                        </a:ext>
+                      </a:extLst>
+                    </p:spPr>
+                  </p:pic>
+                </p:oleObj>
+              </mc:Fallback>
+            </mc:AlternateContent>
           </a:graphicData>
         </a:graphic>
       </p:graphicFrame>
@@ -9057,7 +10438,7 @@
     </p:spTree>
     <p:extLst>
       <p:ext uri="{BB962C8B-B14F-4D97-AF65-F5344CB8AC3E}">
-        <p14:creationId xmlns:p14="http://schemas.microsoft.com/office/powerpoint/2010/main" xmlns="" val="31109550"/>
+        <p14:creationId xmlns:p14="http://schemas.microsoft.com/office/powerpoint/2010/main" val="31109550"/>
       </p:ext>
     </p:extLst>
   </p:cSld>
@@ -9251,7 +10632,7 @@
             <p:ph idx="1"/>
             <p:extLst>
               <p:ext uri="{D42A27DB-BD31-4B8C-83A1-F6EECF244321}">
-                <p14:modId xmlns:p14="http://schemas.microsoft.com/office/powerpoint/2010/main" xmlns="" val="1660072047"/>
+                <p14:modId xmlns:p14="http://schemas.microsoft.com/office/powerpoint/2010/main" val="4165168991"/>
               </p:ext>
             </p:extLst>
           </p:nvPr>
@@ -9262,16 +10643,60 @@
         </p:xfrm>
         <a:graphic>
           <a:graphicData uri="http://schemas.openxmlformats.org/presentationml/2006/ole">
-            <p:oleObj spid="_x0000_s2057" name="Visio" r:id="rId3" imgW="4534992" imgH="1475010" progId="Visio.Drawing.11">
-              <p:embed/>
-            </p:oleObj>
+            <mc:AlternateContent xmlns:mc="http://schemas.openxmlformats.org/markup-compatibility/2006">
+              <mc:Choice xmlns:v="urn:schemas-microsoft-com:vml" Requires="v">
+                <p:oleObj spid="_x0000_s2064" name="Visio" r:id="rId3" imgW="4534811" imgH="1475110" progId="Visio.Drawing.11">
+                  <p:embed/>
+                </p:oleObj>
+              </mc:Choice>
+              <mc:Fallback>
+                <p:oleObj name="Visio" r:id="rId3" imgW="4534811" imgH="1475110" progId="Visio.Drawing.11">
+                  <p:embed/>
+                  <p:pic>
+                    <p:nvPicPr>
+                      <p:cNvPr id="0" name="Picture 9"/>
+                      <p:cNvPicPr>
+                        <a:picLocks noGrp="1" noChangeAspect="1" noChangeArrowheads="1"/>
+                      </p:cNvPicPr>
+                      <p:nvPr/>
+                    </p:nvPicPr>
+                    <p:blipFill>
+                      <a:blip r:embed="rId4"/>
+                      <a:srcRect/>
+                      <a:stretch>
+                        <a:fillRect/>
+                      </a:stretch>
+                    </p:blipFill>
+                    <p:spPr bwMode="auto">
+                      <a:xfrm>
+                        <a:off x="973661" y="1452564"/>
+                        <a:ext cx="8746066" cy="2844056"/>
+                      </a:xfrm>
+                      <a:prstGeom prst="rect">
+                        <a:avLst/>
+                      </a:prstGeom>
+                      <a:noFill/>
+                      <a:extLst>
+                        <a:ext uri="{909E8E84-426E-40DD-AFC4-6F175D3DCCD1}">
+                          <a14:hiddenFill xmlns:a14="http://schemas.microsoft.com/office/drawing/2010/main">
+                            <a:solidFill>
+                              <a:srgbClr val="FFFFFF"/>
+                            </a:solidFill>
+                          </a14:hiddenFill>
+                        </a:ext>
+                      </a:extLst>
+                    </p:spPr>
+                  </p:pic>
+                </p:oleObj>
+              </mc:Fallback>
+            </mc:AlternateContent>
           </a:graphicData>
         </a:graphic>
       </p:graphicFrame>
     </p:spTree>
     <p:extLst>
       <p:ext uri="{BB962C8B-B14F-4D97-AF65-F5344CB8AC3E}">
-        <p14:creationId xmlns:p14="http://schemas.microsoft.com/office/powerpoint/2010/main" xmlns="" val="1995854832"/>
+        <p14:creationId xmlns:p14="http://schemas.microsoft.com/office/powerpoint/2010/main" val="1995854832"/>
       </p:ext>
     </p:extLst>
   </p:cSld>
@@ -9431,7 +10856,7 @@
             <p:ph idx="1"/>
             <p:extLst>
               <p:ext uri="{D42A27DB-BD31-4B8C-83A1-F6EECF244321}">
-                <p14:modId xmlns:p14="http://schemas.microsoft.com/office/powerpoint/2010/main" xmlns="" val="2512273438"/>
+                <p14:modId xmlns:p14="http://schemas.microsoft.com/office/powerpoint/2010/main" val="2512273438"/>
               </p:ext>
             </p:extLst>
           </p:nvPr>
@@ -9442,16 +10867,66 @@
         </p:xfrm>
         <a:graphic>
           <a:graphicData uri="http://schemas.openxmlformats.org/presentationml/2006/ole">
-            <p:oleObj spid="_x0000_s5127" name="Visio" r:id="rId3" imgW="4534992" imgH="1475010" progId="Visio.Drawing.11">
-              <p:embed/>
-            </p:oleObj>
+            <mc:AlternateContent xmlns:mc="http://schemas.openxmlformats.org/markup-compatibility/2006">
+              <mc:Choice xmlns:v="urn:schemas-microsoft-com:vml" Requires="v">
+                <p:oleObj spid="_x0000_s5134" name="Visio" r:id="rId3" imgW="4534992" imgH="1475010" progId="Visio.Drawing.11">
+                  <p:embed/>
+                </p:oleObj>
+              </mc:Choice>
+              <mc:Fallback>
+                <p:oleObj name="Visio" r:id="rId3" imgW="4534992" imgH="1475010" progId="Visio.Drawing.11">
+                  <p:embed/>
+                  <p:pic>
+                    <p:nvPicPr>
+                      <p:cNvPr id="0" name="Picture 7"/>
+                      <p:cNvPicPr>
+                        <a:picLocks noGrp="1" noChangeAspect="1" noChangeArrowheads="1"/>
+                      </p:cNvPicPr>
+                      <p:nvPr/>
+                    </p:nvPicPr>
+                    <p:blipFill>
+                      <a:blip r:embed="rId4">
+                        <a:extLst>
+                          <a:ext uri="{28A0092B-C50C-407E-A947-70E740481C1C}">
+                            <a14:useLocalDpi xmlns:a14="http://schemas.microsoft.com/office/drawing/2010/main" val="0"/>
+                          </a:ext>
+                        </a:extLst>
+                      </a:blip>
+                      <a:srcRect/>
+                      <a:stretch>
+                        <a:fillRect/>
+                      </a:stretch>
+                    </p:blipFill>
+                    <p:spPr bwMode="auto">
+                      <a:xfrm>
+                        <a:off x="973661" y="1452564"/>
+                        <a:ext cx="8746066" cy="2844056"/>
+                      </a:xfrm>
+                      <a:prstGeom prst="rect">
+                        <a:avLst/>
+                      </a:prstGeom>
+                      <a:noFill/>
+                      <a:extLst>
+                        <a:ext uri="{909E8E84-426E-40DD-AFC4-6F175D3DCCD1}">
+                          <a14:hiddenFill xmlns:a14="http://schemas.microsoft.com/office/drawing/2010/main">
+                            <a:solidFill>
+                              <a:srgbClr val="FFFFFF"/>
+                            </a:solidFill>
+                          </a14:hiddenFill>
+                        </a:ext>
+                      </a:extLst>
+                    </p:spPr>
+                  </p:pic>
+                </p:oleObj>
+              </mc:Fallback>
+            </mc:AlternateContent>
           </a:graphicData>
         </a:graphic>
       </p:graphicFrame>
     </p:spTree>
     <p:extLst>
       <p:ext uri="{BB962C8B-B14F-4D97-AF65-F5344CB8AC3E}">
-        <p14:creationId xmlns:p14="http://schemas.microsoft.com/office/powerpoint/2010/main" xmlns="" val="747328825"/>
+        <p14:creationId xmlns:p14="http://schemas.microsoft.com/office/powerpoint/2010/main" val="747328825"/>
       </p:ext>
     </p:extLst>
   </p:cSld>
@@ -9662,7 +11137,7 @@
           <a:blip r:embed="rId2" cstate="print">
             <a:extLst>
               <a:ext uri="{28A0092B-C50C-407E-A947-70E740481C1C}">
-                <a14:useLocalDpi xmlns:a14="http://schemas.microsoft.com/office/drawing/2010/main" xmlns="" val="0"/>
+                <a14:useLocalDpi xmlns:a14="http://schemas.microsoft.com/office/drawing/2010/main" val="0"/>
               </a:ext>
             </a:extLst>
           </a:blip>
@@ -9690,7 +11165,7 @@
           </a:ln>
           <a:extLst>
             <a:ext uri="{909E8E84-426E-40DD-AFC4-6F175D3DCCD1}">
-              <a14:hiddenFill xmlns:a14="http://schemas.microsoft.com/office/drawing/2010/main" xmlns="">
+              <a14:hiddenFill xmlns:a14="http://schemas.microsoft.com/office/drawing/2010/main">
                 <a:solidFill>
                   <a:srgbClr val="FFFFFF"/>
                 </a:solidFill>
@@ -9702,7 +11177,7 @@
     </p:spTree>
     <p:extLst>
       <p:ext uri="{BB962C8B-B14F-4D97-AF65-F5344CB8AC3E}">
-        <p14:creationId xmlns:p14="http://schemas.microsoft.com/office/powerpoint/2010/main" xmlns="" val="1548444148"/>
+        <p14:creationId xmlns:p14="http://schemas.microsoft.com/office/powerpoint/2010/main" val="1548444148"/>
       </p:ext>
     </p:extLst>
   </p:cSld>
@@ -9892,7 +11367,7 @@
           <p:nvPr>
             <p:extLst>
               <p:ext uri="{D42A27DB-BD31-4B8C-83A1-F6EECF244321}">
-                <p14:modId xmlns:p14="http://schemas.microsoft.com/office/powerpoint/2010/main" xmlns="" val="299227503"/>
+                <p14:modId xmlns:p14="http://schemas.microsoft.com/office/powerpoint/2010/main" val="299227503"/>
               </p:ext>
             </p:extLst>
           </p:nvPr>
@@ -10421,7 +11896,7 @@
           <a:blip r:embed="rId2" cstate="print">
             <a:extLst>
               <a:ext uri="{28A0092B-C50C-407E-A947-70E740481C1C}">
-                <a14:useLocalDpi xmlns:a14="http://schemas.microsoft.com/office/drawing/2010/main" xmlns="" val="0"/>
+                <a14:useLocalDpi xmlns:a14="http://schemas.microsoft.com/office/drawing/2010/main" val="0"/>
               </a:ext>
             </a:extLst>
           </a:blip>
@@ -10449,7 +11924,7 @@
           </a:ln>
           <a:extLst>
             <a:ext uri="{909E8E84-426E-40DD-AFC4-6F175D3DCCD1}">
-              <a14:hiddenFill xmlns:a14="http://schemas.microsoft.com/office/drawing/2010/main" xmlns="">
+              <a14:hiddenFill xmlns:a14="http://schemas.microsoft.com/office/drawing/2010/main">
                 <a:solidFill>
                   <a:srgbClr val="FFFFFF"/>
                 </a:solidFill>
@@ -10461,7 +11936,7 @@
     </p:spTree>
     <p:extLst>
       <p:ext uri="{BB962C8B-B14F-4D97-AF65-F5344CB8AC3E}">
-        <p14:creationId xmlns:p14="http://schemas.microsoft.com/office/powerpoint/2010/main" xmlns="" val="3533477141"/>
+        <p14:creationId xmlns:p14="http://schemas.microsoft.com/office/powerpoint/2010/main" val="3533477141"/>
       </p:ext>
     </p:extLst>
   </p:cSld>
@@ -10650,7 +12125,7 @@
           <p:nvPr>
             <p:extLst>
               <p:ext uri="{D42A27DB-BD31-4B8C-83A1-F6EECF244321}">
-                <p14:modId xmlns:p14="http://schemas.microsoft.com/office/powerpoint/2010/main" xmlns="" val="262787143"/>
+                <p14:modId xmlns:p14="http://schemas.microsoft.com/office/powerpoint/2010/main" val="262787143"/>
               </p:ext>
             </p:extLst>
           </p:nvPr>
@@ -11231,7 +12706,7 @@
           <a:blip r:embed="rId2" cstate="print">
             <a:extLst>
               <a:ext uri="{28A0092B-C50C-407E-A947-70E740481C1C}">
-                <a14:useLocalDpi xmlns:a14="http://schemas.microsoft.com/office/drawing/2010/main" xmlns="" val="0"/>
+                <a14:useLocalDpi xmlns:a14="http://schemas.microsoft.com/office/drawing/2010/main" val="0"/>
               </a:ext>
             </a:extLst>
           </a:blip>
@@ -11259,7 +12734,7 @@
           </a:ln>
           <a:extLst>
             <a:ext uri="{909E8E84-426E-40DD-AFC4-6F175D3DCCD1}">
-              <a14:hiddenFill xmlns:a14="http://schemas.microsoft.com/office/drawing/2010/main" xmlns="">
+              <a14:hiddenFill xmlns:a14="http://schemas.microsoft.com/office/drawing/2010/main">
                 <a:solidFill>
                   <a:srgbClr val="FFFFFF"/>
                 </a:solidFill>
@@ -11271,7 +12746,7 @@
     </p:spTree>
     <p:extLst>
       <p:ext uri="{BB962C8B-B14F-4D97-AF65-F5344CB8AC3E}">
-        <p14:creationId xmlns:p14="http://schemas.microsoft.com/office/powerpoint/2010/main" xmlns="" val="25317066"/>
+        <p14:creationId xmlns:p14="http://schemas.microsoft.com/office/powerpoint/2010/main" val="25317066"/>
       </p:ext>
     </p:extLst>
   </p:cSld>
@@ -11543,7 +13018,7 @@
   <a:extraClrSchemeLst/>
   <a:extLst>
     <a:ext uri="{05A4C25C-085E-4340-85A3-A5531E510DB2}">
-      <thm15:themeFamily xmlns="" xmlns:thm15="http://schemas.microsoft.com/office/thememl/2012/main" name="Office Theme" id="{62F939B6-93AF-4DB8-9C6B-D6C7DFDC589F}" vid="{4A3C46E8-61CC-4603-A589-7422A47A8E4A}"/>
+      <thm15:themeFamily xmlns:thm15="http://schemas.microsoft.com/office/thememl/2012/main" name="Office Theme" id="{62F939B6-93AF-4DB8-9C6B-D6C7DFDC589F}" vid="{4A3C46E8-61CC-4603-A589-7422A47A8E4A}"/>
     </a:ext>
   </a:extLst>
 </a:theme>
@@ -11804,7 +13279,7 @@
   <a:extraClrSchemeLst/>
   <a:extLst>
     <a:ext uri="{05A4C25C-085E-4340-85A3-A5531E510DB2}">
-      <thm15:themeFamily xmlns="" xmlns:thm15="http://schemas.microsoft.com/office/thememl/2012/main" name="Office Theme" id="{62F939B6-93AF-4DB8-9C6B-D6C7DFDC589F}" vid="{4A3C46E8-61CC-4603-A589-7422A47A8E4A}"/>
+      <thm15:themeFamily xmlns:thm15="http://schemas.microsoft.com/office/thememl/2012/main" name="Office Theme" id="{62F939B6-93AF-4DB8-9C6B-D6C7DFDC589F}" vid="{4A3C46E8-61CC-4603-A589-7422A47A8E4A}"/>
     </a:ext>
   </a:extLst>
 </a:theme>

--- a/doc/Presentation.pptx
+++ b/doc/Presentation.pptx
@@ -5,7 +5,7 @@
     <p:sldMasterId id="2147483648" r:id="rId1"/>
   </p:sldMasterIdLst>
   <p:notesMasterIdLst>
-    <p:notesMasterId r:id="rId31"/>
+    <p:notesMasterId r:id="rId32"/>
   </p:notesMasterIdLst>
   <p:sldIdLst>
     <p:sldId id="387" r:id="rId2"/>
@@ -31,12 +31,13 @@
     <p:sldId id="427" r:id="rId22"/>
     <p:sldId id="428" r:id="rId23"/>
     <p:sldId id="429" r:id="rId24"/>
-    <p:sldId id="404" r:id="rId25"/>
-    <p:sldId id="405" r:id="rId26"/>
-    <p:sldId id="407" r:id="rId27"/>
-    <p:sldId id="408" r:id="rId28"/>
-    <p:sldId id="409" r:id="rId29"/>
-    <p:sldId id="401" r:id="rId30"/>
+    <p:sldId id="431" r:id="rId25"/>
+    <p:sldId id="404" r:id="rId26"/>
+    <p:sldId id="405" r:id="rId27"/>
+    <p:sldId id="407" r:id="rId28"/>
+    <p:sldId id="408" r:id="rId29"/>
+    <p:sldId id="409" r:id="rId30"/>
+    <p:sldId id="401" r:id="rId31"/>
   </p:sldIdLst>
   <p:sldSz cx="12192000" cy="6858000"/>
   <p:notesSz cx="6858000" cy="9144000"/>
@@ -137,7 +138,7 @@
   </p:defaultTextStyle>
   <p:extLst>
     <p:ext uri="{EFAFB233-063F-42B5-8137-9DF3F51BA10A}">
-      <p15:sldGuideLst xmlns:p15="http://schemas.microsoft.com/office/powerpoint/2012/main">
+      <p15:sldGuideLst xmlns:p15="http://schemas.microsoft.com/office/powerpoint/2012/main" xmlns="">
         <p15:guide id="1" orient="horz" pos="2160" userDrawn="1">
           <p15:clr>
             <a:srgbClr val="A4A3A4"/>
@@ -237,7 +238,7 @@
             <a:fld id="{9287D9B5-79DC-4D13-AD9B-603A64EA5011}" type="datetimeFigureOut">
               <a:rPr lang="en-US" smtClean="0"/>
               <a:pPr/>
-              <a:t>3/28/2016</a:t>
+              <a:t>3/29/2016</a:t>
             </a:fld>
             <a:endParaRPr lang="en-US"/>
           </a:p>
@@ -406,7 +407,7 @@
     </p:spTree>
     <p:extLst>
       <p:ext uri="{BB962C8B-B14F-4D97-AF65-F5344CB8AC3E}">
-        <p14:creationId xmlns:p14="http://schemas.microsoft.com/office/powerpoint/2010/main" val="1317034010"/>
+        <p14:creationId xmlns:p14="http://schemas.microsoft.com/office/powerpoint/2010/main" xmlns="" val="1317034010"/>
       </p:ext>
     </p:extLst>
   </p:cSld>
@@ -581,7 +582,7 @@
     </p:spTree>
     <p:extLst>
       <p:ext uri="{BB962C8B-B14F-4D97-AF65-F5344CB8AC3E}">
-        <p14:creationId xmlns:p14="http://schemas.microsoft.com/office/powerpoint/2010/main" val="3621623957"/>
+        <p14:creationId xmlns:p14="http://schemas.microsoft.com/office/powerpoint/2010/main" xmlns="" val="3621623957"/>
       </p:ext>
     </p:extLst>
   </p:cSld>
@@ -674,7 +675,7 @@
     </p:spTree>
     <p:extLst>
       <p:ext uri="{BB962C8B-B14F-4D97-AF65-F5344CB8AC3E}">
-        <p14:creationId xmlns:p14="http://schemas.microsoft.com/office/powerpoint/2010/main" val="1815179138"/>
+        <p14:creationId xmlns:p14="http://schemas.microsoft.com/office/powerpoint/2010/main" xmlns="" val="1815179138"/>
       </p:ext>
     </p:extLst>
   </p:cSld>
@@ -816,7 +817,7 @@
             <a:fld id="{560984F1-1C83-4D6F-937B-F4A0931E74AF}" type="datetime1">
               <a:rPr lang="en-US" smtClean="0"/>
               <a:pPr/>
-              <a:t>3/28/2016</a:t>
+              <a:t>3/29/2016</a:t>
             </a:fld>
             <a:endParaRPr lang="en-US"/>
           </a:p>
@@ -872,7 +873,7 @@
     </p:spTree>
     <p:extLst>
       <p:ext uri="{BB962C8B-B14F-4D97-AF65-F5344CB8AC3E}">
-        <p14:creationId xmlns:p14="http://schemas.microsoft.com/office/powerpoint/2010/main" val="1612928146"/>
+        <p14:creationId xmlns:p14="http://schemas.microsoft.com/office/powerpoint/2010/main" xmlns="" val="1612928146"/>
       </p:ext>
     </p:extLst>
   </p:cSld>
@@ -992,7 +993,7 @@
             <a:fld id="{40048B7D-3C9C-433B-88BC-15C9F0EC6FB4}" type="datetime1">
               <a:rPr lang="en-US" smtClean="0"/>
               <a:pPr/>
-              <a:t>3/28/2016</a:t>
+              <a:t>3/29/2016</a:t>
             </a:fld>
             <a:endParaRPr lang="en-US"/>
           </a:p>
@@ -1048,7 +1049,7 @@
     </p:spTree>
     <p:extLst>
       <p:ext uri="{BB962C8B-B14F-4D97-AF65-F5344CB8AC3E}">
-        <p14:creationId xmlns:p14="http://schemas.microsoft.com/office/powerpoint/2010/main" val="1227749587"/>
+        <p14:creationId xmlns:p14="http://schemas.microsoft.com/office/powerpoint/2010/main" xmlns="" val="1227749587"/>
       </p:ext>
     </p:extLst>
   </p:cSld>
@@ -1178,7 +1179,7 @@
             <a:fld id="{37E3DEFA-5DDE-45F6-AAF3-660D4BB67DCD}" type="datetime1">
               <a:rPr lang="en-US" smtClean="0"/>
               <a:pPr/>
-              <a:t>3/28/2016</a:t>
+              <a:t>3/29/2016</a:t>
             </a:fld>
             <a:endParaRPr lang="en-US"/>
           </a:p>
@@ -1234,7 +1235,7 @@
     </p:spTree>
     <p:extLst>
       <p:ext uri="{BB962C8B-B14F-4D97-AF65-F5344CB8AC3E}">
-        <p14:creationId xmlns:p14="http://schemas.microsoft.com/office/powerpoint/2010/main" val="3921510761"/>
+        <p14:creationId xmlns:p14="http://schemas.microsoft.com/office/powerpoint/2010/main" xmlns="" val="3921510761"/>
       </p:ext>
     </p:extLst>
   </p:cSld>
@@ -1354,7 +1355,7 @@
             <a:fld id="{9A2B6F06-9412-4087-9519-F250D40FAA9B}" type="datetime1">
               <a:rPr lang="en-US" smtClean="0"/>
               <a:pPr/>
-              <a:t>3/28/2016</a:t>
+              <a:t>3/29/2016</a:t>
             </a:fld>
             <a:endParaRPr lang="en-US"/>
           </a:p>
@@ -1410,7 +1411,7 @@
     </p:spTree>
     <p:extLst>
       <p:ext uri="{BB962C8B-B14F-4D97-AF65-F5344CB8AC3E}">
-        <p14:creationId xmlns:p14="http://schemas.microsoft.com/office/powerpoint/2010/main" val="2660512697"/>
+        <p14:creationId xmlns:p14="http://schemas.microsoft.com/office/powerpoint/2010/main" xmlns="" val="2660512697"/>
       </p:ext>
     </p:extLst>
   </p:cSld>
@@ -1606,7 +1607,7 @@
             <a:fld id="{77923D88-3BBE-4BF8-B99C-69153F1B6B00}" type="datetime1">
               <a:rPr lang="en-US" smtClean="0"/>
               <a:pPr/>
-              <a:t>3/28/2016</a:t>
+              <a:t>3/29/2016</a:t>
             </a:fld>
             <a:endParaRPr lang="en-US"/>
           </a:p>
@@ -1662,7 +1663,7 @@
     </p:spTree>
     <p:extLst>
       <p:ext uri="{BB962C8B-B14F-4D97-AF65-F5344CB8AC3E}">
-        <p14:creationId xmlns:p14="http://schemas.microsoft.com/office/powerpoint/2010/main" val="1721951169"/>
+        <p14:creationId xmlns:p14="http://schemas.microsoft.com/office/powerpoint/2010/main" xmlns="" val="1721951169"/>
       </p:ext>
     </p:extLst>
   </p:cSld>
@@ -1844,7 +1845,7 @@
             <a:fld id="{FF3431C4-5731-4FE5-8E75-E8C8DA1DE6BC}" type="datetime1">
               <a:rPr lang="en-US" smtClean="0"/>
               <a:pPr/>
-              <a:t>3/28/2016</a:t>
+              <a:t>3/29/2016</a:t>
             </a:fld>
             <a:endParaRPr lang="en-US"/>
           </a:p>
@@ -1900,7 +1901,7 @@
     </p:spTree>
     <p:extLst>
       <p:ext uri="{BB962C8B-B14F-4D97-AF65-F5344CB8AC3E}">
-        <p14:creationId xmlns:p14="http://schemas.microsoft.com/office/powerpoint/2010/main" val="3531452610"/>
+        <p14:creationId xmlns:p14="http://schemas.microsoft.com/office/powerpoint/2010/main" xmlns="" val="3531452610"/>
       </p:ext>
     </p:extLst>
   </p:cSld>
@@ -2217,7 +2218,7 @@
             <a:fld id="{AB26A0F6-EC27-4718-8268-067DCF0570D4}" type="datetime1">
               <a:rPr lang="en-US" smtClean="0"/>
               <a:pPr/>
-              <a:t>3/28/2016</a:t>
+              <a:t>3/29/2016</a:t>
             </a:fld>
             <a:endParaRPr lang="en-US"/>
           </a:p>
@@ -2273,7 +2274,7 @@
     </p:spTree>
     <p:extLst>
       <p:ext uri="{BB962C8B-B14F-4D97-AF65-F5344CB8AC3E}">
-        <p14:creationId xmlns:p14="http://schemas.microsoft.com/office/powerpoint/2010/main" val="220154535"/>
+        <p14:creationId xmlns:p14="http://schemas.microsoft.com/office/powerpoint/2010/main" xmlns="" val="220154535"/>
       </p:ext>
     </p:extLst>
   </p:cSld>
@@ -2341,7 +2342,7 @@
             <a:fld id="{FDEFBC4E-F023-4D8A-B06B-ACD25120275F}" type="datetime1">
               <a:rPr lang="en-US" smtClean="0"/>
               <a:pPr/>
-              <a:t>3/28/2016</a:t>
+              <a:t>3/29/2016</a:t>
             </a:fld>
             <a:endParaRPr lang="en-US"/>
           </a:p>
@@ -2397,7 +2398,7 @@
     </p:spTree>
     <p:extLst>
       <p:ext uri="{BB962C8B-B14F-4D97-AF65-F5344CB8AC3E}">
-        <p14:creationId xmlns:p14="http://schemas.microsoft.com/office/powerpoint/2010/main" val="4142823437"/>
+        <p14:creationId xmlns:p14="http://schemas.microsoft.com/office/powerpoint/2010/main" xmlns="" val="4142823437"/>
       </p:ext>
     </p:extLst>
   </p:cSld>
@@ -2442,7 +2443,7 @@
             <a:fld id="{508EC1F3-E5AB-4887-81B1-3ED695DD901B}" type="datetime1">
               <a:rPr lang="en-US" smtClean="0"/>
               <a:pPr/>
-              <a:t>3/28/2016</a:t>
+              <a:t>3/29/2016</a:t>
             </a:fld>
             <a:endParaRPr lang="en-US"/>
           </a:p>
@@ -2498,7 +2499,7 @@
     </p:spTree>
     <p:extLst>
       <p:ext uri="{BB962C8B-B14F-4D97-AF65-F5344CB8AC3E}">
-        <p14:creationId xmlns:p14="http://schemas.microsoft.com/office/powerpoint/2010/main" val="932368194"/>
+        <p14:creationId xmlns:p14="http://schemas.microsoft.com/office/powerpoint/2010/main" xmlns="" val="932368194"/>
       </p:ext>
     </p:extLst>
   </p:cSld>
@@ -2725,7 +2726,7 @@
             <a:fld id="{6FCCBD79-94CD-4C46-A343-83CB75AFD5BD}" type="datetime1">
               <a:rPr lang="en-US" smtClean="0"/>
               <a:pPr/>
-              <a:t>3/28/2016</a:t>
+              <a:t>3/29/2016</a:t>
             </a:fld>
             <a:endParaRPr lang="en-US"/>
           </a:p>
@@ -2781,7 +2782,7 @@
     </p:spTree>
     <p:extLst>
       <p:ext uri="{BB962C8B-B14F-4D97-AF65-F5344CB8AC3E}">
-        <p14:creationId xmlns:p14="http://schemas.microsoft.com/office/powerpoint/2010/main" val="656915409"/>
+        <p14:creationId xmlns:p14="http://schemas.microsoft.com/office/powerpoint/2010/main" xmlns="" val="656915409"/>
       </p:ext>
     </p:extLst>
   </p:cSld>
@@ -2984,7 +2985,7 @@
             <a:fld id="{CA47C8E6-E082-4645-831D-F582550B1470}" type="datetime1">
               <a:rPr lang="en-US" smtClean="0"/>
               <a:pPr/>
-              <a:t>3/28/2016</a:t>
+              <a:t>3/29/2016</a:t>
             </a:fld>
             <a:endParaRPr lang="en-US"/>
           </a:p>
@@ -3040,7 +3041,7 @@
     </p:spTree>
     <p:extLst>
       <p:ext uri="{BB962C8B-B14F-4D97-AF65-F5344CB8AC3E}">
-        <p14:creationId xmlns:p14="http://schemas.microsoft.com/office/powerpoint/2010/main" val="1439308894"/>
+        <p14:creationId xmlns:p14="http://schemas.microsoft.com/office/powerpoint/2010/main" xmlns="" val="1439308894"/>
       </p:ext>
     </p:extLst>
   </p:cSld>
@@ -3203,7 +3204,7 @@
             <a:fld id="{9A2DE9A4-4438-40EF-8DD7-AE6A8DDFEF8F}" type="datetime1">
               <a:rPr lang="en-US" smtClean="0"/>
               <a:pPr/>
-              <a:t>3/28/2016</a:t>
+              <a:t>3/29/2016</a:t>
             </a:fld>
             <a:endParaRPr lang="en-US"/>
           </a:p>
@@ -3295,7 +3296,7 @@
     </p:spTree>
     <p:extLst>
       <p:ext uri="{BB962C8B-B14F-4D97-AF65-F5344CB8AC3E}">
-        <p14:creationId xmlns:p14="http://schemas.microsoft.com/office/powerpoint/2010/main" val="3514112879"/>
+        <p14:creationId xmlns:p14="http://schemas.microsoft.com/office/powerpoint/2010/main" xmlns="" val="3514112879"/>
       </p:ext>
     </p:extLst>
   </p:cSld>
@@ -3727,7 +3728,7 @@
     </p:spTree>
     <p:extLst>
       <p:ext uri="{BB962C8B-B14F-4D97-AF65-F5344CB8AC3E}">
-        <p14:creationId xmlns:p14="http://schemas.microsoft.com/office/powerpoint/2010/main" val="1079883610"/>
+        <p14:creationId xmlns:p14="http://schemas.microsoft.com/office/powerpoint/2010/main" xmlns="" val="1079883610"/>
       </p:ext>
     </p:extLst>
   </p:cSld>
@@ -3912,7 +3913,7 @@
           <a:blip r:embed="rId2" cstate="print">
             <a:extLst>
               <a:ext uri="{28A0092B-C50C-407E-A947-70E740481C1C}">
-                <a14:useLocalDpi xmlns:a14="http://schemas.microsoft.com/office/drawing/2010/main" val="0"/>
+                <a14:useLocalDpi xmlns:a14="http://schemas.microsoft.com/office/drawing/2010/main" xmlns="" val="0"/>
               </a:ext>
             </a:extLst>
           </a:blip>
@@ -3940,7 +3941,7 @@
           </a:ln>
           <a:extLst>
             <a:ext uri="{909E8E84-426E-40DD-AFC4-6F175D3DCCD1}">
-              <a14:hiddenFill xmlns:a14="http://schemas.microsoft.com/office/drawing/2010/main">
+              <a14:hiddenFill xmlns:a14="http://schemas.microsoft.com/office/drawing/2010/main" xmlns="">
                 <a:solidFill>
                   <a:srgbClr val="FFFFFF"/>
                 </a:solidFill>
@@ -3958,7 +3959,7 @@
           <p:nvPr>
             <p:extLst>
               <p:ext uri="{D42A27DB-BD31-4B8C-83A1-F6EECF244321}">
-                <p14:modId xmlns:p14="http://schemas.microsoft.com/office/powerpoint/2010/main" val="945892305"/>
+                <p14:modId xmlns:p14="http://schemas.microsoft.com/office/powerpoint/2010/main" xmlns="" val="945892305"/>
               </p:ext>
             </p:extLst>
           </p:nvPr>
@@ -4252,7 +4253,7 @@
     </p:spTree>
     <p:extLst>
       <p:ext uri="{BB962C8B-B14F-4D97-AF65-F5344CB8AC3E}">
-        <p14:creationId xmlns:p14="http://schemas.microsoft.com/office/powerpoint/2010/main" val="701800115"/>
+        <p14:creationId xmlns:p14="http://schemas.microsoft.com/office/powerpoint/2010/main" xmlns="" val="701800115"/>
       </p:ext>
     </p:extLst>
   </p:cSld>
@@ -4520,7 +4521,7 @@
           <a:blip r:embed="rId2" cstate="print">
             <a:extLst>
               <a:ext uri="{28A0092B-C50C-407E-A947-70E740481C1C}">
-                <a14:useLocalDpi xmlns:a14="http://schemas.microsoft.com/office/drawing/2010/main" val="0"/>
+                <a14:useLocalDpi xmlns:a14="http://schemas.microsoft.com/office/drawing/2010/main" xmlns="" val="0"/>
               </a:ext>
             </a:extLst>
           </a:blip>
@@ -4548,7 +4549,7 @@
           </a:ln>
           <a:extLst>
             <a:ext uri="{909E8E84-426E-40DD-AFC4-6F175D3DCCD1}">
-              <a14:hiddenFill xmlns:a14="http://schemas.microsoft.com/office/drawing/2010/main">
+              <a14:hiddenFill xmlns:a14="http://schemas.microsoft.com/office/drawing/2010/main" xmlns="">
                 <a:solidFill>
                   <a:srgbClr val="FFFFFF"/>
                 </a:solidFill>
@@ -4560,7 +4561,7 @@
     </p:spTree>
     <p:extLst>
       <p:ext uri="{BB962C8B-B14F-4D97-AF65-F5344CB8AC3E}">
-        <p14:creationId xmlns:p14="http://schemas.microsoft.com/office/powerpoint/2010/main" val="621102830"/>
+        <p14:creationId xmlns:p14="http://schemas.microsoft.com/office/powerpoint/2010/main" xmlns="" val="621102830"/>
       </p:ext>
     </p:extLst>
   </p:cSld>
@@ -4828,7 +4829,7 @@
           <a:blip r:embed="rId2" cstate="print">
             <a:extLst>
               <a:ext uri="{28A0092B-C50C-407E-A947-70E740481C1C}">
-                <a14:useLocalDpi xmlns:a14="http://schemas.microsoft.com/office/drawing/2010/main" val="0"/>
+                <a14:useLocalDpi xmlns:a14="http://schemas.microsoft.com/office/drawing/2010/main" xmlns="" val="0"/>
               </a:ext>
             </a:extLst>
           </a:blip>
@@ -4856,7 +4857,7 @@
           </a:ln>
           <a:extLst>
             <a:ext uri="{909E8E84-426E-40DD-AFC4-6F175D3DCCD1}">
-              <a14:hiddenFill xmlns:a14="http://schemas.microsoft.com/office/drawing/2010/main">
+              <a14:hiddenFill xmlns:a14="http://schemas.microsoft.com/office/drawing/2010/main" xmlns="">
                 <a:solidFill>
                   <a:srgbClr val="FFFFFF"/>
                 </a:solidFill>
@@ -4868,7 +4869,7 @@
     </p:spTree>
     <p:extLst>
       <p:ext uri="{BB962C8B-B14F-4D97-AF65-F5344CB8AC3E}">
-        <p14:creationId xmlns:p14="http://schemas.microsoft.com/office/powerpoint/2010/main" val="3244414102"/>
+        <p14:creationId xmlns:p14="http://schemas.microsoft.com/office/powerpoint/2010/main" xmlns="" val="3244414102"/>
       </p:ext>
     </p:extLst>
   </p:cSld>
@@ -5152,7 +5153,7 @@
           <a:blip r:embed="rId2" cstate="print">
             <a:extLst>
               <a:ext uri="{28A0092B-C50C-407E-A947-70E740481C1C}">
-                <a14:useLocalDpi xmlns:a14="http://schemas.microsoft.com/office/drawing/2010/main" val="0"/>
+                <a14:useLocalDpi xmlns:a14="http://schemas.microsoft.com/office/drawing/2010/main" xmlns="" val="0"/>
               </a:ext>
             </a:extLst>
           </a:blip>
@@ -5180,7 +5181,7 @@
           </a:ln>
           <a:extLst>
             <a:ext uri="{909E8E84-426E-40DD-AFC4-6F175D3DCCD1}">
-              <a14:hiddenFill xmlns:a14="http://schemas.microsoft.com/office/drawing/2010/main">
+              <a14:hiddenFill xmlns:a14="http://schemas.microsoft.com/office/drawing/2010/main" xmlns="">
                 <a:solidFill>
                   <a:srgbClr val="FFFFFF"/>
                 </a:solidFill>
@@ -5192,7 +5193,7 @@
     </p:spTree>
     <p:extLst>
       <p:ext uri="{BB962C8B-B14F-4D97-AF65-F5344CB8AC3E}">
-        <p14:creationId xmlns:p14="http://schemas.microsoft.com/office/powerpoint/2010/main" val="4178248026"/>
+        <p14:creationId xmlns:p14="http://schemas.microsoft.com/office/powerpoint/2010/main" xmlns="" val="4178248026"/>
       </p:ext>
     </p:extLst>
   </p:cSld>
@@ -5500,7 +5501,7 @@
           <a:blip r:embed="rId2" cstate="print">
             <a:extLst>
               <a:ext uri="{28A0092B-C50C-407E-A947-70E740481C1C}">
-                <a14:useLocalDpi xmlns:a14="http://schemas.microsoft.com/office/drawing/2010/main" val="0"/>
+                <a14:useLocalDpi xmlns:a14="http://schemas.microsoft.com/office/drawing/2010/main" xmlns="" val="0"/>
               </a:ext>
             </a:extLst>
           </a:blip>
@@ -5528,7 +5529,7 @@
           </a:ln>
           <a:extLst>
             <a:ext uri="{909E8E84-426E-40DD-AFC4-6F175D3DCCD1}">
-              <a14:hiddenFill xmlns:a14="http://schemas.microsoft.com/office/drawing/2010/main">
+              <a14:hiddenFill xmlns:a14="http://schemas.microsoft.com/office/drawing/2010/main" xmlns="">
                 <a:solidFill>
                   <a:srgbClr val="FFFFFF"/>
                 </a:solidFill>
@@ -5540,7 +5541,7 @@
     </p:spTree>
     <p:extLst>
       <p:ext uri="{BB962C8B-B14F-4D97-AF65-F5344CB8AC3E}">
-        <p14:creationId xmlns:p14="http://schemas.microsoft.com/office/powerpoint/2010/main" val="2229309994"/>
+        <p14:creationId xmlns:p14="http://schemas.microsoft.com/office/powerpoint/2010/main" xmlns="" val="2229309994"/>
       </p:ext>
     </p:extLst>
   </p:cSld>
@@ -5769,7 +5770,7 @@
           <a:blip r:embed="rId2" cstate="print">
             <a:extLst>
               <a:ext uri="{28A0092B-C50C-407E-A947-70E740481C1C}">
-                <a14:useLocalDpi xmlns:a14="http://schemas.microsoft.com/office/drawing/2010/main" val="0"/>
+                <a14:useLocalDpi xmlns:a14="http://schemas.microsoft.com/office/drawing/2010/main" xmlns="" val="0"/>
               </a:ext>
             </a:extLst>
           </a:blip>
@@ -5797,7 +5798,7 @@
           </a:ln>
           <a:extLst>
             <a:ext uri="{909E8E84-426E-40DD-AFC4-6F175D3DCCD1}">
-              <a14:hiddenFill xmlns:a14="http://schemas.microsoft.com/office/drawing/2010/main">
+              <a14:hiddenFill xmlns:a14="http://schemas.microsoft.com/office/drawing/2010/main" xmlns="">
                 <a:solidFill>
                   <a:srgbClr val="FFFFFF"/>
                 </a:solidFill>
@@ -5809,7 +5810,7 @@
     </p:spTree>
     <p:extLst>
       <p:ext uri="{BB962C8B-B14F-4D97-AF65-F5344CB8AC3E}">
-        <p14:creationId xmlns:p14="http://schemas.microsoft.com/office/powerpoint/2010/main" val="3888848238"/>
+        <p14:creationId xmlns:p14="http://schemas.microsoft.com/office/powerpoint/2010/main" xmlns="" val="3888848238"/>
       </p:ext>
     </p:extLst>
   </p:cSld>
@@ -6124,7 +6125,7 @@
           <a:blip r:embed="rId2" cstate="print">
             <a:extLst>
               <a:ext uri="{28A0092B-C50C-407E-A947-70E740481C1C}">
-                <a14:useLocalDpi xmlns:a14="http://schemas.microsoft.com/office/drawing/2010/main" val="0"/>
+                <a14:useLocalDpi xmlns:a14="http://schemas.microsoft.com/office/drawing/2010/main" xmlns="" val="0"/>
               </a:ext>
             </a:extLst>
           </a:blip>
@@ -6152,7 +6153,7 @@
           </a:ln>
           <a:extLst>
             <a:ext uri="{909E8E84-426E-40DD-AFC4-6F175D3DCCD1}">
-              <a14:hiddenFill xmlns:a14="http://schemas.microsoft.com/office/drawing/2010/main">
+              <a14:hiddenFill xmlns:a14="http://schemas.microsoft.com/office/drawing/2010/main" xmlns="">
                 <a:solidFill>
                   <a:srgbClr val="FFFFFF"/>
                 </a:solidFill>
@@ -6164,7 +6165,7 @@
     </p:spTree>
     <p:extLst>
       <p:ext uri="{BB962C8B-B14F-4D97-AF65-F5344CB8AC3E}">
-        <p14:creationId xmlns:p14="http://schemas.microsoft.com/office/powerpoint/2010/main" val="447444199"/>
+        <p14:creationId xmlns:p14="http://schemas.microsoft.com/office/powerpoint/2010/main" xmlns="" val="447444199"/>
       </p:ext>
     </p:extLst>
   </p:cSld>
@@ -6479,7 +6480,7 @@
           <a:blip r:embed="rId2" cstate="print">
             <a:extLst>
               <a:ext uri="{28A0092B-C50C-407E-A947-70E740481C1C}">
-                <a14:useLocalDpi xmlns:a14="http://schemas.microsoft.com/office/drawing/2010/main" val="0"/>
+                <a14:useLocalDpi xmlns:a14="http://schemas.microsoft.com/office/drawing/2010/main" xmlns="" val="0"/>
               </a:ext>
             </a:extLst>
           </a:blip>
@@ -6507,7 +6508,7 @@
           </a:ln>
           <a:extLst>
             <a:ext uri="{909E8E84-426E-40DD-AFC4-6F175D3DCCD1}">
-              <a14:hiddenFill xmlns:a14="http://schemas.microsoft.com/office/drawing/2010/main">
+              <a14:hiddenFill xmlns:a14="http://schemas.microsoft.com/office/drawing/2010/main" xmlns="">
                 <a:solidFill>
                   <a:srgbClr val="FFFFFF"/>
                 </a:solidFill>
@@ -6574,7 +6575,7 @@
           <a:blip r:embed="rId4" cstate="print">
             <a:extLst>
               <a:ext uri="{28A0092B-C50C-407E-A947-70E740481C1C}">
-                <a14:useLocalDpi xmlns:a14="http://schemas.microsoft.com/office/drawing/2010/main" val="0"/>
+                <a14:useLocalDpi xmlns:a14="http://schemas.microsoft.com/office/drawing/2010/main" xmlns="" val="0"/>
               </a:ext>
             </a:extLst>
           </a:blip>
@@ -6602,7 +6603,7 @@
           </a:ln>
           <a:extLst>
             <a:ext uri="{909E8E84-426E-40DD-AFC4-6F175D3DCCD1}">
-              <a14:hiddenFill xmlns:a14="http://schemas.microsoft.com/office/drawing/2010/main">
+              <a14:hiddenFill xmlns:a14="http://schemas.microsoft.com/office/drawing/2010/main" xmlns="">
                 <a:solidFill>
                   <a:srgbClr val="FFFFFF"/>
                 </a:solidFill>
@@ -6614,7 +6615,7 @@
     </p:spTree>
     <p:extLst>
       <p:ext uri="{BB962C8B-B14F-4D97-AF65-F5344CB8AC3E}">
-        <p14:creationId xmlns:p14="http://schemas.microsoft.com/office/powerpoint/2010/main" val="1098072598"/>
+        <p14:creationId xmlns:p14="http://schemas.microsoft.com/office/powerpoint/2010/main" xmlns="" val="1098072598"/>
       </p:ext>
     </p:extLst>
   </p:cSld>
@@ -6745,7 +6746,7 @@
             <p:ph idx="1"/>
             <p:extLst>
               <p:ext uri="{D42A27DB-BD31-4B8C-83A1-F6EECF244321}">
-                <p14:modId xmlns:p14="http://schemas.microsoft.com/office/powerpoint/2010/main" val="1387808730"/>
+                <p14:modId xmlns:p14="http://schemas.microsoft.com/office/powerpoint/2010/main" xmlns="" val="1387808730"/>
               </p:ext>
             </p:extLst>
           </p:nvPr>
@@ -6756,40 +6757,9 @@
         </p:xfrm>
         <a:graphic>
           <a:graphicData uri="http://schemas.openxmlformats.org/presentationml/2006/ole">
-            <mc:AlternateContent xmlns:mc="http://schemas.openxmlformats.org/markup-compatibility/2006">
-              <mc:Choice xmlns:v="urn:schemas-microsoft-com:vml" Requires="v">
-                <p:oleObj spid="_x0000_s9220" name="Visio" r:id="rId3" imgW="4534811" imgH="1475110" progId="Visio.Drawing.11">
-                  <p:embed/>
-                </p:oleObj>
-              </mc:Choice>
-              <mc:Fallback>
-                <p:oleObj name="Visio" r:id="rId3" imgW="4534811" imgH="1475110" progId="Visio.Drawing.11">
-                  <p:embed/>
-                  <p:pic>
-                    <p:nvPicPr>
-                      <p:cNvPr id="0" name=""/>
-                      <p:cNvPicPr/>
-                      <p:nvPr/>
-                    </p:nvPicPr>
-                    <p:blipFill>
-                      <a:blip r:embed="rId4"/>
-                      <a:stretch>
-                        <a:fillRect/>
-                      </a:stretch>
-                    </p:blipFill>
-                    <p:spPr>
-                      <a:xfrm>
-                        <a:off x="838200" y="2322912"/>
-                        <a:ext cx="8746066" cy="2844056"/>
-                      </a:xfrm>
-                      <a:prstGeom prst="rect">
-                        <a:avLst/>
-                      </a:prstGeom>
-                    </p:spPr>
-                  </p:pic>
-                </p:oleObj>
-              </mc:Fallback>
-            </mc:AlternateContent>
+            <p:oleObj spid="_x0000_s9220" name="Visio" r:id="rId3" imgW="4534811" imgH="1475110" progId="Visio.Drawing.11">
+              <p:embed/>
+            </p:oleObj>
           </a:graphicData>
         </a:graphic>
       </p:graphicFrame>
@@ -6825,7 +6795,7 @@
     </p:spTree>
     <p:extLst>
       <p:ext uri="{BB962C8B-B14F-4D97-AF65-F5344CB8AC3E}">
-        <p14:creationId xmlns:p14="http://schemas.microsoft.com/office/powerpoint/2010/main" val="1638442515"/>
+        <p14:creationId xmlns:p14="http://schemas.microsoft.com/office/powerpoint/2010/main" xmlns="" val="1638442515"/>
       </p:ext>
     </p:extLst>
   </p:cSld>
@@ -6987,7 +6957,7 @@
             <p:ph idx="1"/>
             <p:extLst>
               <p:ext uri="{D42A27DB-BD31-4B8C-83A1-F6EECF244321}">
-                <p14:modId xmlns:p14="http://schemas.microsoft.com/office/powerpoint/2010/main" val="1525054578"/>
+                <p14:modId xmlns:p14="http://schemas.microsoft.com/office/powerpoint/2010/main" xmlns="" val="1525054578"/>
               </p:ext>
             </p:extLst>
           </p:nvPr>
@@ -6998,44 +6968,9 @@
         </p:xfrm>
         <a:graphic>
           <a:graphicData uri="http://schemas.openxmlformats.org/presentationml/2006/ole">
-            <mc:AlternateContent xmlns:mc="http://schemas.openxmlformats.org/markup-compatibility/2006">
-              <mc:Choice xmlns:v="urn:schemas-microsoft-com:vml" Requires="v">
-                <p:oleObj spid="_x0000_s6160" name="Visio" r:id="rId3" imgW="1307765" imgH="1178783" progId="Visio.Drawing.11">
-                  <p:embed/>
-                </p:oleObj>
-              </mc:Choice>
-              <mc:Fallback>
-                <p:oleObj name="Visio" r:id="rId3" imgW="1307765" imgH="1178783" progId="Visio.Drawing.11">
-                  <p:embed/>
-                  <p:pic>
-                    <p:nvPicPr>
-                      <p:cNvPr id="0" name=""/>
-                      <p:cNvPicPr>
-                        <a:picLocks noGrp="1" noChangeAspect="1" noChangeArrowheads="1"/>
-                      </p:cNvPicPr>
-                      <p:nvPr/>
-                    </p:nvPicPr>
-                    <p:blipFill>
-                      <a:blip r:embed="rId4"/>
-                      <a:srcRect/>
-                      <a:stretch>
-                        <a:fillRect/>
-                      </a:stretch>
-                    </p:blipFill>
-                    <p:spPr bwMode="auto">
-                      <a:xfrm>
-                        <a:off x="270676" y="1695189"/>
-                        <a:ext cx="2498725" cy="2252662"/>
-                      </a:xfrm>
-                      <a:prstGeom prst="rect">
-                        <a:avLst/>
-                      </a:prstGeom>
-                      <a:noFill/>
-                    </p:spPr>
-                  </p:pic>
-                </p:oleObj>
-              </mc:Fallback>
-            </mc:AlternateContent>
+            <p:oleObj spid="_x0000_s6160" name="Visio" r:id="rId3" imgW="1307765" imgH="1178783" progId="Visio.Drawing.11">
+              <p:embed/>
+            </p:oleObj>
           </a:graphicData>
         </a:graphic>
       </p:graphicFrame>
@@ -7069,17 +7004,7 @@
                   </a:schemeClr>
                 </a:solidFill>
               </a:rPr>
-              <a:t>Вопрос: </a:t>
-            </a:r>
-            <a:r>
-              <a:rPr lang="ru-RU" sz="2400" dirty="0" smtClean="0">
-                <a:solidFill>
-                  <a:schemeClr val="accent4">
-                    <a:lumMod val="75000"/>
-                  </a:schemeClr>
-                </a:solidFill>
-              </a:rPr>
-              <a:t>Как правильно держать вилку?</a:t>
+              <a:t>Вопрос: Как правильно держать вилку?</a:t>
             </a:r>
           </a:p>
           <a:p>
@@ -7224,7 +7149,7 @@
     </p:spTree>
     <p:extLst>
       <p:ext uri="{BB962C8B-B14F-4D97-AF65-F5344CB8AC3E}">
-        <p14:creationId xmlns:p14="http://schemas.microsoft.com/office/powerpoint/2010/main" val="514771902"/>
+        <p14:creationId xmlns:p14="http://schemas.microsoft.com/office/powerpoint/2010/main" xmlns="" val="514771902"/>
       </p:ext>
     </p:extLst>
   </p:cSld>
@@ -7360,7 +7285,7 @@
     </p:spTree>
     <p:extLst>
       <p:ext uri="{BB962C8B-B14F-4D97-AF65-F5344CB8AC3E}">
-        <p14:creationId xmlns:p14="http://schemas.microsoft.com/office/powerpoint/2010/main" val="3272690493"/>
+        <p14:creationId xmlns:p14="http://schemas.microsoft.com/office/powerpoint/2010/main" xmlns="" val="3272690493"/>
       </p:ext>
     </p:extLst>
   </p:cSld>
@@ -7998,7 +7923,7 @@
     </p:spTree>
     <p:extLst>
       <p:ext uri="{BB962C8B-B14F-4D97-AF65-F5344CB8AC3E}">
-        <p14:creationId xmlns:p14="http://schemas.microsoft.com/office/powerpoint/2010/main" val="1512048420"/>
+        <p14:creationId xmlns:p14="http://schemas.microsoft.com/office/powerpoint/2010/main" xmlns="" val="1512048420"/>
       </p:ext>
     </p:extLst>
   </p:cSld>
@@ -8105,10 +8030,14 @@
           <a:lstStyle/>
           <a:p>
             <a:r>
-              <a:rPr lang="en-US" smtClean="0"/>
-              <a:t>Vladimir Krylov 2015</a:t>
-            </a:r>
-            <a:endParaRPr lang="en-US"/>
+              <a:rPr lang="en-US" dirty="0" err="1" smtClean="0"/>
+              <a:t>Artezio</a:t>
+            </a:r>
+            <a:r>
+              <a:rPr lang="en-US" dirty="0" smtClean="0"/>
+              <a:t> 2016</a:t>
+            </a:r>
+            <a:endParaRPr lang="en-US" dirty="0"/>
           </a:p>
         </p:txBody>
       </p:sp>
@@ -8302,7 +8231,7 @@
     </p:spTree>
     <p:extLst>
       <p:ext uri="{BB962C8B-B14F-4D97-AF65-F5344CB8AC3E}">
-        <p14:creationId xmlns:p14="http://schemas.microsoft.com/office/powerpoint/2010/main" val="3284975469"/>
+        <p14:creationId xmlns:p14="http://schemas.microsoft.com/office/powerpoint/2010/main" xmlns="" val="3284975469"/>
       </p:ext>
     </p:extLst>
   </p:cSld>
@@ -8368,10 +8297,14 @@
           <a:lstStyle/>
           <a:p>
             <a:r>
-              <a:rPr lang="en-US" smtClean="0"/>
-              <a:t>Vladimir Krylov 2015</a:t>
-            </a:r>
-            <a:endParaRPr lang="en-US"/>
+              <a:rPr lang="en-US" dirty="0" err="1" smtClean="0"/>
+              <a:t>Artezio</a:t>
+            </a:r>
+            <a:r>
+              <a:rPr lang="en-US" dirty="0" smtClean="0"/>
+              <a:t> 2016</a:t>
+            </a:r>
+            <a:endParaRPr lang="en-US" dirty="0"/>
           </a:p>
         </p:txBody>
       </p:sp>
@@ -8446,8 +8379,9 @@
             </a:r>
             <a:r>
               <a:rPr lang="ru-RU" dirty="0" smtClean="0"/>
-              <a:t>документ, заменяя теги на отступы</a:t>
-            </a:r>
+              <a:t>документ</a:t>
+            </a:r>
+            <a:endParaRPr lang="ru-RU" dirty="0" smtClean="0"/>
           </a:p>
           <a:p>
             <a:pPr marL="285750" indent="-285750">
@@ -8479,13 +8413,11 @@
       </p:sp>
       <p:pic>
         <p:nvPicPr>
-          <p:cNvPr id="36867" name="Picture 3"/>
+          <p:cNvPr id="36866" name="Picture 2"/>
           <p:cNvPicPr>
-            <a:picLocks noGrp="1" noChangeAspect="1" noChangeArrowheads="1"/>
+            <a:picLocks noChangeAspect="1" noChangeArrowheads="1"/>
           </p:cNvPicPr>
-          <p:nvPr>
-            <p:ph idx="1"/>
-          </p:nvPr>
+          <p:nvPr/>
         </p:nvPicPr>
         <p:blipFill>
           <a:blip r:embed="rId2" cstate="print"/>
@@ -8496,8 +8428,8 @@
         </p:blipFill>
         <p:spPr bwMode="auto">
           <a:xfrm>
-            <a:off x="1716678" y="1645080"/>
-            <a:ext cx="8915400" cy="3162300"/>
+            <a:off x="1305333" y="1717087"/>
+            <a:ext cx="9875837" cy="2657475"/>
           </a:xfrm>
           <a:prstGeom prst="rect">
             <a:avLst/>
@@ -8514,7 +8446,7 @@
     </p:spTree>
     <p:extLst>
       <p:ext uri="{BB962C8B-B14F-4D97-AF65-F5344CB8AC3E}">
-        <p14:creationId xmlns:p14="http://schemas.microsoft.com/office/powerpoint/2010/main" val="831628379"/>
+        <p14:creationId xmlns:p14="http://schemas.microsoft.com/office/powerpoint/2010/main" xmlns="" val="831628379"/>
       </p:ext>
     </p:extLst>
   </p:cSld>
@@ -8606,10 +8538,14 @@
           <a:lstStyle/>
           <a:p>
             <a:r>
-              <a:rPr lang="en-US" smtClean="0"/>
-              <a:t>Vladimir Krylov 2015</a:t>
-            </a:r>
-            <a:endParaRPr lang="en-US"/>
+              <a:rPr lang="en-US" dirty="0" err="1" smtClean="0"/>
+              <a:t>Artezio</a:t>
+            </a:r>
+            <a:r>
+              <a:rPr lang="en-US" dirty="0" smtClean="0"/>
+              <a:t> 2016</a:t>
+            </a:r>
+            <a:endParaRPr lang="en-US" dirty="0"/>
           </a:p>
         </p:txBody>
       </p:sp>
@@ -8751,7 +8687,7 @@
     </p:spTree>
     <p:extLst>
       <p:ext uri="{BB962C8B-B14F-4D97-AF65-F5344CB8AC3E}">
-        <p14:creationId xmlns:p14="http://schemas.microsoft.com/office/powerpoint/2010/main" val="4019855458"/>
+        <p14:creationId xmlns:p14="http://schemas.microsoft.com/office/powerpoint/2010/main" xmlns="" val="4019855458"/>
       </p:ext>
     </p:extLst>
   </p:cSld>
@@ -8795,7 +8731,7 @@
           <a:p>
             <a:r>
               <a:rPr lang="en-US" dirty="0" smtClean="0"/>
-              <a:t>Answer Analysis</a:t>
+              <a:t>Apache Spark</a:t>
             </a:r>
             <a:endParaRPr lang="ru-RU" dirty="0"/>
           </a:p>
@@ -8803,6 +8739,65 @@
       </p:sp>
       <p:sp>
         <p:nvSpPr>
+          <p:cNvPr id="3" name="Содержимое 2"/>
+          <p:cNvSpPr>
+            <a:spLocks noGrp="1"/>
+          </p:cNvSpPr>
+          <p:nvPr>
+            <p:ph idx="1"/>
+          </p:nvPr>
+        </p:nvSpPr>
+        <p:spPr>
+          <a:xfrm>
+            <a:off x="933994" y="4171407"/>
+            <a:ext cx="10515600" cy="1245324"/>
+          </a:xfrm>
+        </p:spPr>
+        <p:txBody>
+          <a:bodyPr>
+            <a:noAutofit/>
+          </a:bodyPr>
+          <a:lstStyle/>
+          <a:p>
+            <a:pPr>
+              <a:buNone/>
+            </a:pPr>
+            <a:r>
+              <a:rPr lang="ru-RU" sz="2200" dirty="0" smtClean="0"/>
+              <a:t>Шаг 1 – формирование набора структур с описанием файлов</a:t>
+            </a:r>
+          </a:p>
+          <a:p>
+            <a:pPr>
+              <a:buNone/>
+            </a:pPr>
+            <a:r>
+              <a:rPr lang="ru-RU" sz="2200" dirty="0" smtClean="0"/>
+              <a:t>Шаг 2 – Наполнение структур заголовками и текстами статей</a:t>
+            </a:r>
+          </a:p>
+          <a:p>
+            <a:pPr>
+              <a:buNone/>
+            </a:pPr>
+            <a:r>
+              <a:rPr lang="ru-RU" sz="2200" dirty="0" smtClean="0"/>
+              <a:t>Шаг 3 – преобразование к набору строк, содержащих необходимые </a:t>
+            </a:r>
+            <a:r>
+              <a:rPr lang="en-US" sz="2200" dirty="0" smtClean="0"/>
+              <a:t>xml-</a:t>
+            </a:r>
+            <a:r>
+              <a:rPr lang="ru-RU" sz="2200" dirty="0" smtClean="0"/>
+              <a:t>теги</a:t>
+            </a:r>
+            <a:endParaRPr lang="ru-RU" sz="2200" dirty="0"/>
+          </a:p>
+        </p:txBody>
+      </p:sp>
+      <p:sp>
+        <p:nvSpPr>
           <p:cNvPr id="4" name="Нижний колонтитул 3"/>
           <p:cNvSpPr>
             <a:spLocks noGrp="1"/>
@@ -8817,13 +8812,14 @@
           <a:lstStyle/>
           <a:p>
             <a:r>
-              <a:rPr lang="en-US" dirty="0" err="1"/>
+              <a:rPr lang="en-US" dirty="0" err="1" smtClean="0"/>
               <a:t>Artezio</a:t>
             </a:r>
             <a:r>
-              <a:rPr lang="en-US" dirty="0"/>
+              <a:rPr lang="en-US" dirty="0" smtClean="0"/>
               <a:t> 2016</a:t>
             </a:r>
+            <a:endParaRPr lang="en-US" dirty="0"/>
           </a:p>
         </p:txBody>
       </p:sp>
@@ -8851,170 +8847,39 @@
           </a:p>
         </p:txBody>
       </p:sp>
-      <p:sp>
-        <p:nvSpPr>
-          <p:cNvPr id="11" name="TextBox 10"/>
-          <p:cNvSpPr txBox="1"/>
+      <p:pic>
+        <p:nvPicPr>
+          <p:cNvPr id="41988" name="Picture 4"/>
+          <p:cNvPicPr>
+            <a:picLocks noChangeAspect="1" noChangeArrowheads="1"/>
+          </p:cNvPicPr>
           <p:nvPr/>
-        </p:nvSpPr>
-        <p:spPr>
+        </p:nvPicPr>
+        <p:blipFill>
+          <a:blip r:embed="rId2" cstate="print"/>
+          <a:srcRect/>
+          <a:stretch>
+            <a:fillRect/>
+          </a:stretch>
+        </p:blipFill>
+        <p:spPr bwMode="auto">
           <a:xfrm>
-            <a:off x="965197" y="4893734"/>
-            <a:ext cx="10447867" cy="1477328"/>
+            <a:off x="1512162" y="1875609"/>
+            <a:ext cx="9113837" cy="1905000"/>
           </a:xfrm>
           <a:prstGeom prst="rect">
             <a:avLst/>
           </a:prstGeom>
           <a:noFill/>
+          <a:ln w="9525">
+            <a:noFill/>
+            <a:miter lim="800000"/>
+            <a:headEnd/>
+            <a:tailEnd/>
+          </a:ln>
         </p:spPr>
-        <p:txBody>
-          <a:bodyPr wrap="square" rtlCol="0">
-            <a:spAutoFit/>
-          </a:bodyPr>
-          <a:lstStyle/>
-          <a:p>
-            <a:pPr marL="285750" indent="-285750">
-              <a:buFont typeface="Arial" panose="020B0604020202020204" pitchFamily="34" charset="0"/>
-              <a:buChar char="•"/>
-            </a:pPr>
-            <a:r>
-              <a:rPr lang="ru-RU" dirty="0" smtClean="0"/>
-              <a:t>Базовый морфологический </a:t>
-            </a:r>
-            <a:r>
-              <a:rPr lang="ru-RU" dirty="0" err="1" smtClean="0"/>
-              <a:t>парсинг</a:t>
-            </a:r>
-            <a:endParaRPr lang="ru-RU" dirty="0" smtClean="0"/>
-          </a:p>
-          <a:p>
-            <a:pPr marL="285750" indent="-285750">
-              <a:buFont typeface="Arial" panose="020B0604020202020204" pitchFamily="34" charset="0"/>
-              <a:buChar char="•"/>
-            </a:pPr>
-            <a:r>
-              <a:rPr lang="ru-RU" dirty="0" err="1" smtClean="0"/>
-              <a:t>Препроцессинг</a:t>
-            </a:r>
-            <a:endParaRPr lang="ru-RU" dirty="0" smtClean="0"/>
-          </a:p>
-          <a:p>
-            <a:pPr marL="285750" indent="-285750">
-              <a:buFont typeface="Arial" panose="020B0604020202020204" pitchFamily="34" charset="0"/>
-              <a:buChar char="•"/>
-            </a:pPr>
-            <a:r>
-              <a:rPr lang="ru-RU" dirty="0" smtClean="0"/>
-              <a:t>Извлечение лексических типов ответа (</a:t>
-            </a:r>
-            <a:r>
-              <a:rPr lang="en-US" dirty="0" smtClean="0"/>
-              <a:t>LAT)</a:t>
-            </a:r>
-            <a:endParaRPr lang="ru-RU" dirty="0" smtClean="0"/>
-          </a:p>
-          <a:p>
-            <a:pPr marL="285750" indent="-285750">
-              <a:buFont typeface="Arial" panose="020B0604020202020204" pitchFamily="34" charset="0"/>
-              <a:buChar char="•"/>
-            </a:pPr>
-            <a:r>
-              <a:rPr lang="ru-RU" dirty="0" smtClean="0"/>
-              <a:t>Продолжение следует…</a:t>
-            </a:r>
-          </a:p>
-          <a:p>
-            <a:pPr marL="285750" indent="-285750">
-              <a:buFont typeface="Arial" panose="020B0604020202020204" pitchFamily="34" charset="0"/>
-              <a:buChar char="•"/>
-            </a:pPr>
-            <a:endParaRPr lang="ru-RU" dirty="0"/>
-          </a:p>
-        </p:txBody>
-      </p:sp>
-      <p:graphicFrame>
-        <p:nvGraphicFramePr>
-          <p:cNvPr id="7" name="Content Placeholder 6"/>
-          <p:cNvGraphicFramePr>
-            <a:graphicFrameLocks noGrp="1" noChangeAspect="1"/>
-          </p:cNvGraphicFramePr>
-          <p:nvPr>
-            <p:ph idx="1"/>
-            <p:extLst>
-              <p:ext uri="{D42A27DB-BD31-4B8C-83A1-F6EECF244321}">
-                <p14:modId xmlns:p14="http://schemas.microsoft.com/office/powerpoint/2010/main" val="1093873912"/>
-              </p:ext>
-            </p:extLst>
-          </p:nvPr>
-        </p:nvGraphicFramePr>
-        <p:xfrm>
-          <a:off x="965198" y="1387475"/>
-          <a:ext cx="10016069" cy="3351852"/>
-        </p:xfrm>
-        <a:graphic>
-          <a:graphicData uri="http://schemas.openxmlformats.org/presentationml/2006/ole">
-            <mc:AlternateContent xmlns:mc="http://schemas.openxmlformats.org/markup-compatibility/2006">
-              <mc:Choice xmlns:v="urn:schemas-microsoft-com:vml" Requires="v">
-                <p:oleObj spid="_x0000_s3087" name="Visio" r:id="rId3" imgW="8440844" imgH="2825010" progId="Visio.Drawing.11">
-                  <p:embed/>
-                </p:oleObj>
-              </mc:Choice>
-              <mc:Fallback>
-                <p:oleObj name="Visio" r:id="rId3" imgW="8440844" imgH="2825010" progId="Visio.Drawing.11">
-                  <p:embed/>
-                  <p:pic>
-                    <p:nvPicPr>
-                      <p:cNvPr id="0" name="Picture 8"/>
-                      <p:cNvPicPr>
-                        <a:picLocks noGrp="1" noChangeAspect="1" noChangeArrowheads="1"/>
-                      </p:cNvPicPr>
-                      <p:nvPr/>
-                    </p:nvPicPr>
-                    <p:blipFill>
-                      <a:blip r:embed="rId4">
-                        <a:extLst>
-                          <a:ext uri="{28A0092B-C50C-407E-A947-70E740481C1C}">
-                            <a14:useLocalDpi xmlns:a14="http://schemas.microsoft.com/office/drawing/2010/main" val="0"/>
-                          </a:ext>
-                        </a:extLst>
-                      </a:blip>
-                      <a:srcRect/>
-                      <a:stretch>
-                        <a:fillRect/>
-                      </a:stretch>
-                    </p:blipFill>
-                    <p:spPr bwMode="auto">
-                      <a:xfrm>
-                        <a:off x="965198" y="1387475"/>
-                        <a:ext cx="10016069" cy="3351852"/>
-                      </a:xfrm>
-                      <a:prstGeom prst="rect">
-                        <a:avLst/>
-                      </a:prstGeom>
-                      <a:noFill/>
-                      <a:extLst>
-                        <a:ext uri="{909E8E84-426E-40DD-AFC4-6F175D3DCCD1}">
-                          <a14:hiddenFill xmlns:a14="http://schemas.microsoft.com/office/drawing/2010/main">
-                            <a:solidFill>
-                              <a:srgbClr val="FFFFFF"/>
-                            </a:solidFill>
-                          </a14:hiddenFill>
-                        </a:ext>
-                      </a:extLst>
-                    </p:spPr>
-                  </p:pic>
-                </p:oleObj>
-              </mc:Fallback>
-            </mc:AlternateContent>
-          </a:graphicData>
-        </a:graphic>
-      </p:graphicFrame>
+      </p:pic>
     </p:spTree>
-    <p:extLst>
-      <p:ext uri="{BB962C8B-B14F-4D97-AF65-F5344CB8AC3E}">
-        <p14:creationId xmlns:p14="http://schemas.microsoft.com/office/powerpoint/2010/main" val="1920304825"/>
-      </p:ext>
-    </p:extLst>
   </p:cSld>
   <p:clrMapOvr>
     <a:masterClrMapping/>
@@ -9140,16 +9005,13 @@
             </a:pPr>
             <a:r>
               <a:rPr lang="ru-RU" dirty="0" smtClean="0"/>
-              <a:t>Приведение </a:t>
-            </a:r>
-            <a:r>
-              <a:rPr lang="en-US" dirty="0" smtClean="0"/>
-              <a:t>LAT </a:t>
-            </a:r>
-            <a:r>
-              <a:rPr lang="ru-RU" dirty="0" smtClean="0"/>
-              <a:t>к каноническому виду</a:t>
-            </a:r>
+              <a:t>Базовый морфологический </a:t>
+            </a:r>
+            <a:r>
+              <a:rPr lang="ru-RU" dirty="0" err="1" smtClean="0"/>
+              <a:t>парсинг</a:t>
+            </a:r>
+            <a:endParaRPr lang="ru-RU" dirty="0" smtClean="0"/>
           </a:p>
           <a:p>
             <a:pPr marL="285750" indent="-285750">
@@ -9157,25 +9019,10 @@
               <a:buChar char="•"/>
             </a:pPr>
             <a:r>
-              <a:rPr lang="ru-RU" dirty="0" smtClean="0"/>
-              <a:t>Сравнение </a:t>
-            </a:r>
-            <a:r>
-              <a:rPr lang="en-US" dirty="0" smtClean="0"/>
-              <a:t>LAT </a:t>
-            </a:r>
-            <a:r>
-              <a:rPr lang="ru-RU" dirty="0" smtClean="0"/>
-              <a:t>ответа с </a:t>
-            </a:r>
-            <a:r>
-              <a:rPr lang="en-US" dirty="0" smtClean="0"/>
-              <a:t>Clue </a:t>
-            </a:r>
-            <a:r>
-              <a:rPr lang="ru-RU" dirty="0" smtClean="0"/>
-              <a:t>из вопроса по различным критериями</a:t>
-            </a:r>
+              <a:rPr lang="ru-RU" dirty="0" err="1" smtClean="0"/>
+              <a:t>Препроцессинг</a:t>
+            </a:r>
+            <a:endParaRPr lang="ru-RU" dirty="0" smtClean="0"/>
           </a:p>
           <a:p>
             <a:pPr marL="285750" indent="-285750">
@@ -9183,28 +9030,12 @@
               <a:buChar char="•"/>
             </a:pPr>
             <a:r>
-              <a:rPr lang="ru-RU" dirty="0"/>
-              <a:t>Сравнение </a:t>
-            </a:r>
-            <a:r>
-              <a:rPr lang="en-US" dirty="0"/>
-              <a:t>LAT </a:t>
-            </a:r>
-            <a:r>
-              <a:rPr lang="ru-RU" dirty="0"/>
-              <a:t>ответа с </a:t>
+              <a:rPr lang="ru-RU" dirty="0" smtClean="0"/>
+              <a:t>Извлечение лексических типов ответа (</a:t>
             </a:r>
             <a:r>
               <a:rPr lang="en-US" dirty="0" smtClean="0"/>
-              <a:t>LAT </a:t>
-            </a:r>
-            <a:r>
-              <a:rPr lang="ru-RU" dirty="0" smtClean="0"/>
-              <a:t>из вопроса </a:t>
-            </a:r>
-            <a:r>
-              <a:rPr lang="ru-RU" dirty="0"/>
-              <a:t>по различным критериями</a:t>
+              <a:t>LAT)</a:t>
             </a:r>
             <a:endParaRPr lang="ru-RU" dirty="0" smtClean="0"/>
           </a:p>
@@ -9215,7 +9046,7 @@
             </a:pPr>
             <a:r>
               <a:rPr lang="ru-RU" dirty="0" smtClean="0"/>
-              <a:t>Формирование массива метрик</a:t>
+              <a:t>Продолжение следует…</a:t>
             </a:r>
           </a:p>
           <a:p>
@@ -9223,17 +9054,13 @@
               <a:buFont typeface="Arial" panose="020B0604020202020204" pitchFamily="34" charset="0"/>
               <a:buChar char="•"/>
             </a:pPr>
-            <a:r>
-              <a:rPr lang="ru-RU" dirty="0" smtClean="0"/>
-              <a:t>Вычисление финальной метрики</a:t>
-            </a:r>
             <a:endParaRPr lang="ru-RU" dirty="0"/>
           </a:p>
         </p:txBody>
       </p:sp>
       <p:graphicFrame>
         <p:nvGraphicFramePr>
-          <p:cNvPr id="6" name="Content Placeholder 5"/>
+          <p:cNvPr id="7" name="Content Placeholder 6"/>
           <p:cNvGraphicFramePr>
             <a:graphicFrameLocks noGrp="1" noChangeAspect="1"/>
           </p:cNvGraphicFramePr>
@@ -9241,77 +9068,27 @@
             <p:ph idx="1"/>
             <p:extLst>
               <p:ext uri="{D42A27DB-BD31-4B8C-83A1-F6EECF244321}">
-                <p14:modId xmlns:p14="http://schemas.microsoft.com/office/powerpoint/2010/main" val="4199217271"/>
+                <p14:modId xmlns:p14="http://schemas.microsoft.com/office/powerpoint/2010/main" xmlns="" val="1093873912"/>
               </p:ext>
             </p:extLst>
           </p:nvPr>
         </p:nvGraphicFramePr>
         <p:xfrm>
-          <a:off x="897464" y="1305455"/>
-          <a:ext cx="8940803" cy="3605206"/>
+          <a:off x="965198" y="1387475"/>
+          <a:ext cx="10016069" cy="3351852"/>
         </p:xfrm>
         <a:graphic>
           <a:graphicData uri="http://schemas.openxmlformats.org/presentationml/2006/ole">
-            <mc:AlternateContent xmlns:mc="http://schemas.openxmlformats.org/markup-compatibility/2006">
-              <mc:Choice xmlns:v="urn:schemas-microsoft-com:vml" Requires="v">
-                <p:oleObj spid="_x0000_s4111" name="Visio" r:id="rId3" imgW="6334888" imgH="2555010" progId="Visio.Drawing.11">
-                  <p:embed/>
-                </p:oleObj>
-              </mc:Choice>
-              <mc:Fallback>
-                <p:oleObj name="Visio" r:id="rId3" imgW="6334888" imgH="2555010" progId="Visio.Drawing.11">
-                  <p:embed/>
-                  <p:pic>
-                    <p:nvPicPr>
-                      <p:cNvPr id="0" name="Picture 8"/>
-                      <p:cNvPicPr>
-                        <a:picLocks noGrp="1" noChangeAspect="1" noChangeArrowheads="1"/>
-                      </p:cNvPicPr>
-                      <p:nvPr/>
-                    </p:nvPicPr>
-                    <p:blipFill>
-                      <a:blip r:embed="rId4">
-                        <a:extLst>
-                          <a:ext uri="{28A0092B-C50C-407E-A947-70E740481C1C}">
-                            <a14:useLocalDpi xmlns:a14="http://schemas.microsoft.com/office/drawing/2010/main" val="0"/>
-                          </a:ext>
-                        </a:extLst>
-                      </a:blip>
-                      <a:srcRect/>
-                      <a:stretch>
-                        <a:fillRect/>
-                      </a:stretch>
-                    </p:blipFill>
-                    <p:spPr bwMode="auto">
-                      <a:xfrm>
-                        <a:off x="897464" y="1305455"/>
-                        <a:ext cx="8940803" cy="3605206"/>
-                      </a:xfrm>
-                      <a:prstGeom prst="rect">
-                        <a:avLst/>
-                      </a:prstGeom>
-                      <a:noFill/>
-                      <a:extLst>
-                        <a:ext uri="{909E8E84-426E-40DD-AFC4-6F175D3DCCD1}">
-                          <a14:hiddenFill xmlns:a14="http://schemas.microsoft.com/office/drawing/2010/main">
-                            <a:solidFill>
-                              <a:srgbClr val="FFFFFF"/>
-                            </a:solidFill>
-                          </a14:hiddenFill>
-                        </a:ext>
-                      </a:extLst>
-                    </p:spPr>
-                  </p:pic>
-                </p:oleObj>
-              </mc:Fallback>
-            </mc:AlternateContent>
+            <p:oleObj spid="_x0000_s3087" name="Visio" r:id="rId3" imgW="8440844" imgH="2825010" progId="Visio.Drawing.11">
+              <p:embed/>
+            </p:oleObj>
           </a:graphicData>
         </a:graphic>
       </p:graphicFrame>
     </p:spTree>
     <p:extLst>
       <p:ext uri="{BB962C8B-B14F-4D97-AF65-F5344CB8AC3E}">
-        <p14:creationId xmlns:p14="http://schemas.microsoft.com/office/powerpoint/2010/main" val="521732281"/>
+        <p14:creationId xmlns:p14="http://schemas.microsoft.com/office/powerpoint/2010/main" xmlns="" val="1920304825"/>
       </p:ext>
     </p:extLst>
   </p:cSld>
@@ -9354,69 +9131,9 @@
           <a:lstStyle/>
           <a:p>
             <a:r>
-              <a:rPr lang="ru-RU" dirty="0" smtClean="0"/>
-              <a:t>Полученные результаты</a:t>
-            </a:r>
-            <a:endParaRPr lang="ru-RU" dirty="0"/>
-          </a:p>
-        </p:txBody>
-      </p:sp>
-      <p:sp>
-        <p:nvSpPr>
-          <p:cNvPr id="3" name="Объект 2"/>
-          <p:cNvSpPr>
-            <a:spLocks noGrp="1"/>
-          </p:cNvSpPr>
-          <p:nvPr>
-            <p:ph idx="1"/>
-          </p:nvPr>
-        </p:nvSpPr>
-        <p:spPr/>
-        <p:txBody>
-          <a:bodyPr/>
-          <a:lstStyle/>
-          <a:p>
-            <a:r>
-              <a:rPr lang="ru-RU" dirty="0" smtClean="0"/>
-              <a:t>На выборке в 50 вопросов</a:t>
-            </a:r>
-          </a:p>
-          <a:p>
-            <a:pPr lvl="1"/>
-            <a:r>
-              <a:rPr lang="ru-RU" dirty="0" smtClean="0"/>
-              <a:t>% получения ответа: </a:t>
-            </a:r>
-            <a:r>
-              <a:rPr lang="ru-RU" b="1" dirty="0" smtClean="0"/>
-              <a:t>60%</a:t>
-            </a:r>
-          </a:p>
-          <a:p>
-            <a:pPr lvl="1"/>
-            <a:r>
-              <a:rPr lang="ru-RU" dirty="0" smtClean="0"/>
-              <a:t>Условная точность ответа: </a:t>
-            </a:r>
-            <a:r>
-              <a:rPr lang="ru-RU" b="1" dirty="0" smtClean="0"/>
-              <a:t>80%</a:t>
-            </a:r>
-          </a:p>
-          <a:p>
-            <a:r>
-              <a:rPr lang="ru-RU" dirty="0" smtClean="0"/>
-              <a:t>Время ответа на 1 вопрос 1-3 мин</a:t>
-            </a:r>
-          </a:p>
-          <a:p>
-            <a:endParaRPr lang="ru-RU" dirty="0" smtClean="0"/>
-          </a:p>
-          <a:p>
-            <a:endParaRPr lang="ru-RU" dirty="0" smtClean="0"/>
-          </a:p>
-          <a:p>
-            <a:pPr lvl="1"/>
+              <a:rPr lang="en-US" dirty="0" smtClean="0"/>
+              <a:t>Answer Analysis</a:t>
+            </a:r>
             <a:endParaRPr lang="ru-RU" dirty="0"/>
           </a:p>
         </p:txBody>
@@ -9471,10 +9188,156 @@
           </a:p>
         </p:txBody>
       </p:sp>
+      <p:sp>
+        <p:nvSpPr>
+          <p:cNvPr id="11" name="TextBox 10"/>
+          <p:cNvSpPr txBox="1"/>
+          <p:nvPr/>
+        </p:nvSpPr>
+        <p:spPr>
+          <a:xfrm>
+            <a:off x="965197" y="4893734"/>
+            <a:ext cx="10447867" cy="1477328"/>
+          </a:xfrm>
+          <a:prstGeom prst="rect">
+            <a:avLst/>
+          </a:prstGeom>
+          <a:noFill/>
+        </p:spPr>
+        <p:txBody>
+          <a:bodyPr wrap="square" rtlCol="0">
+            <a:spAutoFit/>
+          </a:bodyPr>
+          <a:lstStyle/>
+          <a:p>
+            <a:pPr marL="285750" indent="-285750">
+              <a:buFont typeface="Arial" panose="020B0604020202020204" pitchFamily="34" charset="0"/>
+              <a:buChar char="•"/>
+            </a:pPr>
+            <a:r>
+              <a:rPr lang="ru-RU" dirty="0" smtClean="0"/>
+              <a:t>Приведение </a:t>
+            </a:r>
+            <a:r>
+              <a:rPr lang="en-US" dirty="0" smtClean="0"/>
+              <a:t>LAT </a:t>
+            </a:r>
+            <a:r>
+              <a:rPr lang="ru-RU" dirty="0" smtClean="0"/>
+              <a:t>к каноническому виду</a:t>
+            </a:r>
+          </a:p>
+          <a:p>
+            <a:pPr marL="285750" indent="-285750">
+              <a:buFont typeface="Arial" panose="020B0604020202020204" pitchFamily="34" charset="0"/>
+              <a:buChar char="•"/>
+            </a:pPr>
+            <a:r>
+              <a:rPr lang="ru-RU" dirty="0" smtClean="0"/>
+              <a:t>Сравнение </a:t>
+            </a:r>
+            <a:r>
+              <a:rPr lang="en-US" dirty="0" smtClean="0"/>
+              <a:t>LAT </a:t>
+            </a:r>
+            <a:r>
+              <a:rPr lang="ru-RU" dirty="0" smtClean="0"/>
+              <a:t>ответа с </a:t>
+            </a:r>
+            <a:r>
+              <a:rPr lang="en-US" dirty="0" smtClean="0"/>
+              <a:t>Clue </a:t>
+            </a:r>
+            <a:r>
+              <a:rPr lang="ru-RU" dirty="0" smtClean="0"/>
+              <a:t>из вопроса по различным критериями</a:t>
+            </a:r>
+          </a:p>
+          <a:p>
+            <a:pPr marL="285750" indent="-285750">
+              <a:buFont typeface="Arial" panose="020B0604020202020204" pitchFamily="34" charset="0"/>
+              <a:buChar char="•"/>
+            </a:pPr>
+            <a:r>
+              <a:rPr lang="ru-RU" dirty="0"/>
+              <a:t>Сравнение </a:t>
+            </a:r>
+            <a:r>
+              <a:rPr lang="en-US" dirty="0"/>
+              <a:t>LAT </a:t>
+            </a:r>
+            <a:r>
+              <a:rPr lang="ru-RU" dirty="0"/>
+              <a:t>ответа с </a:t>
+            </a:r>
+            <a:r>
+              <a:rPr lang="en-US" dirty="0" smtClean="0"/>
+              <a:t>LAT </a:t>
+            </a:r>
+            <a:r>
+              <a:rPr lang="ru-RU" dirty="0" smtClean="0"/>
+              <a:t>из вопроса </a:t>
+            </a:r>
+            <a:r>
+              <a:rPr lang="ru-RU" dirty="0"/>
+              <a:t>по различным критериями</a:t>
+            </a:r>
+            <a:endParaRPr lang="ru-RU" dirty="0" smtClean="0"/>
+          </a:p>
+          <a:p>
+            <a:pPr marL="285750" indent="-285750">
+              <a:buFont typeface="Arial" panose="020B0604020202020204" pitchFamily="34" charset="0"/>
+              <a:buChar char="•"/>
+            </a:pPr>
+            <a:r>
+              <a:rPr lang="ru-RU" dirty="0" smtClean="0"/>
+              <a:t>Формирование массива метрик</a:t>
+            </a:r>
+          </a:p>
+          <a:p>
+            <a:pPr marL="285750" indent="-285750">
+              <a:buFont typeface="Arial" panose="020B0604020202020204" pitchFamily="34" charset="0"/>
+              <a:buChar char="•"/>
+            </a:pPr>
+            <a:r>
+              <a:rPr lang="ru-RU" dirty="0" smtClean="0"/>
+              <a:t>Вычисление финальной метрики</a:t>
+            </a:r>
+            <a:endParaRPr lang="ru-RU" dirty="0"/>
+          </a:p>
+        </p:txBody>
+      </p:sp>
+      <p:graphicFrame>
+        <p:nvGraphicFramePr>
+          <p:cNvPr id="6" name="Content Placeholder 5"/>
+          <p:cNvGraphicFramePr>
+            <a:graphicFrameLocks noGrp="1" noChangeAspect="1"/>
+          </p:cNvGraphicFramePr>
+          <p:nvPr>
+            <p:ph idx="1"/>
+            <p:extLst>
+              <p:ext uri="{D42A27DB-BD31-4B8C-83A1-F6EECF244321}">
+                <p14:modId xmlns:p14="http://schemas.microsoft.com/office/powerpoint/2010/main" xmlns="" val="4199217271"/>
+              </p:ext>
+            </p:extLst>
+          </p:nvPr>
+        </p:nvGraphicFramePr>
+        <p:xfrm>
+          <a:off x="897464" y="1305455"/>
+          <a:ext cx="8940803" cy="3605206"/>
+        </p:xfrm>
+        <a:graphic>
+          <a:graphicData uri="http://schemas.openxmlformats.org/presentationml/2006/ole">
+            <p:oleObj spid="_x0000_s4111" name="Visio" r:id="rId3" imgW="6334888" imgH="2555010" progId="Visio.Drawing.11">
+              <p:embed/>
+            </p:oleObj>
+          </a:graphicData>
+        </a:graphic>
+      </p:graphicFrame>
     </p:spTree>
     <p:extLst>
       <p:ext uri="{BB962C8B-B14F-4D97-AF65-F5344CB8AC3E}">
-        <p14:creationId xmlns:p14="http://schemas.microsoft.com/office/powerpoint/2010/main" val="2907781502"/>
+        <p14:creationId xmlns:p14="http://schemas.microsoft.com/office/powerpoint/2010/main" xmlns="" val="521732281"/>
       </p:ext>
     </p:extLst>
   </p:cSld>
@@ -9518,7 +9381,7 @@
           <a:p>
             <a:r>
               <a:rPr lang="ru-RU" dirty="0" smtClean="0"/>
-              <a:t>Полученный опыт</a:t>
+              <a:t>Полученные результаты</a:t>
             </a:r>
             <a:endParaRPr lang="ru-RU" dirty="0"/>
           </a:p>
@@ -9541,75 +9404,36 @@
           <a:p>
             <a:r>
               <a:rPr lang="ru-RU" dirty="0" smtClean="0"/>
-              <a:t>Инструменты </a:t>
-            </a:r>
-            <a:r>
-              <a:rPr lang="en-US" dirty="0" smtClean="0"/>
-              <a:t>NLP </a:t>
-            </a:r>
+              <a:t>На выборке в 50 вопросов</a:t>
+            </a:r>
+          </a:p>
+          <a:p>
+            <a:pPr lvl="1"/>
             <a:r>
               <a:rPr lang="ru-RU" dirty="0" smtClean="0"/>
-              <a:t>для русского языка</a:t>
-            </a:r>
-            <a:r>
-              <a:rPr lang="en-US" dirty="0" smtClean="0"/>
-              <a:t> </a:t>
-            </a:r>
+              <a:t>% получения ответа: </a:t>
+            </a:r>
+            <a:r>
+              <a:rPr lang="ru-RU" b="1" dirty="0" smtClean="0"/>
+              <a:t>60%</a:t>
+            </a:r>
+          </a:p>
+          <a:p>
+            <a:pPr lvl="1"/>
             <a:r>
               <a:rPr lang="ru-RU" dirty="0" smtClean="0"/>
-              <a:t>очень «сырые»</a:t>
-            </a:r>
-            <a:endParaRPr lang="en-US" dirty="0" smtClean="0"/>
+              <a:t>Условная точность ответа: </a:t>
+            </a:r>
+            <a:r>
+              <a:rPr lang="ru-RU" b="1" dirty="0" smtClean="0"/>
+              <a:t>80%</a:t>
+            </a:r>
           </a:p>
           <a:p>
             <a:r>
               <a:rPr lang="ru-RU" dirty="0" smtClean="0"/>
-              <a:t>Материалы и модели имеют сомнительные лицензии</a:t>
-            </a:r>
-          </a:p>
-          <a:p>
-            <a:r>
-              <a:rPr lang="ru-RU" dirty="0"/>
-              <a:t>Инструменты </a:t>
-            </a:r>
-            <a:r>
-              <a:rPr lang="en-US" dirty="0"/>
-              <a:t>NLP </a:t>
-            </a:r>
-            <a:r>
-              <a:rPr lang="ru-RU" dirty="0"/>
-              <a:t>крайне ресурсоемки (</a:t>
-            </a:r>
-            <a:r>
-              <a:rPr lang="en-US" dirty="0"/>
-              <a:t>32-256 Gb RAM</a:t>
-            </a:r>
-            <a:r>
-              <a:rPr lang="en-US" dirty="0" smtClean="0"/>
-              <a:t>)</a:t>
-            </a:r>
-            <a:endParaRPr lang="ru-RU" dirty="0" smtClean="0"/>
-          </a:p>
-          <a:p>
-            <a:r>
-              <a:rPr lang="en-US" dirty="0" smtClean="0"/>
-              <a:t>Apache UIMA</a:t>
-            </a:r>
-            <a:r>
-              <a:rPr lang="ru-RU" dirty="0" smtClean="0"/>
-              <a:t> не совместима с версией </a:t>
-            </a:r>
-            <a:r>
-              <a:rPr lang="en-US" dirty="0" smtClean="0"/>
-              <a:t>Apache Spark</a:t>
-            </a:r>
-            <a:r>
-              <a:rPr lang="ru-RU" dirty="0" smtClean="0"/>
-              <a:t> на кластере</a:t>
-            </a:r>
-          </a:p>
-          <a:p>
-            <a:endParaRPr lang="ru-RU" dirty="0" smtClean="0"/>
+              <a:t>Время ответа на 1 вопрос 1-3 мин</a:t>
+            </a:r>
           </a:p>
           <a:p>
             <a:endParaRPr lang="ru-RU" dirty="0" smtClean="0"/>
@@ -9676,7 +9500,7 @@
     </p:spTree>
     <p:extLst>
       <p:ext uri="{BB962C8B-B14F-4D97-AF65-F5344CB8AC3E}">
-        <p14:creationId xmlns:p14="http://schemas.microsoft.com/office/powerpoint/2010/main" val="2252048810"/>
+        <p14:creationId xmlns:p14="http://schemas.microsoft.com/office/powerpoint/2010/main" xmlns="" val="2907781502"/>
       </p:ext>
     </p:extLst>
   </p:cSld>
@@ -9720,7 +9544,7 @@
           <a:p>
             <a:r>
               <a:rPr lang="ru-RU" dirty="0" smtClean="0"/>
-              <a:t>Используемые ресурсы</a:t>
+              <a:t>Полученный опыт</a:t>
             </a:r>
             <a:endParaRPr lang="ru-RU" dirty="0"/>
           </a:p>
@@ -9742,59 +9566,91 @@
           <a:lstStyle/>
           <a:p>
             <a:r>
-              <a:rPr lang="en-US" dirty="0" err="1" smtClean="0"/>
-              <a:t>DbPedia</a:t>
-            </a:r>
-            <a:r>
               <a:rPr lang="ru-RU" dirty="0" smtClean="0"/>
-              <a:t> (</a:t>
+              <a:t>Инструменты </a:t>
             </a:r>
             <a:r>
               <a:rPr lang="en-US" dirty="0" smtClean="0"/>
-              <a:t>several datasets)</a:t>
-            </a:r>
-          </a:p>
-          <a:p>
-            <a:r>
-              <a:rPr lang="en-US" dirty="0" err="1" smtClean="0"/>
-              <a:t>Wordnet</a:t>
-            </a:r>
-            <a:endParaRPr lang="en-US" dirty="0" smtClean="0"/>
-          </a:p>
-          <a:p>
-            <a:r>
-              <a:rPr lang="en-US" dirty="0" smtClean="0"/>
-              <a:t>Freebase</a:t>
-            </a:r>
-          </a:p>
-          <a:p>
-            <a:r>
-              <a:rPr lang="en-US" dirty="0" err="1" smtClean="0"/>
-              <a:t>Yandex</a:t>
+              <a:t>NLP </a:t>
+            </a:r>
+            <a:r>
+              <a:rPr lang="ru-RU" dirty="0" smtClean="0"/>
+              <a:t>для русского языка</a:t>
             </a:r>
             <a:r>
               <a:rPr lang="en-US" dirty="0" smtClean="0"/>
               <a:t> </a:t>
             </a:r>
             <a:r>
-              <a:rPr lang="en-US" dirty="0" err="1" smtClean="0"/>
-              <a:t>SpeechKit</a:t>
+              <a:rPr lang="ru-RU" dirty="0" smtClean="0"/>
+              <a:t>очень «сырые»</a:t>
             </a:r>
             <a:endParaRPr lang="en-US" dirty="0" smtClean="0"/>
           </a:p>
           <a:p>
             <a:r>
-              <a:rPr lang="en-US" dirty="0" err="1" smtClean="0"/>
-              <a:t>OpenCorpora</a:t>
-            </a:r>
-            <a:endParaRPr lang="en-US" dirty="0" smtClean="0"/>
-          </a:p>
-          <a:p>
-            <a:r>
-              <a:rPr lang="ru-RU" dirty="0" err="1" smtClean="0"/>
-              <a:t>СинТагРус</a:t>
-            </a:r>
-            <a:endParaRPr lang="en-US" dirty="0" smtClean="0"/>
+              <a:rPr lang="ru-RU" dirty="0" smtClean="0"/>
+              <a:t>Материалы и модели имеют сомнительные лицензии</a:t>
+            </a:r>
+          </a:p>
+          <a:p>
+            <a:r>
+              <a:rPr lang="ru-RU" dirty="0"/>
+              <a:t>Инструменты </a:t>
+            </a:r>
+            <a:r>
+              <a:rPr lang="en-US" dirty="0"/>
+              <a:t>NLP </a:t>
+            </a:r>
+            <a:r>
+              <a:rPr lang="ru-RU" dirty="0"/>
+              <a:t>крайне ресурсоемки (</a:t>
+            </a:r>
+            <a:r>
+              <a:rPr lang="en-US" dirty="0"/>
+              <a:t>32-256 Gb RAM</a:t>
+            </a:r>
+            <a:r>
+              <a:rPr lang="en-US" dirty="0" smtClean="0"/>
+              <a:t>)</a:t>
+            </a:r>
+            <a:endParaRPr lang="ru-RU" dirty="0" smtClean="0"/>
+          </a:p>
+          <a:p>
+            <a:r>
+              <a:rPr lang="ru-RU" dirty="0" smtClean="0"/>
+              <a:t>Внедрение </a:t>
+            </a:r>
+            <a:r>
+              <a:rPr lang="en-US" dirty="0" smtClean="0"/>
+              <a:t>Apache Spark </a:t>
+            </a:r>
+            <a:r>
+              <a:rPr lang="ru-RU" dirty="0" smtClean="0"/>
+              <a:t>в приложение, написанное изначально без учёта специфики </a:t>
+            </a:r>
+            <a:r>
+              <a:rPr lang="en-US" dirty="0" smtClean="0"/>
+              <a:t>Spark API </a:t>
+            </a:r>
+            <a:r>
+              <a:rPr lang="ru-RU" dirty="0" smtClean="0"/>
+              <a:t>– трудоёмкая задача</a:t>
+            </a:r>
+            <a:endParaRPr lang="ru-RU" dirty="0" smtClean="0"/>
+          </a:p>
+          <a:p>
+            <a:endParaRPr lang="ru-RU" dirty="0" smtClean="0"/>
+          </a:p>
+          <a:p>
+            <a:endParaRPr lang="ru-RU" dirty="0" smtClean="0"/>
+          </a:p>
+          <a:p>
+            <a:endParaRPr lang="ru-RU" dirty="0" smtClean="0"/>
+          </a:p>
+          <a:p>
+            <a:pPr lvl="1"/>
+            <a:endParaRPr lang="ru-RU" dirty="0"/>
           </a:p>
         </p:txBody>
       </p:sp>
@@ -9851,7 +9707,7 @@
     </p:spTree>
     <p:extLst>
       <p:ext uri="{BB962C8B-B14F-4D97-AF65-F5344CB8AC3E}">
-        <p14:creationId xmlns:p14="http://schemas.microsoft.com/office/powerpoint/2010/main" val="2143035052"/>
+        <p14:creationId xmlns:p14="http://schemas.microsoft.com/office/powerpoint/2010/main" xmlns="" val="2252048810"/>
       </p:ext>
     </p:extLst>
   </p:cSld>
@@ -9880,7 +9736,7 @@
       </p:grpSpPr>
       <p:sp>
         <p:nvSpPr>
-          <p:cNvPr id="4" name="Заголовок 3"/>
+          <p:cNvPr id="2" name="Заголовок 1"/>
           <p:cNvSpPr>
             <a:spLocks noGrp="1"/>
           </p:cNvSpPr>
@@ -9894,35 +9750,88 @@
           <a:lstStyle/>
           <a:p>
             <a:r>
+              <a:rPr lang="ru-RU" dirty="0" smtClean="0"/>
+              <a:t>Используемые ресурсы</a:t>
+            </a:r>
+            <a:endParaRPr lang="ru-RU" dirty="0"/>
+          </a:p>
+        </p:txBody>
+      </p:sp>
+      <p:sp>
+        <p:nvSpPr>
+          <p:cNvPr id="3" name="Объект 2"/>
+          <p:cNvSpPr>
+            <a:spLocks noGrp="1"/>
+          </p:cNvSpPr>
+          <p:nvPr>
+            <p:ph idx="1"/>
+          </p:nvPr>
+        </p:nvSpPr>
+        <p:spPr/>
+        <p:txBody>
+          <a:bodyPr/>
+          <a:lstStyle/>
+          <a:p>
+            <a:r>
+              <a:rPr lang="en-US" dirty="0" err="1" smtClean="0"/>
+              <a:t>DbPedia</a:t>
+            </a:r>
+            <a:r>
+              <a:rPr lang="ru-RU" dirty="0" smtClean="0"/>
+              <a:t> (</a:t>
+            </a:r>
+            <a:r>
               <a:rPr lang="en-US" dirty="0" smtClean="0"/>
-              <a:t>Q&amp;A</a:t>
-            </a:r>
-            <a:endParaRPr lang="ru-RU" dirty="0"/>
-          </a:p>
-        </p:txBody>
-      </p:sp>
-      <p:sp>
-        <p:nvSpPr>
-          <p:cNvPr id="5" name="Текст 4"/>
-          <p:cNvSpPr>
-            <a:spLocks noGrp="1"/>
-          </p:cNvSpPr>
-          <p:nvPr>
-            <p:ph type="body" idx="1"/>
-          </p:nvPr>
-        </p:nvSpPr>
-        <p:spPr/>
-        <p:txBody>
-          <a:bodyPr/>
-          <a:lstStyle/>
-          <a:p>
-            <a:endParaRPr lang="ru-RU" dirty="0"/>
-          </a:p>
-        </p:txBody>
-      </p:sp>
-      <p:sp>
-        <p:nvSpPr>
-          <p:cNvPr id="6" name="Нижний колонтитул 5"/>
+              <a:t>several datasets)</a:t>
+            </a:r>
+          </a:p>
+          <a:p>
+            <a:r>
+              <a:rPr lang="en-US" dirty="0" err="1" smtClean="0"/>
+              <a:t>Wordnet</a:t>
+            </a:r>
+            <a:endParaRPr lang="en-US" dirty="0" smtClean="0"/>
+          </a:p>
+          <a:p>
+            <a:r>
+              <a:rPr lang="en-US" dirty="0" smtClean="0"/>
+              <a:t>Freebase</a:t>
+            </a:r>
+          </a:p>
+          <a:p>
+            <a:r>
+              <a:rPr lang="en-US" dirty="0" err="1" smtClean="0"/>
+              <a:t>Yandex</a:t>
+            </a:r>
+            <a:r>
+              <a:rPr lang="en-US" dirty="0" smtClean="0"/>
+              <a:t> </a:t>
+            </a:r>
+            <a:r>
+              <a:rPr lang="en-US" dirty="0" err="1" smtClean="0"/>
+              <a:t>SpeechKit</a:t>
+            </a:r>
+            <a:endParaRPr lang="en-US" dirty="0" smtClean="0"/>
+          </a:p>
+          <a:p>
+            <a:r>
+              <a:rPr lang="en-US" dirty="0" err="1" smtClean="0"/>
+              <a:t>OpenCorpora</a:t>
+            </a:r>
+            <a:endParaRPr lang="en-US" dirty="0" smtClean="0"/>
+          </a:p>
+          <a:p>
+            <a:r>
+              <a:rPr lang="ru-RU" dirty="0" err="1" smtClean="0"/>
+              <a:t>СинТагРус</a:t>
+            </a:r>
+            <a:endParaRPr lang="en-US" dirty="0" smtClean="0"/>
+          </a:p>
+        </p:txBody>
+      </p:sp>
+      <p:sp>
+        <p:nvSpPr>
+          <p:cNvPr id="4" name="Нижний колонтитул 3"/>
           <p:cNvSpPr>
             <a:spLocks noGrp="1"/>
           </p:cNvSpPr>
@@ -9948,7 +9857,7 @@
       </p:sp>
       <p:sp>
         <p:nvSpPr>
-          <p:cNvPr id="7" name="Номер слайда 6"/>
+          <p:cNvPr id="5" name="Номер слайда 4"/>
           <p:cNvSpPr>
             <a:spLocks noGrp="1"/>
           </p:cNvSpPr>
@@ -9973,7 +9882,7 @@
     </p:spTree>
     <p:extLst>
       <p:ext uri="{BB962C8B-B14F-4D97-AF65-F5344CB8AC3E}">
-        <p14:creationId xmlns:p14="http://schemas.microsoft.com/office/powerpoint/2010/main" val="3750068630"/>
+        <p14:creationId xmlns:p14="http://schemas.microsoft.com/office/powerpoint/2010/main" xmlns="" val="2143035052"/>
       </p:ext>
     </p:extLst>
   </p:cSld>
@@ -10155,7 +10064,129 @@
     </p:spTree>
     <p:extLst>
       <p:ext uri="{BB962C8B-B14F-4D97-AF65-F5344CB8AC3E}">
-        <p14:creationId xmlns:p14="http://schemas.microsoft.com/office/powerpoint/2010/main" val="450469699"/>
+        <p14:creationId xmlns:p14="http://schemas.microsoft.com/office/powerpoint/2010/main" xmlns="" val="450469699"/>
+      </p:ext>
+    </p:extLst>
+  </p:cSld>
+  <p:clrMapOvr>
+    <a:masterClrMapping/>
+  </p:clrMapOvr>
+</p:sld>
+</file>
+
+<file path=ppt/slides/slide30.xml><?xml version="1.0" encoding="utf-8"?>
+<p:sld xmlns:a="http://schemas.openxmlformats.org/drawingml/2006/main" xmlns:r="http://schemas.openxmlformats.org/officeDocument/2006/relationships" xmlns:p="http://schemas.openxmlformats.org/presentationml/2006/main">
+  <p:cSld>
+    <p:spTree>
+      <p:nvGrpSpPr>
+        <p:cNvPr id="1" name=""/>
+        <p:cNvGrpSpPr/>
+        <p:nvPr/>
+      </p:nvGrpSpPr>
+      <p:grpSpPr>
+        <a:xfrm>
+          <a:off x="0" y="0"/>
+          <a:ext cx="0" cy="0"/>
+          <a:chOff x="0" y="0"/>
+          <a:chExt cx="0" cy="0"/>
+        </a:xfrm>
+      </p:grpSpPr>
+      <p:sp>
+        <p:nvSpPr>
+          <p:cNvPr id="4" name="Заголовок 3"/>
+          <p:cNvSpPr>
+            <a:spLocks noGrp="1"/>
+          </p:cNvSpPr>
+          <p:nvPr>
+            <p:ph type="title"/>
+          </p:nvPr>
+        </p:nvSpPr>
+        <p:spPr/>
+        <p:txBody>
+          <a:bodyPr/>
+          <a:lstStyle/>
+          <a:p>
+            <a:r>
+              <a:rPr lang="en-US" dirty="0" smtClean="0"/>
+              <a:t>Q&amp;A</a:t>
+            </a:r>
+            <a:endParaRPr lang="ru-RU" dirty="0"/>
+          </a:p>
+        </p:txBody>
+      </p:sp>
+      <p:sp>
+        <p:nvSpPr>
+          <p:cNvPr id="5" name="Текст 4"/>
+          <p:cNvSpPr>
+            <a:spLocks noGrp="1"/>
+          </p:cNvSpPr>
+          <p:nvPr>
+            <p:ph type="body" idx="1"/>
+          </p:nvPr>
+        </p:nvSpPr>
+        <p:spPr/>
+        <p:txBody>
+          <a:bodyPr/>
+          <a:lstStyle/>
+          <a:p>
+            <a:endParaRPr lang="ru-RU" dirty="0"/>
+          </a:p>
+        </p:txBody>
+      </p:sp>
+      <p:sp>
+        <p:nvSpPr>
+          <p:cNvPr id="6" name="Нижний колонтитул 5"/>
+          <p:cNvSpPr>
+            <a:spLocks noGrp="1"/>
+          </p:cNvSpPr>
+          <p:nvPr>
+            <p:ph type="ftr" sz="quarter" idx="11"/>
+          </p:nvPr>
+        </p:nvSpPr>
+        <p:spPr/>
+        <p:txBody>
+          <a:bodyPr/>
+          <a:lstStyle/>
+          <a:p>
+            <a:r>
+              <a:rPr lang="en-US" dirty="0" err="1"/>
+              <a:t>Artezio</a:t>
+            </a:r>
+            <a:r>
+              <a:rPr lang="en-US" dirty="0"/>
+              <a:t> 2016</a:t>
+            </a:r>
+          </a:p>
+        </p:txBody>
+      </p:sp>
+      <p:sp>
+        <p:nvSpPr>
+          <p:cNvPr id="7" name="Номер слайда 6"/>
+          <p:cNvSpPr>
+            <a:spLocks noGrp="1"/>
+          </p:cNvSpPr>
+          <p:nvPr>
+            <p:ph type="sldNum" sz="quarter" idx="12"/>
+          </p:nvPr>
+        </p:nvSpPr>
+        <p:spPr/>
+        <p:txBody>
+          <a:bodyPr/>
+          <a:lstStyle/>
+          <a:p>
+            <a:fld id="{53FE853A-3A55-4CD3-B026-601242F08E1E}" type="slidenum">
+              <a:rPr lang="en-US" smtClean="0"/>
+              <a:pPr/>
+              <a:t>30</a:t>
+            </a:fld>
+            <a:endParaRPr lang="en-US"/>
+          </a:p>
+        </p:txBody>
+      </p:sp>
+    </p:spTree>
+    <p:extLst>
+      <p:ext uri="{BB962C8B-B14F-4D97-AF65-F5344CB8AC3E}">
+        <p14:creationId xmlns:p14="http://schemas.microsoft.com/office/powerpoint/2010/main" xmlns="" val="3750068630"/>
       </p:ext>
     </p:extLst>
   </p:cSld>
@@ -10265,7 +10296,7 @@
             <p:ph idx="1"/>
             <p:extLst>
               <p:ext uri="{D42A27DB-BD31-4B8C-83A1-F6EECF244321}">
-                <p14:modId xmlns:p14="http://schemas.microsoft.com/office/powerpoint/2010/main" val="2657452544"/>
+                <p14:modId xmlns:p14="http://schemas.microsoft.com/office/powerpoint/2010/main" xmlns="" val="2657452544"/>
               </p:ext>
             </p:extLst>
           </p:nvPr>
@@ -10276,59 +10307,9 @@
         </p:xfrm>
         <a:graphic>
           <a:graphicData uri="http://schemas.openxmlformats.org/presentationml/2006/ole">
-            <mc:AlternateContent xmlns:mc="http://schemas.openxmlformats.org/markup-compatibility/2006">
-              <mc:Choice xmlns:v="urn:schemas-microsoft-com:vml" Requires="v">
-                <p:oleObj spid="_x0000_s1041" name="Visio" r:id="rId4" imgW="4534992" imgH="1475010" progId="Visio.Drawing.11">
-                  <p:embed/>
-                </p:oleObj>
-              </mc:Choice>
-              <mc:Fallback>
-                <p:oleObj name="Visio" r:id="rId4" imgW="4534992" imgH="1475010" progId="Visio.Drawing.11">
-                  <p:embed/>
-                  <p:pic>
-                    <p:nvPicPr>
-                      <p:cNvPr id="0" name="Picture 10"/>
-                      <p:cNvPicPr>
-                        <a:picLocks noGrp="1" noChangeAspect="1" noChangeArrowheads="1"/>
-                      </p:cNvPicPr>
-                      <p:nvPr/>
-                    </p:nvPicPr>
-                    <p:blipFill>
-                      <a:blip r:embed="rId5">
-                        <a:extLst>
-                          <a:ext uri="{28A0092B-C50C-407E-A947-70E740481C1C}">
-                            <a14:useLocalDpi xmlns:a14="http://schemas.microsoft.com/office/drawing/2010/main" val="0"/>
-                          </a:ext>
-                        </a:extLst>
-                      </a:blip>
-                      <a:srcRect/>
-                      <a:stretch>
-                        <a:fillRect/>
-                      </a:stretch>
-                    </p:blipFill>
-                    <p:spPr bwMode="auto">
-                      <a:xfrm>
-                        <a:off x="1034521" y="1456266"/>
-                        <a:ext cx="9008493" cy="2929467"/>
-                      </a:xfrm>
-                      <a:prstGeom prst="rect">
-                        <a:avLst/>
-                      </a:prstGeom>
-                      <a:noFill/>
-                      <a:extLst>
-                        <a:ext uri="{909E8E84-426E-40DD-AFC4-6F175D3DCCD1}">
-                          <a14:hiddenFill xmlns:a14="http://schemas.microsoft.com/office/drawing/2010/main">
-                            <a:solidFill>
-                              <a:srgbClr val="FFFFFF"/>
-                            </a:solidFill>
-                          </a14:hiddenFill>
-                        </a:ext>
-                      </a:extLst>
-                    </p:spPr>
-                  </p:pic>
-                </p:oleObj>
-              </mc:Fallback>
-            </mc:AlternateContent>
+            <p:oleObj spid="_x0000_s1041" name="Visio" r:id="rId4" imgW="4534992" imgH="1475010" progId="Visio.Drawing.11">
+              <p:embed/>
+            </p:oleObj>
           </a:graphicData>
         </a:graphic>
       </p:graphicFrame>
@@ -10438,7 +10419,7 @@
     </p:spTree>
     <p:extLst>
       <p:ext uri="{BB962C8B-B14F-4D97-AF65-F5344CB8AC3E}">
-        <p14:creationId xmlns:p14="http://schemas.microsoft.com/office/powerpoint/2010/main" val="31109550"/>
+        <p14:creationId xmlns:p14="http://schemas.microsoft.com/office/powerpoint/2010/main" xmlns="" val="31109550"/>
       </p:ext>
     </p:extLst>
   </p:cSld>
@@ -10632,7 +10613,7 @@
             <p:ph idx="1"/>
             <p:extLst>
               <p:ext uri="{D42A27DB-BD31-4B8C-83A1-F6EECF244321}">
-                <p14:modId xmlns:p14="http://schemas.microsoft.com/office/powerpoint/2010/main" val="4165168991"/>
+                <p14:modId xmlns:p14="http://schemas.microsoft.com/office/powerpoint/2010/main" xmlns="" val="4165168991"/>
               </p:ext>
             </p:extLst>
           </p:nvPr>
@@ -10643,60 +10624,16 @@
         </p:xfrm>
         <a:graphic>
           <a:graphicData uri="http://schemas.openxmlformats.org/presentationml/2006/ole">
-            <mc:AlternateContent xmlns:mc="http://schemas.openxmlformats.org/markup-compatibility/2006">
-              <mc:Choice xmlns:v="urn:schemas-microsoft-com:vml" Requires="v">
-                <p:oleObj spid="_x0000_s2064" name="Visio" r:id="rId3" imgW="4534811" imgH="1475110" progId="Visio.Drawing.11">
-                  <p:embed/>
-                </p:oleObj>
-              </mc:Choice>
-              <mc:Fallback>
-                <p:oleObj name="Visio" r:id="rId3" imgW="4534811" imgH="1475110" progId="Visio.Drawing.11">
-                  <p:embed/>
-                  <p:pic>
-                    <p:nvPicPr>
-                      <p:cNvPr id="0" name="Picture 9"/>
-                      <p:cNvPicPr>
-                        <a:picLocks noGrp="1" noChangeAspect="1" noChangeArrowheads="1"/>
-                      </p:cNvPicPr>
-                      <p:nvPr/>
-                    </p:nvPicPr>
-                    <p:blipFill>
-                      <a:blip r:embed="rId4"/>
-                      <a:srcRect/>
-                      <a:stretch>
-                        <a:fillRect/>
-                      </a:stretch>
-                    </p:blipFill>
-                    <p:spPr bwMode="auto">
-                      <a:xfrm>
-                        <a:off x="973661" y="1452564"/>
-                        <a:ext cx="8746066" cy="2844056"/>
-                      </a:xfrm>
-                      <a:prstGeom prst="rect">
-                        <a:avLst/>
-                      </a:prstGeom>
-                      <a:noFill/>
-                      <a:extLst>
-                        <a:ext uri="{909E8E84-426E-40DD-AFC4-6F175D3DCCD1}">
-                          <a14:hiddenFill xmlns:a14="http://schemas.microsoft.com/office/drawing/2010/main">
-                            <a:solidFill>
-                              <a:srgbClr val="FFFFFF"/>
-                            </a:solidFill>
-                          </a14:hiddenFill>
-                        </a:ext>
-                      </a:extLst>
-                    </p:spPr>
-                  </p:pic>
-                </p:oleObj>
-              </mc:Fallback>
-            </mc:AlternateContent>
+            <p:oleObj spid="_x0000_s2064" name="Visio" r:id="rId3" imgW="4534811" imgH="1475110" progId="Visio.Drawing.11">
+              <p:embed/>
+            </p:oleObj>
           </a:graphicData>
         </a:graphic>
       </p:graphicFrame>
     </p:spTree>
     <p:extLst>
       <p:ext uri="{BB962C8B-B14F-4D97-AF65-F5344CB8AC3E}">
-        <p14:creationId xmlns:p14="http://schemas.microsoft.com/office/powerpoint/2010/main" val="1995854832"/>
+        <p14:creationId xmlns:p14="http://schemas.microsoft.com/office/powerpoint/2010/main" xmlns="" val="1995854832"/>
       </p:ext>
     </p:extLst>
   </p:cSld>
@@ -10856,7 +10793,7 @@
             <p:ph idx="1"/>
             <p:extLst>
               <p:ext uri="{D42A27DB-BD31-4B8C-83A1-F6EECF244321}">
-                <p14:modId xmlns:p14="http://schemas.microsoft.com/office/powerpoint/2010/main" val="2512273438"/>
+                <p14:modId xmlns:p14="http://schemas.microsoft.com/office/powerpoint/2010/main" xmlns="" val="2512273438"/>
               </p:ext>
             </p:extLst>
           </p:nvPr>
@@ -10867,66 +10804,16 @@
         </p:xfrm>
         <a:graphic>
           <a:graphicData uri="http://schemas.openxmlformats.org/presentationml/2006/ole">
-            <mc:AlternateContent xmlns:mc="http://schemas.openxmlformats.org/markup-compatibility/2006">
-              <mc:Choice xmlns:v="urn:schemas-microsoft-com:vml" Requires="v">
-                <p:oleObj spid="_x0000_s5134" name="Visio" r:id="rId3" imgW="4534992" imgH="1475010" progId="Visio.Drawing.11">
-                  <p:embed/>
-                </p:oleObj>
-              </mc:Choice>
-              <mc:Fallback>
-                <p:oleObj name="Visio" r:id="rId3" imgW="4534992" imgH="1475010" progId="Visio.Drawing.11">
-                  <p:embed/>
-                  <p:pic>
-                    <p:nvPicPr>
-                      <p:cNvPr id="0" name="Picture 7"/>
-                      <p:cNvPicPr>
-                        <a:picLocks noGrp="1" noChangeAspect="1" noChangeArrowheads="1"/>
-                      </p:cNvPicPr>
-                      <p:nvPr/>
-                    </p:nvPicPr>
-                    <p:blipFill>
-                      <a:blip r:embed="rId4">
-                        <a:extLst>
-                          <a:ext uri="{28A0092B-C50C-407E-A947-70E740481C1C}">
-                            <a14:useLocalDpi xmlns:a14="http://schemas.microsoft.com/office/drawing/2010/main" val="0"/>
-                          </a:ext>
-                        </a:extLst>
-                      </a:blip>
-                      <a:srcRect/>
-                      <a:stretch>
-                        <a:fillRect/>
-                      </a:stretch>
-                    </p:blipFill>
-                    <p:spPr bwMode="auto">
-                      <a:xfrm>
-                        <a:off x="973661" y="1452564"/>
-                        <a:ext cx="8746066" cy="2844056"/>
-                      </a:xfrm>
-                      <a:prstGeom prst="rect">
-                        <a:avLst/>
-                      </a:prstGeom>
-                      <a:noFill/>
-                      <a:extLst>
-                        <a:ext uri="{909E8E84-426E-40DD-AFC4-6F175D3DCCD1}">
-                          <a14:hiddenFill xmlns:a14="http://schemas.microsoft.com/office/drawing/2010/main">
-                            <a:solidFill>
-                              <a:srgbClr val="FFFFFF"/>
-                            </a:solidFill>
-                          </a14:hiddenFill>
-                        </a:ext>
-                      </a:extLst>
-                    </p:spPr>
-                  </p:pic>
-                </p:oleObj>
-              </mc:Fallback>
-            </mc:AlternateContent>
+            <p:oleObj spid="_x0000_s5134" name="Visio" r:id="rId3" imgW="4534992" imgH="1475010" progId="Visio.Drawing.11">
+              <p:embed/>
+            </p:oleObj>
           </a:graphicData>
         </a:graphic>
       </p:graphicFrame>
     </p:spTree>
     <p:extLst>
       <p:ext uri="{BB962C8B-B14F-4D97-AF65-F5344CB8AC3E}">
-        <p14:creationId xmlns:p14="http://schemas.microsoft.com/office/powerpoint/2010/main" val="747328825"/>
+        <p14:creationId xmlns:p14="http://schemas.microsoft.com/office/powerpoint/2010/main" xmlns="" val="747328825"/>
       </p:ext>
     </p:extLst>
   </p:cSld>
@@ -11137,7 +11024,7 @@
           <a:blip r:embed="rId2" cstate="print">
             <a:extLst>
               <a:ext uri="{28A0092B-C50C-407E-A947-70E740481C1C}">
-                <a14:useLocalDpi xmlns:a14="http://schemas.microsoft.com/office/drawing/2010/main" val="0"/>
+                <a14:useLocalDpi xmlns:a14="http://schemas.microsoft.com/office/drawing/2010/main" xmlns="" val="0"/>
               </a:ext>
             </a:extLst>
           </a:blip>
@@ -11165,7 +11052,7 @@
           </a:ln>
           <a:extLst>
             <a:ext uri="{909E8E84-426E-40DD-AFC4-6F175D3DCCD1}">
-              <a14:hiddenFill xmlns:a14="http://schemas.microsoft.com/office/drawing/2010/main">
+              <a14:hiddenFill xmlns:a14="http://schemas.microsoft.com/office/drawing/2010/main" xmlns="">
                 <a:solidFill>
                   <a:srgbClr val="FFFFFF"/>
                 </a:solidFill>
@@ -11177,7 +11064,7 @@
     </p:spTree>
     <p:extLst>
       <p:ext uri="{BB962C8B-B14F-4D97-AF65-F5344CB8AC3E}">
-        <p14:creationId xmlns:p14="http://schemas.microsoft.com/office/powerpoint/2010/main" val="1548444148"/>
+        <p14:creationId xmlns:p14="http://schemas.microsoft.com/office/powerpoint/2010/main" xmlns="" val="1548444148"/>
       </p:ext>
     </p:extLst>
   </p:cSld>
@@ -11367,7 +11254,7 @@
           <p:nvPr>
             <p:extLst>
               <p:ext uri="{D42A27DB-BD31-4B8C-83A1-F6EECF244321}">
-                <p14:modId xmlns:p14="http://schemas.microsoft.com/office/powerpoint/2010/main" val="299227503"/>
+                <p14:modId xmlns:p14="http://schemas.microsoft.com/office/powerpoint/2010/main" xmlns="" val="299227503"/>
               </p:ext>
             </p:extLst>
           </p:nvPr>
@@ -11896,7 +11783,7 @@
           <a:blip r:embed="rId2" cstate="print">
             <a:extLst>
               <a:ext uri="{28A0092B-C50C-407E-A947-70E740481C1C}">
-                <a14:useLocalDpi xmlns:a14="http://schemas.microsoft.com/office/drawing/2010/main" val="0"/>
+                <a14:useLocalDpi xmlns:a14="http://schemas.microsoft.com/office/drawing/2010/main" xmlns="" val="0"/>
               </a:ext>
             </a:extLst>
           </a:blip>
@@ -11924,7 +11811,7 @@
           </a:ln>
           <a:extLst>
             <a:ext uri="{909E8E84-426E-40DD-AFC4-6F175D3DCCD1}">
-              <a14:hiddenFill xmlns:a14="http://schemas.microsoft.com/office/drawing/2010/main">
+              <a14:hiddenFill xmlns:a14="http://schemas.microsoft.com/office/drawing/2010/main" xmlns="">
                 <a:solidFill>
                   <a:srgbClr val="FFFFFF"/>
                 </a:solidFill>
@@ -11936,7 +11823,7 @@
     </p:spTree>
     <p:extLst>
       <p:ext uri="{BB962C8B-B14F-4D97-AF65-F5344CB8AC3E}">
-        <p14:creationId xmlns:p14="http://schemas.microsoft.com/office/powerpoint/2010/main" val="3533477141"/>
+        <p14:creationId xmlns:p14="http://schemas.microsoft.com/office/powerpoint/2010/main" xmlns="" val="3533477141"/>
       </p:ext>
     </p:extLst>
   </p:cSld>
@@ -12125,7 +12012,7 @@
           <p:nvPr>
             <p:extLst>
               <p:ext uri="{D42A27DB-BD31-4B8C-83A1-F6EECF244321}">
-                <p14:modId xmlns:p14="http://schemas.microsoft.com/office/powerpoint/2010/main" val="262787143"/>
+                <p14:modId xmlns:p14="http://schemas.microsoft.com/office/powerpoint/2010/main" xmlns="" val="262787143"/>
               </p:ext>
             </p:extLst>
           </p:nvPr>
@@ -12706,7 +12593,7 @@
           <a:blip r:embed="rId2" cstate="print">
             <a:extLst>
               <a:ext uri="{28A0092B-C50C-407E-A947-70E740481C1C}">
-                <a14:useLocalDpi xmlns:a14="http://schemas.microsoft.com/office/drawing/2010/main" val="0"/>
+                <a14:useLocalDpi xmlns:a14="http://schemas.microsoft.com/office/drawing/2010/main" xmlns="" val="0"/>
               </a:ext>
             </a:extLst>
           </a:blip>
@@ -12734,7 +12621,7 @@
           </a:ln>
           <a:extLst>
             <a:ext uri="{909E8E84-426E-40DD-AFC4-6F175D3DCCD1}">
-              <a14:hiddenFill xmlns:a14="http://schemas.microsoft.com/office/drawing/2010/main">
+              <a14:hiddenFill xmlns:a14="http://schemas.microsoft.com/office/drawing/2010/main" xmlns="">
                 <a:solidFill>
                   <a:srgbClr val="FFFFFF"/>
                 </a:solidFill>
@@ -12746,7 +12633,7 @@
     </p:spTree>
     <p:extLst>
       <p:ext uri="{BB962C8B-B14F-4D97-AF65-F5344CB8AC3E}">
-        <p14:creationId xmlns:p14="http://schemas.microsoft.com/office/powerpoint/2010/main" val="25317066"/>
+        <p14:creationId xmlns:p14="http://schemas.microsoft.com/office/powerpoint/2010/main" xmlns="" val="25317066"/>
       </p:ext>
     </p:extLst>
   </p:cSld>
@@ -13018,7 +12905,7 @@
   <a:extraClrSchemeLst/>
   <a:extLst>
     <a:ext uri="{05A4C25C-085E-4340-85A3-A5531E510DB2}">
-      <thm15:themeFamily xmlns:thm15="http://schemas.microsoft.com/office/thememl/2012/main" name="Office Theme" id="{62F939B6-93AF-4DB8-9C6B-D6C7DFDC589F}" vid="{4A3C46E8-61CC-4603-A589-7422A47A8E4A}"/>
+      <thm15:themeFamily xmlns:thm15="http://schemas.microsoft.com/office/thememl/2012/main" xmlns="" name="Office Theme" id="{62F939B6-93AF-4DB8-9C6B-D6C7DFDC589F}" vid="{4A3C46E8-61CC-4603-A589-7422A47A8E4A}"/>
     </a:ext>
   </a:extLst>
 </a:theme>
@@ -13279,7 +13166,7 @@
   <a:extraClrSchemeLst/>
   <a:extLst>
     <a:ext uri="{05A4C25C-085E-4340-85A3-A5531E510DB2}">
-      <thm15:themeFamily xmlns:thm15="http://schemas.microsoft.com/office/thememl/2012/main" name="Office Theme" id="{62F939B6-93AF-4DB8-9C6B-D6C7DFDC589F}" vid="{4A3C46E8-61CC-4603-A589-7422A47A8E4A}"/>
+      <thm15:themeFamily xmlns:thm15="http://schemas.microsoft.com/office/thememl/2012/main" xmlns="" name="Office Theme" id="{62F939B6-93AF-4DB8-9C6B-D6C7DFDC589F}" vid="{4A3C46E8-61CC-4603-A589-7422A47A8E4A}"/>
     </a:ext>
   </a:extLst>
 </a:theme>
